--- a/Documentation/LoRa_Sensor_Network_Presentation.pptx
+++ b/Documentation/LoRa_Sensor_Network_Presentation.pptx
@@ -12,17 +12,18 @@
     <p:sldId id="260" r:id="rId6"/>
     <p:sldId id="261" r:id="rId7"/>
     <p:sldId id="270" r:id="rId8"/>
-    <p:sldId id="271" r:id="rId9"/>
-    <p:sldId id="272" r:id="rId10"/>
-    <p:sldId id="273" r:id="rId11"/>
-    <p:sldId id="274" r:id="rId12"/>
-    <p:sldId id="262" r:id="rId13"/>
-    <p:sldId id="265" r:id="rId14"/>
-    <p:sldId id="266" r:id="rId15"/>
-    <p:sldId id="267" r:id="rId16"/>
-    <p:sldId id="268" r:id="rId17"/>
-    <p:sldId id="269" r:id="rId18"/>
-    <p:sldId id="263" r:id="rId19"/>
+    <p:sldId id="275" r:id="rId9"/>
+    <p:sldId id="271" r:id="rId10"/>
+    <p:sldId id="272" r:id="rId11"/>
+    <p:sldId id="273" r:id="rId12"/>
+    <p:sldId id="274" r:id="rId13"/>
+    <p:sldId id="262" r:id="rId14"/>
+    <p:sldId id="265" r:id="rId15"/>
+    <p:sldId id="266" r:id="rId16"/>
+    <p:sldId id="267" r:id="rId17"/>
+    <p:sldId id="268" r:id="rId18"/>
+    <p:sldId id="269" r:id="rId19"/>
+    <p:sldId id="263" r:id="rId20"/>
   </p:sldIdLst>
   <p:sldSz cx="12192000" cy="6858000"/>
   <p:notesSz cx="6858000" cy="9144000"/>
@@ -4451,52 +4452,332 @@
             <p:ph type="title"/>
           </p:nvPr>
         </p:nvSpPr>
-        <p:spPr/>
+        <p:spPr>
+          <a:xfrm>
+            <a:off x="657445" y="403225"/>
+            <a:ext cx="10515600" cy="1325563"/>
+          </a:xfrm>
+        </p:spPr>
         <p:txBody>
           <a:bodyPr/>
           <a:lstStyle/>
           <a:p>
             <a:r>
+              <a:rPr lang="bg-BG" dirty="0"/>
+              <a:t>Сензорни станции</a:t>
+            </a:r>
+            <a:endParaRPr lang="en-US" dirty="0"/>
+          </a:p>
+        </p:txBody>
+      </p:sp>
+      <p:pic>
+        <p:nvPicPr>
+          <p:cNvPr id="9" name="Content Placeholder 8">
+            <a:extLst>
+              <a:ext uri="{FF2B5EF4-FFF2-40B4-BE49-F238E27FC236}">
+                <a16:creationId xmlns:a16="http://schemas.microsoft.com/office/drawing/2014/main" id="{3BBD158A-AF62-49B6-B5CC-38E77CE55863}"/>
+              </a:ext>
+            </a:extLst>
+          </p:cNvPr>
+          <p:cNvPicPr>
+            <a:picLocks noGrp="1" noChangeAspect="1"/>
+          </p:cNvPicPr>
+          <p:nvPr>
+            <p:ph idx="1"/>
+          </p:nvPr>
+        </p:nvPicPr>
+        <p:blipFill>
+          <a:blip r:embed="rId2">
+            <a:extLst>
+              <a:ext uri="{28A0092B-C50C-407E-A947-70E740481C1C}">
+                <a14:useLocalDpi xmlns:a14="http://schemas.microsoft.com/office/drawing/2010/main" val="0"/>
+              </a:ext>
+            </a:extLst>
+          </a:blip>
+          <a:stretch>
+            <a:fillRect/>
+          </a:stretch>
+        </p:blipFill>
+        <p:spPr>
+          <a:xfrm>
+            <a:off x="6276756" y="504825"/>
+            <a:ext cx="4641700" cy="6127750"/>
+          </a:xfrm>
+        </p:spPr>
+      </p:pic>
+      <p:sp>
+        <p:nvSpPr>
+          <p:cNvPr id="10" name="Content Placeholder 4">
+            <a:extLst>
+              <a:ext uri="{FF2B5EF4-FFF2-40B4-BE49-F238E27FC236}">
+                <a16:creationId xmlns:a16="http://schemas.microsoft.com/office/drawing/2014/main" id="{CBA7F01C-CE49-419B-959B-4F56E5984041}"/>
+              </a:ext>
+            </a:extLst>
+          </p:cNvPr>
+          <p:cNvSpPr txBox="1">
+            <a:spLocks/>
+          </p:cNvSpPr>
+          <p:nvPr/>
+        </p:nvSpPr>
+        <p:spPr>
+          <a:xfrm>
+            <a:off x="838200" y="1825625"/>
+            <a:ext cx="10515600" cy="4351338"/>
+          </a:xfrm>
+          <a:prstGeom prst="rect">
+            <a:avLst/>
+          </a:prstGeom>
+        </p:spPr>
+        <p:txBody>
+          <a:bodyPr vert="horz" lIns="91440" tIns="45720" rIns="91440" bIns="45720" rtlCol="0">
+            <a:normAutofit/>
+          </a:bodyPr>
+          <a:lstStyle>
+            <a:lvl1pPr marL="228600" indent="-228600" algn="l" defTabSz="914400" rtl="0" eaLnBrk="1" latinLnBrk="0" hangingPunct="1">
+              <a:lnSpc>
+                <a:spcPct val="90000"/>
+              </a:lnSpc>
+              <a:spcBef>
+                <a:spcPts val="1000"/>
+              </a:spcBef>
+              <a:buFontTx/>
+              <a:buBlip>
+                <a:blip r:embed="rId3"/>
+              </a:buBlip>
+              <a:defRPr sz="2800" kern="1200">
+                <a:solidFill>
+                  <a:srgbClr val="1976D2"/>
+                </a:solidFill>
+                <a:latin typeface="Noto Sans" panose="020B0502040504020204" pitchFamily="34" charset="0"/>
+                <a:ea typeface="Noto Sans" panose="020B0502040504020204" pitchFamily="34" charset="0"/>
+                <a:cs typeface="Noto Sans" panose="020B0502040504020204" pitchFamily="34" charset="0"/>
+              </a:defRPr>
+            </a:lvl1pPr>
+            <a:lvl2pPr marL="685800" indent="-228600" algn="l" defTabSz="914400" rtl="0" eaLnBrk="1" latinLnBrk="0" hangingPunct="1">
+              <a:lnSpc>
+                <a:spcPct val="90000"/>
+              </a:lnSpc>
+              <a:spcBef>
+                <a:spcPts val="500"/>
+              </a:spcBef>
+              <a:buFontTx/>
+              <a:buBlip>
+                <a:blip r:embed="rId4"/>
+              </a:buBlip>
+              <a:defRPr sz="2400" kern="1200">
+                <a:solidFill>
+                  <a:srgbClr val="1E88E5"/>
+                </a:solidFill>
+                <a:latin typeface="Noto Sans" panose="020B0502040504020204" pitchFamily="34" charset="0"/>
+                <a:ea typeface="Noto Sans" panose="020B0502040504020204" pitchFamily="34" charset="0"/>
+                <a:cs typeface="Noto Sans" panose="020B0502040504020204" pitchFamily="34" charset="0"/>
+              </a:defRPr>
+            </a:lvl2pPr>
+            <a:lvl3pPr marL="1143000" indent="-228600" algn="l" defTabSz="914400" rtl="0" eaLnBrk="1" latinLnBrk="0" hangingPunct="1">
+              <a:lnSpc>
+                <a:spcPct val="90000"/>
+              </a:lnSpc>
+              <a:spcBef>
+                <a:spcPts val="500"/>
+              </a:spcBef>
+              <a:buFont typeface="Arial" panose="020B0604020202020204" pitchFamily="34" charset="0"/>
+              <a:buChar char="•"/>
+              <a:defRPr sz="2000" kern="1200">
+                <a:solidFill>
+                  <a:schemeClr val="tx1">
+                    <a:lumMod val="85000"/>
+                    <a:lumOff val="15000"/>
+                  </a:schemeClr>
+                </a:solidFill>
+                <a:latin typeface="Noto Sans" panose="020B0502040504020204" pitchFamily="34" charset="0"/>
+                <a:ea typeface="Noto Sans" panose="020B0502040504020204" pitchFamily="34" charset="0"/>
+                <a:cs typeface="Noto Sans" panose="020B0502040504020204" pitchFamily="34" charset="0"/>
+              </a:defRPr>
+            </a:lvl3pPr>
+            <a:lvl4pPr marL="1600200" indent="-228600" algn="l" defTabSz="914400" rtl="0" eaLnBrk="1" latinLnBrk="0" hangingPunct="1">
+              <a:lnSpc>
+                <a:spcPct val="90000"/>
+              </a:lnSpc>
+              <a:spcBef>
+                <a:spcPts val="500"/>
+              </a:spcBef>
+              <a:buFont typeface="Arial" panose="020B0604020202020204" pitchFamily="34" charset="0"/>
+              <a:buChar char="•"/>
+              <a:defRPr sz="1800" kern="1200">
+                <a:solidFill>
+                  <a:schemeClr val="tx1">
+                    <a:lumMod val="85000"/>
+                    <a:lumOff val="15000"/>
+                  </a:schemeClr>
+                </a:solidFill>
+                <a:latin typeface="Noto Sans" panose="020B0502040504020204" pitchFamily="34" charset="0"/>
+                <a:ea typeface="Noto Sans" panose="020B0502040504020204" pitchFamily="34" charset="0"/>
+                <a:cs typeface="Noto Sans" panose="020B0502040504020204" pitchFamily="34" charset="0"/>
+              </a:defRPr>
+            </a:lvl4pPr>
+            <a:lvl5pPr marL="2057400" indent="-228600" algn="l" defTabSz="914400" rtl="0" eaLnBrk="1" latinLnBrk="0" hangingPunct="1">
+              <a:lnSpc>
+                <a:spcPct val="90000"/>
+              </a:lnSpc>
+              <a:spcBef>
+                <a:spcPts val="500"/>
+              </a:spcBef>
+              <a:buFont typeface="Arial" panose="020B0604020202020204" pitchFamily="34" charset="0"/>
+              <a:buChar char="•"/>
+              <a:defRPr sz="1800" kern="1200">
+                <a:solidFill>
+                  <a:schemeClr val="tx1">
+                    <a:lumMod val="85000"/>
+                    <a:lumOff val="15000"/>
+                  </a:schemeClr>
+                </a:solidFill>
+                <a:latin typeface="Noto Sans" panose="020B0502040504020204" pitchFamily="34" charset="0"/>
+                <a:ea typeface="Noto Sans" panose="020B0502040504020204" pitchFamily="34" charset="0"/>
+                <a:cs typeface="Noto Sans" panose="020B0502040504020204" pitchFamily="34" charset="0"/>
+              </a:defRPr>
+            </a:lvl5pPr>
+            <a:lvl6pPr marL="2514600" indent="-228600" algn="l" defTabSz="914400" rtl="0" eaLnBrk="1" latinLnBrk="0" hangingPunct="1">
+              <a:lnSpc>
+                <a:spcPct val="90000"/>
+              </a:lnSpc>
+              <a:spcBef>
+                <a:spcPts val="500"/>
+              </a:spcBef>
+              <a:buFont typeface="Arial" panose="020B0604020202020204" pitchFamily="34" charset="0"/>
+              <a:buChar char="•"/>
+              <a:defRPr sz="1800" kern="1200">
+                <a:solidFill>
+                  <a:schemeClr val="tx1"/>
+                </a:solidFill>
+                <a:latin typeface="+mn-lt"/>
+                <a:ea typeface="+mn-ea"/>
+                <a:cs typeface="+mn-cs"/>
+              </a:defRPr>
+            </a:lvl6pPr>
+            <a:lvl7pPr marL="2971800" indent="-228600" algn="l" defTabSz="914400" rtl="0" eaLnBrk="1" latinLnBrk="0" hangingPunct="1">
+              <a:lnSpc>
+                <a:spcPct val="90000"/>
+              </a:lnSpc>
+              <a:spcBef>
+                <a:spcPts val="500"/>
+              </a:spcBef>
+              <a:buFont typeface="Arial" panose="020B0604020202020204" pitchFamily="34" charset="0"/>
+              <a:buChar char="•"/>
+              <a:defRPr sz="1800" kern="1200">
+                <a:solidFill>
+                  <a:schemeClr val="tx1"/>
+                </a:solidFill>
+                <a:latin typeface="+mn-lt"/>
+                <a:ea typeface="+mn-ea"/>
+                <a:cs typeface="+mn-cs"/>
+              </a:defRPr>
+            </a:lvl7pPr>
+            <a:lvl8pPr marL="3429000" indent="-228600" algn="l" defTabSz="914400" rtl="0" eaLnBrk="1" latinLnBrk="0" hangingPunct="1">
+              <a:lnSpc>
+                <a:spcPct val="90000"/>
+              </a:lnSpc>
+              <a:spcBef>
+                <a:spcPts val="500"/>
+              </a:spcBef>
+              <a:buFont typeface="Arial" panose="020B0604020202020204" pitchFamily="34" charset="0"/>
+              <a:buChar char="•"/>
+              <a:defRPr sz="1800" kern="1200">
+                <a:solidFill>
+                  <a:schemeClr val="tx1"/>
+                </a:solidFill>
+                <a:latin typeface="+mn-lt"/>
+                <a:ea typeface="+mn-ea"/>
+                <a:cs typeface="+mn-cs"/>
+              </a:defRPr>
+            </a:lvl8pPr>
+            <a:lvl9pPr marL="3886200" indent="-228600" algn="l" defTabSz="914400" rtl="0" eaLnBrk="1" latinLnBrk="0" hangingPunct="1">
+              <a:lnSpc>
+                <a:spcPct val="90000"/>
+              </a:lnSpc>
+              <a:spcBef>
+                <a:spcPts val="500"/>
+              </a:spcBef>
+              <a:buFont typeface="Arial" panose="020B0604020202020204" pitchFamily="34" charset="0"/>
+              <a:buChar char="•"/>
+              <a:defRPr sz="1800" kern="1200">
+                <a:solidFill>
+                  <a:schemeClr val="tx1"/>
+                </a:solidFill>
+                <a:latin typeface="+mn-lt"/>
+                <a:ea typeface="+mn-ea"/>
+                <a:cs typeface="+mn-cs"/>
+              </a:defRPr>
+            </a:lvl9pPr>
+          </a:lstStyle>
+          <a:p>
+            <a:pPr>
+              <a:lnSpc>
+                <a:spcPct val="150000"/>
+              </a:lnSpc>
+            </a:pPr>
+            <a:r>
               <a:rPr lang="en-US" dirty="0"/>
-              <a:t>Flutter </a:t>
+              <a:t> Arduino MKR 1300/1310</a:t>
+            </a:r>
+          </a:p>
+          <a:p>
+            <a:pPr>
+              <a:lnSpc>
+                <a:spcPct val="150000"/>
+              </a:lnSpc>
+            </a:pPr>
+            <a:r>
+              <a:rPr lang="en-US" dirty="0"/>
+              <a:t> LoRa Radio</a:t>
+            </a:r>
+          </a:p>
+          <a:p>
+            <a:pPr>
+              <a:lnSpc>
+                <a:spcPct val="150000"/>
+              </a:lnSpc>
+            </a:pPr>
+            <a:r>
+              <a:rPr lang="en-US" dirty="0"/>
+              <a:t> </a:t>
             </a:r>
             <a:r>
               <a:rPr lang="bg-BG" dirty="0"/>
-              <a:t>клиент</a:t>
-            </a:r>
-            <a:endParaRPr lang="en-US" dirty="0"/>
-          </a:p>
-        </p:txBody>
-      </p:sp>
-      <p:sp>
-        <p:nvSpPr>
-          <p:cNvPr id="5" name="Content Placeholder 4">
-            <a:extLst>
-              <a:ext uri="{FF2B5EF4-FFF2-40B4-BE49-F238E27FC236}">
-                <a16:creationId xmlns:a16="http://schemas.microsoft.com/office/drawing/2014/main" id="{B1AC216E-E199-4FFF-A4EB-8FADEC56E487}"/>
-              </a:ext>
-            </a:extLst>
-          </p:cNvPr>
-          <p:cNvSpPr>
-            <a:spLocks noGrp="1"/>
-          </p:cNvSpPr>
-          <p:nvPr>
-            <p:ph idx="1"/>
-          </p:nvPr>
-        </p:nvSpPr>
-        <p:spPr/>
-        <p:txBody>
-          <a:bodyPr/>
-          <a:lstStyle/>
-          <a:p>
-            <a:endParaRPr lang="en-US"/>
+              <a:t>3Д принтирани </a:t>
+            </a:r>
+          </a:p>
+          <a:p>
+            <a:pPr>
+              <a:lnSpc>
+                <a:spcPct val="150000"/>
+              </a:lnSpc>
+            </a:pPr>
+            <a:r>
+              <a:rPr lang="bg-BG" dirty="0"/>
+              <a:t> Температура, влажност, др.</a:t>
+            </a:r>
+          </a:p>
+          <a:p>
+            <a:pPr>
+              <a:lnSpc>
+                <a:spcPct val="150000"/>
+              </a:lnSpc>
+            </a:pPr>
+            <a:r>
+              <a:rPr lang="bg-BG" dirty="0"/>
+              <a:t> </a:t>
+            </a:r>
+            <a:r>
+              <a:rPr lang="en-US" dirty="0"/>
+              <a:t>Arduino IDE</a:t>
+            </a:r>
           </a:p>
         </p:txBody>
       </p:sp>
     </p:spTree>
     <p:extLst>
       <p:ext uri="{BB962C8B-B14F-4D97-AF65-F5344CB8AC3E}">
-        <p14:creationId xmlns:p14="http://schemas.microsoft.com/office/powerpoint/2010/main" val="4128091557"/>
+        <p14:creationId xmlns:p14="http://schemas.microsoft.com/office/powerpoint/2010/main" val="1169001381"/>
       </p:ext>
     </p:extLst>
   </p:cSld>
@@ -4546,7 +4827,7 @@
           <a:p>
             <a:r>
               <a:rPr lang="en-US" dirty="0"/>
-              <a:t>React </a:t>
+              <a:t>Flutter </a:t>
             </a:r>
             <a:r>
               <a:rPr lang="bg-BG" dirty="0"/>
@@ -4574,17 +4855,57 @@
         </p:nvSpPr>
         <p:spPr/>
         <p:txBody>
-          <a:bodyPr/>
-          <a:lstStyle/>
-          <a:p>
-            <a:endParaRPr lang="en-US"/>
+          <a:bodyPr>
+            <a:normAutofit/>
+          </a:bodyPr>
+          <a:lstStyle/>
+          <a:p>
+            <a:pPr>
+              <a:lnSpc>
+                <a:spcPct val="150000"/>
+              </a:lnSpc>
+            </a:pPr>
+            <a:r>
+              <a:rPr lang="en-US" sz="4000" dirty="0"/>
+              <a:t> REST API</a:t>
+            </a:r>
+          </a:p>
+          <a:p>
+            <a:pPr>
+              <a:lnSpc>
+                <a:spcPct val="150000"/>
+              </a:lnSpc>
+            </a:pPr>
+            <a:r>
+              <a:rPr lang="en-US" sz="4000" dirty="0"/>
+              <a:t> </a:t>
+            </a:r>
+            <a:r>
+              <a:rPr lang="bg-BG" sz="4000" dirty="0"/>
+              <a:t>Предназначен за мобилни устройства</a:t>
+            </a:r>
+          </a:p>
+          <a:p>
+            <a:pPr>
+              <a:lnSpc>
+                <a:spcPct val="150000"/>
+              </a:lnSpc>
+            </a:pPr>
+            <a:r>
+              <a:rPr lang="bg-BG" sz="4000" dirty="0"/>
+              <a:t> </a:t>
+            </a:r>
+            <a:r>
+              <a:rPr lang="en-US" sz="4000" dirty="0"/>
+              <a:t>Arduino Studio</a:t>
+            </a:r>
           </a:p>
         </p:txBody>
       </p:sp>
     </p:spTree>
     <p:extLst>
       <p:ext uri="{BB962C8B-B14F-4D97-AF65-F5344CB8AC3E}">
-        <p14:creationId xmlns:p14="http://schemas.microsoft.com/office/powerpoint/2010/main" val="59492091"/>
+        <p14:creationId xmlns:p14="http://schemas.microsoft.com/office/powerpoint/2010/main" val="4128091557"/>
       </p:ext>
     </p:extLst>
   </p:cSld>
@@ -4613,10 +4934,10 @@
       </p:grpSpPr>
       <p:sp>
         <p:nvSpPr>
-          <p:cNvPr id="2" name="Title 1">
-            <a:extLst>
-              <a:ext uri="{FF2B5EF4-FFF2-40B4-BE49-F238E27FC236}">
-                <a16:creationId xmlns:a16="http://schemas.microsoft.com/office/drawing/2014/main" id="{9EC8785D-20A3-418B-BE33-A76C34C7F58F}"/>
+          <p:cNvPr id="4" name="Title 3">
+            <a:extLst>
+              <a:ext uri="{FF2B5EF4-FFF2-40B4-BE49-F238E27FC236}">
+                <a16:creationId xmlns:a16="http://schemas.microsoft.com/office/drawing/2014/main" id="{53D6A8FD-2B1A-4932-BD19-71D12805DD7A}"/>
               </a:ext>
             </a:extLst>
           </p:cNvPr>
@@ -4633,8 +4954,12 @@
           <a:lstStyle/>
           <a:p>
             <a:r>
+              <a:rPr lang="en-US" dirty="0"/>
+              <a:t>React </a:t>
+            </a:r>
+            <a:r>
               <a:rPr lang="bg-BG" dirty="0"/>
-              <a:t>Внедряване</a:t>
+              <a:t>клиент</a:t>
             </a:r>
             <a:endParaRPr lang="en-US" dirty="0"/>
           </a:p>
@@ -4642,10 +4967,10 @@
       </p:sp>
       <p:sp>
         <p:nvSpPr>
-          <p:cNvPr id="3" name="Content Placeholder 2">
-            <a:extLst>
-              <a:ext uri="{FF2B5EF4-FFF2-40B4-BE49-F238E27FC236}">
-                <a16:creationId xmlns:a16="http://schemas.microsoft.com/office/drawing/2014/main" id="{6CD3246B-3D9D-4EED-B403-D6F2176E1971}"/>
+          <p:cNvPr id="5" name="Content Placeholder 4">
+            <a:extLst>
+              <a:ext uri="{FF2B5EF4-FFF2-40B4-BE49-F238E27FC236}">
+                <a16:creationId xmlns:a16="http://schemas.microsoft.com/office/drawing/2014/main" id="{B1AC216E-E199-4FFF-A4EB-8FADEC56E487}"/>
               </a:ext>
             </a:extLst>
           </p:cNvPr>
@@ -4656,107 +4981,19 @@
             <p:ph idx="1"/>
           </p:nvPr>
         </p:nvSpPr>
-        <p:spPr>
-          <a:xfrm>
-            <a:off x="838200" y="1457325"/>
-            <a:ext cx="10515600" cy="4351338"/>
-          </a:xfrm>
-        </p:spPr>
-        <p:txBody>
-          <a:bodyPr anchor="ctr">
-            <a:normAutofit/>
-          </a:bodyPr>
-          <a:lstStyle/>
-          <a:p>
-            <a:pPr>
-              <a:lnSpc>
-                <a:spcPct val="100000"/>
-              </a:lnSpc>
-            </a:pPr>
-            <a:r>
-              <a:rPr lang="en-US" sz="4000" dirty="0"/>
-              <a:t> </a:t>
-            </a:r>
-            <a:r>
-              <a:rPr lang="bg-BG" sz="4000" dirty="0"/>
-              <a:t>База от данни</a:t>
-            </a:r>
-          </a:p>
-          <a:p>
-            <a:pPr>
-              <a:lnSpc>
-                <a:spcPct val="100000"/>
-              </a:lnSpc>
-            </a:pPr>
-            <a:r>
-              <a:rPr lang="bg-BG" sz="4000" dirty="0"/>
-              <a:t> Сървър</a:t>
-            </a:r>
-          </a:p>
-          <a:p>
-            <a:pPr>
-              <a:lnSpc>
-                <a:spcPct val="100000"/>
-              </a:lnSpc>
-            </a:pPr>
-            <a:r>
-              <a:rPr lang="bg-BG" sz="4000" dirty="0"/>
-              <a:t> </a:t>
-            </a:r>
-            <a:r>
-              <a:rPr lang="bg-BG" sz="4000" dirty="0" err="1"/>
-              <a:t>Фърмуера</a:t>
-            </a:r>
-            <a:r>
-              <a:rPr lang="bg-BG" sz="4000" dirty="0"/>
-              <a:t> на станциите</a:t>
-            </a:r>
-          </a:p>
-          <a:p>
-            <a:pPr>
-              <a:lnSpc>
-                <a:spcPct val="100000"/>
-              </a:lnSpc>
-            </a:pPr>
-            <a:r>
-              <a:rPr lang="bg-BG" sz="4000" dirty="0"/>
-              <a:t> </a:t>
-            </a:r>
-            <a:r>
-              <a:rPr lang="en-US" sz="4000" dirty="0"/>
-              <a:t>Flutter </a:t>
-            </a:r>
-            <a:r>
-              <a:rPr lang="bg-BG" sz="4000" dirty="0"/>
-              <a:t>клиент</a:t>
-            </a:r>
-          </a:p>
-          <a:p>
-            <a:pPr>
-              <a:lnSpc>
-                <a:spcPct val="100000"/>
-              </a:lnSpc>
-            </a:pPr>
-            <a:r>
-              <a:rPr lang="bg-BG" sz="4000" dirty="0"/>
-              <a:t> </a:t>
-            </a:r>
-            <a:r>
-              <a:rPr lang="en-US" sz="4000" dirty="0"/>
-              <a:t>React </a:t>
-            </a:r>
-            <a:r>
-              <a:rPr lang="bg-BG" sz="4000" dirty="0"/>
-              <a:t>клиент</a:t>
-            </a:r>
-            <a:endParaRPr lang="en-US" sz="4000" dirty="0"/>
+        <p:spPr/>
+        <p:txBody>
+          <a:bodyPr/>
+          <a:lstStyle/>
+          <a:p>
+            <a:endParaRPr lang="en-US"/>
           </a:p>
         </p:txBody>
       </p:sp>
     </p:spTree>
     <p:extLst>
       <p:ext uri="{BB962C8B-B14F-4D97-AF65-F5344CB8AC3E}">
-        <p14:creationId xmlns:p14="http://schemas.microsoft.com/office/powerpoint/2010/main" val="1171004866"/>
+        <p14:creationId xmlns:p14="http://schemas.microsoft.com/office/powerpoint/2010/main" val="59492091"/>
       </p:ext>
     </p:extLst>
   </p:cSld>
@@ -4785,10 +5022,10 @@
       </p:grpSpPr>
       <p:sp>
         <p:nvSpPr>
-          <p:cNvPr id="4" name="Title 3">
-            <a:extLst>
-              <a:ext uri="{FF2B5EF4-FFF2-40B4-BE49-F238E27FC236}">
-                <a16:creationId xmlns:a16="http://schemas.microsoft.com/office/drawing/2014/main" id="{53D6A8FD-2B1A-4932-BD19-71D12805DD7A}"/>
+          <p:cNvPr id="2" name="Title 1">
+            <a:extLst>
+              <a:ext uri="{FF2B5EF4-FFF2-40B4-BE49-F238E27FC236}">
+                <a16:creationId xmlns:a16="http://schemas.microsoft.com/office/drawing/2014/main" id="{9EC8785D-20A3-418B-BE33-A76C34C7F58F}"/>
               </a:ext>
             </a:extLst>
           </p:cNvPr>
@@ -4806,41 +5043,129 @@
           <a:p>
             <a:r>
               <a:rPr lang="bg-BG" dirty="0"/>
+              <a:t>Внедряване</a:t>
+            </a:r>
+            <a:endParaRPr lang="en-US" dirty="0"/>
+          </a:p>
+        </p:txBody>
+      </p:sp>
+      <p:sp>
+        <p:nvSpPr>
+          <p:cNvPr id="3" name="Content Placeholder 2">
+            <a:extLst>
+              <a:ext uri="{FF2B5EF4-FFF2-40B4-BE49-F238E27FC236}">
+                <a16:creationId xmlns:a16="http://schemas.microsoft.com/office/drawing/2014/main" id="{6CD3246B-3D9D-4EED-B403-D6F2176E1971}"/>
+              </a:ext>
+            </a:extLst>
+          </p:cNvPr>
+          <p:cNvSpPr>
+            <a:spLocks noGrp="1"/>
+          </p:cNvSpPr>
+          <p:nvPr>
+            <p:ph idx="1"/>
+          </p:nvPr>
+        </p:nvSpPr>
+        <p:spPr>
+          <a:xfrm>
+            <a:off x="838200" y="1457325"/>
+            <a:ext cx="10515600" cy="4351338"/>
+          </a:xfrm>
+        </p:spPr>
+        <p:txBody>
+          <a:bodyPr anchor="ctr">
+            <a:normAutofit/>
+          </a:bodyPr>
+          <a:lstStyle/>
+          <a:p>
+            <a:pPr>
+              <a:lnSpc>
+                <a:spcPct val="100000"/>
+              </a:lnSpc>
+            </a:pPr>
+            <a:r>
+              <a:rPr lang="en-US" sz="4000" dirty="0"/>
+              <a:t> </a:t>
+            </a:r>
+            <a:r>
+              <a:rPr lang="bg-BG" sz="4000" dirty="0"/>
               <a:t>База от данни</a:t>
             </a:r>
-            <a:endParaRPr lang="en-US" dirty="0"/>
-          </a:p>
-        </p:txBody>
-      </p:sp>
-      <p:sp>
-        <p:nvSpPr>
-          <p:cNvPr id="5" name="Content Placeholder 4">
-            <a:extLst>
-              <a:ext uri="{FF2B5EF4-FFF2-40B4-BE49-F238E27FC236}">
-                <a16:creationId xmlns:a16="http://schemas.microsoft.com/office/drawing/2014/main" id="{B1AC216E-E199-4FFF-A4EB-8FADEC56E487}"/>
-              </a:ext>
-            </a:extLst>
-          </p:cNvPr>
-          <p:cNvSpPr>
-            <a:spLocks noGrp="1"/>
-          </p:cNvSpPr>
-          <p:nvPr>
-            <p:ph idx="1"/>
-          </p:nvPr>
-        </p:nvSpPr>
-        <p:spPr/>
-        <p:txBody>
-          <a:bodyPr/>
-          <a:lstStyle/>
-          <a:p>
-            <a:endParaRPr lang="en-US"/>
+          </a:p>
+          <a:p>
+            <a:pPr>
+              <a:lnSpc>
+                <a:spcPct val="100000"/>
+              </a:lnSpc>
+            </a:pPr>
+            <a:r>
+              <a:rPr lang="bg-BG" sz="4000" dirty="0"/>
+              <a:t> Сървър</a:t>
+            </a:r>
+          </a:p>
+          <a:p>
+            <a:pPr>
+              <a:lnSpc>
+                <a:spcPct val="100000"/>
+              </a:lnSpc>
+            </a:pPr>
+            <a:r>
+              <a:rPr lang="bg-BG" sz="4000" dirty="0"/>
+              <a:t> </a:t>
+            </a:r>
+            <a:r>
+              <a:rPr lang="bg-BG" sz="4000" dirty="0" err="1"/>
+              <a:t>Фърмуера</a:t>
+            </a:r>
+            <a:r>
+              <a:rPr lang="bg-BG" sz="4000" dirty="0"/>
+              <a:t> на станциите</a:t>
+            </a:r>
+          </a:p>
+          <a:p>
+            <a:pPr>
+              <a:lnSpc>
+                <a:spcPct val="100000"/>
+              </a:lnSpc>
+            </a:pPr>
+            <a:r>
+              <a:rPr lang="bg-BG" sz="4000" dirty="0"/>
+              <a:t> </a:t>
+            </a:r>
+            <a:r>
+              <a:rPr lang="en-US" sz="4000" dirty="0"/>
+              <a:t>Flutter </a:t>
+            </a:r>
+            <a:r>
+              <a:rPr lang="bg-BG" sz="4000" dirty="0"/>
+              <a:t>клиент</a:t>
+            </a:r>
+          </a:p>
+          <a:p>
+            <a:pPr>
+              <a:lnSpc>
+                <a:spcPct val="100000"/>
+              </a:lnSpc>
+            </a:pPr>
+            <a:r>
+              <a:rPr lang="bg-BG" sz="4000" dirty="0"/>
+              <a:t> </a:t>
+            </a:r>
+            <a:r>
+              <a:rPr lang="en-US" sz="4000" dirty="0"/>
+              <a:t>React </a:t>
+            </a:r>
+            <a:r>
+              <a:rPr lang="bg-BG" sz="4000" dirty="0"/>
+              <a:t>клиент</a:t>
+            </a:r>
+            <a:endParaRPr lang="en-US" sz="4000" dirty="0"/>
           </a:p>
         </p:txBody>
       </p:sp>
     </p:spTree>
     <p:extLst>
       <p:ext uri="{BB962C8B-B14F-4D97-AF65-F5344CB8AC3E}">
-        <p14:creationId xmlns:p14="http://schemas.microsoft.com/office/powerpoint/2010/main" val="642004158"/>
+        <p14:creationId xmlns:p14="http://schemas.microsoft.com/office/powerpoint/2010/main" val="1171004866"/>
       </p:ext>
     </p:extLst>
   </p:cSld>
@@ -4890,7 +5215,7 @@
           <a:p>
             <a:r>
               <a:rPr lang="bg-BG" dirty="0"/>
-              <a:t>Сървър</a:t>
+              <a:t>База от данни</a:t>
             </a:r>
             <a:endParaRPr lang="en-US" dirty="0"/>
           </a:p>
@@ -4914,17 +5239,62 @@
         </p:nvSpPr>
         <p:spPr/>
         <p:txBody>
-          <a:bodyPr/>
-          <a:lstStyle/>
-          <a:p>
-            <a:endParaRPr lang="en-US"/>
+          <a:bodyPr>
+            <a:normAutofit/>
+          </a:bodyPr>
+          <a:lstStyle/>
+          <a:p>
+            <a:pPr>
+              <a:lnSpc>
+                <a:spcPct val="200000"/>
+              </a:lnSpc>
+            </a:pPr>
+            <a:r>
+              <a:rPr lang="bg-BG" sz="3200" dirty="0"/>
+              <a:t> </a:t>
+            </a:r>
+            <a:r>
+              <a:rPr lang="bg-BG" sz="3200" dirty="0" err="1"/>
+              <a:t>Хостване</a:t>
+            </a:r>
+            <a:r>
+              <a:rPr lang="bg-BG" sz="3200" dirty="0"/>
+              <a:t> на базата използвайки </a:t>
+            </a:r>
+            <a:r>
+              <a:rPr lang="en-US" sz="3200" dirty="0"/>
+              <a:t>Smarter ASP.NET </a:t>
+            </a:r>
+            <a:endParaRPr lang="bg-BG" sz="3200" dirty="0"/>
+          </a:p>
+          <a:p>
+            <a:pPr>
+              <a:lnSpc>
+                <a:spcPct val="200000"/>
+              </a:lnSpc>
+            </a:pPr>
+            <a:r>
+              <a:rPr lang="en-US" sz="3200" dirty="0"/>
+              <a:t> Production query</a:t>
+            </a:r>
+          </a:p>
+          <a:p>
+            <a:pPr>
+              <a:lnSpc>
+                <a:spcPct val="200000"/>
+              </a:lnSpc>
+            </a:pPr>
+            <a:r>
+              <a:rPr lang="en-US" sz="3200" dirty="0"/>
+              <a:t> Connection String</a:t>
+            </a:r>
           </a:p>
         </p:txBody>
       </p:sp>
     </p:spTree>
     <p:extLst>
       <p:ext uri="{BB962C8B-B14F-4D97-AF65-F5344CB8AC3E}">
-        <p14:creationId xmlns:p14="http://schemas.microsoft.com/office/powerpoint/2010/main" val="998330945"/>
+        <p14:creationId xmlns:p14="http://schemas.microsoft.com/office/powerpoint/2010/main" val="642004158"/>
       </p:ext>
     </p:extLst>
   </p:cSld>
@@ -4973,12 +5343,8 @@
           <a:lstStyle/>
           <a:p>
             <a:r>
-              <a:rPr lang="bg-BG" dirty="0" err="1"/>
-              <a:t>Фърмуер</a:t>
-            </a:r>
-            <a:r>
               <a:rPr lang="bg-BG" dirty="0"/>
-              <a:t> на станциите</a:t>
+              <a:t>Сървър</a:t>
             </a:r>
             <a:endParaRPr lang="en-US" dirty="0"/>
           </a:p>
@@ -5000,19 +5366,65 @@
             <p:ph idx="1"/>
           </p:nvPr>
         </p:nvSpPr>
-        <p:spPr/>
-        <p:txBody>
-          <a:bodyPr/>
-          <a:lstStyle/>
-          <a:p>
-            <a:endParaRPr lang="en-US"/>
+        <p:spPr>
+          <a:xfrm>
+            <a:off x="838200" y="1596119"/>
+            <a:ext cx="10515600" cy="4351338"/>
+          </a:xfrm>
+        </p:spPr>
+        <p:txBody>
+          <a:bodyPr anchor="ctr"/>
+          <a:lstStyle/>
+          <a:p>
+            <a:pPr>
+              <a:lnSpc>
+                <a:spcPct val="200000"/>
+              </a:lnSpc>
+            </a:pPr>
+            <a:r>
+              <a:rPr lang="en-US" sz="4000" dirty="0"/>
+              <a:t> </a:t>
+            </a:r>
+            <a:r>
+              <a:rPr lang="bg-BG" sz="4000" dirty="0"/>
+              <a:t>Публикуване директно от </a:t>
+            </a:r>
+            <a:r>
+              <a:rPr lang="en-US" sz="4000" dirty="0"/>
+              <a:t>Visual Studio</a:t>
+            </a:r>
+          </a:p>
+          <a:p>
+            <a:pPr>
+              <a:lnSpc>
+                <a:spcPct val="200000"/>
+              </a:lnSpc>
+            </a:pPr>
+            <a:r>
+              <a:rPr lang="en-US" sz="4000" dirty="0"/>
+              <a:t> </a:t>
+            </a:r>
+            <a:r>
+              <a:rPr lang="bg-BG" sz="4000" dirty="0"/>
+              <a:t>Тестване със </a:t>
+            </a:r>
+            <a:r>
+              <a:rPr lang="en-US" sz="4000" dirty="0"/>
+              <a:t>SOAP UI</a:t>
+            </a:r>
+          </a:p>
+          <a:p>
+            <a:pPr marL="0" indent="0">
+              <a:buNone/>
+            </a:pPr>
+            <a:endParaRPr lang="en-US" dirty="0"/>
           </a:p>
         </p:txBody>
       </p:sp>
     </p:spTree>
     <p:extLst>
       <p:ext uri="{BB962C8B-B14F-4D97-AF65-F5344CB8AC3E}">
-        <p14:creationId xmlns:p14="http://schemas.microsoft.com/office/powerpoint/2010/main" val="4236204178"/>
+        <p14:creationId xmlns:p14="http://schemas.microsoft.com/office/powerpoint/2010/main" val="998330945"/>
       </p:ext>
     </p:extLst>
   </p:cSld>
@@ -5061,12 +5473,12 @@
           <a:lstStyle/>
           <a:p>
             <a:r>
-              <a:rPr lang="en-US" dirty="0"/>
-              <a:t>Flutter </a:t>
+              <a:rPr lang="bg-BG" dirty="0" err="1"/>
+              <a:t>Фърмуер</a:t>
             </a:r>
             <a:r>
               <a:rPr lang="bg-BG" dirty="0"/>
-              <a:t>клиент</a:t>
+              <a:t> на станциите</a:t>
             </a:r>
             <a:endParaRPr lang="en-US" dirty="0"/>
           </a:p>
@@ -5088,19 +5500,62 @@
             <p:ph idx="1"/>
           </p:nvPr>
         </p:nvSpPr>
-        <p:spPr/>
-        <p:txBody>
-          <a:bodyPr/>
-          <a:lstStyle/>
-          <a:p>
-            <a:endParaRPr lang="en-US"/>
+        <p:spPr>
+          <a:xfrm>
+            <a:off x="838200" y="2008074"/>
+            <a:ext cx="10515600" cy="4351338"/>
+          </a:xfrm>
+        </p:spPr>
+        <p:txBody>
+          <a:bodyPr anchor="t">
+            <a:normAutofit/>
+          </a:bodyPr>
+          <a:lstStyle/>
+          <a:p>
+            <a:pPr>
+              <a:lnSpc>
+                <a:spcPct val="200000"/>
+              </a:lnSpc>
+            </a:pPr>
+            <a:r>
+              <a:rPr lang="bg-BG" sz="3200" dirty="0"/>
+              <a:t> </a:t>
+            </a:r>
+            <a:r>
+              <a:rPr lang="en-US" sz="3200" dirty="0"/>
+              <a:t>Arduino IDE</a:t>
+            </a:r>
+          </a:p>
+          <a:p>
+            <a:pPr>
+              <a:lnSpc>
+                <a:spcPct val="200000"/>
+              </a:lnSpc>
+            </a:pPr>
+            <a:r>
+              <a:rPr lang="en-US" sz="3200" dirty="0"/>
+              <a:t> </a:t>
+            </a:r>
+            <a:r>
+              <a:rPr lang="bg-BG" sz="3200" dirty="0"/>
+              <a:t>Проверка на статуса чрез вградения </a:t>
+            </a:r>
+            <a:r>
+              <a:rPr lang="en-US" sz="3200" dirty="0"/>
+              <a:t>OLED </a:t>
+            </a:r>
+            <a:r>
+              <a:rPr lang="bg-BG" sz="3200" dirty="0"/>
+              <a:t>екран</a:t>
+            </a:r>
+            <a:endParaRPr lang="en-US" sz="3200" dirty="0"/>
           </a:p>
         </p:txBody>
       </p:sp>
     </p:spTree>
     <p:extLst>
       <p:ext uri="{BB962C8B-B14F-4D97-AF65-F5344CB8AC3E}">
-        <p14:creationId xmlns:p14="http://schemas.microsoft.com/office/powerpoint/2010/main" val="1639127440"/>
+        <p14:creationId xmlns:p14="http://schemas.microsoft.com/office/powerpoint/2010/main" val="4236204178"/>
       </p:ext>
     </p:extLst>
   </p:cSld>
@@ -5150,6 +5605,108 @@
           <a:p>
             <a:r>
               <a:rPr lang="en-US" dirty="0"/>
+              <a:t>Flutter </a:t>
+            </a:r>
+            <a:r>
+              <a:rPr lang="bg-BG" dirty="0"/>
+              <a:t>клиент</a:t>
+            </a:r>
+            <a:endParaRPr lang="en-US" dirty="0"/>
+          </a:p>
+        </p:txBody>
+      </p:sp>
+      <p:sp>
+        <p:nvSpPr>
+          <p:cNvPr id="5" name="Content Placeholder 4">
+            <a:extLst>
+              <a:ext uri="{FF2B5EF4-FFF2-40B4-BE49-F238E27FC236}">
+                <a16:creationId xmlns:a16="http://schemas.microsoft.com/office/drawing/2014/main" id="{B1AC216E-E199-4FFF-A4EB-8FADEC56E487}"/>
+              </a:ext>
+            </a:extLst>
+          </p:cNvPr>
+          <p:cNvSpPr>
+            <a:spLocks noGrp="1"/>
+          </p:cNvSpPr>
+          <p:nvPr>
+            <p:ph idx="1"/>
+          </p:nvPr>
+        </p:nvSpPr>
+        <p:spPr/>
+        <p:txBody>
+          <a:bodyPr>
+            <a:normAutofit/>
+          </a:bodyPr>
+          <a:lstStyle/>
+          <a:p>
+            <a:r>
+              <a:rPr lang="bg-BG" sz="4000" dirty="0"/>
+              <a:t> Използваме </a:t>
+            </a:r>
+            <a:r>
+              <a:rPr lang="en-US" sz="4000" dirty="0"/>
+              <a:t>Google Play </a:t>
+            </a:r>
+            <a:r>
+              <a:rPr lang="bg-BG" sz="4000" dirty="0"/>
+              <a:t>за разпространение на софтуера</a:t>
+            </a:r>
+            <a:endParaRPr lang="en-US" sz="4000" dirty="0"/>
+          </a:p>
+        </p:txBody>
+      </p:sp>
+    </p:spTree>
+    <p:extLst>
+      <p:ext uri="{BB962C8B-B14F-4D97-AF65-F5344CB8AC3E}">
+        <p14:creationId xmlns:p14="http://schemas.microsoft.com/office/powerpoint/2010/main" val="1639127440"/>
+      </p:ext>
+    </p:extLst>
+  </p:cSld>
+  <p:clrMapOvr>
+    <a:masterClrMapping/>
+  </p:clrMapOvr>
+</p:sld>
+</file>
+
+<file path=ppt/slides/slide18.xml><?xml version="1.0" encoding="utf-8"?>
+<p:sld xmlns:a="http://schemas.openxmlformats.org/drawingml/2006/main" xmlns:r="http://schemas.openxmlformats.org/officeDocument/2006/relationships" xmlns:p="http://schemas.openxmlformats.org/presentationml/2006/main">
+  <p:cSld>
+    <p:spTree>
+      <p:nvGrpSpPr>
+        <p:cNvPr id="1" name=""/>
+        <p:cNvGrpSpPr/>
+        <p:nvPr/>
+      </p:nvGrpSpPr>
+      <p:grpSpPr>
+        <a:xfrm>
+          <a:off x="0" y="0"/>
+          <a:ext cx="0" cy="0"/>
+          <a:chOff x="0" y="0"/>
+          <a:chExt cx="0" cy="0"/>
+        </a:xfrm>
+      </p:grpSpPr>
+      <p:sp>
+        <p:nvSpPr>
+          <p:cNvPr id="4" name="Title 3">
+            <a:extLst>
+              <a:ext uri="{FF2B5EF4-FFF2-40B4-BE49-F238E27FC236}">
+                <a16:creationId xmlns:a16="http://schemas.microsoft.com/office/drawing/2014/main" id="{53D6A8FD-2B1A-4932-BD19-71D12805DD7A}"/>
+              </a:ext>
+            </a:extLst>
+          </p:cNvPr>
+          <p:cNvSpPr>
+            <a:spLocks noGrp="1"/>
+          </p:cNvSpPr>
+          <p:nvPr>
+            <p:ph type="title"/>
+          </p:nvPr>
+        </p:nvSpPr>
+        <p:spPr/>
+        <p:txBody>
+          <a:bodyPr/>
+          <a:lstStyle/>
+          <a:p>
+            <a:r>
+              <a:rPr lang="en-US" dirty="0"/>
               <a:t>React </a:t>
             </a:r>
             <a:r>
@@ -5198,7 +5755,7 @@
 </p:sld>
 </file>
 
-<file path=ppt/slides/slide18.xml><?xml version="1.0" encoding="utf-8"?>
+<file path=ppt/slides/slide19.xml><?xml version="1.0" encoding="utf-8"?>
 <p:sld xmlns:a="http://schemas.openxmlformats.org/drawingml/2006/main" xmlns:r="http://schemas.openxmlformats.org/officeDocument/2006/relationships" xmlns:p="http://schemas.openxmlformats.org/presentationml/2006/main">
   <p:cSld>
     <p:spTree>
@@ -5481,11 +6038,70 @@
             <p:ph idx="1"/>
           </p:nvPr>
         </p:nvSpPr>
-        <p:spPr/>
+        <p:spPr>
+          <a:xfrm>
+            <a:off x="838200" y="1690688"/>
+            <a:ext cx="10515600" cy="4351338"/>
+          </a:xfrm>
+        </p:spPr>
         <p:txBody>
           <a:bodyPr/>
           <a:lstStyle/>
           <a:p>
+            <a:pPr>
+              <a:lnSpc>
+                <a:spcPct val="200000"/>
+              </a:lnSpc>
+            </a:pPr>
+            <a:r>
+              <a:rPr lang="en-US" dirty="0"/>
+              <a:t> LoRaNet – </a:t>
+            </a:r>
+            <a:r>
+              <a:rPr lang="bg-BG" dirty="0"/>
+              <a:t>модерна сензорна мрежа</a:t>
+            </a:r>
+          </a:p>
+          <a:p>
+            <a:pPr>
+              <a:lnSpc>
+                <a:spcPct val="200000"/>
+              </a:lnSpc>
+            </a:pPr>
+            <a:r>
+              <a:rPr lang="bg-BG" dirty="0"/>
+              <a:t> Гъвкав подход за мониторинг на различни системи</a:t>
+            </a:r>
+          </a:p>
+          <a:p>
+            <a:pPr>
+              <a:lnSpc>
+                <a:spcPct val="200000"/>
+              </a:lnSpc>
+            </a:pPr>
+            <a:r>
+              <a:rPr lang="bg-BG" dirty="0"/>
+              <a:t> </a:t>
+            </a:r>
+            <a:r>
+              <a:rPr lang="en-US" dirty="0"/>
+              <a:t>C# </a:t>
+            </a:r>
+            <a:r>
+              <a:rPr lang="bg-BG" dirty="0"/>
+              <a:t>Сървър</a:t>
+            </a:r>
+          </a:p>
+          <a:p>
+            <a:pPr>
+              <a:lnSpc>
+                <a:spcPct val="200000"/>
+              </a:lnSpc>
+            </a:pPr>
+            <a:r>
+              <a:rPr lang="bg-BG" dirty="0"/>
+              <a:t> Уеб и Мобилен клиент</a:t>
+            </a:r>
             <a:endParaRPr lang="en-US" dirty="0"/>
           </a:p>
         </p:txBody>
@@ -5570,7 +6186,59 @@
           <a:bodyPr/>
           <a:lstStyle/>
           <a:p>
-            <a:endParaRPr lang="en-US"/>
+            <a:r>
+              <a:rPr lang="en-US" dirty="0"/>
+              <a:t> Arduino </a:t>
+            </a:r>
+          </a:p>
+          <a:p>
+            <a:r>
+              <a:rPr lang="en-US" dirty="0"/>
+              <a:t> LoRa, </a:t>
+            </a:r>
+            <a:r>
+              <a:rPr lang="en-US" dirty="0" err="1"/>
+              <a:t>LoRaWAN</a:t>
+            </a:r>
+            <a:endParaRPr lang="en-US" dirty="0"/>
+          </a:p>
+          <a:p>
+            <a:r>
+              <a:rPr lang="en-US" dirty="0"/>
+              <a:t> The Things Network</a:t>
+            </a:r>
+          </a:p>
+          <a:p>
+            <a:r>
+              <a:rPr lang="en-US" dirty="0"/>
+              <a:t> </a:t>
+            </a:r>
+            <a:r>
+              <a:rPr lang="en-US" dirty="0" err="1"/>
+              <a:t>Blazor</a:t>
+            </a:r>
+            <a:r>
+              <a:rPr lang="en-US" dirty="0"/>
+              <a:t> Server (ASP.NET), Signal R, REST API</a:t>
+            </a:r>
+          </a:p>
+          <a:p>
+            <a:r>
+              <a:rPr lang="en-US" dirty="0"/>
+              <a:t> MSSQL</a:t>
+            </a:r>
+          </a:p>
+          <a:p>
+            <a:r>
+              <a:rPr lang="en-US" dirty="0"/>
+              <a:t> React</a:t>
+            </a:r>
+          </a:p>
+          <a:p>
+            <a:r>
+              <a:rPr lang="en-US" dirty="0"/>
+              <a:t> Flutter</a:t>
+            </a:r>
           </a:p>
         </p:txBody>
       </p:sp>
@@ -5910,10 +6578,55 @@
         </p:nvSpPr>
         <p:spPr/>
         <p:txBody>
-          <a:bodyPr/>
-          <a:lstStyle/>
-          <a:p>
-            <a:endParaRPr lang="en-US"/>
+          <a:bodyPr>
+            <a:normAutofit lnSpcReduction="10000"/>
+          </a:bodyPr>
+          <a:lstStyle/>
+          <a:p>
+            <a:pPr>
+              <a:lnSpc>
+                <a:spcPct val="200000"/>
+              </a:lnSpc>
+            </a:pPr>
+            <a:r>
+              <a:rPr lang="bg-BG" sz="4400" dirty="0"/>
+              <a:t> </a:t>
+            </a:r>
+            <a:r>
+              <a:rPr lang="en-US" sz="4400" dirty="0"/>
+              <a:t>MSSQL</a:t>
+            </a:r>
+          </a:p>
+          <a:p>
+            <a:pPr>
+              <a:lnSpc>
+                <a:spcPct val="200000"/>
+              </a:lnSpc>
+            </a:pPr>
+            <a:r>
+              <a:rPr lang="en-US" sz="4400" dirty="0"/>
+              <a:t> SQL Management Studio</a:t>
+            </a:r>
+          </a:p>
+          <a:p>
+            <a:pPr>
+              <a:lnSpc>
+                <a:spcPct val="200000"/>
+              </a:lnSpc>
+            </a:pPr>
+            <a:r>
+              <a:rPr lang="en-US" sz="4400" dirty="0"/>
+              <a:t> Store Procedures </a:t>
+            </a:r>
+          </a:p>
+          <a:p>
+            <a:pPr marL="0" indent="0">
+              <a:lnSpc>
+                <a:spcPct val="200000"/>
+              </a:lnSpc>
+              <a:buNone/>
+            </a:pPr>
+            <a:endParaRPr lang="en-US" sz="4400" dirty="0"/>
           </a:p>
         </p:txBody>
       </p:sp>
@@ -5947,64 +6660,81 @@
           <a:chExt cx="0" cy="0"/>
         </a:xfrm>
       </p:grpSpPr>
-      <p:sp>
-        <p:nvSpPr>
-          <p:cNvPr id="4" name="Title 3">
-            <a:extLst>
-              <a:ext uri="{FF2B5EF4-FFF2-40B4-BE49-F238E27FC236}">
-                <a16:creationId xmlns:a16="http://schemas.microsoft.com/office/drawing/2014/main" id="{53D6A8FD-2B1A-4932-BD19-71D12805DD7A}"/>
-              </a:ext>
-            </a:extLst>
-          </p:cNvPr>
-          <p:cNvSpPr>
-            <a:spLocks noGrp="1"/>
-          </p:cNvSpPr>
-          <p:nvPr>
-            <p:ph type="title"/>
-          </p:nvPr>
-        </p:nvSpPr>
-        <p:spPr/>
-        <p:txBody>
-          <a:bodyPr/>
-          <a:lstStyle/>
-          <a:p>
-            <a:r>
-              <a:rPr lang="bg-BG" dirty="0"/>
-              <a:t>Сървър</a:t>
-            </a:r>
-            <a:endParaRPr lang="en-US" dirty="0"/>
-          </a:p>
-        </p:txBody>
-      </p:sp>
-      <p:sp>
-        <p:nvSpPr>
-          <p:cNvPr id="5" name="Content Placeholder 4">
-            <a:extLst>
-              <a:ext uri="{FF2B5EF4-FFF2-40B4-BE49-F238E27FC236}">
-                <a16:creationId xmlns:a16="http://schemas.microsoft.com/office/drawing/2014/main" id="{B1AC216E-E199-4FFF-A4EB-8FADEC56E487}"/>
-              </a:ext>
-            </a:extLst>
-          </p:cNvPr>
-          <p:cNvSpPr>
-            <a:spLocks noGrp="1"/>
-          </p:cNvSpPr>
+      <p:pic>
+        <p:nvPicPr>
+          <p:cNvPr id="5" name="Content Placeholder 4" descr="Text&#10;&#10;Description automatically generated">
+            <a:extLst>
+              <a:ext uri="{FF2B5EF4-FFF2-40B4-BE49-F238E27FC236}">
+                <a16:creationId xmlns:a16="http://schemas.microsoft.com/office/drawing/2014/main" id="{D0CD2395-7617-4A61-9175-574D663F757E}"/>
+              </a:ext>
+            </a:extLst>
+          </p:cNvPr>
+          <p:cNvPicPr>
+            <a:picLocks noGrp="1" noChangeAspect="1"/>
+          </p:cNvPicPr>
           <p:nvPr>
             <p:ph idx="1"/>
           </p:nvPr>
-        </p:nvSpPr>
-        <p:spPr/>
-        <p:txBody>
-          <a:bodyPr/>
-          <a:lstStyle/>
-          <a:p>
-            <a:endParaRPr lang="en-US"/>
-          </a:p>
-        </p:txBody>
-      </p:sp>
+        </p:nvPicPr>
+        <p:blipFill>
+          <a:blip r:embed="rId2">
+            <a:extLst>
+              <a:ext uri="{28A0092B-C50C-407E-A947-70E740481C1C}">
+                <a14:useLocalDpi xmlns:a14="http://schemas.microsoft.com/office/drawing/2010/main" val="0"/>
+              </a:ext>
+            </a:extLst>
+          </a:blip>
+          <a:stretch>
+            <a:fillRect/>
+          </a:stretch>
+        </p:blipFill>
+        <p:spPr>
+          <a:xfrm>
+            <a:off x="1375704" y="2898710"/>
+            <a:ext cx="9440592" cy="2943636"/>
+          </a:xfrm>
+        </p:spPr>
+      </p:pic>
+      <p:pic>
+        <p:nvPicPr>
+          <p:cNvPr id="7" name="Picture 6" descr="Text&#10;&#10;Description automatically generated">
+            <a:extLst>
+              <a:ext uri="{FF2B5EF4-FFF2-40B4-BE49-F238E27FC236}">
+                <a16:creationId xmlns:a16="http://schemas.microsoft.com/office/drawing/2014/main" id="{9A4C21B1-8A61-4905-ADC6-8F233936C90B}"/>
+              </a:ext>
+            </a:extLst>
+          </p:cNvPr>
+          <p:cNvPicPr>
+            <a:picLocks noChangeAspect="1"/>
+          </p:cNvPicPr>
+          <p:nvPr/>
+        </p:nvPicPr>
+        <p:blipFill>
+          <a:blip r:embed="rId3">
+            <a:extLst>
+              <a:ext uri="{28A0092B-C50C-407E-A947-70E740481C1C}">
+                <a14:useLocalDpi xmlns:a14="http://schemas.microsoft.com/office/drawing/2010/main" val="0"/>
+              </a:ext>
+            </a:extLst>
+          </a:blip>
+          <a:stretch>
+            <a:fillRect/>
+          </a:stretch>
+        </p:blipFill>
+        <p:spPr>
+          <a:xfrm>
+            <a:off x="2461211" y="318951"/>
+            <a:ext cx="7269578" cy="2384422"/>
+          </a:xfrm>
+          <a:prstGeom prst="rect">
+            <a:avLst/>
+          </a:prstGeom>
+        </p:spPr>
+      </p:pic>
     </p:spTree>
     <p:extLst>
       <p:ext uri="{BB962C8B-B14F-4D97-AF65-F5344CB8AC3E}">
-        <p14:creationId xmlns:p14="http://schemas.microsoft.com/office/powerpoint/2010/main" val="801246846"/>
+        <p14:creationId xmlns:p14="http://schemas.microsoft.com/office/powerpoint/2010/main" val="3512256825"/>
       </p:ext>
     </p:extLst>
   </p:cSld>
@@ -6047,63 +6777,121 @@
             <p:ph type="title"/>
           </p:nvPr>
         </p:nvSpPr>
-        <p:spPr>
-          <a:xfrm>
-            <a:off x="657445" y="403225"/>
-            <a:ext cx="10515600" cy="1325563"/>
-          </a:xfrm>
-        </p:spPr>
+        <p:spPr/>
         <p:txBody>
           <a:bodyPr/>
           <a:lstStyle/>
           <a:p>
             <a:r>
               <a:rPr lang="bg-BG" dirty="0"/>
-              <a:t>Сензорни станции</a:t>
+              <a:t>Сървър</a:t>
             </a:r>
             <a:endParaRPr lang="en-US" dirty="0"/>
           </a:p>
         </p:txBody>
       </p:sp>
-      <p:pic>
-        <p:nvPicPr>
-          <p:cNvPr id="9" name="Content Placeholder 8">
-            <a:extLst>
-              <a:ext uri="{FF2B5EF4-FFF2-40B4-BE49-F238E27FC236}">
-                <a16:creationId xmlns:a16="http://schemas.microsoft.com/office/drawing/2014/main" id="{3BBD158A-AF62-49B6-B5CC-38E77CE55863}"/>
-              </a:ext>
-            </a:extLst>
-          </p:cNvPr>
-          <p:cNvPicPr>
-            <a:picLocks noGrp="1" noChangeAspect="1"/>
-          </p:cNvPicPr>
+      <p:sp>
+        <p:nvSpPr>
+          <p:cNvPr id="5" name="Content Placeholder 4">
+            <a:extLst>
+              <a:ext uri="{FF2B5EF4-FFF2-40B4-BE49-F238E27FC236}">
+                <a16:creationId xmlns:a16="http://schemas.microsoft.com/office/drawing/2014/main" id="{B1AC216E-E199-4FFF-A4EB-8FADEC56E487}"/>
+              </a:ext>
+            </a:extLst>
+          </p:cNvPr>
+          <p:cNvSpPr>
+            <a:spLocks noGrp="1"/>
+          </p:cNvSpPr>
           <p:nvPr>
             <p:ph idx="1"/>
           </p:nvPr>
-        </p:nvPicPr>
-        <p:blipFill>
-          <a:blip r:embed="rId2">
-            <a:extLst>
-              <a:ext uri="{28A0092B-C50C-407E-A947-70E740481C1C}">
-                <a14:useLocalDpi xmlns:a14="http://schemas.microsoft.com/office/drawing/2010/main" val="0"/>
-              </a:ext>
-            </a:extLst>
-          </a:blip>
-          <a:stretch>
-            <a:fillRect/>
-          </a:stretch>
-        </p:blipFill>
-        <p:spPr>
-          <a:xfrm>
-            <a:off x="6276756" y="504825"/>
-            <a:ext cx="4641700" cy="6127750"/>
-          </a:xfrm>
-        </p:spPr>
-      </p:pic>
+        </p:nvSpPr>
+        <p:spPr/>
+        <p:txBody>
+          <a:bodyPr/>
+          <a:lstStyle/>
+          <a:p>
+            <a:pPr>
+              <a:lnSpc>
+                <a:spcPct val="150000"/>
+              </a:lnSpc>
+            </a:pPr>
+            <a:r>
+              <a:rPr lang="en-US" dirty="0"/>
+              <a:t> C#</a:t>
+            </a:r>
+          </a:p>
+          <a:p>
+            <a:pPr>
+              <a:lnSpc>
+                <a:spcPct val="150000"/>
+              </a:lnSpc>
+            </a:pPr>
+            <a:r>
+              <a:rPr lang="en-US" dirty="0"/>
+              <a:t> ASP.NET (</a:t>
+            </a:r>
+            <a:r>
+              <a:rPr lang="en-US" dirty="0" err="1"/>
+              <a:t>Blazor</a:t>
+            </a:r>
+            <a:r>
+              <a:rPr lang="en-US" dirty="0"/>
+              <a:t> Server App)</a:t>
+            </a:r>
+          </a:p>
+          <a:p>
+            <a:pPr>
+              <a:lnSpc>
+                <a:spcPct val="150000"/>
+              </a:lnSpc>
+            </a:pPr>
+            <a:r>
+              <a:rPr lang="en-US" dirty="0"/>
+              <a:t> Webhooks </a:t>
+            </a:r>
+            <a:r>
+              <a:rPr lang="bg-BG" dirty="0"/>
+              <a:t>от </a:t>
+            </a:r>
+            <a:r>
+              <a:rPr lang="en-US" dirty="0"/>
+              <a:t>TTN</a:t>
+            </a:r>
+            <a:endParaRPr lang="bg-BG" dirty="0"/>
+          </a:p>
+          <a:p>
+            <a:pPr>
+              <a:lnSpc>
+                <a:spcPct val="150000"/>
+              </a:lnSpc>
+            </a:pPr>
+            <a:r>
+              <a:rPr lang="bg-BG" dirty="0"/>
+              <a:t> </a:t>
+            </a:r>
+            <a:r>
+              <a:rPr lang="en-US" dirty="0"/>
+              <a:t>REST API</a:t>
+            </a:r>
+          </a:p>
+          <a:p>
+            <a:pPr>
+              <a:lnSpc>
+                <a:spcPct val="150000"/>
+              </a:lnSpc>
+            </a:pPr>
+            <a:r>
+              <a:rPr lang="en-US" dirty="0"/>
+              <a:t> Signal R</a:t>
+            </a:r>
+          </a:p>
+        </p:txBody>
+      </p:sp>
     </p:spTree>
     <p:extLst>
       <p:ext uri="{BB962C8B-B14F-4D97-AF65-F5344CB8AC3E}">
-        <p14:creationId xmlns:p14="http://schemas.microsoft.com/office/powerpoint/2010/main" val="1169001381"/>
+        <p14:creationId xmlns:p14="http://schemas.microsoft.com/office/powerpoint/2010/main" val="801246846"/>
       </p:ext>
     </p:extLst>
   </p:cSld>

--- a/Documentation/LoRa_Sensor_Network_Presentation.pptx
+++ b/Documentation/LoRa_Sensor_Network_Presentation.pptx
@@ -122,6 +122,11 @@
       </a:defRPr>
     </a:lvl9pPr>
   </p:defaultTextStyle>
+  <p:extLst>
+    <p:ext uri="{EFAFB233-063F-42B5-8137-9DF3F51BA10A}">
+      <p15:sldGuideLst xmlns:p15="http://schemas.microsoft.com/office/powerpoint/2012/main"/>
+    </p:ext>
+  </p:extLst>
 </p:presentation>
 </file>
 
@@ -272,7 +277,7 @@
           <a:p>
             <a:fld id="{71B84E51-3E16-4F8F-B99D-928B78D2EA60}" type="datetimeFigureOut">
               <a:rPr lang="en-US" smtClean="0"/>
-              <a:t>1/16/2022</a:t>
+              <a:t>1/20/2022</a:t>
             </a:fld>
             <a:endParaRPr lang="en-US"/>
           </a:p>
@@ -385,7 +390,7 @@
           <a:p>
             <a:fld id="{71B84E51-3E16-4F8F-B99D-928B78D2EA60}" type="datetimeFigureOut">
               <a:rPr lang="en-US" smtClean="0"/>
-              <a:t>1/16/2022</a:t>
+              <a:t>1/20/2022</a:t>
             </a:fld>
             <a:endParaRPr lang="en-US"/>
           </a:p>
@@ -696,7 +701,7 @@
           <a:p>
             <a:fld id="{71B84E51-3E16-4F8F-B99D-928B78D2EA60}" type="datetimeFigureOut">
               <a:rPr lang="en-US" smtClean="0"/>
-              <a:t>1/16/2022</a:t>
+              <a:t>1/20/2022</a:t>
             </a:fld>
             <a:endParaRPr lang="en-US"/>
           </a:p>
@@ -984,7 +989,7 @@
           <a:p>
             <a:fld id="{71B84E51-3E16-4F8F-B99D-928B78D2EA60}" type="datetimeFigureOut">
               <a:rPr lang="en-US" smtClean="0"/>
-              <a:t>1/16/2022</a:t>
+              <a:t>1/20/2022</a:t>
             </a:fld>
             <a:endParaRPr lang="en-US"/>
           </a:p>
@@ -1182,7 +1187,7 @@
           <a:p>
             <a:fld id="{71B84E51-3E16-4F8F-B99D-928B78D2EA60}" type="datetimeFigureOut">
               <a:rPr lang="en-US" smtClean="0"/>
-              <a:t>1/16/2022</a:t>
+              <a:t>1/20/2022</a:t>
             </a:fld>
             <a:endParaRPr lang="en-US"/>
           </a:p>
@@ -1390,7 +1395,7 @@
           <a:p>
             <a:fld id="{71B84E51-3E16-4F8F-B99D-928B78D2EA60}" type="datetimeFigureOut">
               <a:rPr lang="en-US" smtClean="0"/>
-              <a:t>1/16/2022</a:t>
+              <a:t>1/20/2022</a:t>
             </a:fld>
             <a:endParaRPr lang="en-US"/>
           </a:p>
@@ -3102,7 +3107,7 @@
           <a:p>
             <a:fld id="{71B84E51-3E16-4F8F-B99D-928B78D2EA60}" type="datetimeFigureOut">
               <a:rPr lang="en-US" smtClean="0"/>
-              <a:t>1/16/2022</a:t>
+              <a:t>1/20/2022</a:t>
             </a:fld>
             <a:endParaRPr lang="en-US"/>
           </a:p>
@@ -3514,7 +3519,7 @@
           <a:p>
             <a:fld id="{71B84E51-3E16-4F8F-B99D-928B78D2EA60}" type="datetimeFigureOut">
               <a:rPr lang="en-US" smtClean="0"/>
-              <a:t>1/16/2022</a:t>
+              <a:t>1/20/2022</a:t>
             </a:fld>
             <a:endParaRPr lang="en-US"/>
           </a:p>
@@ -3655,7 +3660,7 @@
           <a:p>
             <a:fld id="{71B84E51-3E16-4F8F-B99D-928B78D2EA60}" type="datetimeFigureOut">
               <a:rPr lang="en-US" smtClean="0"/>
-              <a:t>1/16/2022</a:t>
+              <a:t>1/20/2022</a:t>
             </a:fld>
             <a:endParaRPr lang="en-US"/>
           </a:p>
@@ -3896,7 +3901,7 @@
           <a:p>
             <a:fld id="{71B84E51-3E16-4F8F-B99D-928B78D2EA60}" type="datetimeFigureOut">
               <a:rPr lang="en-US" smtClean="0"/>
-              <a:t>1/16/2022</a:t>
+              <a:t>1/20/2022</a:t>
             </a:fld>
             <a:endParaRPr lang="en-US"/>
           </a:p>

--- a/Documentation/LoRa_Sensor_Network_Presentation.pptx
+++ b/Documentation/LoRa_Sensor_Network_Presentation.pptx
@@ -277,7 +277,7 @@
           <a:p>
             <a:fld id="{71B84E51-3E16-4F8F-B99D-928B78D2EA60}" type="datetimeFigureOut">
               <a:rPr lang="en-US" smtClean="0"/>
-              <a:t>1/20/2022</a:t>
+              <a:t>23-Jan-22</a:t>
             </a:fld>
             <a:endParaRPr lang="en-US"/>
           </a:p>
@@ -390,7 +390,7 @@
           <a:p>
             <a:fld id="{71B84E51-3E16-4F8F-B99D-928B78D2EA60}" type="datetimeFigureOut">
               <a:rPr lang="en-US" smtClean="0"/>
-              <a:t>1/20/2022</a:t>
+              <a:t>23-Jan-22</a:t>
             </a:fld>
             <a:endParaRPr lang="en-US"/>
           </a:p>
@@ -701,7 +701,7 @@
           <a:p>
             <a:fld id="{71B84E51-3E16-4F8F-B99D-928B78D2EA60}" type="datetimeFigureOut">
               <a:rPr lang="en-US" smtClean="0"/>
-              <a:t>1/20/2022</a:t>
+              <a:t>23-Jan-22</a:t>
             </a:fld>
             <a:endParaRPr lang="en-US"/>
           </a:p>
@@ -989,7 +989,7 @@
           <a:p>
             <a:fld id="{71B84E51-3E16-4F8F-B99D-928B78D2EA60}" type="datetimeFigureOut">
               <a:rPr lang="en-US" smtClean="0"/>
-              <a:t>1/20/2022</a:t>
+              <a:t>23-Jan-22</a:t>
             </a:fld>
             <a:endParaRPr lang="en-US"/>
           </a:p>
@@ -1187,7 +1187,7 @@
           <a:p>
             <a:fld id="{71B84E51-3E16-4F8F-B99D-928B78D2EA60}" type="datetimeFigureOut">
               <a:rPr lang="en-US" smtClean="0"/>
-              <a:t>1/20/2022</a:t>
+              <a:t>23-Jan-22</a:t>
             </a:fld>
             <a:endParaRPr lang="en-US"/>
           </a:p>
@@ -1395,7 +1395,7 @@
           <a:p>
             <a:fld id="{71B84E51-3E16-4F8F-B99D-928B78D2EA60}" type="datetimeFigureOut">
               <a:rPr lang="en-US" smtClean="0"/>
-              <a:t>1/20/2022</a:t>
+              <a:t>23-Jan-22</a:t>
             </a:fld>
             <a:endParaRPr lang="en-US"/>
           </a:p>
@@ -3107,7 +3107,7 @@
           <a:p>
             <a:fld id="{71B84E51-3E16-4F8F-B99D-928B78D2EA60}" type="datetimeFigureOut">
               <a:rPr lang="en-US" smtClean="0"/>
-              <a:t>1/20/2022</a:t>
+              <a:t>23-Jan-22</a:t>
             </a:fld>
             <a:endParaRPr lang="en-US"/>
           </a:p>
@@ -3519,7 +3519,7 @@
           <a:p>
             <a:fld id="{71B84E51-3E16-4F8F-B99D-928B78D2EA60}" type="datetimeFigureOut">
               <a:rPr lang="en-US" smtClean="0"/>
-              <a:t>1/20/2022</a:t>
+              <a:t>23-Jan-22</a:t>
             </a:fld>
             <a:endParaRPr lang="en-US"/>
           </a:p>
@@ -3660,7 +3660,7 @@
           <a:p>
             <a:fld id="{71B84E51-3E16-4F8F-B99D-928B78D2EA60}" type="datetimeFigureOut">
               <a:rPr lang="en-US" smtClean="0"/>
-              <a:t>1/20/2022</a:t>
+              <a:t>23-Jan-22</a:t>
             </a:fld>
             <a:endParaRPr lang="en-US"/>
           </a:p>
@@ -3901,7 +3901,7 @@
           <a:p>
             <a:fld id="{71B84E51-3E16-4F8F-B99D-928B78D2EA60}" type="datetimeFigureOut">
               <a:rPr lang="en-US" smtClean="0"/>
-              <a:t>1/20/2022</a:t>
+              <a:t>23-Jan-22</a:t>
             </a:fld>
             <a:endParaRPr lang="en-US"/>
           </a:p>
@@ -4991,7 +4991,68 @@
           <a:bodyPr/>
           <a:lstStyle/>
           <a:p>
-            <a:endParaRPr lang="en-US"/>
+            <a:pPr>
+              <a:spcAft>
+                <a:spcPts val="2000"/>
+              </a:spcAft>
+            </a:pPr>
+            <a:r>
+              <a:rPr lang="en-US" dirty="0"/>
+              <a:t> </a:t>
+            </a:r>
+            <a:r>
+              <a:rPr lang="en-US" kern="2000" dirty="0"/>
+              <a:t>Typescript</a:t>
+            </a:r>
+          </a:p>
+          <a:p>
+            <a:pPr>
+              <a:spcAft>
+                <a:spcPts val="2000"/>
+              </a:spcAft>
+            </a:pPr>
+            <a:r>
+              <a:rPr lang="en-US" kern="2000" dirty="0"/>
+              <a:t> React</a:t>
+            </a:r>
+          </a:p>
+          <a:p>
+            <a:pPr>
+              <a:spcAft>
+                <a:spcPts val="2000"/>
+              </a:spcAft>
+            </a:pPr>
+            <a:r>
+              <a:rPr lang="en-US" kern="2000" dirty="0"/>
+              <a:t> Material UI</a:t>
+            </a:r>
+          </a:p>
+          <a:p>
+            <a:pPr>
+              <a:spcAft>
+                <a:spcPts val="2000"/>
+              </a:spcAft>
+            </a:pPr>
+            <a:r>
+              <a:rPr lang="en-US" kern="2000" dirty="0"/>
+              <a:t> </a:t>
+            </a:r>
+            <a:r>
+              <a:rPr lang="en-US" kern="2000" dirty="0" err="1"/>
+              <a:t>SignalR</a:t>
+            </a:r>
+            <a:endParaRPr lang="en-US" kern="2000" dirty="0"/>
+          </a:p>
+          <a:p>
+            <a:pPr>
+              <a:spcAft>
+                <a:spcPts val="2000"/>
+              </a:spcAft>
+            </a:pPr>
+            <a:r>
+              <a:rPr lang="en-US" kern="2000" dirty="0"/>
+              <a:t> Docker</a:t>
+            </a:r>
           </a:p>
         </p:txBody>
       </p:sp>
@@ -5417,6 +5478,27 @@
               <a:rPr lang="en-US" sz="4000" dirty="0"/>
               <a:t>SOAP UI</a:t>
             </a:r>
+            <a:endParaRPr lang="bg-BG" sz="4000" dirty="0"/>
+          </a:p>
+          <a:p>
+            <a:pPr>
+              <a:lnSpc>
+                <a:spcPct val="200000"/>
+              </a:lnSpc>
+            </a:pPr>
+            <a:r>
+              <a:rPr lang="bg-BG" sz="4000" dirty="0"/>
+              <a:t> Създаване на </a:t>
+            </a:r>
+            <a:r>
+              <a:rPr lang="en-US" sz="4000" dirty="0"/>
+              <a:t>docker </a:t>
+            </a:r>
+            <a:r>
+              <a:rPr lang="bg-BG" sz="4000" dirty="0"/>
+              <a:t>контейнер</a:t>
+            </a:r>
+            <a:endParaRPr lang="en-US" sz="4000" dirty="0"/>
           </a:p>
           <a:p>
             <a:pPr marL="0" indent="0">
@@ -5740,10 +5822,52 @@
         </p:nvSpPr>
         <p:spPr/>
         <p:txBody>
-          <a:bodyPr/>
-          <a:lstStyle/>
-          <a:p>
-            <a:endParaRPr lang="en-US"/>
+          <a:bodyPr>
+            <a:normAutofit/>
+          </a:bodyPr>
+          <a:lstStyle/>
+          <a:p>
+            <a:pPr>
+              <a:lnSpc>
+                <a:spcPct val="250000"/>
+              </a:lnSpc>
+            </a:pPr>
+            <a:r>
+              <a:rPr lang="en-US" sz="3200" dirty="0"/>
+              <a:t> </a:t>
+            </a:r>
+            <a:r>
+              <a:rPr lang="bg-BG" sz="3200" dirty="0"/>
+              <a:t> Публикуване директно на </a:t>
+            </a:r>
+            <a:r>
+              <a:rPr lang="en-US" sz="3200" dirty="0"/>
+              <a:t>build </a:t>
+            </a:r>
+            <a:r>
+              <a:rPr lang="bg-BG" sz="3200" dirty="0"/>
+              <a:t>директорията</a:t>
+            </a:r>
+          </a:p>
+          <a:p>
+            <a:pPr>
+              <a:lnSpc>
+                <a:spcPct val="250000"/>
+              </a:lnSpc>
+            </a:pPr>
+            <a:r>
+              <a:rPr lang="bg-BG" sz="3200" dirty="0"/>
+              <a:t>  Създаване на </a:t>
+            </a:r>
+            <a:r>
+              <a:rPr lang="en-US" sz="3200" dirty="0"/>
+              <a:t>docker </a:t>
+            </a:r>
+            <a:r>
+              <a:rPr lang="bg-BG" sz="3200" dirty="0"/>
+              <a:t>контейнер</a:t>
+            </a:r>
+            <a:endParaRPr lang="en-US" sz="3200" dirty="0"/>
           </a:p>
         </p:txBody>
       </p:sp>
@@ -6243,6 +6367,12 @@
             <a:r>
               <a:rPr lang="en-US" dirty="0"/>
               <a:t> Flutter</a:t>
+            </a:r>
+          </a:p>
+          <a:p>
+            <a:r>
+              <a:rPr lang="en-US" dirty="0"/>
+              <a:t> Docker</a:t>
             </a:r>
           </a:p>
         </p:txBody>
@@ -6813,7 +6943,9 @@
         </p:nvSpPr>
         <p:spPr/>
         <p:txBody>
-          <a:bodyPr/>
+          <a:bodyPr>
+            <a:normAutofit lnSpcReduction="10000"/>
+          </a:bodyPr>
           <a:lstStyle/>
           <a:p>
             <a:pPr>
@@ -6889,6 +7021,17 @@
             <a:r>
               <a:rPr lang="en-US" dirty="0"/>
               <a:t> Signal R</a:t>
+            </a:r>
+          </a:p>
+          <a:p>
+            <a:pPr>
+              <a:lnSpc>
+                <a:spcPct val="150000"/>
+              </a:lnSpc>
+            </a:pPr>
+            <a:r>
+              <a:rPr lang="en-US" dirty="0"/>
+              <a:t> Docker</a:t>
             </a:r>
           </a:p>
         </p:txBody>

--- a/Documentation/LoRa_Sensor_Network_Presentation.pptx
+++ b/Documentation/LoRa_Sensor_Network_Presentation.pptx
@@ -4,6 +4,9 @@
   <p:sldMasterIdLst>
     <p:sldMasterId id="2147483648" r:id="rId1"/>
   </p:sldMasterIdLst>
+  <p:notesMasterIdLst>
+    <p:notesMasterId r:id="rId18"/>
+  </p:notesMasterIdLst>
   <p:sldIdLst>
     <p:sldId id="256" r:id="rId2"/>
     <p:sldId id="258" r:id="rId3"/>
@@ -18,12 +21,9 @@
     <p:sldId id="273" r:id="rId12"/>
     <p:sldId id="274" r:id="rId13"/>
     <p:sldId id="262" r:id="rId14"/>
-    <p:sldId id="265" r:id="rId15"/>
-    <p:sldId id="266" r:id="rId16"/>
-    <p:sldId id="267" r:id="rId17"/>
-    <p:sldId id="268" r:id="rId18"/>
-    <p:sldId id="269" r:id="rId19"/>
-    <p:sldId id="263" r:id="rId20"/>
+    <p:sldId id="263" r:id="rId15"/>
+    <p:sldId id="277" r:id="rId16"/>
+    <p:sldId id="276" r:id="rId17"/>
   </p:sldIdLst>
   <p:sldSz cx="12192000" cy="6858000"/>
   <p:notesSz cx="6858000" cy="9144000"/>
@@ -130,6 +130,8659 @@
 </p:presentation>
 </file>
 
+<file path=ppt/notesMasters/notesMaster1.xml><?xml version="1.0" encoding="utf-8"?>
+<p:notesMaster xmlns:a="http://schemas.openxmlformats.org/drawingml/2006/main" xmlns:r="http://schemas.openxmlformats.org/officeDocument/2006/relationships" xmlns:p="http://schemas.openxmlformats.org/presentationml/2006/main">
+  <p:cSld>
+    <p:bg>
+      <p:bgRef idx="1001">
+        <a:schemeClr val="bg1"/>
+      </p:bgRef>
+    </p:bg>
+    <p:spTree>
+      <p:nvGrpSpPr>
+        <p:cNvPr id="1" name=""/>
+        <p:cNvGrpSpPr/>
+        <p:nvPr/>
+      </p:nvGrpSpPr>
+      <p:grpSpPr>
+        <a:xfrm>
+          <a:off x="0" y="0"/>
+          <a:ext cx="0" cy="0"/>
+          <a:chOff x="0" y="0"/>
+          <a:chExt cx="0" cy="0"/>
+        </a:xfrm>
+      </p:grpSpPr>
+      <p:sp>
+        <p:nvSpPr>
+          <p:cNvPr id="2" name="Header Placeholder 1"/>
+          <p:cNvSpPr>
+            <a:spLocks noGrp="1"/>
+          </p:cNvSpPr>
+          <p:nvPr>
+            <p:ph type="hdr" sz="quarter"/>
+          </p:nvPr>
+        </p:nvSpPr>
+        <p:spPr>
+          <a:xfrm>
+            <a:off x="0" y="0"/>
+            <a:ext cx="2971800" cy="458788"/>
+          </a:xfrm>
+          <a:prstGeom prst="rect">
+            <a:avLst/>
+          </a:prstGeom>
+        </p:spPr>
+        <p:txBody>
+          <a:bodyPr vert="horz" lIns="91440" tIns="45720" rIns="91440" bIns="45720" rtlCol="0"/>
+          <a:lstStyle>
+            <a:lvl1pPr algn="l">
+              <a:defRPr sz="1200"/>
+            </a:lvl1pPr>
+          </a:lstStyle>
+          <a:p>
+            <a:endParaRPr lang="en-US"/>
+          </a:p>
+        </p:txBody>
+      </p:sp>
+      <p:sp>
+        <p:nvSpPr>
+          <p:cNvPr id="3" name="Date Placeholder 2"/>
+          <p:cNvSpPr>
+            <a:spLocks noGrp="1"/>
+          </p:cNvSpPr>
+          <p:nvPr>
+            <p:ph type="dt" idx="1"/>
+          </p:nvPr>
+        </p:nvSpPr>
+        <p:spPr>
+          <a:xfrm>
+            <a:off x="3884613" y="0"/>
+            <a:ext cx="2971800" cy="458788"/>
+          </a:xfrm>
+          <a:prstGeom prst="rect">
+            <a:avLst/>
+          </a:prstGeom>
+        </p:spPr>
+        <p:txBody>
+          <a:bodyPr vert="horz" lIns="91440" tIns="45720" rIns="91440" bIns="45720" rtlCol="0"/>
+          <a:lstStyle>
+            <a:lvl1pPr algn="r">
+              <a:defRPr sz="1200"/>
+            </a:lvl1pPr>
+          </a:lstStyle>
+          <a:p>
+            <a:fld id="{155E3858-D6E6-43AB-B5DA-04B979C8DB24}" type="datetimeFigureOut">
+              <a:rPr lang="en-US" smtClean="0"/>
+              <a:t>2/1/2022</a:t>
+            </a:fld>
+            <a:endParaRPr lang="en-US"/>
+          </a:p>
+        </p:txBody>
+      </p:sp>
+      <p:sp>
+        <p:nvSpPr>
+          <p:cNvPr id="4" name="Slide Image Placeholder 3"/>
+          <p:cNvSpPr>
+            <a:spLocks noGrp="1" noRot="1" noChangeAspect="1"/>
+          </p:cNvSpPr>
+          <p:nvPr>
+            <p:ph type="sldImg" idx="2"/>
+          </p:nvPr>
+        </p:nvSpPr>
+        <p:spPr>
+          <a:xfrm>
+            <a:off x="685800" y="1143000"/>
+            <a:ext cx="5486400" cy="3086100"/>
+          </a:xfrm>
+          <a:prstGeom prst="rect">
+            <a:avLst/>
+          </a:prstGeom>
+          <a:noFill/>
+          <a:ln w="12700">
+            <a:solidFill>
+              <a:prstClr val="black"/>
+            </a:solidFill>
+          </a:ln>
+        </p:spPr>
+        <p:txBody>
+          <a:bodyPr vert="horz" lIns="91440" tIns="45720" rIns="91440" bIns="45720" rtlCol="0" anchor="ctr"/>
+          <a:lstStyle/>
+          <a:p>
+            <a:endParaRPr lang="en-US"/>
+          </a:p>
+        </p:txBody>
+      </p:sp>
+      <p:sp>
+        <p:nvSpPr>
+          <p:cNvPr id="5" name="Notes Placeholder 4"/>
+          <p:cNvSpPr>
+            <a:spLocks noGrp="1"/>
+          </p:cNvSpPr>
+          <p:nvPr>
+            <p:ph type="body" sz="quarter" idx="3"/>
+          </p:nvPr>
+        </p:nvSpPr>
+        <p:spPr>
+          <a:xfrm>
+            <a:off x="685800" y="4400550"/>
+            <a:ext cx="5486400" cy="3600450"/>
+          </a:xfrm>
+          <a:prstGeom prst="rect">
+            <a:avLst/>
+          </a:prstGeom>
+        </p:spPr>
+        <p:txBody>
+          <a:bodyPr vert="horz" lIns="91440" tIns="45720" rIns="91440" bIns="45720" rtlCol="0"/>
+          <a:lstStyle/>
+          <a:p>
+            <a:pPr lvl="0"/>
+            <a:r>
+              <a:rPr lang="en-US"/>
+              <a:t>Click to edit Master text styles</a:t>
+            </a:r>
+          </a:p>
+          <a:p>
+            <a:pPr lvl="1"/>
+            <a:r>
+              <a:rPr lang="en-US"/>
+              <a:t>Second level</a:t>
+            </a:r>
+          </a:p>
+          <a:p>
+            <a:pPr lvl="2"/>
+            <a:r>
+              <a:rPr lang="en-US"/>
+              <a:t>Third level</a:t>
+            </a:r>
+          </a:p>
+          <a:p>
+            <a:pPr lvl="3"/>
+            <a:r>
+              <a:rPr lang="en-US"/>
+              <a:t>Fourth level</a:t>
+            </a:r>
+          </a:p>
+          <a:p>
+            <a:pPr lvl="4"/>
+            <a:r>
+              <a:rPr lang="en-US"/>
+              <a:t>Fifth level</a:t>
+            </a:r>
+          </a:p>
+        </p:txBody>
+      </p:sp>
+      <p:sp>
+        <p:nvSpPr>
+          <p:cNvPr id="6" name="Footer Placeholder 5"/>
+          <p:cNvSpPr>
+            <a:spLocks noGrp="1"/>
+          </p:cNvSpPr>
+          <p:nvPr>
+            <p:ph type="ftr" sz="quarter" idx="4"/>
+          </p:nvPr>
+        </p:nvSpPr>
+        <p:spPr>
+          <a:xfrm>
+            <a:off x="0" y="8685213"/>
+            <a:ext cx="2971800" cy="458787"/>
+          </a:xfrm>
+          <a:prstGeom prst="rect">
+            <a:avLst/>
+          </a:prstGeom>
+        </p:spPr>
+        <p:txBody>
+          <a:bodyPr vert="horz" lIns="91440" tIns="45720" rIns="91440" bIns="45720" rtlCol="0" anchor="b"/>
+          <a:lstStyle>
+            <a:lvl1pPr algn="l">
+              <a:defRPr sz="1200"/>
+            </a:lvl1pPr>
+          </a:lstStyle>
+          <a:p>
+            <a:endParaRPr lang="en-US"/>
+          </a:p>
+        </p:txBody>
+      </p:sp>
+      <p:sp>
+        <p:nvSpPr>
+          <p:cNvPr id="7" name="Slide Number Placeholder 6"/>
+          <p:cNvSpPr>
+            <a:spLocks noGrp="1"/>
+          </p:cNvSpPr>
+          <p:nvPr>
+            <p:ph type="sldNum" sz="quarter" idx="5"/>
+          </p:nvPr>
+        </p:nvSpPr>
+        <p:spPr>
+          <a:xfrm>
+            <a:off x="3884613" y="8685213"/>
+            <a:ext cx="2971800" cy="458787"/>
+          </a:xfrm>
+          <a:prstGeom prst="rect">
+            <a:avLst/>
+          </a:prstGeom>
+        </p:spPr>
+        <p:txBody>
+          <a:bodyPr vert="horz" lIns="91440" tIns="45720" rIns="91440" bIns="45720" rtlCol="0" anchor="b"/>
+          <a:lstStyle>
+            <a:lvl1pPr algn="r">
+              <a:defRPr sz="1200"/>
+            </a:lvl1pPr>
+          </a:lstStyle>
+          <a:p>
+            <a:fld id="{354FBB31-2E76-4A4B-BA94-9E05B09A2BD0}" type="slidenum">
+              <a:rPr lang="en-US" smtClean="0"/>
+              <a:t>‹#›</a:t>
+            </a:fld>
+            <a:endParaRPr lang="en-US"/>
+          </a:p>
+        </p:txBody>
+      </p:sp>
+    </p:spTree>
+    <p:extLst>
+      <p:ext uri="{BB962C8B-B14F-4D97-AF65-F5344CB8AC3E}">
+        <p14:creationId xmlns:p14="http://schemas.microsoft.com/office/powerpoint/2010/main" val="614540504"/>
+      </p:ext>
+    </p:extLst>
+  </p:cSld>
+  <p:clrMap bg1="lt1" tx1="dk1" bg2="lt2" tx2="dk2" accent1="accent1" accent2="accent2" accent3="accent3" accent4="accent4" accent5="accent5" accent6="accent6" hlink="hlink" folHlink="folHlink"/>
+  <p:notesStyle>
+    <a:lvl1pPr marL="0" algn="l" defTabSz="914400" rtl="0" eaLnBrk="1" latinLnBrk="0" hangingPunct="1">
+      <a:defRPr sz="1200" kern="1200">
+        <a:solidFill>
+          <a:schemeClr val="tx1"/>
+        </a:solidFill>
+        <a:latin typeface="+mn-lt"/>
+        <a:ea typeface="+mn-ea"/>
+        <a:cs typeface="+mn-cs"/>
+      </a:defRPr>
+    </a:lvl1pPr>
+    <a:lvl2pPr marL="457200" algn="l" defTabSz="914400" rtl="0" eaLnBrk="1" latinLnBrk="0" hangingPunct="1">
+      <a:defRPr sz="1200" kern="1200">
+        <a:solidFill>
+          <a:schemeClr val="tx1"/>
+        </a:solidFill>
+        <a:latin typeface="+mn-lt"/>
+        <a:ea typeface="+mn-ea"/>
+        <a:cs typeface="+mn-cs"/>
+      </a:defRPr>
+    </a:lvl2pPr>
+    <a:lvl3pPr marL="914400" algn="l" defTabSz="914400" rtl="0" eaLnBrk="1" latinLnBrk="0" hangingPunct="1">
+      <a:defRPr sz="1200" kern="1200">
+        <a:solidFill>
+          <a:schemeClr val="tx1"/>
+        </a:solidFill>
+        <a:latin typeface="+mn-lt"/>
+        <a:ea typeface="+mn-ea"/>
+        <a:cs typeface="+mn-cs"/>
+      </a:defRPr>
+    </a:lvl3pPr>
+    <a:lvl4pPr marL="1371600" algn="l" defTabSz="914400" rtl="0" eaLnBrk="1" latinLnBrk="0" hangingPunct="1">
+      <a:defRPr sz="1200" kern="1200">
+        <a:solidFill>
+          <a:schemeClr val="tx1"/>
+        </a:solidFill>
+        <a:latin typeface="+mn-lt"/>
+        <a:ea typeface="+mn-ea"/>
+        <a:cs typeface="+mn-cs"/>
+      </a:defRPr>
+    </a:lvl4pPr>
+    <a:lvl5pPr marL="1828800" algn="l" defTabSz="914400" rtl="0" eaLnBrk="1" latinLnBrk="0" hangingPunct="1">
+      <a:defRPr sz="1200" kern="1200">
+        <a:solidFill>
+          <a:schemeClr val="tx1"/>
+        </a:solidFill>
+        <a:latin typeface="+mn-lt"/>
+        <a:ea typeface="+mn-ea"/>
+        <a:cs typeface="+mn-cs"/>
+      </a:defRPr>
+    </a:lvl5pPr>
+    <a:lvl6pPr marL="2286000" algn="l" defTabSz="914400" rtl="0" eaLnBrk="1" latinLnBrk="0" hangingPunct="1">
+      <a:defRPr sz="1200" kern="1200">
+        <a:solidFill>
+          <a:schemeClr val="tx1"/>
+        </a:solidFill>
+        <a:latin typeface="+mn-lt"/>
+        <a:ea typeface="+mn-ea"/>
+        <a:cs typeface="+mn-cs"/>
+      </a:defRPr>
+    </a:lvl6pPr>
+    <a:lvl7pPr marL="2743200" algn="l" defTabSz="914400" rtl="0" eaLnBrk="1" latinLnBrk="0" hangingPunct="1">
+      <a:defRPr sz="1200" kern="1200">
+        <a:solidFill>
+          <a:schemeClr val="tx1"/>
+        </a:solidFill>
+        <a:latin typeface="+mn-lt"/>
+        <a:ea typeface="+mn-ea"/>
+        <a:cs typeface="+mn-cs"/>
+      </a:defRPr>
+    </a:lvl7pPr>
+    <a:lvl8pPr marL="3200400" algn="l" defTabSz="914400" rtl="0" eaLnBrk="1" latinLnBrk="0" hangingPunct="1">
+      <a:defRPr sz="1200" kern="1200">
+        <a:solidFill>
+          <a:schemeClr val="tx1"/>
+        </a:solidFill>
+        <a:latin typeface="+mn-lt"/>
+        <a:ea typeface="+mn-ea"/>
+        <a:cs typeface="+mn-cs"/>
+      </a:defRPr>
+    </a:lvl8pPr>
+    <a:lvl9pPr marL="3657600" algn="l" defTabSz="914400" rtl="0" eaLnBrk="1" latinLnBrk="0" hangingPunct="1">
+      <a:defRPr sz="1200" kern="1200">
+        <a:solidFill>
+          <a:schemeClr val="tx1"/>
+        </a:solidFill>
+        <a:latin typeface="+mn-lt"/>
+        <a:ea typeface="+mn-ea"/>
+        <a:cs typeface="+mn-cs"/>
+      </a:defRPr>
+    </a:lvl9pPr>
+  </p:notesStyle>
+</p:notesMaster>
+</file>
+
+<file path=ppt/notesSlides/notesSlide1.xml><?xml version="1.0" encoding="utf-8"?>
+<p:notes xmlns:a="http://schemas.openxmlformats.org/drawingml/2006/main" xmlns:r="http://schemas.openxmlformats.org/officeDocument/2006/relationships" xmlns:p="http://schemas.openxmlformats.org/presentationml/2006/main">
+  <p:cSld>
+    <p:spTree>
+      <p:nvGrpSpPr>
+        <p:cNvPr id="1" name=""/>
+        <p:cNvGrpSpPr/>
+        <p:nvPr/>
+      </p:nvGrpSpPr>
+      <p:grpSpPr>
+        <a:xfrm>
+          <a:off x="0" y="0"/>
+          <a:ext cx="0" cy="0"/>
+          <a:chOff x="0" y="0"/>
+          <a:chExt cx="0" cy="0"/>
+        </a:xfrm>
+      </p:grpSpPr>
+      <p:sp>
+        <p:nvSpPr>
+          <p:cNvPr id="2" name="Slide Image Placeholder 1"/>
+          <p:cNvSpPr>
+            <a:spLocks noGrp="1" noRot="1" noChangeAspect="1"/>
+          </p:cNvSpPr>
+          <p:nvPr>
+            <p:ph type="sldImg"/>
+          </p:nvPr>
+        </p:nvSpPr>
+        <p:spPr/>
+      </p:sp>
+      <p:sp>
+        <p:nvSpPr>
+          <p:cNvPr id="3" name="Notes Placeholder 2"/>
+          <p:cNvSpPr>
+            <a:spLocks noGrp="1"/>
+          </p:cNvSpPr>
+          <p:nvPr>
+            <p:ph type="body" idx="1"/>
+          </p:nvPr>
+        </p:nvSpPr>
+        <p:spPr/>
+        <p:txBody>
+          <a:bodyPr/>
+          <a:lstStyle/>
+          <a:p>
+            <a:pPr rtl="0">
+              <a:spcBef>
+                <a:spcPts val="0"/>
+              </a:spcBef>
+              <a:spcAft>
+                <a:spcPts val="0"/>
+              </a:spcAft>
+            </a:pPr>
+            <a:r>
+              <a:rPr lang="ru-RU" sz="1800" b="0" i="0" u="none" strike="noStrike" dirty="0">
+                <a:solidFill>
+                  <a:srgbClr val="000000"/>
+                </a:solidFill>
+                <a:effectLst/>
+                <a:latin typeface="Arial" panose="020B0604020202020204" pitchFamily="34" charset="0"/>
+              </a:rPr>
+              <a:t>Ники: </a:t>
+            </a:r>
+            <a:r>
+              <a:rPr lang="ru-RU" sz="1800" b="0" i="0" u="none" strike="noStrike" dirty="0" err="1">
+                <a:solidFill>
+                  <a:srgbClr val="000000"/>
+                </a:solidFill>
+                <a:effectLst/>
+                <a:latin typeface="Arial" panose="020B0604020202020204" pitchFamily="34" charset="0"/>
+              </a:rPr>
+              <a:t>Здравейте</a:t>
+            </a:r>
+            <a:r>
+              <a:rPr lang="ru-RU" sz="1800" b="0" i="0" u="none" strike="noStrike" dirty="0">
+                <a:solidFill>
+                  <a:srgbClr val="000000"/>
+                </a:solidFill>
+                <a:effectLst/>
+                <a:latin typeface="Arial" panose="020B0604020202020204" pitchFamily="34" charset="0"/>
+              </a:rPr>
+              <a:t>, аз </a:t>
+            </a:r>
+            <a:r>
+              <a:rPr lang="ru-RU" sz="1800" b="0" i="0" u="none" strike="noStrike" dirty="0" err="1">
+                <a:solidFill>
+                  <a:srgbClr val="000000"/>
+                </a:solidFill>
+                <a:effectLst/>
+                <a:latin typeface="Arial" panose="020B0604020202020204" pitchFamily="34" charset="0"/>
+              </a:rPr>
+              <a:t>съм</a:t>
+            </a:r>
+            <a:r>
+              <a:rPr lang="ru-RU" sz="1800" b="0" i="0" u="none" strike="noStrike" dirty="0">
+                <a:solidFill>
+                  <a:srgbClr val="000000"/>
+                </a:solidFill>
+                <a:effectLst/>
+                <a:latin typeface="Arial" panose="020B0604020202020204" pitchFamily="34" charset="0"/>
+              </a:rPr>
+              <a:t> Никола и с </a:t>
+            </a:r>
+            <a:r>
+              <a:rPr lang="ru-RU" sz="1800" b="0" i="0" u="none" strike="noStrike" dirty="0" err="1">
+                <a:solidFill>
+                  <a:srgbClr val="000000"/>
+                </a:solidFill>
+                <a:effectLst/>
+                <a:latin typeface="Arial" panose="020B0604020202020204" pitchFamily="34" charset="0"/>
+              </a:rPr>
+              <a:t>колегата</a:t>
+            </a:r>
+            <a:r>
+              <a:rPr lang="ru-RU" sz="1800" b="0" i="0" u="none" strike="noStrike" dirty="0">
+                <a:solidFill>
+                  <a:srgbClr val="000000"/>
+                </a:solidFill>
+                <a:effectLst/>
+                <a:latin typeface="Arial" panose="020B0604020202020204" pitchFamily="34" charset="0"/>
+              </a:rPr>
+              <a:t> </a:t>
+            </a:r>
+            <a:r>
+              <a:rPr lang="ru-RU" sz="1800" b="0" i="0" u="none" strike="noStrike" dirty="0" err="1">
+                <a:solidFill>
+                  <a:srgbClr val="000000"/>
+                </a:solidFill>
+                <a:effectLst/>
+                <a:latin typeface="Arial" panose="020B0604020202020204" pitchFamily="34" charset="0"/>
+              </a:rPr>
+              <a:t>Ивайло</a:t>
+            </a:r>
+            <a:r>
+              <a:rPr lang="ru-RU" sz="1800" b="0" i="0" u="none" strike="noStrike" dirty="0">
+                <a:solidFill>
+                  <a:srgbClr val="000000"/>
+                </a:solidFill>
+                <a:effectLst/>
+                <a:latin typeface="Arial" panose="020B0604020202020204" pitchFamily="34" charset="0"/>
+              </a:rPr>
+              <a:t> </a:t>
+            </a:r>
+            <a:r>
+              <a:rPr lang="ru-RU" sz="1800" b="0" i="0" u="none" strike="noStrike" dirty="0" err="1">
+                <a:solidFill>
+                  <a:srgbClr val="000000"/>
+                </a:solidFill>
+                <a:effectLst/>
+                <a:latin typeface="Arial" panose="020B0604020202020204" pitchFamily="34" charset="0"/>
+              </a:rPr>
+              <a:t>ще</a:t>
+            </a:r>
+            <a:r>
+              <a:rPr lang="ru-RU" sz="1800" b="0" i="0" u="none" strike="noStrike" dirty="0">
+                <a:solidFill>
+                  <a:srgbClr val="000000"/>
+                </a:solidFill>
+                <a:effectLst/>
+                <a:latin typeface="Arial" panose="020B0604020202020204" pitchFamily="34" charset="0"/>
+              </a:rPr>
+              <a:t> </a:t>
+            </a:r>
+            <a:r>
+              <a:rPr lang="ru-RU" sz="1800" b="0" i="0" u="none" strike="noStrike" dirty="0" err="1">
+                <a:solidFill>
+                  <a:srgbClr val="000000"/>
+                </a:solidFill>
+                <a:effectLst/>
+                <a:latin typeface="Arial" panose="020B0604020202020204" pitchFamily="34" charset="0"/>
+              </a:rPr>
+              <a:t>ви</a:t>
+            </a:r>
+            <a:r>
+              <a:rPr lang="ru-RU" sz="1800" b="0" i="0" u="none" strike="noStrike" dirty="0">
+                <a:solidFill>
+                  <a:srgbClr val="000000"/>
+                </a:solidFill>
+                <a:effectLst/>
+                <a:latin typeface="Arial" panose="020B0604020202020204" pitchFamily="34" charset="0"/>
+              </a:rPr>
+              <a:t> представим LoRaNet</a:t>
+            </a:r>
+            <a:endParaRPr lang="ru-RU" b="0" dirty="0">
+              <a:effectLst/>
+            </a:endParaRPr>
+          </a:p>
+          <a:p>
+            <a:br>
+              <a:rPr lang="ru-RU" dirty="0"/>
+            </a:br>
+            <a:endParaRPr lang="en-US" dirty="0"/>
+          </a:p>
+        </p:txBody>
+      </p:sp>
+      <p:sp>
+        <p:nvSpPr>
+          <p:cNvPr id="4" name="Slide Number Placeholder 3"/>
+          <p:cNvSpPr>
+            <a:spLocks noGrp="1"/>
+          </p:cNvSpPr>
+          <p:nvPr>
+            <p:ph type="sldNum" sz="quarter" idx="5"/>
+          </p:nvPr>
+        </p:nvSpPr>
+        <p:spPr/>
+        <p:txBody>
+          <a:bodyPr/>
+          <a:lstStyle/>
+          <a:p>
+            <a:fld id="{354FBB31-2E76-4A4B-BA94-9E05B09A2BD0}" type="slidenum">
+              <a:rPr lang="en-US" smtClean="0"/>
+              <a:t>1</a:t>
+            </a:fld>
+            <a:endParaRPr lang="en-US"/>
+          </a:p>
+        </p:txBody>
+      </p:sp>
+    </p:spTree>
+    <p:extLst>
+      <p:ext uri="{BB962C8B-B14F-4D97-AF65-F5344CB8AC3E}">
+        <p14:creationId xmlns:p14="http://schemas.microsoft.com/office/powerpoint/2010/main" val="1064906961"/>
+      </p:ext>
+    </p:extLst>
+  </p:cSld>
+  <p:clrMapOvr>
+    <a:masterClrMapping/>
+  </p:clrMapOvr>
+</p:notes>
+</file>
+
+<file path=ppt/notesSlides/notesSlide10.xml><?xml version="1.0" encoding="utf-8"?>
+<p:notes xmlns:a="http://schemas.openxmlformats.org/drawingml/2006/main" xmlns:r="http://schemas.openxmlformats.org/officeDocument/2006/relationships" xmlns:p="http://schemas.openxmlformats.org/presentationml/2006/main">
+  <p:cSld>
+    <p:spTree>
+      <p:nvGrpSpPr>
+        <p:cNvPr id="1" name=""/>
+        <p:cNvGrpSpPr/>
+        <p:nvPr/>
+      </p:nvGrpSpPr>
+      <p:grpSpPr>
+        <a:xfrm>
+          <a:off x="0" y="0"/>
+          <a:ext cx="0" cy="0"/>
+          <a:chOff x="0" y="0"/>
+          <a:chExt cx="0" cy="0"/>
+        </a:xfrm>
+      </p:grpSpPr>
+      <p:sp>
+        <p:nvSpPr>
+          <p:cNvPr id="2" name="Slide Image Placeholder 1"/>
+          <p:cNvSpPr>
+            <a:spLocks noGrp="1" noRot="1" noChangeAspect="1"/>
+          </p:cNvSpPr>
+          <p:nvPr>
+            <p:ph type="sldImg"/>
+          </p:nvPr>
+        </p:nvSpPr>
+        <p:spPr/>
+      </p:sp>
+      <p:sp>
+        <p:nvSpPr>
+          <p:cNvPr id="3" name="Notes Placeholder 2"/>
+          <p:cNvSpPr>
+            <a:spLocks noGrp="1"/>
+          </p:cNvSpPr>
+          <p:nvPr>
+            <p:ph type="body" idx="1"/>
+          </p:nvPr>
+        </p:nvSpPr>
+        <p:spPr/>
+        <p:txBody>
+          <a:bodyPr/>
+          <a:lstStyle/>
+          <a:p>
+            <a:pPr rtl="0">
+              <a:spcBef>
+                <a:spcPts val="0"/>
+              </a:spcBef>
+              <a:spcAft>
+                <a:spcPts val="0"/>
+              </a:spcAft>
+            </a:pPr>
+            <a:r>
+              <a:rPr lang="ru-RU" sz="1800" b="0" i="0" u="none" strike="noStrike" dirty="0">
+                <a:solidFill>
+                  <a:srgbClr val="000000"/>
+                </a:solidFill>
+                <a:effectLst/>
+                <a:latin typeface="Arial" panose="020B0604020202020204" pitchFamily="34" charset="0"/>
+              </a:rPr>
+              <a:t>Никола </a:t>
+            </a:r>
+            <a:r>
+              <a:rPr lang="ru-RU" sz="1800" b="0" i="0" u="none" strike="noStrike" dirty="0" err="1">
+                <a:solidFill>
+                  <a:srgbClr val="000000"/>
+                </a:solidFill>
+                <a:effectLst/>
+                <a:latin typeface="Arial" panose="020B0604020202020204" pitchFamily="34" charset="0"/>
+              </a:rPr>
+              <a:t>Структурата</a:t>
+            </a:r>
+            <a:r>
+              <a:rPr lang="ru-RU" sz="1800" b="0" i="0" u="none" strike="noStrike" dirty="0">
+                <a:solidFill>
+                  <a:srgbClr val="000000"/>
+                </a:solidFill>
+                <a:effectLst/>
+                <a:latin typeface="Arial" panose="020B0604020202020204" pitchFamily="34" charset="0"/>
+              </a:rPr>
+              <a:t> на </a:t>
+            </a:r>
+            <a:r>
+              <a:rPr lang="ru-RU" sz="1800" b="0" i="0" u="none" strike="noStrike" dirty="0" err="1">
+                <a:solidFill>
+                  <a:srgbClr val="000000"/>
+                </a:solidFill>
+                <a:effectLst/>
+                <a:latin typeface="Arial" panose="020B0604020202020204" pitchFamily="34" charset="0"/>
+              </a:rPr>
+              <a:t>станцията</a:t>
+            </a:r>
+            <a:r>
+              <a:rPr lang="ru-RU" sz="1800" b="0" i="0" u="none" strike="noStrike" dirty="0">
+                <a:solidFill>
+                  <a:srgbClr val="000000"/>
+                </a:solidFill>
+                <a:effectLst/>
+                <a:latin typeface="Arial" panose="020B0604020202020204" pitchFamily="34" charset="0"/>
+              </a:rPr>
+              <a:t> е 3Д </a:t>
+            </a:r>
+            <a:r>
+              <a:rPr lang="ru-RU" sz="1800" b="0" i="0" u="none" strike="noStrike" dirty="0" err="1">
+                <a:solidFill>
+                  <a:srgbClr val="000000"/>
+                </a:solidFill>
+                <a:effectLst/>
+                <a:latin typeface="Arial" panose="020B0604020202020204" pitchFamily="34" charset="0"/>
+              </a:rPr>
+              <a:t>принтирана</a:t>
+            </a:r>
+            <a:endParaRPr lang="ru-RU" b="0" dirty="0">
+              <a:effectLst/>
+            </a:endParaRPr>
+          </a:p>
+          <a:p>
+            <a:br>
+              <a:rPr lang="ru-RU" dirty="0"/>
+            </a:br>
+            <a:endParaRPr lang="en-US" dirty="0"/>
+          </a:p>
+        </p:txBody>
+      </p:sp>
+      <p:sp>
+        <p:nvSpPr>
+          <p:cNvPr id="4" name="Slide Number Placeholder 3"/>
+          <p:cNvSpPr>
+            <a:spLocks noGrp="1"/>
+          </p:cNvSpPr>
+          <p:nvPr>
+            <p:ph type="sldNum" sz="quarter" idx="5"/>
+          </p:nvPr>
+        </p:nvSpPr>
+        <p:spPr/>
+        <p:txBody>
+          <a:bodyPr/>
+          <a:lstStyle/>
+          <a:p>
+            <a:fld id="{354FBB31-2E76-4A4B-BA94-9E05B09A2BD0}" type="slidenum">
+              <a:rPr lang="en-US" smtClean="0"/>
+              <a:t>10</a:t>
+            </a:fld>
+            <a:endParaRPr lang="en-US"/>
+          </a:p>
+        </p:txBody>
+      </p:sp>
+    </p:spTree>
+    <p:extLst>
+      <p:ext uri="{BB962C8B-B14F-4D97-AF65-F5344CB8AC3E}">
+        <p14:creationId xmlns:p14="http://schemas.microsoft.com/office/powerpoint/2010/main" val="4229389737"/>
+      </p:ext>
+    </p:extLst>
+  </p:cSld>
+  <p:clrMapOvr>
+    <a:masterClrMapping/>
+  </p:clrMapOvr>
+</p:notes>
+</file>
+
+<file path=ppt/notesSlides/notesSlide11.xml><?xml version="1.0" encoding="utf-8"?>
+<p:notes xmlns:a="http://schemas.openxmlformats.org/drawingml/2006/main" xmlns:r="http://schemas.openxmlformats.org/officeDocument/2006/relationships" xmlns:p="http://schemas.openxmlformats.org/presentationml/2006/main">
+  <p:cSld>
+    <p:spTree>
+      <p:nvGrpSpPr>
+        <p:cNvPr id="1" name=""/>
+        <p:cNvGrpSpPr/>
+        <p:nvPr/>
+      </p:nvGrpSpPr>
+      <p:grpSpPr>
+        <a:xfrm>
+          <a:off x="0" y="0"/>
+          <a:ext cx="0" cy="0"/>
+          <a:chOff x="0" y="0"/>
+          <a:chExt cx="0" cy="0"/>
+        </a:xfrm>
+      </p:grpSpPr>
+      <p:sp>
+        <p:nvSpPr>
+          <p:cNvPr id="2" name="Slide Image Placeholder 1"/>
+          <p:cNvSpPr>
+            <a:spLocks noGrp="1" noRot="1" noChangeAspect="1"/>
+          </p:cNvSpPr>
+          <p:nvPr>
+            <p:ph type="sldImg"/>
+          </p:nvPr>
+        </p:nvSpPr>
+        <p:spPr/>
+      </p:sp>
+      <p:sp>
+        <p:nvSpPr>
+          <p:cNvPr id="3" name="Notes Placeholder 2"/>
+          <p:cNvSpPr>
+            <a:spLocks noGrp="1"/>
+          </p:cNvSpPr>
+          <p:nvPr>
+            <p:ph type="body" idx="1"/>
+          </p:nvPr>
+        </p:nvSpPr>
+        <p:spPr/>
+        <p:txBody>
+          <a:bodyPr/>
+          <a:lstStyle/>
+          <a:p>
+            <a:pPr rtl="0">
+              <a:spcBef>
+                <a:spcPts val="0"/>
+              </a:spcBef>
+              <a:spcAft>
+                <a:spcPts val="0"/>
+              </a:spcAft>
+            </a:pPr>
+            <a:r>
+              <a:rPr lang="bg-BG" sz="1800" b="0" i="0" u="none" strike="noStrike" dirty="0">
+                <a:solidFill>
+                  <a:srgbClr val="000000"/>
+                </a:solidFill>
+                <a:effectLst/>
+                <a:latin typeface="Arial" panose="020B0604020202020204" pitchFamily="34" charset="0"/>
+              </a:rPr>
+              <a:t>Никола Мобилния клиент използва модерния </a:t>
+            </a:r>
+            <a:r>
+              <a:rPr lang="bg-BG" sz="1800" b="0" i="0" u="none" strike="noStrike" dirty="0" err="1">
+                <a:solidFill>
+                  <a:srgbClr val="000000"/>
+                </a:solidFill>
+                <a:effectLst/>
+                <a:latin typeface="Arial" panose="020B0604020202020204" pitchFamily="34" charset="0"/>
+              </a:rPr>
+              <a:t>фрЕЙМуъРК</a:t>
+            </a:r>
+            <a:r>
+              <a:rPr lang="bg-BG" sz="1800" b="0" i="0" u="none" strike="noStrike" dirty="0">
+                <a:solidFill>
+                  <a:srgbClr val="000000"/>
+                </a:solidFill>
+                <a:effectLst/>
+                <a:latin typeface="Arial" panose="020B0604020202020204" pitchFamily="34" charset="0"/>
+              </a:rPr>
+              <a:t>  </a:t>
+            </a:r>
+            <a:r>
+              <a:rPr lang="en-US" sz="1800" b="0" i="0" u="none" strike="noStrike" dirty="0">
+                <a:solidFill>
+                  <a:srgbClr val="000000"/>
+                </a:solidFill>
+                <a:effectLst/>
+                <a:latin typeface="Arial" panose="020B0604020202020204" pitchFamily="34" charset="0"/>
+              </a:rPr>
+              <a:t>Flutter. </a:t>
+            </a:r>
+            <a:endParaRPr lang="en-US" b="0" dirty="0">
+              <a:effectLst/>
+            </a:endParaRPr>
+          </a:p>
+          <a:p>
+            <a:pPr rtl="0">
+              <a:spcBef>
+                <a:spcPts val="0"/>
+              </a:spcBef>
+              <a:spcAft>
+                <a:spcPts val="0"/>
+              </a:spcAft>
+            </a:pPr>
+            <a:r>
+              <a:rPr lang="en-US" sz="1800" b="0" i="0" u="none" strike="noStrike" dirty="0">
+                <a:solidFill>
+                  <a:srgbClr val="000000"/>
+                </a:solidFill>
+                <a:effectLst/>
+                <a:latin typeface="Arial" panose="020B0604020202020204" pitchFamily="34" charset="0"/>
+              </a:rPr>
+              <a:t>IDE-</a:t>
+            </a:r>
+            <a:r>
+              <a:rPr lang="bg-BG" sz="1800" b="0" i="0" u="none" strike="noStrike" dirty="0">
+                <a:solidFill>
+                  <a:srgbClr val="000000"/>
+                </a:solidFill>
+                <a:effectLst/>
+                <a:latin typeface="Arial" panose="020B0604020202020204" pitchFamily="34" charset="0"/>
+              </a:rPr>
+              <a:t>то което използвахме беше А</a:t>
+            </a:r>
+            <a:r>
+              <a:rPr lang="en-US" sz="1800" b="0" i="0" u="none" strike="noStrike" dirty="0" err="1">
+                <a:solidFill>
+                  <a:srgbClr val="000000"/>
+                </a:solidFill>
+                <a:effectLst/>
+                <a:latin typeface="Arial" panose="020B0604020202020204" pitchFamily="34" charset="0"/>
+              </a:rPr>
+              <a:t>ndroid</a:t>
+            </a:r>
+            <a:r>
+              <a:rPr lang="en-US" sz="1800" b="0" i="0" u="none" strike="noStrike" dirty="0">
+                <a:solidFill>
+                  <a:srgbClr val="000000"/>
+                </a:solidFill>
+                <a:effectLst/>
+                <a:latin typeface="Arial" panose="020B0604020202020204" pitchFamily="34" charset="0"/>
+              </a:rPr>
+              <a:t> Studio</a:t>
+            </a:r>
+            <a:endParaRPr lang="en-US" b="0" dirty="0">
+              <a:effectLst/>
+            </a:endParaRPr>
+          </a:p>
+          <a:p>
+            <a:pPr rtl="0">
+              <a:spcBef>
+                <a:spcPts val="0"/>
+              </a:spcBef>
+              <a:spcAft>
+                <a:spcPts val="0"/>
+              </a:spcAft>
+            </a:pPr>
+            <a:r>
+              <a:rPr lang="bg-BG" sz="1800" b="0" i="0" u="none" strike="noStrike" dirty="0">
+                <a:solidFill>
+                  <a:srgbClr val="000000"/>
+                </a:solidFill>
+                <a:effectLst/>
+                <a:latin typeface="Arial" panose="020B0604020202020204" pitchFamily="34" charset="0"/>
+              </a:rPr>
+              <a:t>Избрахме </a:t>
+            </a:r>
+            <a:r>
+              <a:rPr lang="en-US" sz="1800" b="0" i="0" u="none" strike="noStrike" dirty="0">
+                <a:solidFill>
+                  <a:srgbClr val="000000"/>
+                </a:solidFill>
+                <a:effectLst/>
+                <a:latin typeface="Arial" panose="020B0604020202020204" pitchFamily="34" charset="0"/>
+              </a:rPr>
+              <a:t>Flutter, </a:t>
+            </a:r>
+            <a:r>
+              <a:rPr lang="bg-BG" sz="1800" b="0" i="0" u="none" strike="noStrike" dirty="0">
+                <a:solidFill>
+                  <a:srgbClr val="000000"/>
+                </a:solidFill>
+                <a:effectLst/>
+                <a:latin typeface="Arial" panose="020B0604020202020204" pitchFamily="34" charset="0"/>
+              </a:rPr>
+              <a:t>защото може да се генерират </a:t>
+            </a:r>
+            <a:r>
+              <a:rPr lang="bg-BG" sz="1800" b="0" i="0" u="none" strike="noStrike" dirty="0" err="1">
+                <a:solidFill>
+                  <a:srgbClr val="000000"/>
+                </a:solidFill>
+                <a:effectLst/>
+                <a:latin typeface="Arial" panose="020B0604020202020204" pitchFamily="34" charset="0"/>
+              </a:rPr>
+              <a:t>билдове</a:t>
+            </a:r>
+            <a:r>
+              <a:rPr lang="bg-BG" sz="1800" b="0" i="0" u="none" strike="noStrike" dirty="0">
+                <a:solidFill>
+                  <a:srgbClr val="000000"/>
+                </a:solidFill>
+                <a:effectLst/>
+                <a:latin typeface="Arial" panose="020B0604020202020204" pitchFamily="34" charset="0"/>
+              </a:rPr>
+              <a:t> не само за </a:t>
+            </a:r>
+            <a:r>
+              <a:rPr lang="en-US" sz="1800" b="0" i="0" u="none" strike="noStrike" dirty="0">
+                <a:solidFill>
+                  <a:srgbClr val="000000"/>
+                </a:solidFill>
+                <a:effectLst/>
+                <a:latin typeface="Arial" panose="020B0604020202020204" pitchFamily="34" charset="0"/>
+              </a:rPr>
+              <a:t>Android, </a:t>
+            </a:r>
+            <a:r>
+              <a:rPr lang="bg-BG" sz="1800" b="0" i="0" u="none" strike="noStrike" dirty="0">
+                <a:solidFill>
+                  <a:srgbClr val="000000"/>
+                </a:solidFill>
+                <a:effectLst/>
+                <a:latin typeface="Arial" panose="020B0604020202020204" pitchFamily="34" charset="0"/>
+              </a:rPr>
+              <a:t>но и за </a:t>
+            </a:r>
+            <a:r>
+              <a:rPr lang="en-US" sz="1800" b="0" i="0" u="none" strike="noStrike" dirty="0">
+                <a:solidFill>
+                  <a:srgbClr val="000000"/>
+                </a:solidFill>
+                <a:effectLst/>
+                <a:latin typeface="Arial" panose="020B0604020202020204" pitchFamily="34" charset="0"/>
+              </a:rPr>
+              <a:t>iOS</a:t>
+            </a:r>
+            <a:endParaRPr lang="en-US" b="0" dirty="0">
+              <a:effectLst/>
+            </a:endParaRPr>
+          </a:p>
+          <a:p>
+            <a:br>
+              <a:rPr lang="en-US" dirty="0"/>
+            </a:br>
+            <a:endParaRPr lang="en-US" dirty="0"/>
+          </a:p>
+        </p:txBody>
+      </p:sp>
+      <p:sp>
+        <p:nvSpPr>
+          <p:cNvPr id="4" name="Slide Number Placeholder 3"/>
+          <p:cNvSpPr>
+            <a:spLocks noGrp="1"/>
+          </p:cNvSpPr>
+          <p:nvPr>
+            <p:ph type="sldNum" sz="quarter" idx="5"/>
+          </p:nvPr>
+        </p:nvSpPr>
+        <p:spPr/>
+        <p:txBody>
+          <a:bodyPr/>
+          <a:lstStyle/>
+          <a:p>
+            <a:fld id="{354FBB31-2E76-4A4B-BA94-9E05B09A2BD0}" type="slidenum">
+              <a:rPr lang="en-US" smtClean="0"/>
+              <a:t>11</a:t>
+            </a:fld>
+            <a:endParaRPr lang="en-US"/>
+          </a:p>
+        </p:txBody>
+      </p:sp>
+    </p:spTree>
+    <p:extLst>
+      <p:ext uri="{BB962C8B-B14F-4D97-AF65-F5344CB8AC3E}">
+        <p14:creationId xmlns:p14="http://schemas.microsoft.com/office/powerpoint/2010/main" val="2900290512"/>
+      </p:ext>
+    </p:extLst>
+  </p:cSld>
+  <p:clrMapOvr>
+    <a:masterClrMapping/>
+  </p:clrMapOvr>
+</p:notes>
+</file>
+
+<file path=ppt/notesSlides/notesSlide12.xml><?xml version="1.0" encoding="utf-8"?>
+<p:notes xmlns:a="http://schemas.openxmlformats.org/drawingml/2006/main" xmlns:r="http://schemas.openxmlformats.org/officeDocument/2006/relationships" xmlns:p="http://schemas.openxmlformats.org/presentationml/2006/main">
+  <p:cSld>
+    <p:spTree>
+      <p:nvGrpSpPr>
+        <p:cNvPr id="1" name=""/>
+        <p:cNvGrpSpPr/>
+        <p:nvPr/>
+      </p:nvGrpSpPr>
+      <p:grpSpPr>
+        <a:xfrm>
+          <a:off x="0" y="0"/>
+          <a:ext cx="0" cy="0"/>
+          <a:chOff x="0" y="0"/>
+          <a:chExt cx="0" cy="0"/>
+        </a:xfrm>
+      </p:grpSpPr>
+      <p:sp>
+        <p:nvSpPr>
+          <p:cNvPr id="2" name="Slide Image Placeholder 1"/>
+          <p:cNvSpPr>
+            <a:spLocks noGrp="1" noRot="1" noChangeAspect="1"/>
+          </p:cNvSpPr>
+          <p:nvPr>
+            <p:ph type="sldImg"/>
+          </p:nvPr>
+        </p:nvSpPr>
+        <p:spPr/>
+      </p:sp>
+      <p:sp>
+        <p:nvSpPr>
+          <p:cNvPr id="3" name="Notes Placeholder 2"/>
+          <p:cNvSpPr>
+            <a:spLocks noGrp="1"/>
+          </p:cNvSpPr>
+          <p:nvPr>
+            <p:ph type="body" idx="1"/>
+          </p:nvPr>
+        </p:nvSpPr>
+        <p:spPr/>
+        <p:txBody>
+          <a:bodyPr/>
+          <a:lstStyle/>
+          <a:p>
+            <a:pPr rtl="0">
+              <a:spcBef>
+                <a:spcPts val="0"/>
+              </a:spcBef>
+              <a:spcAft>
+                <a:spcPts val="0"/>
+              </a:spcAft>
+            </a:pPr>
+            <a:r>
+              <a:rPr lang="ru-RU" sz="1800" b="0" i="0" u="none" strike="noStrike" dirty="0" err="1">
+                <a:solidFill>
+                  <a:srgbClr val="000000"/>
+                </a:solidFill>
+                <a:effectLst/>
+                <a:latin typeface="Arial" panose="020B0604020202020204" pitchFamily="34" charset="0"/>
+              </a:rPr>
+              <a:t>Ивайло</a:t>
+            </a:r>
+            <a:r>
+              <a:rPr lang="ru-RU" sz="1800" b="0" i="0" u="none" strike="noStrike" dirty="0">
+                <a:solidFill>
+                  <a:srgbClr val="000000"/>
+                </a:solidFill>
+                <a:effectLst/>
+                <a:latin typeface="Arial" panose="020B0604020202020204" pitchFamily="34" charset="0"/>
+              </a:rPr>
+              <a:t>: За </a:t>
+            </a:r>
+            <a:r>
+              <a:rPr lang="ru-RU" sz="1800" b="0" i="0" u="none" strike="noStrike" dirty="0" err="1">
+                <a:solidFill>
+                  <a:srgbClr val="000000"/>
+                </a:solidFill>
+                <a:effectLst/>
+                <a:latin typeface="Arial" panose="020B0604020202020204" pitchFamily="34" charset="0"/>
+              </a:rPr>
+              <a:t>създавaнето</a:t>
+            </a:r>
+            <a:r>
+              <a:rPr lang="ru-RU" sz="1800" b="0" i="0" u="none" strike="noStrike" dirty="0">
+                <a:solidFill>
+                  <a:srgbClr val="000000"/>
+                </a:solidFill>
+                <a:effectLst/>
+                <a:latin typeface="Arial" panose="020B0604020202020204" pitchFamily="34" charset="0"/>
+              </a:rPr>
+              <a:t> на клиента </a:t>
+            </a:r>
+            <a:r>
+              <a:rPr lang="ru-RU" sz="1800" b="0" i="0" u="none" strike="noStrike" dirty="0" err="1">
+                <a:solidFill>
+                  <a:srgbClr val="000000"/>
+                </a:solidFill>
+                <a:effectLst/>
+                <a:latin typeface="Arial" panose="020B0604020202020204" pitchFamily="34" charset="0"/>
+              </a:rPr>
+              <a:t>използвахме</a:t>
+            </a:r>
+            <a:r>
+              <a:rPr lang="ru-RU" sz="1800" b="0" i="0" u="none" strike="noStrike" dirty="0">
+                <a:solidFill>
+                  <a:srgbClr val="000000"/>
+                </a:solidFill>
+                <a:effectLst/>
+                <a:latin typeface="Arial" panose="020B0604020202020204" pitchFamily="34" charset="0"/>
+              </a:rPr>
+              <a:t> </a:t>
+            </a:r>
+            <a:r>
+              <a:rPr lang="ru-RU" sz="1800" b="0" i="0" u="none" strike="noStrike" dirty="0" err="1">
+                <a:solidFill>
+                  <a:srgbClr val="000000"/>
+                </a:solidFill>
+                <a:effectLst/>
+                <a:latin typeface="Arial" panose="020B0604020202020204" pitchFamily="34" charset="0"/>
+              </a:rPr>
+              <a:t>React</a:t>
+            </a:r>
+            <a:r>
+              <a:rPr lang="ru-RU" sz="1800" b="0" i="0" u="none" strike="noStrike" dirty="0">
+                <a:solidFill>
+                  <a:srgbClr val="000000"/>
+                </a:solidFill>
+                <a:effectLst/>
+                <a:latin typeface="Arial" panose="020B0604020202020204" pitchFamily="34" charset="0"/>
+              </a:rPr>
+              <a:t> </a:t>
+            </a:r>
+            <a:r>
+              <a:rPr lang="ru-RU" sz="1800" b="0" i="0" u="none" strike="noStrike" dirty="0" err="1">
+                <a:solidFill>
+                  <a:srgbClr val="000000"/>
+                </a:solidFill>
+                <a:effectLst/>
+                <a:latin typeface="Arial" panose="020B0604020202020204" pitchFamily="34" charset="0"/>
+              </a:rPr>
+              <a:t>със</a:t>
+            </a:r>
+            <a:r>
+              <a:rPr lang="ru-RU" sz="1800" b="0" i="0" u="none" strike="noStrike" dirty="0">
+                <a:solidFill>
+                  <a:srgbClr val="000000"/>
+                </a:solidFill>
+                <a:effectLst/>
+                <a:latin typeface="Arial" panose="020B0604020202020204" pitchFamily="34" charset="0"/>
+              </a:rPr>
+              <a:t> </a:t>
+            </a:r>
+            <a:r>
+              <a:rPr lang="ru-RU" sz="1800" b="0" i="0" u="none" strike="noStrike" dirty="0" err="1">
+                <a:solidFill>
+                  <a:srgbClr val="000000"/>
+                </a:solidFill>
+                <a:effectLst/>
+                <a:latin typeface="Arial" panose="020B0604020202020204" pitchFamily="34" charset="0"/>
+              </a:rPr>
+              <a:t>Typescript</a:t>
+            </a:r>
+            <a:r>
+              <a:rPr lang="ru-RU" sz="1800" b="0" i="0" u="none" strike="noStrike" dirty="0">
+                <a:solidFill>
+                  <a:srgbClr val="000000"/>
+                </a:solidFill>
+                <a:effectLst/>
+                <a:latin typeface="Arial" panose="020B0604020202020204" pitchFamily="34" charset="0"/>
+              </a:rPr>
+              <a:t> в комбинация с </a:t>
+            </a:r>
+            <a:r>
+              <a:rPr lang="ru-RU" sz="1800" b="0" i="0" u="none" strike="noStrike" dirty="0" err="1">
+                <a:solidFill>
+                  <a:srgbClr val="000000"/>
+                </a:solidFill>
+                <a:effectLst/>
+                <a:latin typeface="Arial" panose="020B0604020202020204" pitchFamily="34" charset="0"/>
+              </a:rPr>
+              <a:t>Material</a:t>
+            </a:r>
+            <a:r>
+              <a:rPr lang="ru-RU" sz="1800" b="0" i="0" u="none" strike="noStrike" dirty="0">
+                <a:solidFill>
+                  <a:srgbClr val="000000"/>
+                </a:solidFill>
+                <a:effectLst/>
+                <a:latin typeface="Arial" panose="020B0604020202020204" pitchFamily="34" charset="0"/>
+              </a:rPr>
+              <a:t> UI, за </a:t>
+            </a:r>
+            <a:r>
+              <a:rPr lang="ru-RU" sz="1800" b="0" i="0" u="none" strike="noStrike" dirty="0" err="1">
+                <a:solidFill>
+                  <a:srgbClr val="000000"/>
+                </a:solidFill>
+                <a:effectLst/>
+                <a:latin typeface="Arial" panose="020B0604020202020204" pitchFamily="34" charset="0"/>
+              </a:rPr>
+              <a:t>по-лесно</a:t>
+            </a:r>
+            <a:r>
+              <a:rPr lang="ru-RU" sz="1800" b="0" i="0" u="none" strike="noStrike" dirty="0">
+                <a:solidFill>
+                  <a:srgbClr val="000000"/>
+                </a:solidFill>
+                <a:effectLst/>
+                <a:latin typeface="Arial" panose="020B0604020202020204" pitchFamily="34" charset="0"/>
+              </a:rPr>
+              <a:t> </a:t>
+            </a:r>
+            <a:r>
+              <a:rPr lang="ru-RU" sz="1800" b="0" i="0" u="none" strike="noStrike" dirty="0" err="1">
+                <a:solidFill>
+                  <a:srgbClr val="000000"/>
+                </a:solidFill>
+                <a:effectLst/>
+                <a:latin typeface="Arial" panose="020B0604020202020204" pitchFamily="34" charset="0"/>
+              </a:rPr>
+              <a:t>стилизиране</a:t>
+            </a:r>
+            <a:r>
+              <a:rPr lang="ru-RU" sz="1800" b="0" i="0" u="none" strike="noStrike" dirty="0">
+                <a:solidFill>
+                  <a:srgbClr val="000000"/>
+                </a:solidFill>
+                <a:effectLst/>
+                <a:latin typeface="Arial" panose="020B0604020202020204" pitchFamily="34" charset="0"/>
+              </a:rPr>
+              <a:t> на </a:t>
+            </a:r>
+            <a:r>
+              <a:rPr lang="ru-RU" sz="1800" b="0" i="0" u="none" strike="noStrike" dirty="0" err="1">
+                <a:solidFill>
+                  <a:srgbClr val="000000"/>
+                </a:solidFill>
+                <a:effectLst/>
+                <a:latin typeface="Arial" panose="020B0604020202020204" pitchFamily="34" charset="0"/>
+              </a:rPr>
+              <a:t>компонентите</a:t>
+            </a:r>
+            <a:r>
+              <a:rPr lang="ru-RU" sz="1800" b="0" i="0" u="none" strike="noStrike" dirty="0">
+                <a:solidFill>
+                  <a:srgbClr val="000000"/>
+                </a:solidFill>
+                <a:effectLst/>
+                <a:latin typeface="Arial" panose="020B0604020202020204" pitchFamily="34" charset="0"/>
+              </a:rPr>
+              <a:t>.</a:t>
+            </a:r>
+            <a:endParaRPr lang="ru-RU" b="0" dirty="0">
+              <a:effectLst/>
+            </a:endParaRPr>
+          </a:p>
+          <a:p>
+            <a:pPr rtl="0">
+              <a:spcBef>
+                <a:spcPts val="0"/>
+              </a:spcBef>
+              <a:spcAft>
+                <a:spcPts val="0"/>
+              </a:spcAft>
+            </a:pPr>
+            <a:r>
+              <a:rPr lang="ru-RU" sz="1800" b="0" i="0" u="none" strike="noStrike" dirty="0" err="1">
+                <a:solidFill>
+                  <a:srgbClr val="000000"/>
+                </a:solidFill>
+                <a:effectLst/>
+                <a:latin typeface="Arial" panose="020B0604020202020204" pitchFamily="34" charset="0"/>
+              </a:rPr>
+              <a:t>Клиентът</a:t>
+            </a:r>
+            <a:r>
+              <a:rPr lang="ru-RU" sz="1800" b="0" i="0" u="none" strike="noStrike" dirty="0">
+                <a:solidFill>
+                  <a:srgbClr val="000000"/>
+                </a:solidFill>
+                <a:effectLst/>
+                <a:latin typeface="Arial" panose="020B0604020202020204" pitchFamily="34" charset="0"/>
+              </a:rPr>
+              <a:t> се </a:t>
+            </a:r>
+            <a:r>
+              <a:rPr lang="ru-RU" sz="1800" b="0" i="0" u="none" strike="noStrike" dirty="0" err="1">
+                <a:solidFill>
+                  <a:srgbClr val="000000"/>
+                </a:solidFill>
+                <a:effectLst/>
+                <a:latin typeface="Arial" panose="020B0604020202020204" pitchFamily="34" charset="0"/>
+              </a:rPr>
+              <a:t>свързва</a:t>
+            </a:r>
+            <a:r>
+              <a:rPr lang="ru-RU" sz="1800" b="0" i="0" u="none" strike="noStrike" dirty="0">
+                <a:solidFill>
+                  <a:srgbClr val="000000"/>
+                </a:solidFill>
+                <a:effectLst/>
+                <a:latin typeface="Arial" panose="020B0604020202020204" pitchFamily="34" charset="0"/>
+              </a:rPr>
+              <a:t> </a:t>
+            </a:r>
+            <a:r>
+              <a:rPr lang="ru-RU" sz="1800" b="0" i="0" u="none" strike="noStrike" dirty="0" err="1">
+                <a:solidFill>
+                  <a:srgbClr val="000000"/>
+                </a:solidFill>
+                <a:effectLst/>
+                <a:latin typeface="Arial" panose="020B0604020202020204" pitchFamily="34" charset="0"/>
+              </a:rPr>
+              <a:t>със</a:t>
+            </a:r>
+            <a:r>
+              <a:rPr lang="ru-RU" sz="1800" b="0" i="0" u="none" strike="noStrike" dirty="0">
+                <a:solidFill>
+                  <a:srgbClr val="000000"/>
+                </a:solidFill>
+                <a:effectLst/>
+                <a:latin typeface="Arial" panose="020B0604020202020204" pitchFamily="34" charset="0"/>
+              </a:rPr>
+              <a:t> </a:t>
+            </a:r>
+            <a:r>
+              <a:rPr lang="ru-RU" sz="1800" b="0" i="0" u="none" strike="noStrike" dirty="0" err="1">
+                <a:solidFill>
+                  <a:srgbClr val="000000"/>
+                </a:solidFill>
+                <a:effectLst/>
+                <a:latin typeface="Arial" panose="020B0604020202020204" pitchFamily="34" charset="0"/>
+              </a:rPr>
+              <a:t>сървъра</a:t>
+            </a:r>
+            <a:r>
+              <a:rPr lang="ru-RU" sz="1800" b="0" i="0" u="none" strike="noStrike" dirty="0">
+                <a:solidFill>
+                  <a:srgbClr val="000000"/>
+                </a:solidFill>
+                <a:effectLst/>
+                <a:latin typeface="Arial" panose="020B0604020202020204" pitchFamily="34" charset="0"/>
+              </a:rPr>
+              <a:t> </a:t>
+            </a:r>
+            <a:r>
+              <a:rPr lang="ru-RU" sz="1800" b="0" i="0" u="none" strike="noStrike" dirty="0" err="1">
+                <a:solidFill>
+                  <a:srgbClr val="000000"/>
+                </a:solidFill>
+                <a:effectLst/>
+                <a:latin typeface="Arial" panose="020B0604020202020204" pitchFamily="34" charset="0"/>
+              </a:rPr>
+              <a:t>използвайки</a:t>
+            </a:r>
+            <a:r>
+              <a:rPr lang="ru-RU" sz="1800" b="0" i="0" u="none" strike="noStrike" dirty="0">
+                <a:solidFill>
+                  <a:srgbClr val="000000"/>
+                </a:solidFill>
+                <a:effectLst/>
+                <a:latin typeface="Arial" panose="020B0604020202020204" pitchFamily="34" charset="0"/>
+              </a:rPr>
+              <a:t> </a:t>
+            </a:r>
+            <a:r>
+              <a:rPr lang="ru-RU" sz="1800" b="0" i="0" u="none" strike="noStrike" dirty="0" err="1">
+                <a:solidFill>
+                  <a:srgbClr val="000000"/>
+                </a:solidFill>
+                <a:effectLst/>
+                <a:latin typeface="Arial" panose="020B0604020202020204" pitchFamily="34" charset="0"/>
+              </a:rPr>
+              <a:t>SignalR</a:t>
+            </a:r>
+            <a:r>
+              <a:rPr lang="ru-RU" sz="1800" b="0" i="0" u="none" strike="noStrike" dirty="0">
+                <a:solidFill>
+                  <a:srgbClr val="000000"/>
+                </a:solidFill>
+                <a:effectLst/>
+                <a:latin typeface="Arial" panose="020B0604020202020204" pitchFamily="34" charset="0"/>
+              </a:rPr>
+              <a:t>, за </a:t>
+            </a:r>
+            <a:r>
+              <a:rPr lang="ru-RU" sz="1800" b="0" i="0" u="none" strike="noStrike" dirty="0" err="1">
+                <a:solidFill>
+                  <a:srgbClr val="000000"/>
+                </a:solidFill>
+                <a:effectLst/>
+                <a:latin typeface="Arial" panose="020B0604020202020204" pitchFamily="34" charset="0"/>
+              </a:rPr>
+              <a:t>може</a:t>
+            </a:r>
+            <a:r>
+              <a:rPr lang="ru-RU" sz="1800" b="0" i="0" u="none" strike="noStrike" dirty="0">
+                <a:solidFill>
+                  <a:srgbClr val="000000"/>
+                </a:solidFill>
+                <a:effectLst/>
+                <a:latin typeface="Arial" panose="020B0604020202020204" pitchFamily="34" charset="0"/>
+              </a:rPr>
+              <a:t> да се </a:t>
+            </a:r>
+            <a:r>
+              <a:rPr lang="ru-RU" sz="1800" b="0" i="0" u="none" strike="noStrike" dirty="0" err="1">
+                <a:solidFill>
+                  <a:srgbClr val="000000"/>
+                </a:solidFill>
+                <a:effectLst/>
+                <a:latin typeface="Arial" panose="020B0604020202020204" pitchFamily="34" charset="0"/>
+              </a:rPr>
+              <a:t>обновяват</a:t>
+            </a:r>
+            <a:r>
+              <a:rPr lang="ru-RU" sz="1800" b="0" i="0" u="none" strike="noStrike" dirty="0">
+                <a:solidFill>
+                  <a:srgbClr val="000000"/>
+                </a:solidFill>
+                <a:effectLst/>
+                <a:latin typeface="Arial" panose="020B0604020202020204" pitchFamily="34" charset="0"/>
+              </a:rPr>
+              <a:t> </a:t>
+            </a:r>
+            <a:r>
+              <a:rPr lang="ru-RU" sz="1800" b="0" i="0" u="none" strike="noStrike" dirty="0" err="1">
+                <a:solidFill>
+                  <a:srgbClr val="000000"/>
+                </a:solidFill>
+                <a:effectLst/>
+                <a:latin typeface="Arial" panose="020B0604020202020204" pitchFamily="34" charset="0"/>
+              </a:rPr>
+              <a:t>данните</a:t>
+            </a:r>
+            <a:r>
+              <a:rPr lang="ru-RU" sz="1800" b="0" i="0" u="none" strike="noStrike" dirty="0">
+                <a:solidFill>
+                  <a:srgbClr val="000000"/>
+                </a:solidFill>
+                <a:effectLst/>
+                <a:latin typeface="Arial" panose="020B0604020202020204" pitchFamily="34" charset="0"/>
+              </a:rPr>
+              <a:t> автоматично при </a:t>
+            </a:r>
+            <a:r>
+              <a:rPr lang="ru-RU" sz="1800" b="0" i="0" u="none" strike="noStrike" dirty="0" err="1">
+                <a:solidFill>
+                  <a:srgbClr val="000000"/>
+                </a:solidFill>
+                <a:effectLst/>
+                <a:latin typeface="Arial" panose="020B0604020202020204" pitchFamily="34" charset="0"/>
+              </a:rPr>
+              <a:t>получаването</a:t>
+            </a:r>
+            <a:r>
+              <a:rPr lang="ru-RU" sz="1800" b="0" i="0" u="none" strike="noStrike" dirty="0">
+                <a:solidFill>
+                  <a:srgbClr val="000000"/>
+                </a:solidFill>
+                <a:effectLst/>
+                <a:latin typeface="Arial" panose="020B0604020202020204" pitchFamily="34" charset="0"/>
+              </a:rPr>
+              <a:t> на нови </a:t>
+            </a:r>
+            <a:r>
+              <a:rPr lang="ru-RU" sz="1800" b="0" i="0" u="none" strike="noStrike" dirty="0" err="1">
+                <a:solidFill>
+                  <a:srgbClr val="000000"/>
+                </a:solidFill>
+                <a:effectLst/>
+                <a:latin typeface="Arial" panose="020B0604020202020204" pitchFamily="34" charset="0"/>
+              </a:rPr>
+              <a:t>такива</a:t>
+            </a:r>
+            <a:r>
+              <a:rPr lang="ru-RU" sz="1800" b="0" i="0" u="none" strike="noStrike" dirty="0">
+                <a:solidFill>
+                  <a:srgbClr val="000000"/>
+                </a:solidFill>
+                <a:effectLst/>
+                <a:latin typeface="Arial" panose="020B0604020202020204" pitchFamily="34" charset="0"/>
+              </a:rPr>
+              <a:t> - за </a:t>
+            </a:r>
+            <a:r>
+              <a:rPr lang="ru-RU" sz="1800" b="0" i="0" u="none" strike="noStrike" dirty="0" err="1">
+                <a:solidFill>
+                  <a:srgbClr val="000000"/>
+                </a:solidFill>
+                <a:effectLst/>
+                <a:latin typeface="Arial" panose="020B0604020202020204" pitchFamily="34" charset="0"/>
+              </a:rPr>
+              <a:t>използването</a:t>
+            </a:r>
+            <a:r>
+              <a:rPr lang="ru-RU" sz="1800" b="0" i="0" u="none" strike="noStrike" dirty="0">
+                <a:solidFill>
+                  <a:srgbClr val="000000"/>
+                </a:solidFill>
+                <a:effectLst/>
+                <a:latin typeface="Arial" panose="020B0604020202020204" pitchFamily="34" charset="0"/>
+              </a:rPr>
+              <a:t> на сокета </a:t>
+            </a:r>
+            <a:r>
+              <a:rPr lang="ru-RU" sz="1800" b="0" i="0" u="none" strike="noStrike" dirty="0" err="1">
+                <a:solidFill>
+                  <a:srgbClr val="000000"/>
+                </a:solidFill>
+                <a:effectLst/>
+                <a:latin typeface="Arial" panose="020B0604020202020204" pitchFamily="34" charset="0"/>
+              </a:rPr>
+              <a:t>добавихме</a:t>
+            </a:r>
+            <a:r>
+              <a:rPr lang="ru-RU" sz="1800" b="0" i="0" u="none" strike="noStrike" dirty="0">
+                <a:solidFill>
+                  <a:srgbClr val="000000"/>
+                </a:solidFill>
+                <a:effectLst/>
+                <a:latin typeface="Arial" panose="020B0604020202020204" pitchFamily="34" charset="0"/>
+              </a:rPr>
+              <a:t> контекст на </a:t>
+            </a:r>
+            <a:r>
+              <a:rPr lang="ru-RU" sz="1800" b="0" i="0" u="none" strike="noStrike" dirty="0" err="1">
+                <a:solidFill>
+                  <a:srgbClr val="000000"/>
+                </a:solidFill>
+                <a:effectLst/>
+                <a:latin typeface="Arial" panose="020B0604020202020204" pitchFamily="34" charset="0"/>
+              </a:rPr>
+              <a:t>цялото</a:t>
+            </a:r>
+            <a:r>
+              <a:rPr lang="ru-RU" sz="1800" b="0" i="0" u="none" strike="noStrike" dirty="0">
+                <a:solidFill>
+                  <a:srgbClr val="000000"/>
+                </a:solidFill>
+                <a:effectLst/>
+                <a:latin typeface="Arial" panose="020B0604020202020204" pitchFamily="34" charset="0"/>
+              </a:rPr>
+              <a:t> приложение, </a:t>
+            </a:r>
+            <a:r>
+              <a:rPr lang="ru-RU" sz="1800" b="0" i="0" u="none" strike="noStrike" dirty="0" err="1">
+                <a:solidFill>
+                  <a:srgbClr val="000000"/>
+                </a:solidFill>
+                <a:effectLst/>
+                <a:latin typeface="Arial" panose="020B0604020202020204" pitchFamily="34" charset="0"/>
+              </a:rPr>
+              <a:t>така</a:t>
+            </a:r>
+            <a:r>
+              <a:rPr lang="ru-RU" sz="1800" b="0" i="0" u="none" strike="noStrike" dirty="0">
+                <a:solidFill>
+                  <a:srgbClr val="000000"/>
+                </a:solidFill>
+                <a:effectLst/>
+                <a:latin typeface="Arial" panose="020B0604020202020204" pitchFamily="34" charset="0"/>
+              </a:rPr>
+              <a:t> че да </a:t>
+            </a:r>
+            <a:r>
+              <a:rPr lang="ru-RU" sz="1800" b="0" i="0" u="none" strike="noStrike" dirty="0" err="1">
+                <a:solidFill>
+                  <a:srgbClr val="000000"/>
+                </a:solidFill>
+                <a:effectLst/>
+                <a:latin typeface="Arial" panose="020B0604020202020204" pitchFamily="34" charset="0"/>
+              </a:rPr>
+              <a:t>могат</a:t>
+            </a:r>
+            <a:r>
+              <a:rPr lang="ru-RU" sz="1800" b="0" i="0" u="none" strike="noStrike" dirty="0">
+                <a:solidFill>
+                  <a:srgbClr val="000000"/>
+                </a:solidFill>
+                <a:effectLst/>
+                <a:latin typeface="Arial" panose="020B0604020202020204" pitchFamily="34" charset="0"/>
+              </a:rPr>
+              <a:t> </a:t>
+            </a:r>
+            <a:r>
+              <a:rPr lang="ru-RU" sz="1800" b="0" i="0" u="none" strike="noStrike" dirty="0" err="1">
+                <a:solidFill>
+                  <a:srgbClr val="000000"/>
+                </a:solidFill>
+                <a:effectLst/>
+                <a:latin typeface="Arial" panose="020B0604020202020204" pitchFamily="34" charset="0"/>
+              </a:rPr>
+              <a:t>отделни</a:t>
+            </a:r>
+            <a:r>
+              <a:rPr lang="ru-RU" sz="1800" b="0" i="0" u="none" strike="noStrike" dirty="0">
+                <a:solidFill>
+                  <a:srgbClr val="000000"/>
+                </a:solidFill>
+                <a:effectLst/>
+                <a:latin typeface="Arial" panose="020B0604020202020204" pitchFamily="34" charset="0"/>
+              </a:rPr>
+              <a:t> </a:t>
+            </a:r>
+            <a:r>
+              <a:rPr lang="ru-RU" sz="1800" b="0" i="0" u="none" strike="noStrike" dirty="0" err="1">
+                <a:solidFill>
+                  <a:srgbClr val="000000"/>
+                </a:solidFill>
+                <a:effectLst/>
+                <a:latin typeface="Arial" panose="020B0604020202020204" pitchFamily="34" charset="0"/>
+              </a:rPr>
+              <a:t>компоненти</a:t>
+            </a:r>
+            <a:r>
+              <a:rPr lang="ru-RU" sz="1800" b="0" i="0" u="none" strike="noStrike" dirty="0">
+                <a:solidFill>
+                  <a:srgbClr val="000000"/>
+                </a:solidFill>
+                <a:effectLst/>
+                <a:latin typeface="Arial" panose="020B0604020202020204" pitchFamily="34" charset="0"/>
+              </a:rPr>
+              <a:t> да </a:t>
+            </a:r>
+            <a:r>
+              <a:rPr lang="ru-RU" sz="1800" b="0" i="0" u="none" strike="noStrike" dirty="0" err="1">
+                <a:solidFill>
+                  <a:srgbClr val="000000"/>
+                </a:solidFill>
+                <a:effectLst/>
+                <a:latin typeface="Arial" panose="020B0604020202020204" pitchFamily="34" charset="0"/>
+              </a:rPr>
+              <a:t>достъпват</a:t>
+            </a:r>
+            <a:r>
+              <a:rPr lang="ru-RU" sz="1800" b="0" i="0" u="none" strike="noStrike" dirty="0">
+                <a:solidFill>
+                  <a:srgbClr val="000000"/>
+                </a:solidFill>
+                <a:effectLst/>
+                <a:latin typeface="Arial" panose="020B0604020202020204" pitchFamily="34" charset="0"/>
+              </a:rPr>
+              <a:t> </a:t>
+            </a:r>
+            <a:r>
+              <a:rPr lang="ru-RU" sz="1800" b="0" i="0" u="none" strike="noStrike" dirty="0" err="1">
+                <a:solidFill>
+                  <a:srgbClr val="000000"/>
+                </a:solidFill>
+                <a:effectLst/>
+                <a:latin typeface="Arial" panose="020B0604020202020204" pitchFamily="34" charset="0"/>
+              </a:rPr>
+              <a:t>връзката</a:t>
+            </a:r>
+            <a:r>
+              <a:rPr lang="ru-RU" sz="1800" b="0" i="0" u="none" strike="noStrike" dirty="0">
+                <a:solidFill>
+                  <a:srgbClr val="000000"/>
+                </a:solidFill>
+                <a:effectLst/>
+                <a:latin typeface="Arial" panose="020B0604020202020204" pitchFamily="34" charset="0"/>
+              </a:rPr>
+              <a:t> </a:t>
+            </a:r>
+            <a:r>
+              <a:rPr lang="ru-RU" sz="1800" b="0" i="0" u="none" strike="noStrike" dirty="0" err="1">
+                <a:solidFill>
+                  <a:srgbClr val="000000"/>
+                </a:solidFill>
+                <a:effectLst/>
+                <a:latin typeface="Arial" panose="020B0604020202020204" pitchFamily="34" charset="0"/>
+              </a:rPr>
+              <a:t>със</a:t>
+            </a:r>
+            <a:r>
+              <a:rPr lang="ru-RU" sz="1800" b="0" i="0" u="none" strike="noStrike" dirty="0">
+                <a:solidFill>
+                  <a:srgbClr val="000000"/>
+                </a:solidFill>
+                <a:effectLst/>
+                <a:latin typeface="Arial" panose="020B0604020202020204" pitchFamily="34" charset="0"/>
+              </a:rPr>
+              <a:t> </a:t>
+            </a:r>
+            <a:r>
+              <a:rPr lang="ru-RU" sz="1800" b="0" i="0" u="none" strike="noStrike" dirty="0" err="1">
+                <a:solidFill>
+                  <a:srgbClr val="000000"/>
+                </a:solidFill>
+                <a:effectLst/>
+                <a:latin typeface="Arial" panose="020B0604020202020204" pitchFamily="34" charset="0"/>
+              </a:rPr>
+              <a:t>сървъра</a:t>
+            </a:r>
+            <a:r>
+              <a:rPr lang="ru-RU" sz="1800" b="0" i="0" u="none" strike="noStrike" dirty="0">
+                <a:solidFill>
+                  <a:srgbClr val="000000"/>
+                </a:solidFill>
+                <a:effectLst/>
+                <a:latin typeface="Arial" panose="020B0604020202020204" pitchFamily="34" charset="0"/>
+              </a:rPr>
+              <a:t>.</a:t>
+            </a:r>
+            <a:endParaRPr lang="ru-RU" b="0" dirty="0">
+              <a:effectLst/>
+            </a:endParaRPr>
+          </a:p>
+          <a:p>
+            <a:pPr rtl="0">
+              <a:spcBef>
+                <a:spcPts val="0"/>
+              </a:spcBef>
+              <a:spcAft>
+                <a:spcPts val="0"/>
+              </a:spcAft>
+            </a:pPr>
+            <a:r>
+              <a:rPr lang="ru-RU" sz="1800" b="0" i="0" u="none" strike="noStrike" dirty="0" err="1">
+                <a:solidFill>
+                  <a:srgbClr val="000000"/>
+                </a:solidFill>
+                <a:effectLst/>
+                <a:latin typeface="Arial" panose="020B0604020202020204" pitchFamily="34" charset="0"/>
+              </a:rPr>
+              <a:t>Също</a:t>
+            </a:r>
+            <a:r>
+              <a:rPr lang="ru-RU" sz="1800" b="0" i="0" u="none" strike="noStrike" dirty="0">
+                <a:solidFill>
+                  <a:srgbClr val="000000"/>
+                </a:solidFill>
+                <a:effectLst/>
+                <a:latin typeface="Arial" panose="020B0604020202020204" pitchFamily="34" charset="0"/>
+              </a:rPr>
+              <a:t> </a:t>
+            </a:r>
+            <a:r>
+              <a:rPr lang="ru-RU" sz="1800" b="0" i="0" u="none" strike="noStrike" dirty="0" err="1">
+                <a:solidFill>
+                  <a:srgbClr val="000000"/>
+                </a:solidFill>
+                <a:effectLst/>
+                <a:latin typeface="Arial" panose="020B0604020202020204" pitchFamily="34" charset="0"/>
+              </a:rPr>
+              <a:t>така</a:t>
+            </a:r>
+            <a:r>
+              <a:rPr lang="ru-RU" sz="1800" b="0" i="0" u="none" strike="noStrike" dirty="0">
+                <a:solidFill>
+                  <a:srgbClr val="000000"/>
+                </a:solidFill>
+                <a:effectLst/>
+                <a:latin typeface="Arial" panose="020B0604020202020204" pitchFamily="34" charset="0"/>
+              </a:rPr>
+              <a:t> </a:t>
+            </a:r>
+            <a:r>
+              <a:rPr lang="ru-RU" sz="1800" b="0" i="0" u="none" strike="noStrike" dirty="0" err="1">
+                <a:solidFill>
+                  <a:srgbClr val="000000"/>
+                </a:solidFill>
+                <a:effectLst/>
+                <a:latin typeface="Arial" panose="020B0604020202020204" pitchFamily="34" charset="0"/>
+              </a:rPr>
+              <a:t>достъпва</a:t>
+            </a:r>
+            <a:r>
+              <a:rPr lang="ru-RU" sz="1800" b="0" i="0" u="none" strike="noStrike" dirty="0">
+                <a:solidFill>
+                  <a:srgbClr val="000000"/>
+                </a:solidFill>
+                <a:effectLst/>
+                <a:latin typeface="Arial" panose="020B0604020202020204" pitchFamily="34" charset="0"/>
+              </a:rPr>
+              <a:t> и REST API-то, за да </a:t>
+            </a:r>
+            <a:r>
+              <a:rPr lang="ru-RU" sz="1800" b="0" i="0" u="none" strike="noStrike" dirty="0" err="1">
+                <a:solidFill>
+                  <a:srgbClr val="000000"/>
+                </a:solidFill>
+                <a:effectLst/>
+                <a:latin typeface="Arial" panose="020B0604020202020204" pitchFamily="34" charset="0"/>
+              </a:rPr>
+              <a:t>вземе</a:t>
+            </a:r>
+            <a:r>
+              <a:rPr lang="ru-RU" sz="1800" b="0" i="0" u="none" strike="noStrike" dirty="0">
+                <a:solidFill>
+                  <a:srgbClr val="000000"/>
+                </a:solidFill>
+                <a:effectLst/>
+                <a:latin typeface="Arial" panose="020B0604020202020204" pitchFamily="34" charset="0"/>
+              </a:rPr>
+              <a:t> </a:t>
+            </a:r>
+            <a:r>
+              <a:rPr lang="ru-RU" sz="1800" b="0" i="0" u="none" strike="noStrike" dirty="0" err="1">
+                <a:solidFill>
+                  <a:srgbClr val="000000"/>
+                </a:solidFill>
+                <a:effectLst/>
+                <a:latin typeface="Arial" panose="020B0604020202020204" pitchFamily="34" charset="0"/>
+              </a:rPr>
+              <a:t>данните</a:t>
+            </a:r>
+            <a:r>
+              <a:rPr lang="ru-RU" sz="1800" b="0" i="0" u="none" strike="noStrike" dirty="0">
+                <a:solidFill>
+                  <a:srgbClr val="000000"/>
+                </a:solidFill>
+                <a:effectLst/>
+                <a:latin typeface="Arial" panose="020B0604020202020204" pitchFamily="34" charset="0"/>
+              </a:rPr>
+              <a:t> в определен </a:t>
+            </a:r>
+            <a:r>
+              <a:rPr lang="ru-RU" sz="1800" b="0" i="0" u="none" strike="noStrike" dirty="0" err="1">
+                <a:solidFill>
+                  <a:srgbClr val="000000"/>
+                </a:solidFill>
+                <a:effectLst/>
+                <a:latin typeface="Arial" panose="020B0604020202020204" pitchFamily="34" charset="0"/>
+              </a:rPr>
+              <a:t>прозорец</a:t>
+            </a:r>
+            <a:r>
+              <a:rPr lang="ru-RU" sz="1800" b="0" i="0" u="none" strike="noStrike" dirty="0">
+                <a:solidFill>
+                  <a:srgbClr val="000000"/>
+                </a:solidFill>
+                <a:effectLst/>
+                <a:latin typeface="Arial" panose="020B0604020202020204" pitchFamily="34" charset="0"/>
+              </a:rPr>
+              <a:t> от </a:t>
+            </a:r>
+            <a:r>
+              <a:rPr lang="ru-RU" sz="1800" b="0" i="0" u="none" strike="noStrike" dirty="0" err="1">
+                <a:solidFill>
+                  <a:srgbClr val="000000"/>
+                </a:solidFill>
+                <a:effectLst/>
+                <a:latin typeface="Arial" panose="020B0604020202020204" pitchFamily="34" charset="0"/>
+              </a:rPr>
+              <a:t>време</a:t>
+            </a:r>
+            <a:r>
+              <a:rPr lang="ru-RU" sz="1800" b="0" i="0" u="none" strike="noStrike" dirty="0">
+                <a:solidFill>
+                  <a:srgbClr val="000000"/>
+                </a:solidFill>
+                <a:effectLst/>
+                <a:latin typeface="Arial" panose="020B0604020202020204" pitchFamily="34" charset="0"/>
+              </a:rPr>
+              <a:t>.</a:t>
+            </a:r>
+            <a:endParaRPr lang="ru-RU" b="0" dirty="0">
+              <a:effectLst/>
+            </a:endParaRPr>
+          </a:p>
+          <a:p>
+            <a:pPr rtl="0">
+              <a:spcBef>
+                <a:spcPts val="0"/>
+              </a:spcBef>
+              <a:spcAft>
+                <a:spcPts val="0"/>
+              </a:spcAft>
+            </a:pPr>
+            <a:r>
+              <a:rPr lang="ru-RU" sz="1800" b="0" i="0" u="none" strike="noStrike" dirty="0" err="1">
+                <a:solidFill>
+                  <a:srgbClr val="000000"/>
+                </a:solidFill>
+                <a:effectLst/>
+                <a:latin typeface="Arial" panose="020B0604020202020204" pitchFamily="34" charset="0"/>
+              </a:rPr>
+              <a:t>Както</a:t>
+            </a:r>
+            <a:r>
+              <a:rPr lang="ru-RU" sz="1800" b="0" i="0" u="none" strike="noStrike" dirty="0">
+                <a:solidFill>
+                  <a:srgbClr val="000000"/>
+                </a:solidFill>
+                <a:effectLst/>
+                <a:latin typeface="Arial" panose="020B0604020202020204" pitchFamily="34" charset="0"/>
+              </a:rPr>
+              <a:t> </a:t>
+            </a:r>
+            <a:r>
+              <a:rPr lang="ru-RU" sz="1800" b="0" i="0" u="none" strike="noStrike" dirty="0" err="1">
+                <a:solidFill>
+                  <a:srgbClr val="000000"/>
+                </a:solidFill>
+                <a:effectLst/>
+                <a:latin typeface="Arial" panose="020B0604020202020204" pitchFamily="34" charset="0"/>
+              </a:rPr>
+              <a:t>споменахме</a:t>
+            </a:r>
+            <a:r>
+              <a:rPr lang="ru-RU" sz="1800" b="0" i="0" u="none" strike="noStrike" dirty="0">
+                <a:solidFill>
+                  <a:srgbClr val="000000"/>
+                </a:solidFill>
+                <a:effectLst/>
+                <a:latin typeface="Arial" panose="020B0604020202020204" pitchFamily="34" charset="0"/>
+              </a:rPr>
+              <a:t> и </a:t>
+            </a:r>
+            <a:r>
+              <a:rPr lang="ru-RU" sz="1800" b="0" i="0" u="none" strike="noStrike" dirty="0" err="1">
+                <a:solidFill>
+                  <a:srgbClr val="000000"/>
+                </a:solidFill>
+                <a:effectLst/>
+                <a:latin typeface="Arial" panose="020B0604020202020204" pitchFamily="34" charset="0"/>
+              </a:rPr>
+              <a:t>по-рано</a:t>
+            </a:r>
+            <a:r>
+              <a:rPr lang="ru-RU" sz="1800" b="0" i="0" u="none" strike="noStrike" dirty="0">
+                <a:solidFill>
+                  <a:srgbClr val="000000"/>
+                </a:solidFill>
+                <a:effectLst/>
+                <a:latin typeface="Arial" panose="020B0604020202020204" pitchFamily="34" charset="0"/>
+              </a:rPr>
+              <a:t>, </a:t>
+            </a:r>
+            <a:r>
+              <a:rPr lang="ru-RU" sz="1800" b="0" i="0" u="none" strike="noStrike" dirty="0" err="1">
+                <a:solidFill>
+                  <a:srgbClr val="000000"/>
+                </a:solidFill>
+                <a:effectLst/>
+                <a:latin typeface="Arial" panose="020B0604020202020204" pitchFamily="34" charset="0"/>
+              </a:rPr>
+              <a:t>добавихме</a:t>
+            </a:r>
+            <a:r>
+              <a:rPr lang="ru-RU" sz="1800" b="0" i="0" u="none" strike="noStrike" dirty="0">
+                <a:solidFill>
+                  <a:srgbClr val="000000"/>
+                </a:solidFill>
+                <a:effectLst/>
+                <a:latin typeface="Arial" panose="020B0604020202020204" pitchFamily="34" charset="0"/>
+              </a:rPr>
+              <a:t> и </a:t>
+            </a:r>
+            <a:r>
+              <a:rPr lang="ru-RU" sz="1800" b="0" i="0" u="none" strike="noStrike" dirty="0" err="1">
+                <a:solidFill>
+                  <a:srgbClr val="000000"/>
+                </a:solidFill>
+                <a:effectLst/>
+                <a:latin typeface="Arial" panose="020B0604020202020204" pitchFamily="34" charset="0"/>
+              </a:rPr>
+              <a:t>docker</a:t>
+            </a:r>
+            <a:r>
+              <a:rPr lang="ru-RU" sz="1800" b="0" i="0" u="none" strike="noStrike" dirty="0">
+                <a:solidFill>
+                  <a:srgbClr val="000000"/>
+                </a:solidFill>
+                <a:effectLst/>
+                <a:latin typeface="Arial" panose="020B0604020202020204" pitchFamily="34" charset="0"/>
+              </a:rPr>
+              <a:t> </a:t>
+            </a:r>
+            <a:r>
+              <a:rPr lang="ru-RU" sz="1800" b="0" i="0" u="none" strike="noStrike" dirty="0" err="1">
+                <a:solidFill>
+                  <a:srgbClr val="000000"/>
+                </a:solidFill>
+                <a:effectLst/>
+                <a:latin typeface="Arial" panose="020B0604020202020204" pitchFamily="34" charset="0"/>
+              </a:rPr>
+              <a:t>към</a:t>
+            </a:r>
+            <a:r>
+              <a:rPr lang="ru-RU" sz="1800" b="0" i="0" u="none" strike="noStrike" dirty="0">
+                <a:solidFill>
+                  <a:srgbClr val="000000"/>
+                </a:solidFill>
+                <a:effectLst/>
+                <a:latin typeface="Arial" panose="020B0604020202020204" pitchFamily="34" charset="0"/>
+              </a:rPr>
+              <a:t> клиента.</a:t>
+            </a:r>
+            <a:endParaRPr lang="ru-RU" b="0" dirty="0">
+              <a:effectLst/>
+            </a:endParaRPr>
+          </a:p>
+          <a:p>
+            <a:br>
+              <a:rPr lang="ru-RU" dirty="0"/>
+            </a:br>
+            <a:endParaRPr lang="en-US" dirty="0"/>
+          </a:p>
+        </p:txBody>
+      </p:sp>
+      <p:sp>
+        <p:nvSpPr>
+          <p:cNvPr id="4" name="Slide Number Placeholder 3"/>
+          <p:cNvSpPr>
+            <a:spLocks noGrp="1"/>
+          </p:cNvSpPr>
+          <p:nvPr>
+            <p:ph type="sldNum" sz="quarter" idx="5"/>
+          </p:nvPr>
+        </p:nvSpPr>
+        <p:spPr/>
+        <p:txBody>
+          <a:bodyPr/>
+          <a:lstStyle/>
+          <a:p>
+            <a:fld id="{354FBB31-2E76-4A4B-BA94-9E05B09A2BD0}" type="slidenum">
+              <a:rPr lang="en-US" smtClean="0"/>
+              <a:t>12</a:t>
+            </a:fld>
+            <a:endParaRPr lang="en-US"/>
+          </a:p>
+        </p:txBody>
+      </p:sp>
+    </p:spTree>
+    <p:extLst>
+      <p:ext uri="{BB962C8B-B14F-4D97-AF65-F5344CB8AC3E}">
+        <p14:creationId xmlns:p14="http://schemas.microsoft.com/office/powerpoint/2010/main" val="718889077"/>
+      </p:ext>
+    </p:extLst>
+  </p:cSld>
+  <p:clrMapOvr>
+    <a:masterClrMapping/>
+  </p:clrMapOvr>
+</p:notes>
+</file>
+
+<file path=ppt/notesSlides/notesSlide13.xml><?xml version="1.0" encoding="utf-8"?>
+<p:notes xmlns:a="http://schemas.openxmlformats.org/drawingml/2006/main" xmlns:r="http://schemas.openxmlformats.org/officeDocument/2006/relationships" xmlns:p="http://schemas.openxmlformats.org/presentationml/2006/main">
+  <p:cSld>
+    <p:spTree>
+      <p:nvGrpSpPr>
+        <p:cNvPr id="1" name=""/>
+        <p:cNvGrpSpPr/>
+        <p:nvPr/>
+      </p:nvGrpSpPr>
+      <p:grpSpPr>
+        <a:xfrm>
+          <a:off x="0" y="0"/>
+          <a:ext cx="0" cy="0"/>
+          <a:chOff x="0" y="0"/>
+          <a:chExt cx="0" cy="0"/>
+        </a:xfrm>
+      </p:grpSpPr>
+      <p:sp>
+        <p:nvSpPr>
+          <p:cNvPr id="2" name="Slide Image Placeholder 1"/>
+          <p:cNvSpPr>
+            <a:spLocks noGrp="1" noRot="1" noChangeAspect="1"/>
+          </p:cNvSpPr>
+          <p:nvPr>
+            <p:ph type="sldImg"/>
+          </p:nvPr>
+        </p:nvSpPr>
+        <p:spPr/>
+      </p:sp>
+      <p:sp>
+        <p:nvSpPr>
+          <p:cNvPr id="3" name="Notes Placeholder 2"/>
+          <p:cNvSpPr>
+            <a:spLocks noGrp="1"/>
+          </p:cNvSpPr>
+          <p:nvPr>
+            <p:ph type="body" idx="1"/>
+          </p:nvPr>
+        </p:nvSpPr>
+        <p:spPr/>
+        <p:txBody>
+          <a:bodyPr/>
+          <a:lstStyle/>
+          <a:p>
+            <a:pPr rtl="0">
+              <a:spcBef>
+                <a:spcPts val="0"/>
+              </a:spcBef>
+              <a:spcAft>
+                <a:spcPts val="0"/>
+              </a:spcAft>
+            </a:pPr>
+            <a:r>
+              <a:rPr lang="ru-RU" sz="1800" b="0" i="0" u="none" strike="noStrike" dirty="0">
+                <a:solidFill>
+                  <a:srgbClr val="000000"/>
+                </a:solidFill>
+                <a:effectLst/>
+                <a:latin typeface="Arial" panose="020B0604020202020204" pitchFamily="34" charset="0"/>
+              </a:rPr>
+              <a:t>Никола: </a:t>
+            </a:r>
+            <a:r>
+              <a:rPr lang="ru-RU" sz="1800" b="0" i="0" u="none" strike="noStrike" dirty="0" err="1">
+                <a:solidFill>
+                  <a:srgbClr val="000000"/>
+                </a:solidFill>
+                <a:effectLst/>
+                <a:latin typeface="Arial" panose="020B0604020202020204" pitchFamily="34" charset="0"/>
+              </a:rPr>
+              <a:t>Приложението</a:t>
+            </a:r>
+            <a:r>
+              <a:rPr lang="ru-RU" sz="1800" b="0" i="0" u="none" strike="noStrike" dirty="0">
+                <a:solidFill>
+                  <a:srgbClr val="000000"/>
+                </a:solidFill>
+                <a:effectLst/>
+                <a:latin typeface="Arial" panose="020B0604020202020204" pitchFamily="34" charset="0"/>
+              </a:rPr>
+              <a:t> ни е готово за </a:t>
+            </a:r>
+            <a:r>
+              <a:rPr lang="ru-RU" sz="1800" b="0" i="0" u="none" strike="noStrike" dirty="0" err="1">
+                <a:solidFill>
+                  <a:srgbClr val="000000"/>
+                </a:solidFill>
+                <a:effectLst/>
+                <a:latin typeface="Arial" panose="020B0604020202020204" pitchFamily="34" charset="0"/>
+              </a:rPr>
+              <a:t>качване</a:t>
+            </a:r>
+            <a:r>
+              <a:rPr lang="ru-RU" sz="1800" b="0" i="0" u="none" strike="noStrike" dirty="0">
+                <a:solidFill>
+                  <a:srgbClr val="000000"/>
+                </a:solidFill>
+                <a:effectLst/>
+                <a:latin typeface="Arial" panose="020B0604020202020204" pitchFamily="34" charset="0"/>
+              </a:rPr>
+              <a:t> в облака (</a:t>
+            </a:r>
+            <a:r>
+              <a:rPr lang="ru-RU" sz="1800" b="0" i="0" u="none" strike="noStrike" dirty="0" err="1">
+                <a:solidFill>
+                  <a:srgbClr val="000000"/>
+                </a:solidFill>
+                <a:effectLst/>
+                <a:latin typeface="Arial" panose="020B0604020202020204" pitchFamily="34" charset="0"/>
+              </a:rPr>
+              <a:t>cloud</a:t>
+            </a:r>
+            <a:r>
+              <a:rPr lang="ru-RU" sz="1800" b="0" i="0" u="none" strike="noStrike" dirty="0">
+                <a:solidFill>
+                  <a:srgbClr val="000000"/>
+                </a:solidFill>
+                <a:effectLst/>
+                <a:latin typeface="Arial" panose="020B0604020202020204" pitchFamily="34" charset="0"/>
+              </a:rPr>
+              <a:t> </a:t>
+            </a:r>
+            <a:r>
+              <a:rPr lang="ru-RU" sz="1800" b="0" i="0" u="none" strike="noStrike" dirty="0" err="1">
+                <a:solidFill>
+                  <a:srgbClr val="000000"/>
+                </a:solidFill>
+                <a:effectLst/>
+                <a:latin typeface="Arial" panose="020B0604020202020204" pitchFamily="34" charset="0"/>
+              </a:rPr>
+              <a:t>ready</a:t>
+            </a:r>
+            <a:r>
+              <a:rPr lang="ru-RU" sz="1800" b="0" i="0" u="none" strike="noStrike" dirty="0">
+                <a:solidFill>
+                  <a:srgbClr val="000000"/>
+                </a:solidFill>
+                <a:effectLst/>
+                <a:latin typeface="Arial" panose="020B0604020202020204" pitchFamily="34" charset="0"/>
+              </a:rPr>
+              <a:t>)</a:t>
+            </a:r>
+            <a:endParaRPr lang="ru-RU" b="0" dirty="0">
+              <a:effectLst/>
+            </a:endParaRPr>
+          </a:p>
+          <a:p>
+            <a:pPr rtl="0">
+              <a:spcBef>
+                <a:spcPts val="0"/>
+              </a:spcBef>
+              <a:spcAft>
+                <a:spcPts val="0"/>
+              </a:spcAft>
+            </a:pPr>
+            <a:r>
+              <a:rPr lang="ru-RU" sz="1800" b="0" i="0" u="none" strike="noStrike" dirty="0">
+                <a:solidFill>
+                  <a:srgbClr val="000000"/>
+                </a:solidFill>
+                <a:effectLst/>
+                <a:latin typeface="Arial" panose="020B0604020202020204" pitchFamily="34" charset="0"/>
+              </a:rPr>
+              <a:t>Даже вече е качено и </a:t>
+            </a:r>
+            <a:r>
+              <a:rPr lang="ru-RU" sz="1800" b="0" i="0" u="none" strike="noStrike" dirty="0" err="1">
+                <a:solidFill>
+                  <a:srgbClr val="000000"/>
+                </a:solidFill>
+                <a:effectLst/>
+                <a:latin typeface="Arial" panose="020B0604020202020204" pitchFamily="34" charset="0"/>
+              </a:rPr>
+              <a:t>може</a:t>
+            </a:r>
+            <a:r>
+              <a:rPr lang="ru-RU" sz="1800" b="0" i="0" u="none" strike="noStrike" dirty="0">
+                <a:solidFill>
+                  <a:srgbClr val="000000"/>
+                </a:solidFill>
+                <a:effectLst/>
+                <a:latin typeface="Arial" panose="020B0604020202020204" pitchFamily="34" charset="0"/>
+              </a:rPr>
+              <a:t> да се </a:t>
+            </a:r>
+            <a:r>
+              <a:rPr lang="ru-RU" sz="1800" b="0" i="0" u="none" strike="noStrike" dirty="0" err="1">
+                <a:solidFill>
+                  <a:srgbClr val="000000"/>
+                </a:solidFill>
+                <a:effectLst/>
+                <a:latin typeface="Arial" panose="020B0604020202020204" pitchFamily="34" charset="0"/>
+              </a:rPr>
+              <a:t>достъпи</a:t>
+            </a:r>
+            <a:r>
+              <a:rPr lang="ru-RU" sz="1800" b="0" i="0" u="none" strike="noStrike" dirty="0">
+                <a:solidFill>
+                  <a:srgbClr val="000000"/>
+                </a:solidFill>
+                <a:effectLst/>
+                <a:latin typeface="Arial" panose="020B0604020202020204" pitchFamily="34" charset="0"/>
+              </a:rPr>
+              <a:t> на </a:t>
+            </a:r>
+            <a:r>
+              <a:rPr lang="ru-RU" sz="1800" b="0" i="0" u="none" strike="noStrike" dirty="0" err="1">
+                <a:solidFill>
+                  <a:srgbClr val="000000"/>
+                </a:solidFill>
+                <a:effectLst/>
+                <a:latin typeface="Arial" panose="020B0604020202020204" pitchFamily="34" charset="0"/>
+              </a:rPr>
+              <a:t>следния</a:t>
+            </a:r>
+            <a:r>
+              <a:rPr lang="ru-RU" sz="1800" b="0" i="0" u="none" strike="noStrike" dirty="0">
+                <a:solidFill>
+                  <a:srgbClr val="000000"/>
+                </a:solidFill>
+                <a:effectLst/>
+                <a:latin typeface="Arial" panose="020B0604020202020204" pitchFamily="34" charset="0"/>
+              </a:rPr>
+              <a:t> линк.</a:t>
+            </a:r>
+            <a:endParaRPr lang="ru-RU" b="0" dirty="0">
+              <a:effectLst/>
+            </a:endParaRPr>
+          </a:p>
+          <a:p>
+            <a:pPr rtl="0">
+              <a:spcBef>
+                <a:spcPts val="0"/>
+              </a:spcBef>
+              <a:spcAft>
+                <a:spcPts val="0"/>
+              </a:spcAft>
+            </a:pPr>
+            <a:r>
+              <a:rPr lang="ru-RU" sz="1800" b="0" i="0" u="none" strike="noStrike" dirty="0">
+                <a:solidFill>
+                  <a:srgbClr val="000000"/>
+                </a:solidFill>
+                <a:effectLst/>
+                <a:latin typeface="Arial" panose="020B0604020202020204" pitchFamily="34" charset="0"/>
+              </a:rPr>
+              <a:t>А </a:t>
+            </a:r>
+            <a:r>
+              <a:rPr lang="ru-RU" sz="1800" b="0" i="0" u="none" strike="noStrike" dirty="0" err="1">
+                <a:solidFill>
+                  <a:srgbClr val="000000"/>
+                </a:solidFill>
+                <a:effectLst/>
+                <a:latin typeface="Arial" panose="020B0604020202020204" pitchFamily="34" charset="0"/>
+              </a:rPr>
+              <a:t>Flutter</a:t>
+            </a:r>
+            <a:r>
+              <a:rPr lang="ru-RU" sz="1800" b="0" i="0" u="none" strike="noStrike" dirty="0">
+                <a:solidFill>
+                  <a:srgbClr val="000000"/>
+                </a:solidFill>
+                <a:effectLst/>
+                <a:latin typeface="Arial" panose="020B0604020202020204" pitchFamily="34" charset="0"/>
+              </a:rPr>
+              <a:t> клиента </a:t>
+            </a:r>
+            <a:r>
+              <a:rPr lang="ru-RU" sz="1800" b="0" i="0" u="none" strike="noStrike" dirty="0" err="1">
+                <a:solidFill>
+                  <a:srgbClr val="000000"/>
+                </a:solidFill>
+                <a:effectLst/>
+                <a:latin typeface="Arial" panose="020B0604020202020204" pitchFamily="34" charset="0"/>
+              </a:rPr>
+              <a:t>може</a:t>
+            </a:r>
+            <a:r>
+              <a:rPr lang="ru-RU" sz="1800" b="0" i="0" u="none" strike="noStrike" dirty="0">
+                <a:solidFill>
+                  <a:srgbClr val="000000"/>
+                </a:solidFill>
+                <a:effectLst/>
+                <a:latin typeface="Arial" panose="020B0604020202020204" pitchFamily="34" charset="0"/>
+              </a:rPr>
+              <a:t> да се </a:t>
+            </a:r>
+            <a:r>
+              <a:rPr lang="ru-RU" sz="1800" b="0" i="0" u="none" strike="noStrike" dirty="0" err="1">
+                <a:solidFill>
+                  <a:srgbClr val="000000"/>
+                </a:solidFill>
+                <a:effectLst/>
+                <a:latin typeface="Arial" panose="020B0604020202020204" pitchFamily="34" charset="0"/>
+              </a:rPr>
+              <a:t>изтегли</a:t>
+            </a:r>
+            <a:r>
+              <a:rPr lang="ru-RU" sz="1800" b="0" i="0" u="none" strike="noStrike" dirty="0">
+                <a:solidFill>
+                  <a:srgbClr val="000000"/>
+                </a:solidFill>
+                <a:effectLst/>
+                <a:latin typeface="Arial" panose="020B0604020202020204" pitchFamily="34" charset="0"/>
+              </a:rPr>
+              <a:t> от Google Play</a:t>
+            </a:r>
+            <a:endParaRPr lang="ru-RU" b="0" dirty="0">
+              <a:effectLst/>
+            </a:endParaRPr>
+          </a:p>
+          <a:p>
+            <a:br>
+              <a:rPr lang="ru-RU" dirty="0"/>
+            </a:br>
+            <a:endParaRPr lang="en-US" dirty="0"/>
+          </a:p>
+        </p:txBody>
+      </p:sp>
+      <p:sp>
+        <p:nvSpPr>
+          <p:cNvPr id="4" name="Slide Number Placeholder 3"/>
+          <p:cNvSpPr>
+            <a:spLocks noGrp="1"/>
+          </p:cNvSpPr>
+          <p:nvPr>
+            <p:ph type="sldNum" sz="quarter" idx="5"/>
+          </p:nvPr>
+        </p:nvSpPr>
+        <p:spPr/>
+        <p:txBody>
+          <a:bodyPr/>
+          <a:lstStyle/>
+          <a:p>
+            <a:fld id="{354FBB31-2E76-4A4B-BA94-9E05B09A2BD0}" type="slidenum">
+              <a:rPr lang="en-US" smtClean="0"/>
+              <a:t>13</a:t>
+            </a:fld>
+            <a:endParaRPr lang="en-US"/>
+          </a:p>
+        </p:txBody>
+      </p:sp>
+    </p:spTree>
+    <p:extLst>
+      <p:ext uri="{BB962C8B-B14F-4D97-AF65-F5344CB8AC3E}">
+        <p14:creationId xmlns:p14="http://schemas.microsoft.com/office/powerpoint/2010/main" val="3104417715"/>
+      </p:ext>
+    </p:extLst>
+  </p:cSld>
+  <p:clrMapOvr>
+    <a:masterClrMapping/>
+  </p:clrMapOvr>
+</p:notes>
+</file>
+
+<file path=ppt/notesSlides/notesSlide14.xml><?xml version="1.0" encoding="utf-8"?>
+<p:notes xmlns:a="http://schemas.openxmlformats.org/drawingml/2006/main" xmlns:r="http://schemas.openxmlformats.org/officeDocument/2006/relationships" xmlns:p="http://schemas.openxmlformats.org/presentationml/2006/main">
+  <p:cSld>
+    <p:spTree>
+      <p:nvGrpSpPr>
+        <p:cNvPr id="1" name=""/>
+        <p:cNvGrpSpPr/>
+        <p:nvPr/>
+      </p:nvGrpSpPr>
+      <p:grpSpPr>
+        <a:xfrm>
+          <a:off x="0" y="0"/>
+          <a:ext cx="0" cy="0"/>
+          <a:chOff x="0" y="0"/>
+          <a:chExt cx="0" cy="0"/>
+        </a:xfrm>
+      </p:grpSpPr>
+      <p:sp>
+        <p:nvSpPr>
+          <p:cNvPr id="2" name="Slide Image Placeholder 1"/>
+          <p:cNvSpPr>
+            <a:spLocks noGrp="1" noRot="1" noChangeAspect="1"/>
+          </p:cNvSpPr>
+          <p:nvPr>
+            <p:ph type="sldImg"/>
+          </p:nvPr>
+        </p:nvSpPr>
+        <p:spPr/>
+      </p:sp>
+      <p:sp>
+        <p:nvSpPr>
+          <p:cNvPr id="3" name="Notes Placeholder 2"/>
+          <p:cNvSpPr>
+            <a:spLocks noGrp="1"/>
+          </p:cNvSpPr>
+          <p:nvPr>
+            <p:ph type="body" idx="1"/>
+          </p:nvPr>
+        </p:nvSpPr>
+        <p:spPr/>
+        <p:txBody>
+          <a:bodyPr/>
+          <a:lstStyle/>
+          <a:p>
+            <a:pPr rtl="0">
+              <a:spcBef>
+                <a:spcPts val="0"/>
+              </a:spcBef>
+              <a:spcAft>
+                <a:spcPts val="0"/>
+              </a:spcAft>
+            </a:pPr>
+            <a:r>
+              <a:rPr lang="ru-RU" sz="1800" b="0" i="0" u="none" strike="noStrike" dirty="0" err="1">
+                <a:solidFill>
+                  <a:srgbClr val="000000"/>
+                </a:solidFill>
+                <a:effectLst/>
+                <a:latin typeface="Arial" panose="020B0604020202020204" pitchFamily="34" charset="0"/>
+              </a:rPr>
+              <a:t>Иво</a:t>
+            </a:r>
+            <a:r>
+              <a:rPr lang="ru-RU" sz="1800" b="0" i="0" u="none" strike="noStrike" dirty="0">
+                <a:solidFill>
+                  <a:srgbClr val="000000"/>
+                </a:solidFill>
+                <a:effectLst/>
+                <a:latin typeface="Arial" panose="020B0604020202020204" pitchFamily="34" charset="0"/>
+              </a:rPr>
+              <a:t> Като начало, за да стане </a:t>
+            </a:r>
+            <a:r>
+              <a:rPr lang="ru-RU" sz="1800" b="0" i="0" u="none" strike="noStrike" dirty="0" err="1">
+                <a:solidFill>
+                  <a:srgbClr val="000000"/>
+                </a:solidFill>
+                <a:effectLst/>
+                <a:latin typeface="Arial" panose="020B0604020202020204" pitchFamily="34" charset="0"/>
+              </a:rPr>
+              <a:t>още</a:t>
+            </a:r>
+            <a:r>
+              <a:rPr lang="ru-RU" sz="1800" b="0" i="0" u="none" strike="noStrike" dirty="0">
+                <a:solidFill>
+                  <a:srgbClr val="000000"/>
+                </a:solidFill>
+                <a:effectLst/>
+                <a:latin typeface="Arial" panose="020B0604020202020204" pitchFamily="34" charset="0"/>
+              </a:rPr>
+              <a:t> </a:t>
+            </a:r>
+            <a:r>
+              <a:rPr lang="ru-RU" sz="1800" b="0" i="0" u="none" strike="noStrike" dirty="0" err="1">
+                <a:solidFill>
+                  <a:srgbClr val="000000"/>
+                </a:solidFill>
+                <a:effectLst/>
+                <a:latin typeface="Arial" panose="020B0604020202020204" pitchFamily="34" charset="0"/>
+              </a:rPr>
+              <a:t>по-използваема</a:t>
+            </a:r>
+            <a:r>
+              <a:rPr lang="ru-RU" sz="1800" b="0" i="0" u="none" strike="noStrike" dirty="0">
+                <a:solidFill>
+                  <a:srgbClr val="000000"/>
+                </a:solidFill>
+                <a:effectLst/>
+                <a:latin typeface="Arial" panose="020B0604020202020204" pitchFamily="34" charset="0"/>
+              </a:rPr>
+              <a:t> </a:t>
+            </a:r>
+            <a:r>
+              <a:rPr lang="ru-RU" sz="1800" b="0" i="0" u="none" strike="noStrike" dirty="0" err="1">
+                <a:solidFill>
+                  <a:srgbClr val="000000"/>
+                </a:solidFill>
+                <a:effectLst/>
+                <a:latin typeface="Arial" panose="020B0604020202020204" pitchFamily="34" charset="0"/>
+              </a:rPr>
+              <a:t>нашата</a:t>
+            </a:r>
+            <a:r>
+              <a:rPr lang="ru-RU" sz="1800" b="0" i="0" u="none" strike="noStrike" dirty="0">
+                <a:solidFill>
+                  <a:srgbClr val="000000"/>
+                </a:solidFill>
+                <a:effectLst/>
+                <a:latin typeface="Arial" panose="020B0604020202020204" pitchFamily="34" charset="0"/>
+              </a:rPr>
+              <a:t> система, </a:t>
+            </a:r>
+            <a:r>
+              <a:rPr lang="ru-RU" sz="1800" b="0" i="0" u="none" strike="noStrike" dirty="0" err="1">
+                <a:solidFill>
+                  <a:srgbClr val="000000"/>
+                </a:solidFill>
+                <a:effectLst/>
+                <a:latin typeface="Arial" panose="020B0604020202020204" pitchFamily="34" charset="0"/>
+              </a:rPr>
+              <a:t>трябва</a:t>
+            </a:r>
+            <a:r>
+              <a:rPr lang="ru-RU" sz="1800" b="0" i="0" u="none" strike="noStrike" dirty="0">
+                <a:solidFill>
+                  <a:srgbClr val="000000"/>
+                </a:solidFill>
+                <a:effectLst/>
+                <a:latin typeface="Arial" panose="020B0604020202020204" pitchFamily="34" charset="0"/>
+              </a:rPr>
+              <a:t> да се добавят потребители, </a:t>
+            </a:r>
+            <a:r>
+              <a:rPr lang="ru-RU" sz="1800" b="0" i="0" u="none" strike="noStrike" dirty="0" err="1">
+                <a:solidFill>
+                  <a:srgbClr val="000000"/>
+                </a:solidFill>
+                <a:effectLst/>
+                <a:latin typeface="Arial" panose="020B0604020202020204" pitchFamily="34" charset="0"/>
+              </a:rPr>
+              <a:t>като</a:t>
+            </a:r>
+            <a:r>
+              <a:rPr lang="ru-RU" sz="1800" b="0" i="0" u="none" strike="noStrike" dirty="0">
+                <a:solidFill>
+                  <a:srgbClr val="000000"/>
+                </a:solidFill>
+                <a:effectLst/>
+                <a:latin typeface="Arial" panose="020B0604020202020204" pitchFamily="34" charset="0"/>
+              </a:rPr>
+              <a:t> те </a:t>
+            </a:r>
+            <a:r>
+              <a:rPr lang="ru-RU" sz="1800" b="0" i="0" u="none" strike="noStrike" dirty="0" err="1">
+                <a:solidFill>
+                  <a:srgbClr val="000000"/>
+                </a:solidFill>
+                <a:effectLst/>
+                <a:latin typeface="Arial" panose="020B0604020202020204" pitchFamily="34" charset="0"/>
+              </a:rPr>
+              <a:t>съответно</a:t>
+            </a:r>
+            <a:r>
+              <a:rPr lang="ru-RU" sz="1800" b="0" i="0" u="none" strike="noStrike" dirty="0">
+                <a:solidFill>
+                  <a:srgbClr val="000000"/>
+                </a:solidFill>
+                <a:effectLst/>
+                <a:latin typeface="Arial" panose="020B0604020202020204" pitchFamily="34" charset="0"/>
+              </a:rPr>
+              <a:t> </a:t>
+            </a:r>
+            <a:r>
+              <a:rPr lang="ru-RU" sz="1800" b="0" i="0" u="none" strike="noStrike" dirty="0" err="1">
+                <a:solidFill>
+                  <a:srgbClr val="000000"/>
+                </a:solidFill>
+                <a:effectLst/>
+                <a:latin typeface="Arial" panose="020B0604020202020204" pitchFamily="34" charset="0"/>
+              </a:rPr>
+              <a:t>трябва</a:t>
+            </a:r>
+            <a:r>
+              <a:rPr lang="ru-RU" sz="1800" b="0" i="0" u="none" strike="noStrike" dirty="0">
+                <a:solidFill>
+                  <a:srgbClr val="000000"/>
+                </a:solidFill>
+                <a:effectLst/>
+                <a:latin typeface="Arial" panose="020B0604020202020204" pitchFamily="34" charset="0"/>
+              </a:rPr>
+              <a:t> да </a:t>
+            </a:r>
+            <a:r>
+              <a:rPr lang="ru-RU" sz="1800" b="0" i="0" u="none" strike="noStrike" dirty="0" err="1">
+                <a:solidFill>
+                  <a:srgbClr val="000000"/>
+                </a:solidFill>
+                <a:effectLst/>
+                <a:latin typeface="Arial" panose="020B0604020202020204" pitchFamily="34" charset="0"/>
+              </a:rPr>
+              <a:t>виждат</a:t>
+            </a:r>
+            <a:r>
+              <a:rPr lang="ru-RU" sz="1800" b="0" i="0" u="none" strike="noStrike" dirty="0">
+                <a:solidFill>
+                  <a:srgbClr val="000000"/>
+                </a:solidFill>
+                <a:effectLst/>
+                <a:latin typeface="Arial" panose="020B0604020202020204" pitchFamily="34" charset="0"/>
+              </a:rPr>
+              <a:t> </a:t>
+            </a:r>
+            <a:r>
+              <a:rPr lang="ru-RU" sz="1800" b="0" i="0" u="none" strike="noStrike" dirty="0" err="1">
+                <a:solidFill>
+                  <a:srgbClr val="000000"/>
+                </a:solidFill>
+                <a:effectLst/>
+                <a:latin typeface="Arial" panose="020B0604020202020204" pitchFamily="34" charset="0"/>
+              </a:rPr>
+              <a:t>данните</a:t>
+            </a:r>
+            <a:r>
+              <a:rPr lang="ru-RU" sz="1800" b="0" i="0" u="none" strike="noStrike" dirty="0">
+                <a:solidFill>
+                  <a:srgbClr val="000000"/>
+                </a:solidFill>
+                <a:effectLst/>
+                <a:latin typeface="Arial" panose="020B0604020202020204" pitchFamily="34" charset="0"/>
+              </a:rPr>
+              <a:t> само от </a:t>
+            </a:r>
+            <a:r>
+              <a:rPr lang="ru-RU" sz="1800" b="0" i="0" u="none" strike="noStrike" dirty="0" err="1">
+                <a:solidFill>
+                  <a:srgbClr val="000000"/>
+                </a:solidFill>
+                <a:effectLst/>
+                <a:latin typeface="Arial" panose="020B0604020202020204" pitchFamily="34" charset="0"/>
+              </a:rPr>
+              <a:t>определени</a:t>
+            </a:r>
+            <a:r>
+              <a:rPr lang="ru-RU" sz="1800" b="0" i="0" u="none" strike="noStrike" dirty="0">
+                <a:solidFill>
+                  <a:srgbClr val="000000"/>
+                </a:solidFill>
+                <a:effectLst/>
+                <a:latin typeface="Arial" panose="020B0604020202020204" pitchFamily="34" charset="0"/>
+              </a:rPr>
+              <a:t> </a:t>
+            </a:r>
+            <a:r>
+              <a:rPr lang="ru-RU" sz="1800" b="0" i="0" u="none" strike="noStrike" dirty="0" err="1">
+                <a:solidFill>
+                  <a:srgbClr val="000000"/>
+                </a:solidFill>
+                <a:effectLst/>
+                <a:latin typeface="Arial" panose="020B0604020202020204" pitchFamily="34" charset="0"/>
+              </a:rPr>
+              <a:t>сензори</a:t>
+            </a:r>
+            <a:r>
+              <a:rPr lang="ru-RU" sz="1800" b="0" i="0" u="none" strike="noStrike" dirty="0">
+                <a:solidFill>
+                  <a:srgbClr val="000000"/>
+                </a:solidFill>
+                <a:effectLst/>
+                <a:latin typeface="Arial" panose="020B0604020202020204" pitchFamily="34" charset="0"/>
+              </a:rPr>
+              <a:t>.</a:t>
+            </a:r>
+            <a:endParaRPr lang="ru-RU" sz="2800" b="0" dirty="0">
+              <a:effectLst/>
+            </a:endParaRPr>
+          </a:p>
+          <a:p>
+            <a:pPr rtl="0">
+              <a:spcBef>
+                <a:spcPts val="0"/>
+              </a:spcBef>
+              <a:spcAft>
+                <a:spcPts val="0"/>
+              </a:spcAft>
+            </a:pPr>
+            <a:r>
+              <a:rPr lang="ru-RU" sz="1800" b="0" i="0" u="none" strike="noStrike" dirty="0" err="1">
+                <a:solidFill>
+                  <a:srgbClr val="000000"/>
+                </a:solidFill>
+                <a:effectLst/>
+                <a:latin typeface="Arial" panose="020B0604020202020204" pitchFamily="34" charset="0"/>
+              </a:rPr>
+              <a:t>Така</a:t>
+            </a:r>
+            <a:r>
+              <a:rPr lang="ru-RU" sz="1800" b="0" i="0" u="none" strike="noStrike" dirty="0">
+                <a:solidFill>
+                  <a:srgbClr val="000000"/>
+                </a:solidFill>
+                <a:effectLst/>
+                <a:latin typeface="Arial" panose="020B0604020202020204" pitchFamily="34" charset="0"/>
+              </a:rPr>
+              <a:t> </a:t>
+            </a:r>
+            <a:r>
+              <a:rPr lang="ru-RU" sz="1800" b="0" i="0" u="none" strike="noStrike" dirty="0" err="1">
+                <a:solidFill>
+                  <a:srgbClr val="000000"/>
+                </a:solidFill>
+                <a:effectLst/>
+                <a:latin typeface="Arial" panose="020B0604020202020204" pitchFamily="34" charset="0"/>
+              </a:rPr>
+              <a:t>всеки</a:t>
+            </a:r>
+            <a:r>
+              <a:rPr lang="ru-RU" sz="1800" b="0" i="0" u="none" strike="noStrike" dirty="0">
+                <a:solidFill>
+                  <a:srgbClr val="000000"/>
+                </a:solidFill>
+                <a:effectLst/>
+                <a:latin typeface="Arial" panose="020B0604020202020204" pitchFamily="34" charset="0"/>
+              </a:rPr>
+              <a:t> един от </a:t>
+            </a:r>
+            <a:r>
+              <a:rPr lang="ru-RU" sz="1800" b="0" i="0" u="none" strike="noStrike" dirty="0" err="1">
+                <a:solidFill>
+                  <a:srgbClr val="000000"/>
+                </a:solidFill>
+                <a:effectLst/>
+                <a:latin typeface="Arial" panose="020B0604020202020204" pitchFamily="34" charset="0"/>
+              </a:rPr>
+              <a:t>потребителите</a:t>
+            </a:r>
+            <a:r>
+              <a:rPr lang="ru-RU" sz="1800" b="0" i="0" u="none" strike="noStrike" dirty="0">
+                <a:solidFill>
+                  <a:srgbClr val="000000"/>
+                </a:solidFill>
+                <a:effectLst/>
+                <a:latin typeface="Arial" panose="020B0604020202020204" pitchFamily="34" charset="0"/>
+              </a:rPr>
+              <a:t> </a:t>
+            </a:r>
+            <a:r>
+              <a:rPr lang="ru-RU" sz="1800" b="0" i="0" u="none" strike="noStrike" dirty="0" err="1">
+                <a:solidFill>
+                  <a:srgbClr val="000000"/>
+                </a:solidFill>
+                <a:effectLst/>
+                <a:latin typeface="Arial" panose="020B0604020202020204" pitchFamily="34" charset="0"/>
+              </a:rPr>
+              <a:t>ще</a:t>
+            </a:r>
+            <a:r>
+              <a:rPr lang="ru-RU" sz="1800" b="0" i="0" u="none" strike="noStrike" dirty="0">
+                <a:solidFill>
+                  <a:srgbClr val="000000"/>
+                </a:solidFill>
+                <a:effectLst/>
+                <a:latin typeface="Arial" panose="020B0604020202020204" pitchFamily="34" charset="0"/>
+              </a:rPr>
+              <a:t> </a:t>
+            </a:r>
+            <a:r>
+              <a:rPr lang="ru-RU" sz="1800" b="0" i="0" u="none" strike="noStrike" dirty="0" err="1">
+                <a:solidFill>
+                  <a:srgbClr val="000000"/>
+                </a:solidFill>
+                <a:effectLst/>
+                <a:latin typeface="Arial" panose="020B0604020202020204" pitchFamily="34" charset="0"/>
+              </a:rPr>
+              <a:t>виждат</a:t>
+            </a:r>
+            <a:r>
+              <a:rPr lang="ru-RU" sz="1800" b="0" i="0" u="none" strike="noStrike" dirty="0">
+                <a:solidFill>
+                  <a:srgbClr val="000000"/>
+                </a:solidFill>
+                <a:effectLst/>
+                <a:latin typeface="Arial" panose="020B0604020202020204" pitchFamily="34" charset="0"/>
+              </a:rPr>
+              <a:t> само </a:t>
+            </a:r>
+            <a:r>
+              <a:rPr lang="ru-RU" sz="1800" b="0" i="0" u="none" strike="noStrike" dirty="0" err="1">
+                <a:solidFill>
+                  <a:srgbClr val="000000"/>
+                </a:solidFill>
+                <a:effectLst/>
+                <a:latin typeface="Arial" panose="020B0604020202020204" pitchFamily="34" charset="0"/>
+              </a:rPr>
+              <a:t>данните</a:t>
+            </a:r>
+            <a:r>
+              <a:rPr lang="ru-RU" sz="1800" b="0" i="0" u="none" strike="noStrike" dirty="0">
+                <a:solidFill>
+                  <a:srgbClr val="000000"/>
+                </a:solidFill>
+                <a:effectLst/>
+                <a:latin typeface="Arial" panose="020B0604020202020204" pitchFamily="34" charset="0"/>
+              </a:rPr>
+              <a:t>, </a:t>
+            </a:r>
+            <a:r>
+              <a:rPr lang="ru-RU" sz="1800" b="0" i="0" u="none" strike="noStrike" dirty="0" err="1">
+                <a:solidFill>
+                  <a:srgbClr val="000000"/>
+                </a:solidFill>
+                <a:effectLst/>
+                <a:latin typeface="Arial" panose="020B0604020202020204" pitchFamily="34" charset="0"/>
+              </a:rPr>
+              <a:t>които</a:t>
+            </a:r>
+            <a:r>
+              <a:rPr lang="ru-RU" sz="1800" b="0" i="0" u="none" strike="noStrike" dirty="0">
+                <a:solidFill>
+                  <a:srgbClr val="000000"/>
+                </a:solidFill>
+                <a:effectLst/>
+                <a:latin typeface="Arial" panose="020B0604020202020204" pitchFamily="34" charset="0"/>
+              </a:rPr>
+              <a:t> го </a:t>
+            </a:r>
+            <a:r>
+              <a:rPr lang="ru-RU" sz="1800" b="0" i="0" u="none" strike="noStrike" dirty="0" err="1">
+                <a:solidFill>
+                  <a:srgbClr val="000000"/>
+                </a:solidFill>
+                <a:effectLst/>
+                <a:latin typeface="Arial" panose="020B0604020202020204" pitchFamily="34" charset="0"/>
+              </a:rPr>
+              <a:t>интересуват</a:t>
+            </a:r>
+            <a:r>
+              <a:rPr lang="ru-RU" sz="1800" b="0" i="0" u="none" strike="noStrike" dirty="0">
+                <a:solidFill>
+                  <a:srgbClr val="000000"/>
+                </a:solidFill>
+                <a:effectLst/>
+                <a:latin typeface="Arial" panose="020B0604020202020204" pitchFamily="34" charset="0"/>
+              </a:rPr>
+              <a:t>.</a:t>
+            </a:r>
+            <a:endParaRPr lang="ru-RU" sz="2800" b="0" dirty="0">
+              <a:effectLst/>
+            </a:endParaRPr>
+          </a:p>
+          <a:p>
+            <a:pPr rtl="0">
+              <a:spcBef>
+                <a:spcPts val="0"/>
+              </a:spcBef>
+              <a:spcAft>
+                <a:spcPts val="0"/>
+              </a:spcAft>
+            </a:pPr>
+            <a:r>
+              <a:rPr lang="ru-RU" sz="1800" b="0" i="0" u="none" strike="noStrike" dirty="0">
+                <a:solidFill>
+                  <a:srgbClr val="000000"/>
+                </a:solidFill>
+                <a:effectLst/>
+                <a:latin typeface="Arial" panose="020B0604020202020204" pitchFamily="34" charset="0"/>
+              </a:rPr>
+              <a:t>А </a:t>
+            </a:r>
+            <a:r>
+              <a:rPr lang="ru-RU" sz="1800" b="0" i="0" u="none" strike="noStrike" dirty="0" err="1">
+                <a:solidFill>
+                  <a:srgbClr val="000000"/>
+                </a:solidFill>
+                <a:effectLst/>
+                <a:latin typeface="Arial" panose="020B0604020202020204" pitchFamily="34" charset="0"/>
+              </a:rPr>
+              <a:t>самата</a:t>
+            </a:r>
+            <a:r>
+              <a:rPr lang="ru-RU" sz="1800" b="0" i="0" u="none" strike="noStrike" dirty="0">
+                <a:solidFill>
+                  <a:srgbClr val="000000"/>
+                </a:solidFill>
+                <a:effectLst/>
+                <a:latin typeface="Arial" panose="020B0604020202020204" pitchFamily="34" charset="0"/>
+              </a:rPr>
+              <a:t> система </a:t>
+            </a:r>
+            <a:r>
+              <a:rPr lang="ru-RU" sz="1800" b="0" i="0" u="none" strike="noStrike" dirty="0" err="1">
+                <a:solidFill>
+                  <a:srgbClr val="000000"/>
+                </a:solidFill>
+                <a:effectLst/>
+                <a:latin typeface="Arial" panose="020B0604020202020204" pitchFamily="34" charset="0"/>
+              </a:rPr>
+              <a:t>може</a:t>
+            </a:r>
+            <a:r>
+              <a:rPr lang="ru-RU" sz="1800" b="0" i="0" u="none" strike="noStrike" dirty="0">
+                <a:solidFill>
+                  <a:srgbClr val="000000"/>
+                </a:solidFill>
+                <a:effectLst/>
+                <a:latin typeface="Arial" panose="020B0604020202020204" pitchFamily="34" charset="0"/>
+              </a:rPr>
+              <a:t> да се </a:t>
+            </a:r>
+            <a:r>
+              <a:rPr lang="ru-RU" sz="1800" b="0" i="0" u="none" strike="noStrike" dirty="0" err="1">
+                <a:solidFill>
+                  <a:srgbClr val="000000"/>
+                </a:solidFill>
+                <a:effectLst/>
+                <a:latin typeface="Arial" panose="020B0604020202020204" pitchFamily="34" charset="0"/>
+              </a:rPr>
+              <a:t>използва</a:t>
+            </a:r>
+            <a:r>
+              <a:rPr lang="ru-RU" sz="1800" b="0" i="0" u="none" strike="noStrike" dirty="0">
+                <a:solidFill>
+                  <a:srgbClr val="000000"/>
+                </a:solidFill>
+                <a:effectLst/>
+                <a:latin typeface="Arial" panose="020B0604020202020204" pitchFamily="34" charset="0"/>
+              </a:rPr>
+              <a:t> за </a:t>
+            </a:r>
+            <a:r>
+              <a:rPr lang="ru-RU" sz="1800" b="0" i="0" u="none" strike="noStrike" dirty="0" err="1">
+                <a:solidFill>
+                  <a:srgbClr val="000000"/>
+                </a:solidFill>
+                <a:effectLst/>
+                <a:latin typeface="Arial" panose="020B0604020202020204" pitchFamily="34" charset="0"/>
+              </a:rPr>
+              <a:t>намирането</a:t>
+            </a:r>
+            <a:r>
+              <a:rPr lang="ru-RU" sz="1800" b="0" i="0" u="none" strike="noStrike" dirty="0">
+                <a:solidFill>
+                  <a:srgbClr val="000000"/>
+                </a:solidFill>
+                <a:effectLst/>
+                <a:latin typeface="Arial" panose="020B0604020202020204" pitchFamily="34" charset="0"/>
+              </a:rPr>
+              <a:t> на </a:t>
+            </a:r>
+            <a:r>
+              <a:rPr lang="ru-RU" sz="1800" b="0" i="0" u="none" strike="noStrike" dirty="0" err="1">
+                <a:solidFill>
+                  <a:srgbClr val="000000"/>
+                </a:solidFill>
+                <a:effectLst/>
+                <a:latin typeface="Arial" panose="020B0604020202020204" pitchFamily="34" charset="0"/>
+              </a:rPr>
+              <a:t>връзка</a:t>
+            </a:r>
+            <a:r>
+              <a:rPr lang="ru-RU" sz="1800" b="0" i="0" u="none" strike="noStrike" dirty="0">
+                <a:solidFill>
+                  <a:srgbClr val="000000"/>
+                </a:solidFill>
+                <a:effectLst/>
+                <a:latin typeface="Arial" panose="020B0604020202020204" pitchFamily="34" charset="0"/>
+              </a:rPr>
+              <a:t> между </a:t>
+            </a:r>
+            <a:r>
+              <a:rPr lang="ru-RU" sz="1800" b="0" i="0" u="none" strike="noStrike" dirty="0" err="1">
+                <a:solidFill>
+                  <a:srgbClr val="000000"/>
+                </a:solidFill>
+                <a:effectLst/>
+                <a:latin typeface="Arial" panose="020B0604020202020204" pitchFamily="34" charset="0"/>
+              </a:rPr>
+              <a:t>състоянието</a:t>
+            </a:r>
+            <a:r>
+              <a:rPr lang="ru-RU" sz="1800" b="0" i="0" u="none" strike="noStrike" dirty="0">
+                <a:solidFill>
+                  <a:srgbClr val="000000"/>
+                </a:solidFill>
+                <a:effectLst/>
+                <a:latin typeface="Arial" panose="020B0604020202020204" pitchFamily="34" charset="0"/>
+              </a:rPr>
+              <a:t> на </a:t>
+            </a:r>
+            <a:r>
+              <a:rPr lang="ru-RU" sz="1800" b="0" i="0" u="none" strike="noStrike" dirty="0" err="1">
+                <a:solidFill>
+                  <a:srgbClr val="000000"/>
+                </a:solidFill>
+                <a:effectLst/>
+                <a:latin typeface="Arial" panose="020B0604020202020204" pitchFamily="34" charset="0"/>
+              </a:rPr>
+              <a:t>околната</a:t>
+            </a:r>
+            <a:r>
+              <a:rPr lang="ru-RU" sz="1800" b="0" i="0" u="none" strike="noStrike" dirty="0">
+                <a:solidFill>
+                  <a:srgbClr val="000000"/>
+                </a:solidFill>
+                <a:effectLst/>
+                <a:latin typeface="Arial" panose="020B0604020202020204" pitchFamily="34" charset="0"/>
+              </a:rPr>
+              <a:t> среда и </a:t>
+            </a:r>
+            <a:r>
+              <a:rPr lang="ru-RU" sz="1800" b="0" i="0" u="none" strike="noStrike" dirty="0" err="1">
+                <a:solidFill>
+                  <a:srgbClr val="000000"/>
+                </a:solidFill>
+                <a:effectLst/>
+                <a:latin typeface="Arial" panose="020B0604020202020204" pitchFamily="34" charset="0"/>
+              </a:rPr>
+              <a:t>някои</a:t>
+            </a:r>
+            <a:r>
+              <a:rPr lang="ru-RU" sz="1800" b="0" i="0" u="none" strike="noStrike" dirty="0">
+                <a:solidFill>
+                  <a:srgbClr val="000000"/>
+                </a:solidFill>
+                <a:effectLst/>
+                <a:latin typeface="Arial" panose="020B0604020202020204" pitchFamily="34" charset="0"/>
+              </a:rPr>
+              <a:t> </a:t>
+            </a:r>
+            <a:r>
+              <a:rPr lang="ru-RU" sz="1800" b="0" i="0" u="none" strike="noStrike" dirty="0" err="1">
+                <a:solidFill>
+                  <a:srgbClr val="000000"/>
+                </a:solidFill>
+                <a:effectLst/>
+                <a:latin typeface="Arial" panose="020B0604020202020204" pitchFamily="34" charset="0"/>
+              </a:rPr>
+              <a:t>събития</a:t>
+            </a:r>
+            <a:r>
+              <a:rPr lang="ru-RU" sz="1800" b="0" i="0" u="none" strike="noStrike" dirty="0">
+                <a:solidFill>
+                  <a:srgbClr val="000000"/>
+                </a:solidFill>
+                <a:effectLst/>
+                <a:latin typeface="Arial" panose="020B0604020202020204" pitchFamily="34" charset="0"/>
+              </a:rPr>
+              <a:t> </a:t>
+            </a:r>
+            <a:r>
+              <a:rPr lang="ru-RU" sz="1800" b="0" i="0" u="none" strike="noStrike" dirty="0" err="1">
+                <a:solidFill>
+                  <a:srgbClr val="000000"/>
+                </a:solidFill>
+                <a:effectLst/>
+                <a:latin typeface="Arial" panose="020B0604020202020204" pitchFamily="34" charset="0"/>
+              </a:rPr>
+              <a:t>като</a:t>
+            </a:r>
+            <a:r>
+              <a:rPr lang="ru-RU" sz="1800" b="0" i="0" u="none" strike="noStrike" dirty="0">
+                <a:solidFill>
+                  <a:srgbClr val="000000"/>
+                </a:solidFill>
+                <a:effectLst/>
+                <a:latin typeface="Arial" panose="020B0604020202020204" pitchFamily="34" charset="0"/>
+              </a:rPr>
+              <a:t> например </a:t>
+            </a:r>
+            <a:r>
+              <a:rPr lang="ru-RU" sz="1800" b="0" i="0" u="none" strike="noStrike" dirty="0" err="1">
+                <a:solidFill>
+                  <a:srgbClr val="000000"/>
+                </a:solidFill>
+                <a:effectLst/>
+                <a:latin typeface="Arial" panose="020B0604020202020204" pitchFamily="34" charset="0"/>
+              </a:rPr>
+              <a:t>белодробните</a:t>
+            </a:r>
+            <a:r>
+              <a:rPr lang="ru-RU" sz="1800" b="0" i="0" u="none" strike="noStrike" dirty="0">
+                <a:solidFill>
+                  <a:srgbClr val="000000"/>
+                </a:solidFill>
+                <a:effectLst/>
+                <a:latin typeface="Arial" panose="020B0604020202020204" pitchFamily="34" charset="0"/>
+              </a:rPr>
+              <a:t> </a:t>
+            </a:r>
+            <a:r>
+              <a:rPr lang="ru-RU" sz="1800" b="0" i="0" u="none" strike="noStrike" dirty="0" err="1">
+                <a:solidFill>
+                  <a:srgbClr val="000000"/>
+                </a:solidFill>
+                <a:effectLst/>
+                <a:latin typeface="Arial" panose="020B0604020202020204" pitchFamily="34" charset="0"/>
+              </a:rPr>
+              <a:t>заболявания</a:t>
+            </a:r>
+            <a:r>
+              <a:rPr lang="ru-RU" sz="1800" b="0" i="0" u="none" strike="noStrike" dirty="0">
+                <a:solidFill>
+                  <a:srgbClr val="000000"/>
+                </a:solidFill>
+                <a:effectLst/>
+                <a:latin typeface="Arial" panose="020B0604020202020204" pitchFamily="34" charset="0"/>
+              </a:rPr>
+              <a:t> (</a:t>
+            </a:r>
+            <a:r>
+              <a:rPr lang="ru-RU" sz="1800" b="0" i="0" u="none" strike="noStrike" dirty="0" err="1">
+                <a:solidFill>
+                  <a:srgbClr val="000000"/>
+                </a:solidFill>
+                <a:effectLst/>
+                <a:latin typeface="Arial" panose="020B0604020202020204" pitchFamily="34" charset="0"/>
+              </a:rPr>
+              <a:t>единият</a:t>
+            </a:r>
+            <a:r>
+              <a:rPr lang="ru-RU" sz="1800" b="0" i="0" u="none" strike="noStrike" dirty="0">
+                <a:solidFill>
+                  <a:srgbClr val="000000"/>
+                </a:solidFill>
+                <a:effectLst/>
+                <a:latin typeface="Arial" panose="020B0604020202020204" pitchFamily="34" charset="0"/>
+              </a:rPr>
+              <a:t> от </a:t>
+            </a:r>
+            <a:r>
+              <a:rPr lang="ru-RU" sz="1800" b="0" i="0" u="none" strike="noStrike" dirty="0" err="1">
+                <a:solidFill>
+                  <a:srgbClr val="000000"/>
+                </a:solidFill>
+                <a:effectLst/>
+                <a:latin typeface="Arial" panose="020B0604020202020204" pitchFamily="34" charset="0"/>
+              </a:rPr>
+              <a:t>сензорите</a:t>
+            </a:r>
+            <a:r>
+              <a:rPr lang="ru-RU" sz="1800" b="0" i="0" u="none" strike="noStrike" dirty="0">
+                <a:solidFill>
+                  <a:srgbClr val="000000"/>
+                </a:solidFill>
+                <a:effectLst/>
+                <a:latin typeface="Arial" panose="020B0604020202020204" pitchFamily="34" charset="0"/>
+              </a:rPr>
+              <a:t> </a:t>
+            </a:r>
+            <a:r>
+              <a:rPr lang="ru-RU" sz="1800" b="0" i="0" u="none" strike="noStrike" dirty="0" err="1">
+                <a:solidFill>
+                  <a:srgbClr val="000000"/>
+                </a:solidFill>
+                <a:effectLst/>
+                <a:latin typeface="Arial" panose="020B0604020202020204" pitchFamily="34" charset="0"/>
+              </a:rPr>
+              <a:t>поддържа</a:t>
+            </a:r>
+            <a:r>
+              <a:rPr lang="ru-RU" sz="1800" b="0" i="0" u="none" strike="noStrike" dirty="0">
+                <a:solidFill>
+                  <a:srgbClr val="000000"/>
+                </a:solidFill>
+                <a:effectLst/>
+                <a:latin typeface="Arial" panose="020B0604020202020204" pitchFamily="34" charset="0"/>
+              </a:rPr>
+              <a:t> </a:t>
+            </a:r>
+            <a:r>
+              <a:rPr lang="ru-RU" sz="1800" b="0" i="0" u="none" strike="noStrike" dirty="0" err="1">
+                <a:solidFill>
+                  <a:srgbClr val="000000"/>
+                </a:solidFill>
+                <a:effectLst/>
+                <a:latin typeface="Arial" panose="020B0604020202020204" pitchFamily="34" charset="0"/>
+              </a:rPr>
+              <a:t>измервания</a:t>
+            </a:r>
+            <a:r>
+              <a:rPr lang="ru-RU" sz="1800" b="0" i="0" u="none" strike="noStrike" dirty="0">
+                <a:solidFill>
+                  <a:srgbClr val="000000"/>
+                </a:solidFill>
+                <a:effectLst/>
+                <a:latin typeface="Arial" panose="020B0604020202020204" pitchFamily="34" charset="0"/>
+              </a:rPr>
+              <a:t> за </a:t>
+            </a:r>
+            <a:r>
+              <a:rPr lang="ru-RU" sz="1800" b="0" i="0" u="none" strike="noStrike" dirty="0" err="1">
+                <a:solidFill>
+                  <a:srgbClr val="000000"/>
+                </a:solidFill>
+                <a:effectLst/>
+                <a:latin typeface="Arial" panose="020B0604020202020204" pitchFamily="34" charset="0"/>
+              </a:rPr>
+              <a:t>качеството</a:t>
+            </a:r>
+            <a:r>
+              <a:rPr lang="ru-RU" sz="1800" b="0" i="0" u="none" strike="noStrike" dirty="0">
+                <a:solidFill>
+                  <a:srgbClr val="000000"/>
+                </a:solidFill>
+                <a:effectLst/>
+                <a:latin typeface="Arial" panose="020B0604020202020204" pitchFamily="34" charset="0"/>
+              </a:rPr>
+              <a:t> на </a:t>
+            </a:r>
+            <a:r>
+              <a:rPr lang="ru-RU" sz="1800" b="0" i="0" u="none" strike="noStrike" dirty="0" err="1">
+                <a:solidFill>
+                  <a:srgbClr val="000000"/>
+                </a:solidFill>
+                <a:effectLst/>
+                <a:latin typeface="Arial" panose="020B0604020202020204" pitchFamily="34" charset="0"/>
+              </a:rPr>
+              <a:t>въздуха</a:t>
+            </a:r>
+            <a:r>
+              <a:rPr lang="ru-RU" sz="1800" b="0" i="0" u="none" strike="noStrike" dirty="0">
+                <a:solidFill>
+                  <a:srgbClr val="000000"/>
+                </a:solidFill>
+                <a:effectLst/>
+                <a:latin typeface="Arial" panose="020B0604020202020204" pitchFamily="34" charset="0"/>
+              </a:rPr>
+              <a:t> </a:t>
+            </a:r>
+            <a:r>
+              <a:rPr lang="ru-RU" sz="1800" b="0" i="0" u="none" strike="noStrike" dirty="0" err="1">
+                <a:solidFill>
+                  <a:srgbClr val="000000"/>
+                </a:solidFill>
+                <a:effectLst/>
+                <a:latin typeface="Arial" panose="020B0604020202020204" pitchFamily="34" charset="0"/>
+              </a:rPr>
+              <a:t>iaq</a:t>
+            </a:r>
+            <a:r>
+              <a:rPr lang="ru-RU" sz="1800" b="0" i="0" u="none" strike="noStrike" dirty="0">
+                <a:solidFill>
+                  <a:srgbClr val="000000"/>
+                </a:solidFill>
+                <a:effectLst/>
+                <a:latin typeface="Arial" panose="020B0604020202020204" pitchFamily="34" charset="0"/>
+              </a:rPr>
+              <a:t>) или </a:t>
+            </a:r>
+            <a:r>
+              <a:rPr lang="ru-RU" sz="1800" b="0" i="0" u="none" strike="noStrike" dirty="0" err="1">
+                <a:solidFill>
+                  <a:srgbClr val="000000"/>
+                </a:solidFill>
+                <a:effectLst/>
+                <a:latin typeface="Arial" panose="020B0604020202020204" pitchFamily="34" charset="0"/>
+              </a:rPr>
+              <a:t>връзката</a:t>
+            </a:r>
+            <a:r>
+              <a:rPr lang="ru-RU" sz="1800" b="0" i="0" u="none" strike="noStrike" dirty="0">
+                <a:solidFill>
+                  <a:srgbClr val="000000"/>
+                </a:solidFill>
+                <a:effectLst/>
+                <a:latin typeface="Arial" panose="020B0604020202020204" pitchFamily="34" charset="0"/>
+              </a:rPr>
+              <a:t> между </a:t>
+            </a:r>
+            <a:r>
+              <a:rPr lang="ru-RU" sz="1800" b="0" i="0" u="none" strike="noStrike" dirty="0" err="1">
+                <a:solidFill>
+                  <a:srgbClr val="000000"/>
+                </a:solidFill>
+                <a:effectLst/>
+                <a:latin typeface="Arial" panose="020B0604020202020204" pitchFamily="34" charset="0"/>
+              </a:rPr>
+              <a:t>концентрацията</a:t>
+            </a:r>
+            <a:r>
+              <a:rPr lang="ru-RU" sz="1800" b="0" i="0" u="none" strike="noStrike" dirty="0">
+                <a:solidFill>
+                  <a:srgbClr val="000000"/>
+                </a:solidFill>
+                <a:effectLst/>
+                <a:latin typeface="Arial" panose="020B0604020202020204" pitchFamily="34" charset="0"/>
+              </a:rPr>
+              <a:t> на </a:t>
+            </a:r>
+            <a:r>
+              <a:rPr lang="ru-RU" sz="1800" b="0" i="0" u="none" strike="noStrike" dirty="0" err="1">
+                <a:solidFill>
+                  <a:srgbClr val="000000"/>
+                </a:solidFill>
+                <a:effectLst/>
+                <a:latin typeface="Arial" panose="020B0604020202020204" pitchFamily="34" charset="0"/>
+              </a:rPr>
+              <a:t>въглеродния</a:t>
+            </a:r>
+            <a:r>
+              <a:rPr lang="ru-RU" sz="1800" b="0" i="0" u="none" strike="noStrike" dirty="0">
+                <a:solidFill>
+                  <a:srgbClr val="000000"/>
+                </a:solidFill>
+                <a:effectLst/>
+                <a:latin typeface="Arial" panose="020B0604020202020204" pitchFamily="34" charset="0"/>
+              </a:rPr>
+              <a:t> диоксид и </a:t>
+            </a:r>
+            <a:r>
+              <a:rPr lang="ru-RU" sz="1800" b="0" i="0" u="none" strike="noStrike" dirty="0" err="1">
+                <a:solidFill>
+                  <a:srgbClr val="000000"/>
+                </a:solidFill>
+                <a:effectLst/>
+                <a:latin typeface="Arial" panose="020B0604020202020204" pitchFamily="34" charset="0"/>
+              </a:rPr>
+              <a:t>температурата</a:t>
+            </a:r>
+            <a:r>
+              <a:rPr lang="ru-RU" sz="1800" b="0" i="0" u="none" strike="noStrike" dirty="0">
+                <a:solidFill>
+                  <a:srgbClr val="000000"/>
+                </a:solidFill>
+                <a:effectLst/>
+                <a:latin typeface="Arial" panose="020B0604020202020204" pitchFamily="34" charset="0"/>
+              </a:rPr>
+              <a:t>.</a:t>
+            </a:r>
+            <a:endParaRPr lang="ru-RU" sz="2800" b="0" dirty="0">
+              <a:effectLst/>
+            </a:endParaRPr>
+          </a:p>
+          <a:p>
+            <a:pPr rtl="0">
+              <a:spcBef>
+                <a:spcPts val="0"/>
+              </a:spcBef>
+              <a:spcAft>
+                <a:spcPts val="0"/>
+              </a:spcAft>
+            </a:pPr>
+            <a:r>
+              <a:rPr lang="ru-RU" sz="1800" b="0" i="0" u="none" strike="noStrike" dirty="0">
+                <a:solidFill>
+                  <a:srgbClr val="000000"/>
+                </a:solidFill>
+                <a:effectLst/>
+                <a:latin typeface="Arial" panose="020B0604020202020204" pitchFamily="34" charset="0"/>
+              </a:rPr>
+              <a:t>Благодарение на </a:t>
+            </a:r>
+            <a:r>
+              <a:rPr lang="ru-RU" sz="1800" b="0" i="0" u="none" strike="noStrike" dirty="0" err="1">
+                <a:solidFill>
+                  <a:srgbClr val="000000"/>
+                </a:solidFill>
+                <a:effectLst/>
+                <a:latin typeface="Arial" panose="020B0604020202020204" pitchFamily="34" charset="0"/>
+              </a:rPr>
+              <a:t>архитектурата</a:t>
+            </a:r>
+            <a:r>
+              <a:rPr lang="ru-RU" sz="1800" b="0" i="0" u="none" strike="noStrike" dirty="0">
+                <a:solidFill>
+                  <a:srgbClr val="000000"/>
+                </a:solidFill>
+                <a:effectLst/>
+                <a:latin typeface="Arial" panose="020B0604020202020204" pitchFamily="34" charset="0"/>
+              </a:rPr>
+              <a:t> на </a:t>
+            </a:r>
+            <a:r>
+              <a:rPr lang="ru-RU" sz="1800" b="0" i="0" u="none" strike="noStrike" dirty="0" err="1">
+                <a:solidFill>
+                  <a:srgbClr val="000000"/>
+                </a:solidFill>
+                <a:effectLst/>
+                <a:latin typeface="Arial" panose="020B0604020202020204" pitchFamily="34" charset="0"/>
+              </a:rPr>
+              <a:t>системата</a:t>
+            </a:r>
+            <a:r>
+              <a:rPr lang="ru-RU" sz="1800" b="0" i="0" u="none" strike="noStrike" dirty="0">
+                <a:solidFill>
+                  <a:srgbClr val="000000"/>
+                </a:solidFill>
+                <a:effectLst/>
+                <a:latin typeface="Arial" panose="020B0604020202020204" pitchFamily="34" charset="0"/>
+              </a:rPr>
+              <a:t>, </a:t>
+            </a:r>
+            <a:r>
+              <a:rPr lang="ru-RU" sz="1800" b="0" i="0" u="none" strike="noStrike" dirty="0" err="1">
+                <a:solidFill>
+                  <a:srgbClr val="000000"/>
+                </a:solidFill>
+                <a:effectLst/>
+                <a:latin typeface="Arial" panose="020B0604020202020204" pitchFamily="34" charset="0"/>
+              </a:rPr>
+              <a:t>може</a:t>
+            </a:r>
+            <a:r>
+              <a:rPr lang="ru-RU" sz="1800" b="0" i="0" u="none" strike="noStrike" dirty="0">
+                <a:solidFill>
+                  <a:srgbClr val="000000"/>
+                </a:solidFill>
+                <a:effectLst/>
+                <a:latin typeface="Arial" panose="020B0604020202020204" pitchFamily="34" charset="0"/>
+              </a:rPr>
+              <a:t> да се добавят </a:t>
+            </a:r>
+            <a:r>
+              <a:rPr lang="ru-RU" sz="1800" b="0" i="0" u="none" strike="noStrike" dirty="0" err="1">
+                <a:solidFill>
+                  <a:srgbClr val="000000"/>
+                </a:solidFill>
+                <a:effectLst/>
+                <a:latin typeface="Arial" panose="020B0604020202020204" pitchFamily="34" charset="0"/>
+              </a:rPr>
+              <a:t>други</a:t>
+            </a:r>
+            <a:r>
+              <a:rPr lang="ru-RU" sz="1800" b="0" i="0" u="none" strike="noStrike" dirty="0">
+                <a:solidFill>
+                  <a:srgbClr val="000000"/>
+                </a:solidFill>
+                <a:effectLst/>
+                <a:latin typeface="Arial" panose="020B0604020202020204" pitchFamily="34" charset="0"/>
+              </a:rPr>
+              <a:t> </a:t>
+            </a:r>
+            <a:r>
+              <a:rPr lang="ru-RU" sz="1800" b="0" i="0" u="none" strike="noStrike" dirty="0" err="1">
+                <a:solidFill>
+                  <a:srgbClr val="000000"/>
+                </a:solidFill>
+                <a:effectLst/>
+                <a:latin typeface="Arial" panose="020B0604020202020204" pitchFamily="34" charset="0"/>
+              </a:rPr>
+              <a:t>сензори</a:t>
+            </a:r>
+            <a:r>
+              <a:rPr lang="ru-RU" sz="1800" b="0" i="0" u="none" strike="noStrike" dirty="0">
+                <a:solidFill>
+                  <a:srgbClr val="000000"/>
+                </a:solidFill>
+                <a:effectLst/>
+                <a:latin typeface="Arial" panose="020B0604020202020204" pitchFamily="34" charset="0"/>
+              </a:rPr>
+              <a:t>, </a:t>
+            </a:r>
+            <a:r>
+              <a:rPr lang="ru-RU" sz="1800" b="0" i="0" u="none" strike="noStrike" dirty="0" err="1">
+                <a:solidFill>
+                  <a:srgbClr val="000000"/>
+                </a:solidFill>
+                <a:effectLst/>
+                <a:latin typeface="Arial" panose="020B0604020202020204" pitchFamily="34" charset="0"/>
+              </a:rPr>
+              <a:t>които</a:t>
+            </a:r>
+            <a:r>
+              <a:rPr lang="ru-RU" sz="1800" b="0" i="0" u="none" strike="noStrike" dirty="0">
+                <a:solidFill>
+                  <a:srgbClr val="000000"/>
+                </a:solidFill>
+                <a:effectLst/>
+                <a:latin typeface="Arial" panose="020B0604020202020204" pitchFamily="34" charset="0"/>
+              </a:rPr>
+              <a:t> правят </a:t>
+            </a:r>
+            <a:r>
+              <a:rPr lang="ru-RU" sz="1800" b="0" i="0" u="none" strike="noStrike" dirty="0" err="1">
+                <a:solidFill>
+                  <a:srgbClr val="000000"/>
+                </a:solidFill>
+                <a:effectLst/>
+                <a:latin typeface="Arial" panose="020B0604020202020204" pitchFamily="34" charset="0"/>
+              </a:rPr>
+              <a:t>различни</a:t>
+            </a:r>
+            <a:r>
+              <a:rPr lang="ru-RU" sz="1800" b="0" i="0" u="none" strike="noStrike" dirty="0">
+                <a:solidFill>
+                  <a:srgbClr val="000000"/>
+                </a:solidFill>
+                <a:effectLst/>
+                <a:latin typeface="Arial" panose="020B0604020202020204" pitchFamily="34" charset="0"/>
+              </a:rPr>
+              <a:t> </a:t>
+            </a:r>
+            <a:r>
+              <a:rPr lang="ru-RU" sz="1800" b="0" i="0" u="none" strike="noStrike" dirty="0" err="1">
+                <a:solidFill>
+                  <a:srgbClr val="000000"/>
+                </a:solidFill>
+                <a:effectLst/>
+                <a:latin typeface="Arial" panose="020B0604020202020204" pitchFamily="34" charset="0"/>
+              </a:rPr>
+              <a:t>измервания</a:t>
+            </a:r>
+            <a:r>
+              <a:rPr lang="ru-RU" sz="1800" b="0" i="0" u="none" strike="noStrike" dirty="0">
+                <a:solidFill>
+                  <a:srgbClr val="000000"/>
+                </a:solidFill>
+                <a:effectLst/>
+                <a:latin typeface="Arial" panose="020B0604020202020204" pitchFamily="34" charset="0"/>
+              </a:rPr>
+              <a:t> и </a:t>
+            </a:r>
+            <a:r>
+              <a:rPr lang="ru-RU" sz="1800" b="0" i="0" u="none" strike="noStrike" dirty="0" err="1">
+                <a:solidFill>
+                  <a:srgbClr val="000000"/>
+                </a:solidFill>
+                <a:effectLst/>
+                <a:latin typeface="Arial" panose="020B0604020202020204" pitchFamily="34" charset="0"/>
+              </a:rPr>
+              <a:t>веднага</a:t>
+            </a:r>
+            <a:r>
+              <a:rPr lang="ru-RU" sz="1800" b="0" i="0" u="none" strike="noStrike" dirty="0">
+                <a:solidFill>
+                  <a:srgbClr val="000000"/>
+                </a:solidFill>
+                <a:effectLst/>
+                <a:latin typeface="Arial" panose="020B0604020202020204" pitchFamily="34" charset="0"/>
+              </a:rPr>
+              <a:t> да се видят на </a:t>
+            </a:r>
+            <a:r>
+              <a:rPr lang="ru-RU" sz="1800" b="0" i="0" u="none" strike="noStrike" dirty="0" err="1">
+                <a:solidFill>
+                  <a:srgbClr val="000000"/>
+                </a:solidFill>
+                <a:effectLst/>
+                <a:latin typeface="Arial" panose="020B0604020202020204" pitchFamily="34" charset="0"/>
+              </a:rPr>
+              <a:t>крайните</a:t>
+            </a:r>
+            <a:r>
+              <a:rPr lang="ru-RU" sz="1800" b="0" i="0" u="none" strike="noStrike" dirty="0">
+                <a:solidFill>
+                  <a:srgbClr val="000000"/>
+                </a:solidFill>
+                <a:effectLst/>
+                <a:latin typeface="Arial" panose="020B0604020202020204" pitchFamily="34" charset="0"/>
+              </a:rPr>
+              <a:t> </a:t>
+            </a:r>
+            <a:r>
+              <a:rPr lang="ru-RU" sz="1800" b="0" i="0" u="none" strike="noStrike" dirty="0" err="1">
+                <a:solidFill>
+                  <a:srgbClr val="000000"/>
+                </a:solidFill>
+                <a:effectLst/>
+                <a:latin typeface="Arial" panose="020B0604020202020204" pitchFamily="34" charset="0"/>
+              </a:rPr>
+              <a:t>клиентски</a:t>
+            </a:r>
+            <a:r>
+              <a:rPr lang="ru-RU" sz="1800" b="0" i="0" u="none" strike="noStrike" dirty="0">
+                <a:solidFill>
+                  <a:srgbClr val="000000"/>
+                </a:solidFill>
+                <a:effectLst/>
+                <a:latin typeface="Arial" panose="020B0604020202020204" pitchFamily="34" charset="0"/>
+              </a:rPr>
+              <a:t> приложения.</a:t>
+            </a:r>
+            <a:endParaRPr lang="ru-RU" sz="2800" b="0" dirty="0">
+              <a:effectLst/>
+            </a:endParaRPr>
+          </a:p>
+          <a:p>
+            <a:br>
+              <a:rPr lang="ru-RU" sz="2800" dirty="0"/>
+            </a:br>
+            <a:endParaRPr lang="en-US" dirty="0"/>
+          </a:p>
+        </p:txBody>
+      </p:sp>
+      <p:sp>
+        <p:nvSpPr>
+          <p:cNvPr id="4" name="Slide Number Placeholder 3"/>
+          <p:cNvSpPr>
+            <a:spLocks noGrp="1"/>
+          </p:cNvSpPr>
+          <p:nvPr>
+            <p:ph type="sldNum" sz="quarter" idx="5"/>
+          </p:nvPr>
+        </p:nvSpPr>
+        <p:spPr/>
+        <p:txBody>
+          <a:bodyPr/>
+          <a:lstStyle/>
+          <a:p>
+            <a:fld id="{354FBB31-2E76-4A4B-BA94-9E05B09A2BD0}" type="slidenum">
+              <a:rPr lang="en-US" smtClean="0"/>
+              <a:t>15</a:t>
+            </a:fld>
+            <a:endParaRPr lang="en-US"/>
+          </a:p>
+        </p:txBody>
+      </p:sp>
+    </p:spTree>
+    <p:extLst>
+      <p:ext uri="{BB962C8B-B14F-4D97-AF65-F5344CB8AC3E}">
+        <p14:creationId xmlns:p14="http://schemas.microsoft.com/office/powerpoint/2010/main" val="2164075640"/>
+      </p:ext>
+    </p:extLst>
+  </p:cSld>
+  <p:clrMapOvr>
+    <a:masterClrMapping/>
+  </p:clrMapOvr>
+</p:notes>
+</file>
+
+<file path=ppt/notesSlides/notesSlide15.xml><?xml version="1.0" encoding="utf-8"?>
+<p:notes xmlns:a="http://schemas.openxmlformats.org/drawingml/2006/main" xmlns:r="http://schemas.openxmlformats.org/officeDocument/2006/relationships" xmlns:p="http://schemas.openxmlformats.org/presentationml/2006/main">
+  <p:cSld>
+    <p:spTree>
+      <p:nvGrpSpPr>
+        <p:cNvPr id="1" name=""/>
+        <p:cNvGrpSpPr/>
+        <p:nvPr/>
+      </p:nvGrpSpPr>
+      <p:grpSpPr>
+        <a:xfrm>
+          <a:off x="0" y="0"/>
+          <a:ext cx="0" cy="0"/>
+          <a:chOff x="0" y="0"/>
+          <a:chExt cx="0" cy="0"/>
+        </a:xfrm>
+      </p:grpSpPr>
+      <p:sp>
+        <p:nvSpPr>
+          <p:cNvPr id="2" name="Slide Image Placeholder 1"/>
+          <p:cNvSpPr>
+            <a:spLocks noGrp="1" noRot="1" noChangeAspect="1"/>
+          </p:cNvSpPr>
+          <p:nvPr>
+            <p:ph type="sldImg"/>
+          </p:nvPr>
+        </p:nvSpPr>
+        <p:spPr/>
+      </p:sp>
+      <p:sp>
+        <p:nvSpPr>
+          <p:cNvPr id="3" name="Notes Placeholder 2"/>
+          <p:cNvSpPr>
+            <a:spLocks noGrp="1"/>
+          </p:cNvSpPr>
+          <p:nvPr>
+            <p:ph type="body" idx="1"/>
+          </p:nvPr>
+        </p:nvSpPr>
+        <p:spPr/>
+        <p:txBody>
+          <a:bodyPr/>
+          <a:lstStyle/>
+          <a:p>
+            <a:pPr rtl="0">
+              <a:spcBef>
+                <a:spcPts val="0"/>
+              </a:spcBef>
+              <a:spcAft>
+                <a:spcPts val="0"/>
+              </a:spcAft>
+            </a:pPr>
+            <a:r>
+              <a:rPr lang="ru-RU" sz="1800" b="0" i="0" u="none" strike="noStrike" dirty="0" err="1">
+                <a:solidFill>
+                  <a:srgbClr val="000000"/>
+                </a:solidFill>
+                <a:effectLst/>
+                <a:latin typeface="Arial" panose="020B0604020202020204" pitchFamily="34" charset="0"/>
+              </a:rPr>
+              <a:t>Иво</a:t>
+            </a:r>
+            <a:r>
+              <a:rPr lang="ru-RU" sz="1800" b="0" i="0" u="none" strike="noStrike" dirty="0">
+                <a:solidFill>
+                  <a:srgbClr val="000000"/>
+                </a:solidFill>
+                <a:effectLst/>
+                <a:latin typeface="Arial" panose="020B0604020202020204" pitchFamily="34" charset="0"/>
+              </a:rPr>
+              <a:t> Благодарим за </a:t>
+            </a:r>
+            <a:r>
+              <a:rPr lang="ru-RU" sz="1800" b="0" i="0" u="none" strike="noStrike" dirty="0" err="1">
+                <a:solidFill>
+                  <a:srgbClr val="000000"/>
+                </a:solidFill>
+                <a:effectLst/>
+                <a:latin typeface="Arial" panose="020B0604020202020204" pitchFamily="34" charset="0"/>
+              </a:rPr>
+              <a:t>вниманието</a:t>
+            </a:r>
+            <a:r>
+              <a:rPr lang="ru-RU" sz="1800" b="0" i="0" u="none" strike="noStrike" dirty="0">
+                <a:solidFill>
+                  <a:srgbClr val="000000"/>
+                </a:solidFill>
+                <a:effectLst/>
+                <a:latin typeface="Arial" panose="020B0604020202020204" pitchFamily="34" charset="0"/>
+              </a:rPr>
+              <a:t>, и </a:t>
+            </a:r>
+            <a:r>
+              <a:rPr lang="ru-RU" sz="1800" b="0" i="0" u="none" strike="noStrike" dirty="0" err="1">
+                <a:solidFill>
+                  <a:srgbClr val="000000"/>
+                </a:solidFill>
+                <a:effectLst/>
+                <a:latin typeface="Arial" panose="020B0604020202020204" pitchFamily="34" charset="0"/>
+              </a:rPr>
+              <a:t>сега</a:t>
+            </a:r>
+            <a:r>
+              <a:rPr lang="ru-RU" sz="1800" b="0" i="0" u="none" strike="noStrike" dirty="0">
+                <a:solidFill>
+                  <a:srgbClr val="000000"/>
+                </a:solidFill>
+                <a:effectLst/>
+                <a:latin typeface="Arial" panose="020B0604020202020204" pitchFamily="34" charset="0"/>
+              </a:rPr>
+              <a:t> </a:t>
+            </a:r>
+            <a:r>
+              <a:rPr lang="ru-RU" sz="1800" b="0" i="0" u="none" strike="noStrike" dirty="0" err="1">
+                <a:solidFill>
+                  <a:srgbClr val="000000"/>
+                </a:solidFill>
+                <a:effectLst/>
+                <a:latin typeface="Arial" panose="020B0604020202020204" pitchFamily="34" charset="0"/>
+              </a:rPr>
+              <a:t>ако</a:t>
+            </a:r>
+            <a:r>
+              <a:rPr lang="ru-RU" sz="1800" b="0" i="0" u="none" strike="noStrike" dirty="0">
+                <a:solidFill>
+                  <a:srgbClr val="000000"/>
+                </a:solidFill>
+                <a:effectLst/>
+                <a:latin typeface="Arial" panose="020B0604020202020204" pitchFamily="34" charset="0"/>
+              </a:rPr>
+              <a:t> </a:t>
+            </a:r>
+            <a:r>
+              <a:rPr lang="ru-RU" sz="1800" b="0" i="0" u="none" strike="noStrike" dirty="0" err="1">
+                <a:solidFill>
+                  <a:srgbClr val="000000"/>
+                </a:solidFill>
+                <a:effectLst/>
+                <a:latin typeface="Arial" panose="020B0604020202020204" pitchFamily="34" charset="0"/>
+              </a:rPr>
+              <a:t>имате</a:t>
+            </a:r>
+            <a:r>
+              <a:rPr lang="ru-RU" sz="1800" b="0" i="0" u="none" strike="noStrike" dirty="0">
+                <a:solidFill>
+                  <a:srgbClr val="000000"/>
+                </a:solidFill>
+                <a:effectLst/>
+                <a:latin typeface="Arial" panose="020B0604020202020204" pitchFamily="34" charset="0"/>
+              </a:rPr>
+              <a:t> </a:t>
+            </a:r>
+            <a:r>
+              <a:rPr lang="ru-RU" sz="1800" b="0" i="0" u="none" strike="noStrike" dirty="0" err="1">
+                <a:solidFill>
+                  <a:srgbClr val="000000"/>
+                </a:solidFill>
+                <a:effectLst/>
+                <a:latin typeface="Arial" panose="020B0604020202020204" pitchFamily="34" charset="0"/>
+              </a:rPr>
+              <a:t>някакви</a:t>
+            </a:r>
+            <a:r>
+              <a:rPr lang="ru-RU" sz="1800" b="0" i="0" u="none" strike="noStrike" dirty="0">
+                <a:solidFill>
+                  <a:srgbClr val="000000"/>
+                </a:solidFill>
+                <a:effectLst/>
+                <a:latin typeface="Arial" panose="020B0604020202020204" pitchFamily="34" charset="0"/>
+              </a:rPr>
+              <a:t> </a:t>
+            </a:r>
+            <a:r>
+              <a:rPr lang="ru-RU" sz="1800" b="0" i="0" u="none" strike="noStrike" dirty="0" err="1">
+                <a:solidFill>
+                  <a:srgbClr val="000000"/>
+                </a:solidFill>
+                <a:effectLst/>
+                <a:latin typeface="Arial" panose="020B0604020202020204" pitchFamily="34" charset="0"/>
+              </a:rPr>
+              <a:t>въпроси</a:t>
+            </a:r>
+            <a:r>
+              <a:rPr lang="ru-RU" sz="1800" b="0" i="0" u="none" strike="noStrike" dirty="0">
+                <a:solidFill>
+                  <a:srgbClr val="000000"/>
+                </a:solidFill>
+                <a:effectLst/>
+                <a:latin typeface="Arial" panose="020B0604020202020204" pitchFamily="34" charset="0"/>
+              </a:rPr>
+              <a:t> </a:t>
+            </a:r>
+            <a:r>
+              <a:rPr lang="ru-RU" sz="1800" b="0" i="0" u="none" strike="noStrike" dirty="0" err="1">
+                <a:solidFill>
+                  <a:srgbClr val="000000"/>
+                </a:solidFill>
+                <a:effectLst/>
+                <a:latin typeface="Arial" panose="020B0604020202020204" pitchFamily="34" charset="0"/>
+              </a:rPr>
+              <a:t>ще</a:t>
+            </a:r>
+            <a:r>
+              <a:rPr lang="ru-RU" sz="1800" b="0" i="0" u="none" strike="noStrike" dirty="0">
+                <a:solidFill>
+                  <a:srgbClr val="000000"/>
+                </a:solidFill>
+                <a:effectLst/>
+                <a:latin typeface="Arial" panose="020B0604020202020204" pitchFamily="34" charset="0"/>
+              </a:rPr>
+              <a:t> се </a:t>
+            </a:r>
+            <a:r>
+              <a:rPr lang="ru-RU" sz="1800" b="0" i="0" u="none" strike="noStrike" dirty="0" err="1">
+                <a:solidFill>
+                  <a:srgbClr val="000000"/>
+                </a:solidFill>
+                <a:effectLst/>
+                <a:latin typeface="Arial" panose="020B0604020202020204" pitchFamily="34" charset="0"/>
+              </a:rPr>
+              <a:t>радваме</a:t>
+            </a:r>
+            <a:r>
+              <a:rPr lang="ru-RU" sz="1800" b="0" i="0" u="none" strike="noStrike" dirty="0">
+                <a:solidFill>
+                  <a:srgbClr val="000000"/>
+                </a:solidFill>
+                <a:effectLst/>
+                <a:latin typeface="Arial" panose="020B0604020202020204" pitchFamily="34" charset="0"/>
+              </a:rPr>
+              <a:t> да отговорим.</a:t>
+            </a:r>
+            <a:endParaRPr lang="ru-RU" b="0" dirty="0">
+              <a:effectLst/>
+            </a:endParaRPr>
+          </a:p>
+          <a:p>
+            <a:pPr rtl="0">
+              <a:spcBef>
+                <a:spcPts val="0"/>
+              </a:spcBef>
+              <a:spcAft>
+                <a:spcPts val="0"/>
+              </a:spcAft>
+            </a:pPr>
+            <a:br>
+              <a:rPr lang="ru-RU" b="0" dirty="0">
+                <a:effectLst/>
+              </a:rPr>
+            </a:br>
+            <a:r>
+              <a:rPr lang="ru-RU" sz="1800" b="0" i="0" u="none" strike="noStrike" dirty="0">
+                <a:solidFill>
+                  <a:srgbClr val="000000"/>
+                </a:solidFill>
+                <a:effectLst/>
+                <a:latin typeface="Arial" panose="020B0604020202020204" pitchFamily="34" charset="0"/>
+              </a:rPr>
+              <a:t>Имаме един </a:t>
+            </a:r>
+            <a:r>
+              <a:rPr lang="ru-RU" sz="1800" b="0" i="0" u="none" strike="noStrike" dirty="0" err="1">
+                <a:solidFill>
+                  <a:srgbClr val="000000"/>
+                </a:solidFill>
+                <a:effectLst/>
+                <a:latin typeface="Arial" panose="020B0604020202020204" pitchFamily="34" charset="0"/>
+              </a:rPr>
+              <a:t>въпрос</a:t>
+            </a:r>
+            <a:r>
+              <a:rPr lang="ru-RU" sz="1800" b="0" i="0" u="none" strike="noStrike" dirty="0">
+                <a:solidFill>
+                  <a:srgbClr val="000000"/>
+                </a:solidFill>
+                <a:effectLst/>
+                <a:latin typeface="Arial" panose="020B0604020202020204" pitchFamily="34" charset="0"/>
+              </a:rPr>
+              <a:t> </a:t>
+            </a:r>
+            <a:r>
+              <a:rPr lang="ru-RU" sz="1800" b="0" i="0" u="none" strike="noStrike" dirty="0" err="1">
+                <a:solidFill>
+                  <a:srgbClr val="000000"/>
+                </a:solidFill>
+                <a:effectLst/>
+                <a:latin typeface="Arial" panose="020B0604020202020204" pitchFamily="34" charset="0"/>
+              </a:rPr>
+              <a:t>относно</a:t>
+            </a:r>
+            <a:r>
+              <a:rPr lang="ru-RU" sz="1800" b="0" i="0" u="none" strike="noStrike" dirty="0">
+                <a:solidFill>
+                  <a:srgbClr val="000000"/>
+                </a:solidFill>
+                <a:effectLst/>
+                <a:latin typeface="Arial" panose="020B0604020202020204" pitchFamily="34" charset="0"/>
+              </a:rPr>
+              <a:t> </a:t>
+            </a:r>
+            <a:r>
+              <a:rPr lang="ru-RU" sz="1800" b="0" i="0" u="none" strike="noStrike" dirty="0" err="1">
+                <a:solidFill>
+                  <a:srgbClr val="000000"/>
+                </a:solidFill>
+                <a:effectLst/>
+                <a:latin typeface="Arial" panose="020B0604020202020204" pitchFamily="34" charset="0"/>
+              </a:rPr>
+              <a:t>изпита</a:t>
+            </a:r>
+            <a:r>
+              <a:rPr lang="ru-RU" sz="1800" b="0" i="0" u="none" strike="noStrike" dirty="0">
+                <a:solidFill>
+                  <a:srgbClr val="000000"/>
+                </a:solidFill>
+                <a:effectLst/>
+                <a:latin typeface="Arial" panose="020B0604020202020204" pitchFamily="34" charset="0"/>
+              </a:rPr>
+              <a:t>, в </a:t>
+            </a:r>
+            <a:r>
+              <a:rPr lang="ru-RU" sz="1800" b="0" i="0" u="none" strike="noStrike" dirty="0" err="1">
+                <a:solidFill>
+                  <a:srgbClr val="000000"/>
+                </a:solidFill>
+                <a:effectLst/>
+                <a:latin typeface="Arial" panose="020B0604020202020204" pitchFamily="34" charset="0"/>
+              </a:rPr>
+              <a:t>началото</a:t>
+            </a:r>
+            <a:r>
+              <a:rPr lang="ru-RU" sz="1800" b="0" i="0" u="none" strike="noStrike" dirty="0">
+                <a:solidFill>
+                  <a:srgbClr val="000000"/>
+                </a:solidFill>
+                <a:effectLst/>
+                <a:latin typeface="Arial" panose="020B0604020202020204" pitchFamily="34" charset="0"/>
+              </a:rPr>
+              <a:t> на </a:t>
+            </a:r>
+            <a:r>
+              <a:rPr lang="ru-RU" sz="1800" b="0" i="0" u="none" strike="noStrike" dirty="0" err="1">
+                <a:solidFill>
+                  <a:srgbClr val="000000"/>
+                </a:solidFill>
+                <a:effectLst/>
+                <a:latin typeface="Arial" panose="020B0604020202020204" pitchFamily="34" charset="0"/>
+              </a:rPr>
+              <a:t>семестъра</a:t>
+            </a:r>
+            <a:r>
+              <a:rPr lang="ru-RU" sz="1800" b="0" i="0" u="none" strike="noStrike" dirty="0">
+                <a:solidFill>
+                  <a:srgbClr val="000000"/>
+                </a:solidFill>
+                <a:effectLst/>
+                <a:latin typeface="Arial" panose="020B0604020202020204" pitchFamily="34" charset="0"/>
+              </a:rPr>
+              <a:t> </a:t>
+            </a:r>
+            <a:r>
+              <a:rPr lang="ru-RU" sz="1800" b="0" i="0" u="none" strike="noStrike" dirty="0" err="1">
+                <a:solidFill>
+                  <a:srgbClr val="000000"/>
+                </a:solidFill>
+                <a:effectLst/>
+                <a:latin typeface="Arial" panose="020B0604020202020204" pitchFamily="34" charset="0"/>
+              </a:rPr>
+              <a:t>споменахте</a:t>
+            </a:r>
+            <a:r>
+              <a:rPr lang="ru-RU" sz="1800" b="0" i="0" u="none" strike="noStrike" dirty="0">
+                <a:solidFill>
+                  <a:srgbClr val="000000"/>
+                </a:solidFill>
+                <a:effectLst/>
+                <a:latin typeface="Arial" panose="020B0604020202020204" pitchFamily="34" charset="0"/>
+              </a:rPr>
+              <a:t>, че </a:t>
+            </a:r>
+            <a:r>
+              <a:rPr lang="ru-RU" sz="1800" b="0" i="0" u="none" strike="noStrike" dirty="0" err="1">
+                <a:solidFill>
+                  <a:srgbClr val="000000"/>
+                </a:solidFill>
+                <a:effectLst/>
+                <a:latin typeface="Arial" panose="020B0604020202020204" pitchFamily="34" charset="0"/>
+              </a:rPr>
+              <a:t>ако</a:t>
+            </a:r>
+            <a:r>
+              <a:rPr lang="ru-RU" sz="1800" b="0" i="0" u="none" strike="noStrike" dirty="0">
+                <a:solidFill>
+                  <a:srgbClr val="000000"/>
+                </a:solidFill>
+                <a:effectLst/>
+                <a:latin typeface="Arial" panose="020B0604020202020204" pitchFamily="34" charset="0"/>
+              </a:rPr>
+              <a:t> </a:t>
+            </a:r>
+            <a:r>
+              <a:rPr lang="ru-RU" sz="1800" b="0" i="0" u="none" strike="noStrike" dirty="0" err="1">
+                <a:solidFill>
+                  <a:srgbClr val="000000"/>
+                </a:solidFill>
+                <a:effectLst/>
+                <a:latin typeface="Arial" panose="020B0604020202020204" pitchFamily="34" charset="0"/>
+              </a:rPr>
+              <a:t>екип</a:t>
+            </a:r>
+            <a:r>
+              <a:rPr lang="ru-RU" sz="1800" b="0" i="0" u="none" strike="noStrike" dirty="0">
+                <a:solidFill>
+                  <a:srgbClr val="000000"/>
+                </a:solidFill>
+                <a:effectLst/>
+                <a:latin typeface="Arial" panose="020B0604020202020204" pitchFamily="34" charset="0"/>
+              </a:rPr>
+              <a:t> </a:t>
+            </a:r>
+            <a:r>
+              <a:rPr lang="ru-RU" sz="1800" b="0" i="0" u="none" strike="noStrike" dirty="0" err="1">
+                <a:solidFill>
+                  <a:srgbClr val="000000"/>
+                </a:solidFill>
+                <a:effectLst/>
+                <a:latin typeface="Arial" panose="020B0604020202020204" pitchFamily="34" charset="0"/>
+              </a:rPr>
+              <a:t>разработи</a:t>
+            </a:r>
+            <a:r>
+              <a:rPr lang="ru-RU" sz="1800" b="0" i="0" u="none" strike="noStrike" dirty="0">
+                <a:solidFill>
+                  <a:srgbClr val="000000"/>
+                </a:solidFill>
+                <a:effectLst/>
+                <a:latin typeface="Arial" panose="020B0604020202020204" pitchFamily="34" charset="0"/>
+              </a:rPr>
+              <a:t> проект </a:t>
+            </a:r>
+            <a:r>
+              <a:rPr lang="ru-RU" sz="1800" b="0" i="0" u="none" strike="noStrike" dirty="0" err="1">
+                <a:solidFill>
+                  <a:srgbClr val="000000"/>
+                </a:solidFill>
+                <a:effectLst/>
+                <a:latin typeface="Arial" panose="020B0604020202020204" pitchFamily="34" charset="0"/>
+              </a:rPr>
+              <a:t>свързан</a:t>
+            </a:r>
+            <a:r>
+              <a:rPr lang="ru-RU" sz="1800" b="0" i="0" u="none" strike="noStrike" dirty="0">
+                <a:solidFill>
+                  <a:srgbClr val="000000"/>
+                </a:solidFill>
+                <a:effectLst/>
+                <a:latin typeface="Arial" panose="020B0604020202020204" pitchFamily="34" charset="0"/>
+              </a:rPr>
+              <a:t> с целите на Гейт </a:t>
+            </a:r>
+            <a:r>
+              <a:rPr lang="ru-RU" sz="1800" b="0" i="0" u="none" strike="noStrike" dirty="0" err="1">
+                <a:solidFill>
+                  <a:srgbClr val="000000"/>
+                </a:solidFill>
+                <a:effectLst/>
+                <a:latin typeface="Arial" panose="020B0604020202020204" pitchFamily="34" charset="0"/>
+              </a:rPr>
+              <a:t>има</a:t>
+            </a:r>
+            <a:r>
+              <a:rPr lang="ru-RU" sz="1800" b="0" i="0" u="none" strike="noStrike" dirty="0">
+                <a:solidFill>
+                  <a:srgbClr val="000000"/>
+                </a:solidFill>
+                <a:effectLst/>
+                <a:latin typeface="Arial" panose="020B0604020202020204" pitchFamily="34" charset="0"/>
+              </a:rPr>
+              <a:t> </a:t>
+            </a:r>
+            <a:r>
+              <a:rPr lang="ru-RU" sz="1800" b="0" i="0" u="none" strike="noStrike" dirty="0" err="1">
+                <a:solidFill>
+                  <a:srgbClr val="000000"/>
+                </a:solidFill>
+                <a:effectLst/>
+                <a:latin typeface="Arial" panose="020B0604020202020204" pitchFamily="34" charset="0"/>
+              </a:rPr>
+              <a:t>възможност</a:t>
+            </a:r>
+            <a:r>
+              <a:rPr lang="ru-RU" sz="1800" b="0" i="0" u="none" strike="noStrike" dirty="0">
+                <a:solidFill>
+                  <a:srgbClr val="000000"/>
+                </a:solidFill>
+                <a:effectLst/>
+                <a:latin typeface="Arial" panose="020B0604020202020204" pitchFamily="34" charset="0"/>
+              </a:rPr>
+              <a:t> за </a:t>
+            </a:r>
+            <a:r>
+              <a:rPr lang="ru-RU" sz="1800" b="0" i="0" u="none" strike="noStrike" dirty="0" err="1">
+                <a:solidFill>
+                  <a:srgbClr val="000000"/>
+                </a:solidFill>
+                <a:effectLst/>
+                <a:latin typeface="Arial" panose="020B0604020202020204" pitchFamily="34" charset="0"/>
+              </a:rPr>
+              <a:t>освобождаване</a:t>
+            </a:r>
+            <a:r>
+              <a:rPr lang="ru-RU" sz="1800" b="0" i="0" u="none" strike="noStrike" dirty="0">
+                <a:solidFill>
+                  <a:srgbClr val="000000"/>
+                </a:solidFill>
+                <a:effectLst/>
+                <a:latin typeface="Arial" panose="020B0604020202020204" pitchFamily="34" charset="0"/>
+              </a:rPr>
+              <a:t>, в </a:t>
+            </a:r>
+            <a:r>
+              <a:rPr lang="ru-RU" sz="1800" b="0" i="0" u="none" strike="noStrike" dirty="0" err="1">
+                <a:solidFill>
+                  <a:srgbClr val="000000"/>
+                </a:solidFill>
+                <a:effectLst/>
+                <a:latin typeface="Arial" panose="020B0604020202020204" pitchFamily="34" charset="0"/>
+              </a:rPr>
+              <a:t>нашия</a:t>
+            </a:r>
+            <a:r>
+              <a:rPr lang="ru-RU" sz="1800" b="0" i="0" u="none" strike="noStrike" dirty="0">
+                <a:solidFill>
+                  <a:srgbClr val="000000"/>
+                </a:solidFill>
+                <a:effectLst/>
+                <a:latin typeface="Arial" panose="020B0604020202020204" pitchFamily="34" charset="0"/>
+              </a:rPr>
+              <a:t> случай </a:t>
+            </a:r>
+            <a:r>
+              <a:rPr lang="ru-RU" sz="1800" b="0" i="0" u="none" strike="noStrike" dirty="0" err="1">
+                <a:solidFill>
+                  <a:srgbClr val="000000"/>
+                </a:solidFill>
+                <a:effectLst/>
+                <a:latin typeface="Arial" panose="020B0604020202020204" pitchFamily="34" charset="0"/>
+              </a:rPr>
+              <a:t>има</a:t>
+            </a:r>
+            <a:r>
+              <a:rPr lang="ru-RU" sz="1800" b="0" i="0" u="none" strike="noStrike" dirty="0">
+                <a:solidFill>
+                  <a:srgbClr val="000000"/>
+                </a:solidFill>
+                <a:effectLst/>
+                <a:latin typeface="Arial" panose="020B0604020202020204" pitchFamily="34" charset="0"/>
+              </a:rPr>
+              <a:t> ли </a:t>
+            </a:r>
+            <a:r>
+              <a:rPr lang="ru-RU" sz="1800" b="0" i="0" u="none" strike="noStrike" dirty="0" err="1">
+                <a:solidFill>
+                  <a:srgbClr val="000000"/>
+                </a:solidFill>
+                <a:effectLst/>
+                <a:latin typeface="Arial" panose="020B0604020202020204" pitchFamily="34" charset="0"/>
+              </a:rPr>
+              <a:t>таква</a:t>
+            </a:r>
+            <a:r>
+              <a:rPr lang="ru-RU" sz="1800" b="0" i="0" u="none" strike="noStrike" dirty="0">
+                <a:solidFill>
+                  <a:srgbClr val="000000"/>
+                </a:solidFill>
+                <a:effectLst/>
+                <a:latin typeface="Arial" panose="020B0604020202020204" pitchFamily="34" charset="0"/>
+              </a:rPr>
+              <a:t> </a:t>
+            </a:r>
+            <a:r>
+              <a:rPr lang="ru-RU" sz="1800" b="0" i="0" u="none" strike="noStrike" dirty="0" err="1">
+                <a:solidFill>
+                  <a:srgbClr val="000000"/>
+                </a:solidFill>
+                <a:effectLst/>
+                <a:latin typeface="Arial" panose="020B0604020202020204" pitchFamily="34" charset="0"/>
+              </a:rPr>
+              <a:t>възможност</a:t>
+            </a:r>
+            <a:r>
+              <a:rPr lang="ru-RU" sz="1800" b="0" i="0" u="none" strike="noStrike" dirty="0">
+                <a:solidFill>
+                  <a:srgbClr val="000000"/>
+                </a:solidFill>
+                <a:effectLst/>
+                <a:latin typeface="Arial" panose="020B0604020202020204" pitchFamily="34" charset="0"/>
+              </a:rPr>
+              <a:t> или на 3ти </a:t>
+            </a:r>
+            <a:r>
+              <a:rPr lang="ru-RU" sz="1800" b="0" i="0" u="none" strike="noStrike" dirty="0" err="1">
+                <a:solidFill>
+                  <a:srgbClr val="000000"/>
+                </a:solidFill>
+                <a:effectLst/>
+                <a:latin typeface="Arial" panose="020B0604020202020204" pitchFamily="34" charset="0"/>
+              </a:rPr>
+              <a:t>трябва</a:t>
+            </a:r>
+            <a:r>
+              <a:rPr lang="ru-RU" sz="1800" b="0" i="0" u="none" strike="noStrike" dirty="0">
+                <a:solidFill>
+                  <a:srgbClr val="000000"/>
+                </a:solidFill>
+                <a:effectLst/>
+                <a:latin typeface="Arial" panose="020B0604020202020204" pitchFamily="34" charset="0"/>
+              </a:rPr>
+              <a:t> да се явим на </a:t>
+            </a:r>
+            <a:r>
+              <a:rPr lang="ru-RU" sz="1800" b="0" i="0" u="none" strike="noStrike" dirty="0" err="1">
+                <a:solidFill>
+                  <a:srgbClr val="000000"/>
+                </a:solidFill>
+                <a:effectLst/>
+                <a:latin typeface="Arial" panose="020B0604020202020204" pitchFamily="34" charset="0"/>
+              </a:rPr>
+              <a:t>изпит</a:t>
+            </a:r>
+            <a:r>
+              <a:rPr lang="ru-RU" sz="1800" b="0" i="0" u="none" strike="noStrike" dirty="0">
+                <a:solidFill>
+                  <a:srgbClr val="000000"/>
+                </a:solidFill>
+                <a:effectLst/>
+                <a:latin typeface="Arial" panose="020B0604020202020204" pitchFamily="34" charset="0"/>
+              </a:rPr>
+              <a:t>.</a:t>
+            </a:r>
+            <a:endParaRPr lang="ru-RU" b="0" dirty="0">
+              <a:effectLst/>
+            </a:endParaRPr>
+          </a:p>
+          <a:p>
+            <a:br>
+              <a:rPr lang="ru-RU" b="0" dirty="0">
+                <a:effectLst/>
+              </a:rPr>
+            </a:br>
+            <a:br>
+              <a:rPr lang="ru-RU" b="0" dirty="0">
+                <a:effectLst/>
+              </a:rPr>
+            </a:br>
+            <a:endParaRPr lang="en-US" dirty="0"/>
+          </a:p>
+        </p:txBody>
+      </p:sp>
+      <p:sp>
+        <p:nvSpPr>
+          <p:cNvPr id="4" name="Slide Number Placeholder 3"/>
+          <p:cNvSpPr>
+            <a:spLocks noGrp="1"/>
+          </p:cNvSpPr>
+          <p:nvPr>
+            <p:ph type="sldNum" sz="quarter" idx="5"/>
+          </p:nvPr>
+        </p:nvSpPr>
+        <p:spPr/>
+        <p:txBody>
+          <a:bodyPr/>
+          <a:lstStyle/>
+          <a:p>
+            <a:fld id="{354FBB31-2E76-4A4B-BA94-9E05B09A2BD0}" type="slidenum">
+              <a:rPr lang="en-US" smtClean="0"/>
+              <a:t>16</a:t>
+            </a:fld>
+            <a:endParaRPr lang="en-US"/>
+          </a:p>
+        </p:txBody>
+      </p:sp>
+    </p:spTree>
+    <p:extLst>
+      <p:ext uri="{BB962C8B-B14F-4D97-AF65-F5344CB8AC3E}">
+        <p14:creationId xmlns:p14="http://schemas.microsoft.com/office/powerpoint/2010/main" val="958623606"/>
+      </p:ext>
+    </p:extLst>
+  </p:cSld>
+  <p:clrMapOvr>
+    <a:masterClrMapping/>
+  </p:clrMapOvr>
+</p:notes>
+</file>
+
+<file path=ppt/notesSlides/notesSlide2.xml><?xml version="1.0" encoding="utf-8"?>
+<p:notes xmlns:a="http://schemas.openxmlformats.org/drawingml/2006/main" xmlns:r="http://schemas.openxmlformats.org/officeDocument/2006/relationships" xmlns:p="http://schemas.openxmlformats.org/presentationml/2006/main">
+  <p:cSld>
+    <p:spTree>
+      <p:nvGrpSpPr>
+        <p:cNvPr id="1" name=""/>
+        <p:cNvGrpSpPr/>
+        <p:nvPr/>
+      </p:nvGrpSpPr>
+      <p:grpSpPr>
+        <a:xfrm>
+          <a:off x="0" y="0"/>
+          <a:ext cx="0" cy="0"/>
+          <a:chOff x="0" y="0"/>
+          <a:chExt cx="0" cy="0"/>
+        </a:xfrm>
+      </p:grpSpPr>
+      <p:sp>
+        <p:nvSpPr>
+          <p:cNvPr id="2" name="Slide Image Placeholder 1"/>
+          <p:cNvSpPr>
+            <a:spLocks noGrp="1" noRot="1" noChangeAspect="1"/>
+          </p:cNvSpPr>
+          <p:nvPr>
+            <p:ph type="sldImg"/>
+          </p:nvPr>
+        </p:nvSpPr>
+        <p:spPr/>
+      </p:sp>
+      <p:sp>
+        <p:nvSpPr>
+          <p:cNvPr id="3" name="Notes Placeholder 2"/>
+          <p:cNvSpPr>
+            <a:spLocks noGrp="1"/>
+          </p:cNvSpPr>
+          <p:nvPr>
+            <p:ph type="body" idx="1"/>
+          </p:nvPr>
+        </p:nvSpPr>
+        <p:spPr/>
+        <p:txBody>
+          <a:bodyPr/>
+          <a:lstStyle/>
+          <a:p>
+            <a:pPr rtl="0">
+              <a:spcBef>
+                <a:spcPts val="0"/>
+              </a:spcBef>
+              <a:spcAft>
+                <a:spcPts val="0"/>
+              </a:spcAft>
+            </a:pPr>
+            <a:r>
+              <a:rPr lang="ru-RU" sz="1800" b="0" i="0" u="none" strike="noStrike" dirty="0">
+                <a:solidFill>
+                  <a:srgbClr val="000000"/>
+                </a:solidFill>
+                <a:effectLst/>
+                <a:latin typeface="Arial" panose="020B0604020202020204" pitchFamily="34" charset="0"/>
+              </a:rPr>
+              <a:t>Никола </a:t>
+            </a:r>
+            <a:r>
+              <a:rPr lang="ru-RU" sz="1800" b="0" i="0" u="none" strike="noStrike" dirty="0" err="1">
+                <a:solidFill>
+                  <a:srgbClr val="000000"/>
+                </a:solidFill>
+                <a:effectLst/>
+                <a:latin typeface="Arial" panose="020B0604020202020204" pitchFamily="34" charset="0"/>
+              </a:rPr>
+              <a:t>Основните</a:t>
+            </a:r>
+            <a:r>
+              <a:rPr lang="ru-RU" sz="1800" b="0" i="0" u="none" strike="noStrike" dirty="0">
+                <a:solidFill>
+                  <a:srgbClr val="000000"/>
+                </a:solidFill>
+                <a:effectLst/>
+                <a:latin typeface="Arial" panose="020B0604020202020204" pitchFamily="34" charset="0"/>
+              </a:rPr>
+              <a:t> точки </a:t>
+            </a:r>
+            <a:r>
+              <a:rPr lang="ru-RU" sz="1800" b="0" i="0" u="none" strike="noStrike" dirty="0" err="1">
+                <a:solidFill>
+                  <a:srgbClr val="000000"/>
+                </a:solidFill>
+                <a:effectLst/>
+                <a:latin typeface="Arial" panose="020B0604020202020204" pitchFamily="34" charset="0"/>
+              </a:rPr>
+              <a:t>които</a:t>
+            </a:r>
+            <a:r>
+              <a:rPr lang="ru-RU" sz="1800" b="0" i="0" u="none" strike="noStrike" dirty="0">
+                <a:solidFill>
+                  <a:srgbClr val="000000"/>
+                </a:solidFill>
+                <a:effectLst/>
+                <a:latin typeface="Arial" panose="020B0604020202020204" pitchFamily="34" charset="0"/>
+              </a:rPr>
+              <a:t> </a:t>
+            </a:r>
+            <a:r>
+              <a:rPr lang="ru-RU" sz="1800" b="0" i="0" u="none" strike="noStrike" dirty="0" err="1">
+                <a:solidFill>
+                  <a:srgbClr val="000000"/>
+                </a:solidFill>
+                <a:effectLst/>
+                <a:latin typeface="Arial" panose="020B0604020202020204" pitchFamily="34" charset="0"/>
+              </a:rPr>
+              <a:t>искаме</a:t>
+            </a:r>
+            <a:r>
+              <a:rPr lang="ru-RU" sz="1800" b="0" i="0" u="none" strike="noStrike" dirty="0">
+                <a:solidFill>
+                  <a:srgbClr val="000000"/>
+                </a:solidFill>
+                <a:effectLst/>
+                <a:latin typeface="Arial" panose="020B0604020202020204" pitchFamily="34" charset="0"/>
+              </a:rPr>
+              <a:t> да </a:t>
+            </a:r>
+            <a:r>
+              <a:rPr lang="ru-RU" sz="1800" b="0" i="0" u="none" strike="noStrike" dirty="0" err="1">
+                <a:solidFill>
+                  <a:srgbClr val="000000"/>
+                </a:solidFill>
+                <a:effectLst/>
+                <a:latin typeface="Arial" panose="020B0604020202020204" pitchFamily="34" charset="0"/>
+              </a:rPr>
+              <a:t>покрием</a:t>
+            </a:r>
+            <a:r>
+              <a:rPr lang="ru-RU" sz="1800" b="0" i="0" u="none" strike="noStrike" dirty="0">
+                <a:solidFill>
+                  <a:srgbClr val="000000"/>
+                </a:solidFill>
+                <a:effectLst/>
+                <a:latin typeface="Arial" panose="020B0604020202020204" pitchFamily="34" charset="0"/>
+              </a:rPr>
+              <a:t> </a:t>
+            </a:r>
+            <a:r>
+              <a:rPr lang="ru-RU" sz="1800" b="0" i="0" u="none" strike="noStrike" dirty="0" err="1">
+                <a:solidFill>
+                  <a:srgbClr val="000000"/>
+                </a:solidFill>
+                <a:effectLst/>
+                <a:latin typeface="Arial" panose="020B0604020202020204" pitchFamily="34" charset="0"/>
+              </a:rPr>
+              <a:t>са</a:t>
+            </a:r>
+            <a:r>
+              <a:rPr lang="ru-RU" sz="1800" b="0" i="0" u="none" strike="noStrike" dirty="0">
+                <a:solidFill>
+                  <a:srgbClr val="000000"/>
+                </a:solidFill>
+                <a:effectLst/>
+                <a:latin typeface="Arial" panose="020B0604020202020204" pitchFamily="34" charset="0"/>
+              </a:rPr>
+              <a:t>: &lt;</a:t>
+            </a:r>
+            <a:r>
+              <a:rPr lang="ru-RU" sz="1800" b="0" i="0" u="none" strike="noStrike" dirty="0" err="1">
+                <a:solidFill>
+                  <a:srgbClr val="000000"/>
+                </a:solidFill>
+                <a:effectLst/>
+                <a:latin typeface="Arial" panose="020B0604020202020204" pitchFamily="34" charset="0"/>
+              </a:rPr>
+              <a:t>изреждане</a:t>
+            </a:r>
+            <a:r>
+              <a:rPr lang="ru-RU" sz="1800" b="0" i="0" u="none" strike="noStrike" dirty="0">
+                <a:solidFill>
+                  <a:srgbClr val="000000"/>
+                </a:solidFill>
+                <a:effectLst/>
+                <a:latin typeface="Arial" panose="020B0604020202020204" pitchFamily="34" charset="0"/>
+              </a:rPr>
+              <a:t>&gt;</a:t>
+            </a:r>
+            <a:endParaRPr lang="ru-RU" b="0" dirty="0">
+              <a:effectLst/>
+            </a:endParaRPr>
+          </a:p>
+          <a:p>
+            <a:br>
+              <a:rPr lang="ru-RU" dirty="0"/>
+            </a:br>
+            <a:endParaRPr lang="en-US" dirty="0"/>
+          </a:p>
+        </p:txBody>
+      </p:sp>
+      <p:sp>
+        <p:nvSpPr>
+          <p:cNvPr id="4" name="Slide Number Placeholder 3"/>
+          <p:cNvSpPr>
+            <a:spLocks noGrp="1"/>
+          </p:cNvSpPr>
+          <p:nvPr>
+            <p:ph type="sldNum" sz="quarter" idx="5"/>
+          </p:nvPr>
+        </p:nvSpPr>
+        <p:spPr/>
+        <p:txBody>
+          <a:bodyPr/>
+          <a:lstStyle/>
+          <a:p>
+            <a:fld id="{354FBB31-2E76-4A4B-BA94-9E05B09A2BD0}" type="slidenum">
+              <a:rPr lang="en-US" smtClean="0"/>
+              <a:t>2</a:t>
+            </a:fld>
+            <a:endParaRPr lang="en-US"/>
+          </a:p>
+        </p:txBody>
+      </p:sp>
+    </p:spTree>
+    <p:extLst>
+      <p:ext uri="{BB962C8B-B14F-4D97-AF65-F5344CB8AC3E}">
+        <p14:creationId xmlns:p14="http://schemas.microsoft.com/office/powerpoint/2010/main" val="1467323541"/>
+      </p:ext>
+    </p:extLst>
+  </p:cSld>
+  <p:clrMapOvr>
+    <a:masterClrMapping/>
+  </p:clrMapOvr>
+</p:notes>
+</file>
+
+<file path=ppt/notesSlides/notesSlide3.xml><?xml version="1.0" encoding="utf-8"?>
+<p:notes xmlns:a="http://schemas.openxmlformats.org/drawingml/2006/main" xmlns:r="http://schemas.openxmlformats.org/officeDocument/2006/relationships" xmlns:p="http://schemas.openxmlformats.org/presentationml/2006/main">
+  <p:cSld>
+    <p:spTree>
+      <p:nvGrpSpPr>
+        <p:cNvPr id="1" name=""/>
+        <p:cNvGrpSpPr/>
+        <p:nvPr/>
+      </p:nvGrpSpPr>
+      <p:grpSpPr>
+        <a:xfrm>
+          <a:off x="0" y="0"/>
+          <a:ext cx="0" cy="0"/>
+          <a:chOff x="0" y="0"/>
+          <a:chExt cx="0" cy="0"/>
+        </a:xfrm>
+      </p:grpSpPr>
+      <p:sp>
+        <p:nvSpPr>
+          <p:cNvPr id="2" name="Slide Image Placeholder 1"/>
+          <p:cNvSpPr>
+            <a:spLocks noGrp="1" noRot="1" noChangeAspect="1"/>
+          </p:cNvSpPr>
+          <p:nvPr>
+            <p:ph type="sldImg"/>
+          </p:nvPr>
+        </p:nvSpPr>
+        <p:spPr/>
+      </p:sp>
+      <p:sp>
+        <p:nvSpPr>
+          <p:cNvPr id="3" name="Notes Placeholder 2"/>
+          <p:cNvSpPr>
+            <a:spLocks noGrp="1"/>
+          </p:cNvSpPr>
+          <p:nvPr>
+            <p:ph type="body" idx="1"/>
+          </p:nvPr>
+        </p:nvSpPr>
+        <p:spPr/>
+        <p:txBody>
+          <a:bodyPr/>
+          <a:lstStyle/>
+          <a:p>
+            <a:pPr rtl="0">
+              <a:spcBef>
+                <a:spcPts val="0"/>
+              </a:spcBef>
+              <a:spcAft>
+                <a:spcPts val="0"/>
+              </a:spcAft>
+            </a:pPr>
+            <a:r>
+              <a:rPr lang="ru-RU" sz="1800" b="0" i="0" u="none" strike="noStrike" dirty="0">
+                <a:solidFill>
+                  <a:srgbClr val="000000"/>
+                </a:solidFill>
+                <a:effectLst/>
+                <a:latin typeface="Arial" panose="020B0604020202020204" pitchFamily="34" charset="0"/>
+              </a:rPr>
+              <a:t>Никола  </a:t>
+            </a:r>
+            <a:r>
+              <a:rPr lang="ru-RU" sz="1800" b="0" i="0" u="none" strike="noStrike" dirty="0">
+                <a:solidFill>
+                  <a:srgbClr val="434343"/>
+                </a:solidFill>
+                <a:effectLst/>
+                <a:latin typeface="Arial" panose="020B0604020202020204" pitchFamily="34" charset="0"/>
+              </a:rPr>
+              <a:t>При </a:t>
+            </a:r>
+            <a:r>
+              <a:rPr lang="ru-RU" sz="1800" b="0" i="0" u="none" strike="noStrike" dirty="0" err="1">
+                <a:solidFill>
+                  <a:srgbClr val="434343"/>
+                </a:solidFill>
+                <a:effectLst/>
+                <a:latin typeface="Arial" panose="020B0604020202020204" pitchFamily="34" charset="0"/>
+              </a:rPr>
+              <a:t>проувчване</a:t>
+            </a:r>
+            <a:r>
+              <a:rPr lang="ru-RU" sz="1800" b="0" i="0" u="none" strike="noStrike" dirty="0">
+                <a:solidFill>
+                  <a:srgbClr val="434343"/>
+                </a:solidFill>
+                <a:effectLst/>
+                <a:latin typeface="Arial" panose="020B0604020202020204" pitchFamily="34" charset="0"/>
+              </a:rPr>
+              <a:t> на </a:t>
+            </a:r>
+            <a:r>
+              <a:rPr lang="ru-RU" sz="1800" b="0" i="0" u="none" strike="noStrike" dirty="0" err="1">
+                <a:solidFill>
+                  <a:srgbClr val="434343"/>
+                </a:solidFill>
+                <a:effectLst/>
+                <a:latin typeface="Arial" panose="020B0604020202020204" pitchFamily="34" charset="0"/>
+              </a:rPr>
+              <a:t>възможни</a:t>
+            </a:r>
+            <a:r>
+              <a:rPr lang="ru-RU" sz="1800" b="0" i="0" u="none" strike="noStrike" dirty="0">
+                <a:solidFill>
+                  <a:srgbClr val="434343"/>
+                </a:solidFill>
+                <a:effectLst/>
+                <a:latin typeface="Arial" panose="020B0604020202020204" pitchFamily="34" charset="0"/>
+              </a:rPr>
+              <a:t> теми за проект, с </a:t>
+            </a:r>
+            <a:r>
+              <a:rPr lang="ru-RU" sz="1800" b="0" i="0" u="none" strike="noStrike" dirty="0" err="1">
+                <a:solidFill>
+                  <a:srgbClr val="434343"/>
+                </a:solidFill>
+                <a:effectLst/>
+                <a:latin typeface="Arial" panose="020B0604020202020204" pitchFamily="34" charset="0"/>
+              </a:rPr>
+              <a:t>колегата</a:t>
+            </a:r>
+            <a:r>
+              <a:rPr lang="ru-RU" sz="1800" b="0" i="0" u="none" strike="noStrike" dirty="0">
+                <a:solidFill>
+                  <a:srgbClr val="434343"/>
+                </a:solidFill>
+                <a:effectLst/>
+                <a:latin typeface="Arial" panose="020B0604020202020204" pitchFamily="34" charset="0"/>
+              </a:rPr>
+              <a:t> </a:t>
+            </a:r>
+            <a:r>
+              <a:rPr lang="ru-RU" sz="1800" b="0" i="0" u="none" strike="noStrike" dirty="0" err="1">
+                <a:solidFill>
+                  <a:srgbClr val="434343"/>
+                </a:solidFill>
+                <a:effectLst/>
+                <a:latin typeface="Arial" panose="020B0604020202020204" pitchFamily="34" charset="0"/>
+              </a:rPr>
+              <a:t>Ивайло</a:t>
+            </a:r>
+            <a:r>
+              <a:rPr lang="ru-RU" sz="1800" b="0" i="0" u="none" strike="noStrike" dirty="0">
+                <a:solidFill>
+                  <a:srgbClr val="434343"/>
+                </a:solidFill>
+                <a:effectLst/>
+                <a:latin typeface="Arial" panose="020B0604020202020204" pitchFamily="34" charset="0"/>
+              </a:rPr>
+              <a:t> </a:t>
+            </a:r>
+            <a:r>
+              <a:rPr lang="ru-RU" sz="1800" b="0" i="0" u="none" strike="noStrike" dirty="0" err="1">
+                <a:solidFill>
+                  <a:srgbClr val="434343"/>
+                </a:solidFill>
+                <a:effectLst/>
+                <a:latin typeface="Arial" panose="020B0604020202020204" pitchFamily="34" charset="0"/>
+              </a:rPr>
+              <a:t>бяхме</a:t>
+            </a:r>
+            <a:r>
+              <a:rPr lang="ru-RU" sz="1800" b="0" i="0" u="none" strike="noStrike" dirty="0">
+                <a:solidFill>
+                  <a:srgbClr val="434343"/>
+                </a:solidFill>
+                <a:effectLst/>
+                <a:latin typeface="Arial" panose="020B0604020202020204" pitchFamily="34" charset="0"/>
+              </a:rPr>
+              <a:t> </a:t>
+            </a:r>
+            <a:r>
+              <a:rPr lang="ru-RU" sz="1800" b="0" i="0" u="none" strike="noStrike" dirty="0" err="1">
+                <a:solidFill>
+                  <a:srgbClr val="434343"/>
+                </a:solidFill>
+                <a:effectLst/>
+                <a:latin typeface="Arial" panose="020B0604020202020204" pitchFamily="34" charset="0"/>
+              </a:rPr>
+              <a:t>вдъхновени</a:t>
+            </a:r>
+            <a:r>
+              <a:rPr lang="ru-RU" sz="1800" b="0" i="0" u="none" strike="noStrike" dirty="0">
+                <a:solidFill>
+                  <a:srgbClr val="434343"/>
+                </a:solidFill>
+                <a:effectLst/>
+                <a:latin typeface="Arial" panose="020B0604020202020204" pitchFamily="34" charset="0"/>
+              </a:rPr>
+              <a:t> от </a:t>
+            </a:r>
+            <a:r>
+              <a:rPr lang="ru-RU" sz="1800" b="0" i="0" u="none" strike="noStrike" dirty="0" err="1">
+                <a:solidFill>
+                  <a:srgbClr val="434343"/>
+                </a:solidFill>
+                <a:effectLst/>
+                <a:latin typeface="Arial" panose="020B0604020202020204" pitchFamily="34" charset="0"/>
+              </a:rPr>
+              <a:t>частта</a:t>
+            </a:r>
+            <a:r>
+              <a:rPr lang="ru-RU" sz="1800" b="0" i="0" u="none" strike="noStrike" dirty="0">
+                <a:solidFill>
+                  <a:srgbClr val="434343"/>
+                </a:solidFill>
+                <a:effectLst/>
+                <a:latin typeface="Arial" panose="020B0604020202020204" pitchFamily="34" charset="0"/>
+              </a:rPr>
+              <a:t> на Гейт проекта </a:t>
+            </a:r>
+            <a:r>
+              <a:rPr lang="ru-RU" sz="1800" b="0" i="0" u="none" strike="noStrike" dirty="0" err="1">
+                <a:solidFill>
+                  <a:srgbClr val="434343"/>
+                </a:solidFill>
+                <a:effectLst/>
+                <a:latin typeface="Arial" panose="020B0604020202020204" pitchFamily="34" charset="0"/>
+              </a:rPr>
+              <a:t>свързана</a:t>
+            </a:r>
+            <a:r>
+              <a:rPr lang="ru-RU" sz="1800" b="0" i="0" u="none" strike="noStrike" dirty="0">
+                <a:solidFill>
+                  <a:srgbClr val="434343"/>
+                </a:solidFill>
+                <a:effectLst/>
+                <a:latin typeface="Arial" panose="020B0604020202020204" pitchFamily="34" charset="0"/>
+              </a:rPr>
+              <a:t> с </a:t>
+            </a:r>
+            <a:r>
+              <a:rPr lang="ru-RU" sz="1800" b="0" i="0" u="none" strike="noStrike" dirty="0" err="1">
+                <a:solidFill>
+                  <a:srgbClr val="434343"/>
+                </a:solidFill>
+                <a:effectLst/>
+                <a:latin typeface="Arial" panose="020B0604020202020204" pitchFamily="34" charset="0"/>
+              </a:rPr>
+              <a:t>градовете</a:t>
+            </a:r>
+            <a:r>
+              <a:rPr lang="ru-RU" sz="1800" b="0" i="0" u="none" strike="noStrike" dirty="0">
+                <a:solidFill>
+                  <a:srgbClr val="434343"/>
+                </a:solidFill>
+                <a:effectLst/>
+                <a:latin typeface="Arial" panose="020B0604020202020204" pitchFamily="34" charset="0"/>
+              </a:rPr>
+              <a:t> на </a:t>
+            </a:r>
+            <a:r>
+              <a:rPr lang="ru-RU" sz="1800" b="0" i="0" u="none" strike="noStrike" dirty="0" err="1">
+                <a:solidFill>
+                  <a:srgbClr val="434343"/>
+                </a:solidFill>
+                <a:effectLst/>
+                <a:latin typeface="Arial" panose="020B0604020202020204" pitchFamily="34" charset="0"/>
+              </a:rPr>
+              <a:t>бъдещето</a:t>
+            </a:r>
+            <a:r>
+              <a:rPr lang="ru-RU" sz="1800" b="0" i="0" u="none" strike="noStrike" dirty="0">
+                <a:solidFill>
+                  <a:srgbClr val="434343"/>
+                </a:solidFill>
+                <a:effectLst/>
+                <a:latin typeface="Arial" panose="020B0604020202020204" pitchFamily="34" charset="0"/>
+              </a:rPr>
+              <a:t>. След </a:t>
+            </a:r>
+            <a:r>
+              <a:rPr lang="ru-RU" sz="1800" b="0" i="0" u="none" strike="noStrike" dirty="0" err="1">
+                <a:solidFill>
+                  <a:srgbClr val="434343"/>
+                </a:solidFill>
+                <a:effectLst/>
+                <a:latin typeface="Arial" panose="020B0604020202020204" pitchFamily="34" charset="0"/>
+              </a:rPr>
+              <a:t>проучване</a:t>
+            </a:r>
+            <a:r>
+              <a:rPr lang="ru-RU" sz="1800" b="0" i="0" u="none" strike="noStrike" dirty="0">
+                <a:solidFill>
+                  <a:srgbClr val="434343"/>
+                </a:solidFill>
+                <a:effectLst/>
+                <a:latin typeface="Arial" panose="020B0604020202020204" pitchFamily="34" charset="0"/>
+              </a:rPr>
+              <a:t> на </a:t>
+            </a:r>
+            <a:r>
+              <a:rPr lang="ru-RU" sz="1800" b="0" i="0" u="none" strike="noStrike" dirty="0" err="1">
+                <a:solidFill>
+                  <a:srgbClr val="434343"/>
+                </a:solidFill>
+                <a:effectLst/>
+                <a:latin typeface="Arial" panose="020B0604020202020204" pitchFamily="34" charset="0"/>
+              </a:rPr>
+              <a:t>темата</a:t>
+            </a:r>
+            <a:r>
+              <a:rPr lang="ru-RU" sz="1800" b="0" i="0" u="none" strike="noStrike" dirty="0">
+                <a:solidFill>
+                  <a:srgbClr val="434343"/>
+                </a:solidFill>
+                <a:effectLst/>
+                <a:latin typeface="Arial" panose="020B0604020202020204" pitchFamily="34" charset="0"/>
+              </a:rPr>
+              <a:t> </a:t>
+            </a:r>
+            <a:r>
+              <a:rPr lang="ru-RU" sz="1800" b="0" i="0" u="none" strike="noStrike" dirty="0" err="1">
+                <a:solidFill>
+                  <a:srgbClr val="434343"/>
+                </a:solidFill>
+                <a:effectLst/>
+                <a:latin typeface="Arial" panose="020B0604020202020204" pitchFamily="34" charset="0"/>
+              </a:rPr>
+              <a:t>решихме</a:t>
+            </a:r>
+            <a:r>
+              <a:rPr lang="ru-RU" sz="1800" b="0" i="0" u="none" strike="noStrike" dirty="0">
+                <a:solidFill>
+                  <a:srgbClr val="434343"/>
+                </a:solidFill>
+                <a:effectLst/>
+                <a:latin typeface="Arial" panose="020B0604020202020204" pitchFamily="34" charset="0"/>
+              </a:rPr>
+              <a:t> да </a:t>
+            </a:r>
+            <a:r>
+              <a:rPr lang="ru-RU" sz="1800" b="0" i="0" u="none" strike="noStrike" dirty="0" err="1">
+                <a:solidFill>
+                  <a:srgbClr val="434343"/>
+                </a:solidFill>
+                <a:effectLst/>
+                <a:latin typeface="Arial" panose="020B0604020202020204" pitchFamily="34" charset="0"/>
+              </a:rPr>
+              <a:t>разработим</a:t>
+            </a:r>
+            <a:r>
+              <a:rPr lang="ru-RU" sz="1800" b="0" i="0" u="none" strike="noStrike" dirty="0">
+                <a:solidFill>
+                  <a:srgbClr val="434343"/>
+                </a:solidFill>
+                <a:effectLst/>
+                <a:latin typeface="Arial" panose="020B0604020202020204" pitchFamily="34" charset="0"/>
+              </a:rPr>
+              <a:t> система </a:t>
+            </a:r>
+            <a:r>
+              <a:rPr lang="ru-RU" sz="1800" b="0" i="0" u="none" strike="noStrike" dirty="0" err="1">
+                <a:solidFill>
+                  <a:srgbClr val="434343"/>
+                </a:solidFill>
+                <a:effectLst/>
+                <a:latin typeface="Arial" panose="020B0604020202020204" pitchFamily="34" charset="0"/>
+              </a:rPr>
+              <a:t>която</a:t>
+            </a:r>
+            <a:r>
+              <a:rPr lang="ru-RU" sz="1800" b="0" i="0" u="none" strike="noStrike" dirty="0">
+                <a:solidFill>
+                  <a:srgbClr val="434343"/>
+                </a:solidFill>
+                <a:effectLst/>
+                <a:latin typeface="Arial" panose="020B0604020202020204" pitchFamily="34" charset="0"/>
+              </a:rPr>
+              <a:t> </a:t>
+            </a:r>
+            <a:r>
+              <a:rPr lang="ru-RU" sz="1800" b="0" i="0" u="none" strike="noStrike" dirty="0" err="1">
+                <a:solidFill>
+                  <a:srgbClr val="434343"/>
+                </a:solidFill>
+                <a:effectLst/>
+                <a:latin typeface="Arial" panose="020B0604020202020204" pitchFamily="34" charset="0"/>
+              </a:rPr>
+              <a:t>има</a:t>
+            </a:r>
+            <a:r>
+              <a:rPr lang="ru-RU" sz="1800" b="0" i="0" u="none" strike="noStrike" dirty="0">
+                <a:solidFill>
+                  <a:srgbClr val="434343"/>
+                </a:solidFill>
+                <a:effectLst/>
+                <a:latin typeface="Arial" panose="020B0604020202020204" pitchFamily="34" charset="0"/>
+              </a:rPr>
+              <a:t> потенциала да </a:t>
+            </a:r>
+            <a:r>
+              <a:rPr lang="ru-RU" sz="1800" b="0" i="0" u="none" strike="noStrike" dirty="0" err="1">
+                <a:solidFill>
+                  <a:srgbClr val="434343"/>
+                </a:solidFill>
+                <a:effectLst/>
+                <a:latin typeface="Arial" panose="020B0604020202020204" pitchFamily="34" charset="0"/>
+              </a:rPr>
+              <a:t>подпомогне</a:t>
+            </a:r>
+            <a:r>
+              <a:rPr lang="ru-RU" sz="1800" b="0" i="0" u="none" strike="noStrike" dirty="0">
+                <a:solidFill>
+                  <a:srgbClr val="434343"/>
+                </a:solidFill>
+                <a:effectLst/>
+                <a:latin typeface="Arial" panose="020B0604020202020204" pitchFamily="34" charset="0"/>
+              </a:rPr>
+              <a:t> </a:t>
+            </a:r>
+            <a:r>
+              <a:rPr lang="ru-RU" sz="1800" b="0" i="0" u="none" strike="noStrike" dirty="0" err="1">
+                <a:solidFill>
+                  <a:srgbClr val="434343"/>
+                </a:solidFill>
+                <a:effectLst/>
+                <a:latin typeface="Arial" panose="020B0604020202020204" pitchFamily="34" charset="0"/>
+              </a:rPr>
+              <a:t>изследванията</a:t>
+            </a:r>
+            <a:r>
+              <a:rPr lang="ru-RU" sz="1800" b="0" i="0" u="none" strike="noStrike" dirty="0">
+                <a:solidFill>
+                  <a:srgbClr val="434343"/>
+                </a:solidFill>
+                <a:effectLst/>
+                <a:latin typeface="Arial" panose="020B0604020202020204" pitchFamily="34" charset="0"/>
+              </a:rPr>
+              <a:t> в </a:t>
+            </a:r>
+            <a:r>
+              <a:rPr lang="ru-RU" sz="1800" b="0" i="0" u="none" strike="noStrike" dirty="0" err="1">
+                <a:solidFill>
+                  <a:srgbClr val="434343"/>
+                </a:solidFill>
+                <a:effectLst/>
+                <a:latin typeface="Arial" panose="020B0604020202020204" pitchFamily="34" charset="0"/>
+              </a:rPr>
+              <a:t>тази</a:t>
+            </a:r>
+            <a:r>
+              <a:rPr lang="ru-RU" sz="1800" b="0" i="0" u="none" strike="noStrike" dirty="0">
+                <a:solidFill>
+                  <a:srgbClr val="434343"/>
+                </a:solidFill>
+                <a:effectLst/>
+                <a:latin typeface="Arial" panose="020B0604020202020204" pitchFamily="34" charset="0"/>
+              </a:rPr>
+              <a:t> сфера. </a:t>
+            </a:r>
+            <a:endParaRPr lang="ru-RU" b="0" dirty="0">
+              <a:effectLst/>
+            </a:endParaRPr>
+          </a:p>
+          <a:p>
+            <a:pPr rtl="0">
+              <a:spcBef>
+                <a:spcPts val="0"/>
+              </a:spcBef>
+              <a:spcAft>
+                <a:spcPts val="0"/>
+              </a:spcAft>
+            </a:pPr>
+            <a:r>
+              <a:rPr lang="ru-RU" sz="1800" b="0" i="0" u="none" strike="noStrike" dirty="0">
+                <a:solidFill>
+                  <a:srgbClr val="434343"/>
+                </a:solidFill>
+                <a:effectLst/>
+                <a:latin typeface="Arial" panose="020B0604020202020204" pitchFamily="34" charset="0"/>
+              </a:rPr>
+              <a:t>LoRaNet e </a:t>
+            </a:r>
+            <a:r>
+              <a:rPr lang="ru-RU" sz="1800" b="0" i="0" u="none" strike="noStrike" dirty="0" err="1">
+                <a:solidFill>
+                  <a:srgbClr val="434343"/>
+                </a:solidFill>
+                <a:effectLst/>
+                <a:latin typeface="Arial" panose="020B0604020202020204" pitchFamily="34" charset="0"/>
+              </a:rPr>
+              <a:t>сензорна</a:t>
+            </a:r>
+            <a:r>
+              <a:rPr lang="ru-RU" sz="1800" b="0" i="0" u="none" strike="noStrike" dirty="0">
+                <a:solidFill>
+                  <a:srgbClr val="434343"/>
+                </a:solidFill>
+                <a:effectLst/>
+                <a:latin typeface="Arial" panose="020B0604020202020204" pitchFamily="34" charset="0"/>
+              </a:rPr>
+              <a:t> мрежа </a:t>
+            </a:r>
+            <a:r>
+              <a:rPr lang="ru-RU" sz="1800" b="0" i="0" u="none" strike="noStrike" dirty="0" err="1">
+                <a:solidFill>
+                  <a:srgbClr val="434343"/>
+                </a:solidFill>
+                <a:effectLst/>
+                <a:latin typeface="Arial" panose="020B0604020202020204" pitchFamily="34" charset="0"/>
+              </a:rPr>
+              <a:t>която</a:t>
+            </a:r>
+            <a:r>
+              <a:rPr lang="ru-RU" sz="1800" b="0" i="0" u="none" strike="noStrike" dirty="0">
+                <a:solidFill>
+                  <a:srgbClr val="434343"/>
+                </a:solidFill>
+                <a:effectLst/>
+                <a:latin typeface="Arial" panose="020B0604020202020204" pitchFamily="34" charset="0"/>
+              </a:rPr>
+              <a:t> </a:t>
+            </a:r>
+            <a:r>
+              <a:rPr lang="ru-RU" sz="1800" b="0" i="0" u="none" strike="noStrike" dirty="0" err="1">
+                <a:solidFill>
+                  <a:srgbClr val="434343"/>
+                </a:solidFill>
+                <a:effectLst/>
+                <a:latin typeface="Arial" panose="020B0604020202020204" pitchFamily="34" charset="0"/>
+              </a:rPr>
+              <a:t>използва</a:t>
+            </a:r>
+            <a:r>
+              <a:rPr lang="ru-RU" sz="1800" b="0" i="0" u="none" strike="noStrike" dirty="0">
+                <a:solidFill>
+                  <a:srgbClr val="434343"/>
+                </a:solidFill>
+                <a:effectLst/>
+                <a:latin typeface="Arial" panose="020B0604020202020204" pitchFamily="34" charset="0"/>
+              </a:rPr>
+              <a:t> </a:t>
+            </a:r>
+            <a:r>
+              <a:rPr lang="ru-RU" sz="1800" b="0" i="0" u="none" strike="noStrike" dirty="0" err="1">
+                <a:solidFill>
+                  <a:srgbClr val="434343"/>
+                </a:solidFill>
+                <a:effectLst/>
+                <a:latin typeface="Arial" panose="020B0604020202020204" pitchFamily="34" charset="0"/>
+              </a:rPr>
+              <a:t>модерните</a:t>
+            </a:r>
+            <a:r>
+              <a:rPr lang="ru-RU" sz="1800" b="0" i="0" u="none" strike="noStrike" dirty="0">
+                <a:solidFill>
+                  <a:srgbClr val="434343"/>
+                </a:solidFill>
+                <a:effectLst/>
+                <a:latin typeface="Arial" panose="020B0604020202020204" pitchFamily="34" charset="0"/>
+              </a:rPr>
+              <a:t> технологии </a:t>
+            </a:r>
+            <a:r>
+              <a:rPr lang="ru-RU" sz="1800" b="0" i="0" u="none" strike="noStrike" dirty="0" err="1">
+                <a:solidFill>
+                  <a:srgbClr val="434343"/>
+                </a:solidFill>
+                <a:effectLst/>
+                <a:latin typeface="Arial" panose="020B0604020202020204" pitchFamily="34" charset="0"/>
+              </a:rPr>
+              <a:t>LoRa</a:t>
+            </a:r>
+            <a:r>
+              <a:rPr lang="ru-RU" sz="1800" b="0" i="0" u="none" strike="noStrike" dirty="0">
+                <a:solidFill>
+                  <a:srgbClr val="434343"/>
+                </a:solidFill>
+                <a:effectLst/>
+                <a:latin typeface="Arial" panose="020B0604020202020204" pitchFamily="34" charset="0"/>
+              </a:rPr>
+              <a:t> и </a:t>
+            </a:r>
+            <a:r>
+              <a:rPr lang="ru-RU" sz="1800" b="0" i="0" u="none" strike="noStrike" dirty="0" err="1">
+                <a:solidFill>
+                  <a:srgbClr val="434343"/>
+                </a:solidFill>
+                <a:effectLst/>
+                <a:latin typeface="Arial" panose="020B0604020202020204" pitchFamily="34" charset="0"/>
+              </a:rPr>
+              <a:t>LoRaWAN</a:t>
+            </a:r>
+            <a:r>
+              <a:rPr lang="ru-RU" sz="1800" b="0" i="0" u="none" strike="noStrike" dirty="0">
+                <a:solidFill>
+                  <a:srgbClr val="434343"/>
+                </a:solidFill>
+                <a:effectLst/>
+                <a:latin typeface="Arial" panose="020B0604020202020204" pitchFamily="34" charset="0"/>
+              </a:rPr>
+              <a:t> да </a:t>
+            </a:r>
+            <a:r>
+              <a:rPr lang="ru-RU" sz="1800" b="0" i="0" u="none" strike="noStrike" dirty="0" err="1">
+                <a:solidFill>
+                  <a:srgbClr val="434343"/>
+                </a:solidFill>
+                <a:effectLst/>
+                <a:latin typeface="Arial" panose="020B0604020202020204" pitchFamily="34" charset="0"/>
+              </a:rPr>
+              <a:t>събира</a:t>
+            </a:r>
+            <a:r>
+              <a:rPr lang="ru-RU" sz="1800" b="0" i="0" u="none" strike="noStrike" dirty="0">
+                <a:solidFill>
+                  <a:srgbClr val="434343"/>
+                </a:solidFill>
+                <a:effectLst/>
+                <a:latin typeface="Arial" panose="020B0604020202020204" pitchFamily="34" charset="0"/>
+              </a:rPr>
+              <a:t> </a:t>
+            </a:r>
+            <a:r>
+              <a:rPr lang="ru-RU" sz="1800" b="0" i="0" u="none" strike="noStrike" dirty="0" err="1">
+                <a:solidFill>
+                  <a:srgbClr val="434343"/>
+                </a:solidFill>
+                <a:effectLst/>
+                <a:latin typeface="Arial" panose="020B0604020202020204" pitchFamily="34" charset="0"/>
+              </a:rPr>
+              <a:t>данни</a:t>
+            </a:r>
+            <a:r>
+              <a:rPr lang="ru-RU" sz="1800" b="0" i="0" u="none" strike="noStrike" dirty="0">
+                <a:solidFill>
+                  <a:srgbClr val="434343"/>
+                </a:solidFill>
+                <a:effectLst/>
+                <a:latin typeface="Arial" panose="020B0604020202020204" pitchFamily="34" charset="0"/>
+              </a:rPr>
+              <a:t> от станции </a:t>
+            </a:r>
+            <a:r>
+              <a:rPr lang="ru-RU" sz="1800" b="0" i="0" u="none" strike="noStrike" dirty="0" err="1">
+                <a:solidFill>
+                  <a:srgbClr val="434343"/>
+                </a:solidFill>
+                <a:effectLst/>
+                <a:latin typeface="Arial" panose="020B0604020202020204" pitchFamily="34" charset="0"/>
+              </a:rPr>
+              <a:t>разположени</a:t>
+            </a:r>
+            <a:r>
+              <a:rPr lang="ru-RU" sz="1800" b="0" i="0" u="none" strike="noStrike" dirty="0">
+                <a:solidFill>
+                  <a:srgbClr val="434343"/>
+                </a:solidFill>
+                <a:effectLst/>
+                <a:latin typeface="Arial" panose="020B0604020202020204" pitchFamily="34" charset="0"/>
+              </a:rPr>
+              <a:t> на стратегически места в града. </a:t>
+            </a:r>
+            <a:endParaRPr lang="ru-RU" b="0" dirty="0">
+              <a:effectLst/>
+            </a:endParaRPr>
+          </a:p>
+          <a:p>
+            <a:pPr rtl="0">
+              <a:spcBef>
+                <a:spcPts val="0"/>
+              </a:spcBef>
+              <a:spcAft>
+                <a:spcPts val="0"/>
+              </a:spcAft>
+            </a:pPr>
+            <a:r>
+              <a:rPr lang="ru-RU" sz="1800" b="0" i="0" u="none" strike="noStrike" dirty="0">
+                <a:solidFill>
+                  <a:srgbClr val="434343"/>
+                </a:solidFill>
+                <a:effectLst/>
+                <a:latin typeface="Arial" panose="020B0604020202020204" pitchFamily="34" charset="0"/>
+              </a:rPr>
+              <a:t>Подобна система </a:t>
+            </a:r>
+            <a:r>
+              <a:rPr lang="ru-RU" sz="1800" b="0" i="0" u="none" strike="noStrike" dirty="0" err="1">
+                <a:solidFill>
+                  <a:srgbClr val="434343"/>
+                </a:solidFill>
+                <a:effectLst/>
+                <a:latin typeface="Arial" panose="020B0604020202020204" pitchFamily="34" charset="0"/>
+              </a:rPr>
+              <a:t>позволява</a:t>
+            </a:r>
+            <a:r>
+              <a:rPr lang="ru-RU" sz="1800" b="0" i="0" u="none" strike="noStrike" dirty="0">
+                <a:solidFill>
+                  <a:srgbClr val="434343"/>
+                </a:solidFill>
+                <a:effectLst/>
+                <a:latin typeface="Arial" panose="020B0604020202020204" pitchFamily="34" charset="0"/>
+              </a:rPr>
+              <a:t> </a:t>
+            </a:r>
+            <a:r>
+              <a:rPr lang="ru-RU" sz="1800" b="0" i="0" u="none" strike="noStrike" dirty="0" err="1">
+                <a:solidFill>
+                  <a:srgbClr val="434343"/>
+                </a:solidFill>
+                <a:effectLst/>
+                <a:latin typeface="Arial" panose="020B0604020202020204" pitchFamily="34" charset="0"/>
+              </a:rPr>
+              <a:t>гъвкав</a:t>
+            </a:r>
+            <a:r>
+              <a:rPr lang="ru-RU" sz="1800" b="0" i="0" u="none" strike="noStrike" dirty="0">
+                <a:solidFill>
+                  <a:srgbClr val="434343"/>
+                </a:solidFill>
+                <a:effectLst/>
+                <a:latin typeface="Arial" panose="020B0604020202020204" pitchFamily="34" charset="0"/>
+              </a:rPr>
+              <a:t> начин на мониторинг на </a:t>
+            </a:r>
+            <a:r>
+              <a:rPr lang="ru-RU" sz="1800" b="0" i="0" u="none" strike="noStrike" dirty="0" err="1">
+                <a:solidFill>
+                  <a:srgbClr val="434343"/>
+                </a:solidFill>
+                <a:effectLst/>
+                <a:latin typeface="Arial" panose="020B0604020202020204" pitchFamily="34" charset="0"/>
+              </a:rPr>
+              <a:t>различни</a:t>
+            </a:r>
+            <a:r>
+              <a:rPr lang="ru-RU" sz="1800" b="0" i="0" u="none" strike="noStrike" dirty="0">
+                <a:solidFill>
+                  <a:srgbClr val="434343"/>
+                </a:solidFill>
+                <a:effectLst/>
+                <a:latin typeface="Arial" panose="020B0604020202020204" pitchFamily="34" charset="0"/>
+              </a:rPr>
+              <a:t> </a:t>
+            </a:r>
+            <a:r>
+              <a:rPr lang="ru-RU" sz="1800" b="0" i="0" u="none" strike="noStrike" dirty="0" err="1">
+                <a:solidFill>
+                  <a:srgbClr val="434343"/>
+                </a:solidFill>
+                <a:effectLst/>
+                <a:latin typeface="Arial" panose="020B0604020202020204" pitchFamily="34" charset="0"/>
+              </a:rPr>
+              <a:t>параметри</a:t>
+            </a:r>
+            <a:r>
+              <a:rPr lang="ru-RU" sz="1800" b="0" i="0" u="none" strike="noStrike" dirty="0">
+                <a:solidFill>
+                  <a:srgbClr val="434343"/>
+                </a:solidFill>
+                <a:effectLst/>
+                <a:latin typeface="Arial" panose="020B0604020202020204" pitchFamily="34" charset="0"/>
+              </a:rPr>
+              <a:t> на града и </a:t>
+            </a:r>
+            <a:r>
+              <a:rPr lang="ru-RU" sz="1800" b="0" i="0" u="none" strike="noStrike" dirty="0" err="1">
+                <a:solidFill>
+                  <a:srgbClr val="434343"/>
+                </a:solidFill>
+                <a:effectLst/>
+                <a:latin typeface="Arial" panose="020B0604020202020204" pitchFamily="34" charset="0"/>
+              </a:rPr>
+              <a:t>позволява</a:t>
+            </a:r>
+            <a:r>
+              <a:rPr lang="ru-RU" sz="1800" b="0" i="0" u="none" strike="noStrike" dirty="0">
+                <a:solidFill>
+                  <a:srgbClr val="434343"/>
+                </a:solidFill>
+                <a:effectLst/>
+                <a:latin typeface="Arial" panose="020B0604020202020204" pitchFamily="34" charset="0"/>
+              </a:rPr>
+              <a:t> за </a:t>
+            </a:r>
+            <a:r>
+              <a:rPr lang="ru-RU" sz="1800" b="0" i="0" u="none" strike="noStrike" dirty="0" err="1">
+                <a:solidFill>
+                  <a:srgbClr val="434343"/>
+                </a:solidFill>
+                <a:effectLst/>
+                <a:latin typeface="Arial" panose="020B0604020202020204" pitchFamily="34" charset="0"/>
+              </a:rPr>
+              <a:t>бързо</a:t>
+            </a:r>
+            <a:r>
+              <a:rPr lang="ru-RU" sz="1800" b="0" i="0" u="none" strike="noStrike" dirty="0">
+                <a:solidFill>
+                  <a:srgbClr val="434343"/>
+                </a:solidFill>
+                <a:effectLst/>
+                <a:latin typeface="Arial" panose="020B0604020202020204" pitchFamily="34" charset="0"/>
+              </a:rPr>
+              <a:t> </a:t>
+            </a:r>
+            <a:r>
+              <a:rPr lang="ru-RU" sz="1800" b="0" i="0" u="none" strike="noStrike" dirty="0" err="1">
+                <a:solidFill>
+                  <a:srgbClr val="434343"/>
+                </a:solidFill>
+                <a:effectLst/>
+                <a:latin typeface="Arial" panose="020B0604020202020204" pitchFamily="34" charset="0"/>
+              </a:rPr>
+              <a:t>събиране</a:t>
+            </a:r>
+            <a:r>
+              <a:rPr lang="ru-RU" sz="1800" b="0" i="0" u="none" strike="noStrike" dirty="0">
+                <a:solidFill>
+                  <a:srgbClr val="434343"/>
+                </a:solidFill>
+                <a:effectLst/>
+                <a:latin typeface="Arial" panose="020B0604020202020204" pitchFamily="34" charset="0"/>
+              </a:rPr>
+              <a:t> на </a:t>
+            </a:r>
+            <a:r>
+              <a:rPr lang="ru-RU" sz="1800" b="0" i="0" u="none" strike="noStrike" dirty="0" err="1">
+                <a:solidFill>
+                  <a:srgbClr val="434343"/>
+                </a:solidFill>
+                <a:effectLst/>
+                <a:latin typeface="Arial" panose="020B0604020202020204" pitchFamily="34" charset="0"/>
+              </a:rPr>
+              <a:t>данни</a:t>
+            </a:r>
+            <a:r>
+              <a:rPr lang="ru-RU" sz="1800" b="0" i="0" u="none" strike="noStrike" dirty="0">
+                <a:solidFill>
+                  <a:srgbClr val="434343"/>
+                </a:solidFill>
+                <a:effectLst/>
+                <a:latin typeface="Arial" panose="020B0604020202020204" pitchFamily="34" charset="0"/>
+              </a:rPr>
+              <a:t> </a:t>
+            </a:r>
+            <a:r>
+              <a:rPr lang="ru-RU" sz="1800" b="0" i="0" u="none" strike="noStrike" dirty="0" err="1">
+                <a:solidFill>
+                  <a:srgbClr val="434343"/>
+                </a:solidFill>
+                <a:effectLst/>
+                <a:latin typeface="Arial" panose="020B0604020202020204" pitchFamily="34" charset="0"/>
+              </a:rPr>
+              <a:t>които</a:t>
+            </a:r>
+            <a:r>
+              <a:rPr lang="ru-RU" sz="1800" b="0" i="0" u="none" strike="noStrike" dirty="0">
+                <a:solidFill>
+                  <a:srgbClr val="434343"/>
+                </a:solidFill>
+                <a:effectLst/>
+                <a:latin typeface="Arial" panose="020B0604020202020204" pitchFamily="34" charset="0"/>
+              </a:rPr>
+              <a:t> да се </a:t>
+            </a:r>
+            <a:r>
+              <a:rPr lang="ru-RU" sz="1800" b="0" i="0" u="none" strike="noStrike" dirty="0" err="1">
+                <a:solidFill>
+                  <a:srgbClr val="434343"/>
+                </a:solidFill>
+                <a:effectLst/>
+                <a:latin typeface="Arial" panose="020B0604020202020204" pitchFamily="34" charset="0"/>
+              </a:rPr>
+              <a:t>използват</a:t>
+            </a:r>
+            <a:r>
+              <a:rPr lang="ru-RU" sz="1800" b="0" i="0" u="none" strike="noStrike" dirty="0">
+                <a:solidFill>
+                  <a:srgbClr val="434343"/>
+                </a:solidFill>
+                <a:effectLst/>
+                <a:latin typeface="Arial" panose="020B0604020202020204" pitchFamily="34" charset="0"/>
+              </a:rPr>
+              <a:t> от </a:t>
+            </a:r>
+            <a:r>
+              <a:rPr lang="ru-RU" sz="1800" b="0" i="0" u="none" strike="noStrike" dirty="0" err="1">
+                <a:solidFill>
+                  <a:srgbClr val="434343"/>
+                </a:solidFill>
+                <a:effectLst/>
+                <a:latin typeface="Arial" panose="020B0604020202020204" pitchFamily="34" charset="0"/>
+              </a:rPr>
+              <a:t>machine</a:t>
+            </a:r>
+            <a:r>
+              <a:rPr lang="ru-RU" sz="1800" b="0" i="0" u="none" strike="noStrike" dirty="0">
+                <a:solidFill>
+                  <a:srgbClr val="434343"/>
+                </a:solidFill>
+                <a:effectLst/>
+                <a:latin typeface="Arial" panose="020B0604020202020204" pitchFamily="34" charset="0"/>
+              </a:rPr>
+              <a:t> </a:t>
+            </a:r>
+            <a:r>
+              <a:rPr lang="ru-RU" sz="1800" b="0" i="0" u="none" strike="noStrike" dirty="0" err="1">
+                <a:solidFill>
+                  <a:srgbClr val="434343"/>
+                </a:solidFill>
+                <a:effectLst/>
+                <a:latin typeface="Arial" panose="020B0604020202020204" pitchFamily="34" charset="0"/>
+              </a:rPr>
+              <a:t>learning</a:t>
+            </a:r>
+            <a:r>
+              <a:rPr lang="ru-RU" sz="1800" b="0" i="0" u="none" strike="noStrike" dirty="0">
+                <a:solidFill>
+                  <a:srgbClr val="434343"/>
+                </a:solidFill>
+                <a:effectLst/>
+                <a:latin typeface="Arial" panose="020B0604020202020204" pitchFamily="34" charset="0"/>
+              </a:rPr>
+              <a:t> модели.</a:t>
+            </a:r>
+            <a:endParaRPr lang="ru-RU" b="0" dirty="0">
+              <a:effectLst/>
+            </a:endParaRPr>
+          </a:p>
+          <a:p>
+            <a:pPr rtl="0">
+              <a:spcBef>
+                <a:spcPts val="0"/>
+              </a:spcBef>
+              <a:spcAft>
+                <a:spcPts val="0"/>
+              </a:spcAft>
+            </a:pPr>
+            <a:br>
+              <a:rPr lang="ru-RU" b="0" dirty="0">
+                <a:effectLst/>
+              </a:rPr>
+            </a:br>
+            <a:r>
+              <a:rPr lang="ru-RU" sz="1800" b="0" i="0" u="none" strike="noStrike" dirty="0" err="1">
+                <a:solidFill>
+                  <a:srgbClr val="434343"/>
+                </a:solidFill>
+                <a:effectLst/>
+                <a:latin typeface="Arial" panose="020B0604020202020204" pitchFamily="34" charset="0"/>
+              </a:rPr>
+              <a:t>Нашата</a:t>
+            </a:r>
+            <a:r>
+              <a:rPr lang="ru-RU" sz="1800" b="0" i="0" u="none" strike="noStrike" dirty="0">
+                <a:solidFill>
+                  <a:srgbClr val="434343"/>
+                </a:solidFill>
+                <a:effectLst/>
+                <a:latin typeface="Arial" panose="020B0604020202020204" pitchFamily="34" charset="0"/>
+              </a:rPr>
+              <a:t> система </a:t>
+            </a:r>
+            <a:r>
+              <a:rPr lang="ru-RU" sz="1800" b="0" i="0" u="none" strike="noStrike" dirty="0" err="1">
+                <a:solidFill>
+                  <a:srgbClr val="434343"/>
+                </a:solidFill>
+                <a:effectLst/>
+                <a:latin typeface="Arial" panose="020B0604020202020204" pitchFamily="34" charset="0"/>
+              </a:rPr>
+              <a:t>използва</a:t>
+            </a:r>
+            <a:r>
+              <a:rPr lang="ru-RU" sz="1800" b="0" i="0" u="none" strike="noStrike" dirty="0">
+                <a:solidFill>
+                  <a:srgbClr val="434343"/>
+                </a:solidFill>
+                <a:effectLst/>
+                <a:latin typeface="Arial" panose="020B0604020202020204" pitchFamily="34" charset="0"/>
+              </a:rPr>
+              <a:t> </a:t>
+            </a:r>
+            <a:r>
+              <a:rPr lang="ru-RU" sz="1800" b="0" i="0" u="none" strike="noStrike" dirty="0" err="1">
+                <a:solidFill>
+                  <a:srgbClr val="434343"/>
+                </a:solidFill>
+                <a:effectLst/>
+                <a:latin typeface="Arial" panose="020B0604020202020204" pitchFamily="34" charset="0"/>
+              </a:rPr>
+              <a:t>сървър</a:t>
+            </a:r>
+            <a:r>
+              <a:rPr lang="ru-RU" sz="1800" b="0" i="0" u="none" strike="noStrike" dirty="0">
+                <a:solidFill>
+                  <a:srgbClr val="434343"/>
+                </a:solidFill>
+                <a:effectLst/>
+                <a:latin typeface="Arial" panose="020B0604020202020204" pitchFamily="34" charset="0"/>
+              </a:rPr>
+              <a:t> написан на C# и </a:t>
+            </a:r>
+            <a:r>
+              <a:rPr lang="ru-RU" sz="1800" b="0" i="0" u="none" strike="noStrike" dirty="0" err="1">
+                <a:solidFill>
+                  <a:srgbClr val="434343"/>
+                </a:solidFill>
+                <a:effectLst/>
+                <a:latin typeface="Arial" panose="020B0604020202020204" pitchFamily="34" charset="0"/>
+              </a:rPr>
+              <a:t>предоставя</a:t>
+            </a:r>
+            <a:r>
+              <a:rPr lang="ru-RU" sz="1800" b="0" i="0" u="none" strike="noStrike" dirty="0">
+                <a:solidFill>
+                  <a:srgbClr val="434343"/>
+                </a:solidFill>
+                <a:effectLst/>
+                <a:latin typeface="Arial" panose="020B0604020202020204" pitchFamily="34" charset="0"/>
+              </a:rPr>
+              <a:t> уеб и мобилен клиент за </a:t>
+            </a:r>
+            <a:r>
+              <a:rPr lang="ru-RU" sz="1800" b="0" i="0" u="none" strike="noStrike" dirty="0" err="1">
+                <a:solidFill>
+                  <a:srgbClr val="434343"/>
+                </a:solidFill>
+                <a:effectLst/>
+                <a:latin typeface="Arial" panose="020B0604020202020204" pitchFamily="34" charset="0"/>
+              </a:rPr>
+              <a:t>потребителите</a:t>
+            </a:r>
+            <a:r>
+              <a:rPr lang="ru-RU" sz="1800" b="0" i="0" u="none" strike="noStrike" dirty="0">
+                <a:solidFill>
+                  <a:srgbClr val="434343"/>
+                </a:solidFill>
+                <a:effectLst/>
+                <a:latin typeface="Arial" panose="020B0604020202020204" pitchFamily="34" charset="0"/>
+              </a:rPr>
+              <a:t>.</a:t>
+            </a:r>
+            <a:endParaRPr lang="ru-RU" b="0" dirty="0">
+              <a:effectLst/>
+            </a:endParaRPr>
+          </a:p>
+          <a:p>
+            <a:br>
+              <a:rPr lang="ru-RU" dirty="0"/>
+            </a:br>
+            <a:endParaRPr lang="en-US" dirty="0"/>
+          </a:p>
+        </p:txBody>
+      </p:sp>
+      <p:sp>
+        <p:nvSpPr>
+          <p:cNvPr id="4" name="Slide Number Placeholder 3"/>
+          <p:cNvSpPr>
+            <a:spLocks noGrp="1"/>
+          </p:cNvSpPr>
+          <p:nvPr>
+            <p:ph type="sldNum" sz="quarter" idx="5"/>
+          </p:nvPr>
+        </p:nvSpPr>
+        <p:spPr/>
+        <p:txBody>
+          <a:bodyPr/>
+          <a:lstStyle/>
+          <a:p>
+            <a:fld id="{354FBB31-2E76-4A4B-BA94-9E05B09A2BD0}" type="slidenum">
+              <a:rPr lang="en-US" smtClean="0"/>
+              <a:t>3</a:t>
+            </a:fld>
+            <a:endParaRPr lang="en-US"/>
+          </a:p>
+        </p:txBody>
+      </p:sp>
+    </p:spTree>
+    <p:extLst>
+      <p:ext uri="{BB962C8B-B14F-4D97-AF65-F5344CB8AC3E}">
+        <p14:creationId xmlns:p14="http://schemas.microsoft.com/office/powerpoint/2010/main" val="2477860946"/>
+      </p:ext>
+    </p:extLst>
+  </p:cSld>
+  <p:clrMapOvr>
+    <a:masterClrMapping/>
+  </p:clrMapOvr>
+</p:notes>
+</file>
+
+<file path=ppt/notesSlides/notesSlide4.xml><?xml version="1.0" encoding="utf-8"?>
+<p:notes xmlns:a="http://schemas.openxmlformats.org/drawingml/2006/main" xmlns:r="http://schemas.openxmlformats.org/officeDocument/2006/relationships" xmlns:p="http://schemas.openxmlformats.org/presentationml/2006/main">
+  <p:cSld>
+    <p:spTree>
+      <p:nvGrpSpPr>
+        <p:cNvPr id="1" name=""/>
+        <p:cNvGrpSpPr/>
+        <p:nvPr/>
+      </p:nvGrpSpPr>
+      <p:grpSpPr>
+        <a:xfrm>
+          <a:off x="0" y="0"/>
+          <a:ext cx="0" cy="0"/>
+          <a:chOff x="0" y="0"/>
+          <a:chExt cx="0" cy="0"/>
+        </a:xfrm>
+      </p:grpSpPr>
+      <p:sp>
+        <p:nvSpPr>
+          <p:cNvPr id="2" name="Slide Image Placeholder 1"/>
+          <p:cNvSpPr>
+            <a:spLocks noGrp="1" noRot="1" noChangeAspect="1"/>
+          </p:cNvSpPr>
+          <p:nvPr>
+            <p:ph type="sldImg"/>
+          </p:nvPr>
+        </p:nvSpPr>
+        <p:spPr/>
+      </p:sp>
+      <p:sp>
+        <p:nvSpPr>
+          <p:cNvPr id="3" name="Notes Placeholder 2"/>
+          <p:cNvSpPr>
+            <a:spLocks noGrp="1"/>
+          </p:cNvSpPr>
+          <p:nvPr>
+            <p:ph type="body" idx="1"/>
+          </p:nvPr>
+        </p:nvSpPr>
+        <p:spPr/>
+        <p:txBody>
+          <a:bodyPr/>
+          <a:lstStyle/>
+          <a:p>
+            <a:pPr rtl="0">
+              <a:spcBef>
+                <a:spcPts val="0"/>
+              </a:spcBef>
+              <a:spcAft>
+                <a:spcPts val="0"/>
+              </a:spcAft>
+            </a:pPr>
+            <a:r>
+              <a:rPr lang="ru-RU" sz="1800" b="0" i="0" u="none" strike="noStrike" dirty="0" err="1">
+                <a:solidFill>
+                  <a:srgbClr val="000000"/>
+                </a:solidFill>
+                <a:effectLst/>
+                <a:latin typeface="Arial" panose="020B0604020202020204" pitchFamily="34" charset="0"/>
+              </a:rPr>
+              <a:t>Ивайло</a:t>
+            </a:r>
+            <a:r>
+              <a:rPr lang="ru-RU" sz="1800" b="0" i="0" u="none" strike="noStrike" dirty="0">
+                <a:solidFill>
+                  <a:srgbClr val="000000"/>
+                </a:solidFill>
+                <a:effectLst/>
+                <a:latin typeface="Arial" panose="020B0604020202020204" pitchFamily="34" charset="0"/>
+              </a:rPr>
+              <a:t>: На </a:t>
+            </a:r>
+            <a:r>
+              <a:rPr lang="ru-RU" sz="1800" b="0" i="0" u="none" strike="noStrike" dirty="0" err="1">
+                <a:solidFill>
+                  <a:srgbClr val="000000"/>
+                </a:solidFill>
+                <a:effectLst/>
+                <a:latin typeface="Arial" panose="020B0604020202020204" pitchFamily="34" charset="0"/>
+              </a:rPr>
+              <a:t>този</a:t>
+            </a:r>
+            <a:r>
+              <a:rPr lang="ru-RU" sz="1800" b="0" i="0" u="none" strike="noStrike" dirty="0">
+                <a:solidFill>
+                  <a:srgbClr val="000000"/>
+                </a:solidFill>
+                <a:effectLst/>
+                <a:latin typeface="Arial" panose="020B0604020202020204" pitchFamily="34" charset="0"/>
+              </a:rPr>
+              <a:t> слайд </a:t>
+            </a:r>
+            <a:r>
+              <a:rPr lang="ru-RU" sz="1800" b="0" i="0" u="none" strike="noStrike" dirty="0" err="1">
+                <a:solidFill>
+                  <a:srgbClr val="000000"/>
+                </a:solidFill>
+                <a:effectLst/>
+                <a:latin typeface="Arial" panose="020B0604020202020204" pitchFamily="34" charset="0"/>
+              </a:rPr>
+              <a:t>виждате</a:t>
+            </a:r>
+            <a:r>
+              <a:rPr lang="ru-RU" sz="1800" b="0" i="0" u="none" strike="noStrike" dirty="0">
+                <a:solidFill>
+                  <a:srgbClr val="000000"/>
+                </a:solidFill>
+                <a:effectLst/>
+                <a:latin typeface="Arial" panose="020B0604020202020204" pitchFamily="34" charset="0"/>
+              </a:rPr>
+              <a:t> </a:t>
+            </a:r>
+            <a:r>
+              <a:rPr lang="ru-RU" sz="1800" b="0" i="0" u="none" strike="noStrike" dirty="0" err="1">
+                <a:solidFill>
+                  <a:srgbClr val="000000"/>
+                </a:solidFill>
+                <a:effectLst/>
+                <a:latin typeface="Arial" panose="020B0604020202020204" pitchFamily="34" charset="0"/>
+              </a:rPr>
+              <a:t>използваните</a:t>
+            </a:r>
+            <a:r>
+              <a:rPr lang="ru-RU" sz="1800" b="0" i="0" u="none" strike="noStrike" dirty="0">
+                <a:solidFill>
+                  <a:srgbClr val="000000"/>
+                </a:solidFill>
+                <a:effectLst/>
+                <a:latin typeface="Arial" panose="020B0604020202020204" pitchFamily="34" charset="0"/>
+              </a:rPr>
+              <a:t> технологии </a:t>
+            </a:r>
+            <a:endParaRPr lang="ru-RU" b="0" dirty="0">
+              <a:effectLst/>
+            </a:endParaRPr>
+          </a:p>
+          <a:p>
+            <a:pPr rtl="0">
+              <a:spcBef>
+                <a:spcPts val="0"/>
+              </a:spcBef>
+              <a:spcAft>
+                <a:spcPts val="0"/>
+              </a:spcAft>
+            </a:pPr>
+            <a:r>
+              <a:rPr lang="ru-RU" sz="1800" b="0" i="0" u="none" strike="noStrike" dirty="0" err="1">
+                <a:solidFill>
+                  <a:srgbClr val="000000"/>
+                </a:solidFill>
+                <a:effectLst/>
+                <a:latin typeface="Arial" panose="020B0604020202020204" pitchFamily="34" charset="0"/>
+              </a:rPr>
+              <a:t>Платформата</a:t>
+            </a:r>
+            <a:r>
+              <a:rPr lang="ru-RU" sz="1800" b="0" i="0" u="none" strike="noStrike" dirty="0">
+                <a:solidFill>
+                  <a:srgbClr val="000000"/>
+                </a:solidFill>
+                <a:effectLst/>
+                <a:latin typeface="Arial" panose="020B0604020202020204" pitchFamily="34" charset="0"/>
+              </a:rPr>
+              <a:t> </a:t>
+            </a:r>
+            <a:r>
+              <a:rPr lang="ru-RU" sz="1800" b="0" i="0" u="none" strike="noStrike" dirty="0" err="1">
+                <a:solidFill>
+                  <a:srgbClr val="000000"/>
+                </a:solidFill>
+                <a:effectLst/>
+                <a:latin typeface="Arial" panose="020B0604020202020204" pitchFamily="34" charset="0"/>
+              </a:rPr>
+              <a:t>Ардуино</a:t>
+            </a:r>
+            <a:r>
+              <a:rPr lang="ru-RU" sz="1800" b="0" i="0" u="none" strike="noStrike" dirty="0">
+                <a:solidFill>
+                  <a:srgbClr val="000000"/>
+                </a:solidFill>
+                <a:effectLst/>
+                <a:latin typeface="Arial" panose="020B0604020202020204" pitchFamily="34" charset="0"/>
+              </a:rPr>
+              <a:t> </a:t>
+            </a:r>
+            <a:r>
+              <a:rPr lang="ru-RU" sz="1800" b="0" i="0" u="none" strike="noStrike" dirty="0" err="1">
+                <a:solidFill>
+                  <a:srgbClr val="000000"/>
+                </a:solidFill>
+                <a:effectLst/>
+                <a:latin typeface="Arial" panose="020B0604020202020204" pitchFamily="34" charset="0"/>
+              </a:rPr>
+              <a:t>използваме</a:t>
+            </a:r>
+            <a:r>
+              <a:rPr lang="ru-RU" sz="1800" b="0" i="0" u="none" strike="noStrike" dirty="0">
+                <a:solidFill>
+                  <a:srgbClr val="000000"/>
+                </a:solidFill>
+                <a:effectLst/>
+                <a:latin typeface="Arial" panose="020B0604020202020204" pitchFamily="34" charset="0"/>
+              </a:rPr>
+              <a:t> за </a:t>
+            </a:r>
+            <a:r>
+              <a:rPr lang="ru-RU" sz="1800" b="0" i="0" u="none" strike="noStrike" dirty="0" err="1">
+                <a:solidFill>
+                  <a:srgbClr val="000000"/>
+                </a:solidFill>
+                <a:effectLst/>
+                <a:latin typeface="Arial" panose="020B0604020202020204" pitchFamily="34" charset="0"/>
+              </a:rPr>
+              <a:t>сензорните</a:t>
+            </a:r>
+            <a:r>
+              <a:rPr lang="ru-RU" sz="1800" b="0" i="0" u="none" strike="noStrike" dirty="0">
+                <a:solidFill>
+                  <a:srgbClr val="000000"/>
+                </a:solidFill>
+                <a:effectLst/>
+                <a:latin typeface="Arial" panose="020B0604020202020204" pitchFamily="34" charset="0"/>
+              </a:rPr>
+              <a:t> станции</a:t>
+            </a:r>
+            <a:endParaRPr lang="ru-RU" b="0" dirty="0">
+              <a:effectLst/>
+            </a:endParaRPr>
+          </a:p>
+          <a:p>
+            <a:pPr rtl="0">
+              <a:spcBef>
+                <a:spcPts val="0"/>
+              </a:spcBef>
+              <a:spcAft>
+                <a:spcPts val="0"/>
+              </a:spcAft>
+            </a:pPr>
+            <a:r>
+              <a:rPr lang="ru-RU" sz="1800" b="0" i="0" u="none" strike="noStrike" dirty="0" err="1">
+                <a:solidFill>
+                  <a:srgbClr val="000000"/>
+                </a:solidFill>
+                <a:effectLst/>
+                <a:latin typeface="Arial" panose="020B0604020202020204" pitchFamily="34" charset="0"/>
+              </a:rPr>
+              <a:t>Lora</a:t>
+            </a:r>
+            <a:r>
+              <a:rPr lang="ru-RU" sz="1800" b="0" i="0" u="none" strike="noStrike" dirty="0">
+                <a:solidFill>
+                  <a:srgbClr val="000000"/>
+                </a:solidFill>
+                <a:effectLst/>
+                <a:latin typeface="Arial" panose="020B0604020202020204" pitchFamily="34" charset="0"/>
+              </a:rPr>
+              <a:t> i </a:t>
+            </a:r>
+            <a:r>
+              <a:rPr lang="ru-RU" sz="1800" b="0" i="0" u="none" strike="noStrike" dirty="0" err="1">
+                <a:solidFill>
+                  <a:srgbClr val="000000"/>
+                </a:solidFill>
+                <a:effectLst/>
+                <a:latin typeface="Arial" panose="020B0604020202020204" pitchFamily="34" charset="0"/>
+              </a:rPr>
+              <a:t>LoraWan</a:t>
+            </a:r>
+            <a:r>
+              <a:rPr lang="ru-RU" sz="1800" b="0" i="0" u="none" strike="noStrike" dirty="0">
+                <a:solidFill>
+                  <a:srgbClr val="000000"/>
+                </a:solidFill>
+                <a:effectLst/>
+                <a:latin typeface="Arial" panose="020B0604020202020204" pitchFamily="34" charset="0"/>
+              </a:rPr>
+              <a:t> </a:t>
+            </a:r>
+            <a:r>
+              <a:rPr lang="ru-RU" sz="1800" b="0" i="0" u="none" strike="noStrike" dirty="0" err="1">
+                <a:solidFill>
+                  <a:srgbClr val="000000"/>
+                </a:solidFill>
+                <a:effectLst/>
+                <a:latin typeface="Arial" panose="020B0604020202020204" pitchFamily="34" charset="0"/>
+              </a:rPr>
+              <a:t>използваме</a:t>
+            </a:r>
+            <a:r>
+              <a:rPr lang="ru-RU" sz="1800" b="0" i="0" u="none" strike="noStrike" dirty="0">
+                <a:solidFill>
+                  <a:srgbClr val="000000"/>
+                </a:solidFill>
+                <a:effectLst/>
+                <a:latin typeface="Arial" panose="020B0604020202020204" pitchFamily="34" charset="0"/>
+              </a:rPr>
+              <a:t> за </a:t>
+            </a:r>
+            <a:r>
+              <a:rPr lang="ru-RU" sz="1800" b="0" i="0" u="none" strike="noStrike" dirty="0" err="1">
+                <a:solidFill>
+                  <a:srgbClr val="000000"/>
+                </a:solidFill>
+                <a:effectLst/>
+                <a:latin typeface="Arial" panose="020B0604020202020204" pitchFamily="34" charset="0"/>
+              </a:rPr>
+              <a:t>връзка</a:t>
+            </a:r>
+            <a:r>
+              <a:rPr lang="ru-RU" sz="1800" b="0" i="0" u="none" strike="noStrike" dirty="0">
+                <a:solidFill>
+                  <a:srgbClr val="000000"/>
+                </a:solidFill>
+                <a:effectLst/>
+                <a:latin typeface="Arial" panose="020B0604020202020204" pitchFamily="34" charset="0"/>
+              </a:rPr>
+              <a:t> </a:t>
+            </a:r>
+            <a:r>
+              <a:rPr lang="ru-RU" sz="1800" b="0" i="0" u="none" strike="noStrike" dirty="0" err="1">
+                <a:solidFill>
+                  <a:srgbClr val="000000"/>
+                </a:solidFill>
+                <a:effectLst/>
+                <a:latin typeface="Arial" panose="020B0604020202020204" pitchFamily="34" charset="0"/>
+              </a:rPr>
+              <a:t>със</a:t>
+            </a:r>
+            <a:r>
+              <a:rPr lang="ru-RU" sz="1800" b="0" i="0" u="none" strike="noStrike" dirty="0">
+                <a:solidFill>
+                  <a:srgbClr val="000000"/>
+                </a:solidFill>
+                <a:effectLst/>
+                <a:latin typeface="Arial" panose="020B0604020202020204" pitchFamily="34" charset="0"/>
+              </a:rPr>
+              <a:t> </a:t>
+            </a:r>
+            <a:r>
+              <a:rPr lang="ru-RU" sz="1800" b="0" i="0" u="none" strike="noStrike" dirty="0" err="1">
+                <a:solidFill>
+                  <a:srgbClr val="000000"/>
+                </a:solidFill>
+                <a:effectLst/>
+                <a:latin typeface="Arial" panose="020B0604020202020204" pitchFamily="34" charset="0"/>
+              </a:rPr>
+              <a:t>сензорите</a:t>
+            </a:r>
+            <a:endParaRPr lang="ru-RU" b="0" dirty="0">
+              <a:effectLst/>
+            </a:endParaRPr>
+          </a:p>
+          <a:p>
+            <a:pPr rtl="0">
+              <a:spcBef>
+                <a:spcPts val="0"/>
+              </a:spcBef>
+              <a:spcAft>
+                <a:spcPts val="0"/>
+              </a:spcAft>
+            </a:pPr>
+            <a:r>
+              <a:rPr lang="ru-RU" sz="1800" b="0" i="0" u="none" strike="noStrike" dirty="0" err="1">
+                <a:solidFill>
+                  <a:srgbClr val="000000"/>
+                </a:solidFill>
+                <a:effectLst/>
+                <a:latin typeface="Arial" panose="020B0604020202020204" pitchFamily="34" charset="0"/>
+              </a:rPr>
+              <a:t>Нашата</a:t>
+            </a:r>
+            <a:r>
+              <a:rPr lang="ru-RU" sz="1800" b="0" i="0" u="none" strike="noStrike" dirty="0">
+                <a:solidFill>
+                  <a:srgbClr val="000000"/>
+                </a:solidFill>
+                <a:effectLst/>
+                <a:latin typeface="Arial" panose="020B0604020202020204" pitchFamily="34" charset="0"/>
+              </a:rPr>
+              <a:t> система за </a:t>
+            </a:r>
+            <a:r>
+              <a:rPr lang="ru-RU" sz="1800" b="0" i="0" u="none" strike="noStrike" dirty="0" err="1">
+                <a:solidFill>
+                  <a:srgbClr val="000000"/>
+                </a:solidFill>
+                <a:effectLst/>
+                <a:latin typeface="Arial" panose="020B0604020202020204" pitchFamily="34" charset="0"/>
+              </a:rPr>
+              <a:t>интегрира</a:t>
+            </a:r>
+            <a:r>
+              <a:rPr lang="ru-RU" sz="1800" b="0" i="0" u="none" strike="noStrike" dirty="0">
+                <a:solidFill>
+                  <a:srgbClr val="000000"/>
+                </a:solidFill>
+                <a:effectLst/>
+                <a:latin typeface="Arial" panose="020B0604020202020204" pitchFamily="34" charset="0"/>
+              </a:rPr>
+              <a:t> </a:t>
+            </a:r>
+            <a:r>
+              <a:rPr lang="ru-RU" sz="1800" b="0" i="0" u="none" strike="noStrike" dirty="0" err="1">
+                <a:solidFill>
+                  <a:srgbClr val="000000"/>
+                </a:solidFill>
+                <a:effectLst/>
+                <a:latin typeface="Arial" panose="020B0604020202020204" pitchFamily="34" charset="0"/>
+              </a:rPr>
+              <a:t>със</a:t>
+            </a:r>
+            <a:r>
+              <a:rPr lang="ru-RU" sz="1800" b="0" i="0" u="none" strike="noStrike" dirty="0">
+                <a:solidFill>
+                  <a:srgbClr val="000000"/>
+                </a:solidFill>
+                <a:effectLst/>
+                <a:latin typeface="Arial" panose="020B0604020202020204" pitchFamily="34" charset="0"/>
+              </a:rPr>
+              <a:t> система на The </a:t>
+            </a:r>
+            <a:r>
+              <a:rPr lang="ru-RU" sz="1800" b="0" i="0" u="none" strike="noStrike" dirty="0" err="1">
+                <a:solidFill>
+                  <a:srgbClr val="000000"/>
+                </a:solidFill>
+                <a:effectLst/>
+                <a:latin typeface="Arial" panose="020B0604020202020204" pitchFamily="34" charset="0"/>
+              </a:rPr>
+              <a:t>Things</a:t>
+            </a:r>
+            <a:r>
+              <a:rPr lang="ru-RU" sz="1800" b="0" i="0" u="none" strike="noStrike" dirty="0">
+                <a:solidFill>
+                  <a:srgbClr val="000000"/>
+                </a:solidFill>
+                <a:effectLst/>
+                <a:latin typeface="Arial" panose="020B0604020202020204" pitchFamily="34" charset="0"/>
+              </a:rPr>
+              <a:t> Network, </a:t>
+            </a:r>
+            <a:r>
+              <a:rPr lang="ru-RU" sz="1800" b="0" i="0" u="none" strike="noStrike" dirty="0" err="1">
+                <a:solidFill>
+                  <a:srgbClr val="000000"/>
+                </a:solidFill>
+                <a:effectLst/>
+                <a:latin typeface="Arial" panose="020B0604020202020204" pitchFamily="34" charset="0"/>
+              </a:rPr>
+              <a:t>която</a:t>
+            </a:r>
+            <a:r>
+              <a:rPr lang="ru-RU" sz="1800" b="0" i="0" u="none" strike="noStrike" dirty="0">
+                <a:solidFill>
+                  <a:srgbClr val="000000"/>
+                </a:solidFill>
+                <a:effectLst/>
+                <a:latin typeface="Arial" panose="020B0604020202020204" pitchFamily="34" charset="0"/>
+              </a:rPr>
+              <a:t> е платформа за </a:t>
+            </a:r>
+            <a:r>
+              <a:rPr lang="ru-RU" sz="1800" b="0" i="0" u="none" strike="noStrike" dirty="0" err="1">
+                <a:solidFill>
+                  <a:srgbClr val="000000"/>
+                </a:solidFill>
+                <a:effectLst/>
+                <a:latin typeface="Arial" panose="020B0604020202020204" pitchFamily="34" charset="0"/>
+              </a:rPr>
+              <a:t>модерни</a:t>
+            </a:r>
+            <a:r>
+              <a:rPr lang="ru-RU" sz="1800" b="0" i="0" u="none" strike="noStrike" dirty="0">
+                <a:solidFill>
+                  <a:srgbClr val="000000"/>
+                </a:solidFill>
+                <a:effectLst/>
+                <a:latin typeface="Arial" panose="020B0604020202020204" pitchFamily="34" charset="0"/>
+              </a:rPr>
+              <a:t> </a:t>
+            </a:r>
+            <a:r>
+              <a:rPr lang="ru-RU" sz="1800" b="0" i="0" u="none" strike="noStrike" dirty="0" err="1">
+                <a:solidFill>
+                  <a:srgbClr val="000000"/>
+                </a:solidFill>
+                <a:effectLst/>
+                <a:latin typeface="Arial" panose="020B0604020202020204" pitchFamily="34" charset="0"/>
+              </a:rPr>
+              <a:t>IoT</a:t>
+            </a:r>
+            <a:r>
+              <a:rPr lang="ru-RU" sz="1800" b="0" i="0" u="none" strike="noStrike" dirty="0">
+                <a:solidFill>
+                  <a:srgbClr val="000000"/>
+                </a:solidFill>
+                <a:effectLst/>
+                <a:latin typeface="Arial" panose="020B0604020202020204" pitchFamily="34" charset="0"/>
+              </a:rPr>
+              <a:t> </a:t>
+            </a:r>
+            <a:r>
+              <a:rPr lang="ru-RU" sz="1800" b="0" i="0" u="none" strike="noStrike" dirty="0" err="1">
+                <a:solidFill>
+                  <a:srgbClr val="000000"/>
+                </a:solidFill>
+                <a:effectLst/>
+                <a:latin typeface="Arial" panose="020B0604020202020204" pitchFamily="34" charset="0"/>
+              </a:rPr>
+              <a:t>системи</a:t>
+            </a:r>
+            <a:r>
+              <a:rPr lang="ru-RU" sz="1800" b="0" i="0" u="none" strike="noStrike" dirty="0">
+                <a:solidFill>
+                  <a:srgbClr val="000000"/>
+                </a:solidFill>
+                <a:effectLst/>
+                <a:latin typeface="Arial" panose="020B0604020202020204" pitchFamily="34" charset="0"/>
+              </a:rPr>
+              <a:t>.</a:t>
+            </a:r>
+            <a:endParaRPr lang="ru-RU" b="0" dirty="0">
+              <a:effectLst/>
+            </a:endParaRPr>
+          </a:p>
+          <a:p>
+            <a:pPr rtl="0">
+              <a:spcBef>
+                <a:spcPts val="0"/>
+              </a:spcBef>
+              <a:spcAft>
+                <a:spcPts val="0"/>
+              </a:spcAft>
+            </a:pPr>
+            <a:r>
+              <a:rPr lang="ru-RU" sz="1800" b="0" i="0" u="none" strike="noStrike" dirty="0">
+                <a:solidFill>
+                  <a:srgbClr val="000000"/>
+                </a:solidFill>
+                <a:effectLst/>
+                <a:latin typeface="Arial" panose="020B0604020202020204" pitchFamily="34" charset="0"/>
+              </a:rPr>
+              <a:t>За </a:t>
+            </a:r>
+            <a:r>
+              <a:rPr lang="ru-RU" sz="1800" b="0" i="0" u="none" strike="noStrike" dirty="0" err="1">
+                <a:solidFill>
+                  <a:srgbClr val="000000"/>
+                </a:solidFill>
+                <a:effectLst/>
+                <a:latin typeface="Arial" panose="020B0604020202020204" pitchFamily="34" charset="0"/>
+              </a:rPr>
+              <a:t>сървър</a:t>
+            </a:r>
+            <a:r>
+              <a:rPr lang="ru-RU" sz="1800" b="0" i="0" u="none" strike="noStrike" dirty="0">
+                <a:solidFill>
+                  <a:srgbClr val="000000"/>
+                </a:solidFill>
+                <a:effectLst/>
+                <a:latin typeface="Arial" panose="020B0604020202020204" pitchFamily="34" charset="0"/>
+              </a:rPr>
+              <a:t> </a:t>
+            </a:r>
+            <a:r>
+              <a:rPr lang="ru-RU" sz="1800" b="0" i="0" u="none" strike="noStrike" dirty="0" err="1">
+                <a:solidFill>
+                  <a:srgbClr val="000000"/>
+                </a:solidFill>
+                <a:effectLst/>
+                <a:latin typeface="Arial" panose="020B0604020202020204" pitchFamily="34" charset="0"/>
+              </a:rPr>
+              <a:t>използваме</a:t>
+            </a:r>
+            <a:r>
+              <a:rPr lang="ru-RU" sz="1800" b="0" i="0" u="none" strike="noStrike" dirty="0">
+                <a:solidFill>
+                  <a:srgbClr val="000000"/>
+                </a:solidFill>
+                <a:effectLst/>
+                <a:latin typeface="Arial" panose="020B0604020202020204" pitchFamily="34" charset="0"/>
+              </a:rPr>
+              <a:t> </a:t>
+            </a:r>
+            <a:r>
+              <a:rPr lang="ru-RU" sz="1800" b="0" i="0" u="none" strike="noStrike" dirty="0" err="1">
+                <a:solidFill>
+                  <a:srgbClr val="000000"/>
+                </a:solidFill>
+                <a:effectLst/>
+                <a:latin typeface="Arial" panose="020B0604020202020204" pitchFamily="34" charset="0"/>
+              </a:rPr>
+              <a:t>Blazor</a:t>
+            </a:r>
+            <a:r>
+              <a:rPr lang="ru-RU" sz="1800" b="0" i="0" u="none" strike="noStrike" dirty="0">
+                <a:solidFill>
+                  <a:srgbClr val="000000"/>
+                </a:solidFill>
+                <a:effectLst/>
+                <a:latin typeface="Arial" panose="020B0604020202020204" pitchFamily="34" charset="0"/>
+              </a:rPr>
+              <a:t> Server - </a:t>
+            </a:r>
+            <a:r>
+              <a:rPr lang="ru-RU" sz="1800" b="0" i="0" u="none" strike="noStrike" dirty="0" err="1">
+                <a:solidFill>
+                  <a:srgbClr val="000000"/>
+                </a:solidFill>
+                <a:effectLst/>
+                <a:latin typeface="Arial" panose="020B0604020202020204" pitchFamily="34" charset="0"/>
+              </a:rPr>
+              <a:t>една</a:t>
+            </a:r>
+            <a:r>
+              <a:rPr lang="ru-RU" sz="1800" b="0" i="0" u="none" strike="noStrike" dirty="0">
+                <a:solidFill>
+                  <a:srgbClr val="000000"/>
+                </a:solidFill>
+                <a:effectLst/>
+                <a:latin typeface="Arial" panose="020B0604020202020204" pitchFamily="34" charset="0"/>
+              </a:rPr>
+              <a:t> от най-</a:t>
+            </a:r>
+            <a:r>
+              <a:rPr lang="ru-RU" sz="1800" b="0" i="0" u="none" strike="noStrike" dirty="0" err="1">
+                <a:solidFill>
+                  <a:srgbClr val="000000"/>
+                </a:solidFill>
+                <a:effectLst/>
+                <a:latin typeface="Arial" panose="020B0604020202020204" pitchFamily="34" charset="0"/>
+              </a:rPr>
+              <a:t>новите</a:t>
+            </a:r>
+            <a:r>
+              <a:rPr lang="ru-RU" sz="1800" b="0" i="0" u="none" strike="noStrike" dirty="0">
+                <a:solidFill>
+                  <a:srgbClr val="000000"/>
+                </a:solidFill>
+                <a:effectLst/>
+                <a:latin typeface="Arial" panose="020B0604020202020204" pitchFamily="34" charset="0"/>
+              </a:rPr>
+              <a:t> технологии за </a:t>
+            </a:r>
+            <a:r>
+              <a:rPr lang="ru-RU" sz="1800" b="0" i="0" u="none" strike="noStrike" dirty="0" err="1">
+                <a:solidFill>
+                  <a:srgbClr val="000000"/>
+                </a:solidFill>
+                <a:effectLst/>
+                <a:latin typeface="Arial" panose="020B0604020202020204" pitchFamily="34" charset="0"/>
+              </a:rPr>
+              <a:t>разработване</a:t>
+            </a:r>
+            <a:r>
+              <a:rPr lang="ru-RU" sz="1800" b="0" i="0" u="none" strike="noStrike" dirty="0">
+                <a:solidFill>
+                  <a:srgbClr val="000000"/>
+                </a:solidFill>
+                <a:effectLst/>
+                <a:latin typeface="Arial" panose="020B0604020202020204" pitchFamily="34" charset="0"/>
+              </a:rPr>
+              <a:t> на </a:t>
+            </a:r>
+            <a:r>
+              <a:rPr lang="ru-RU" sz="1800" b="0" i="0" u="none" strike="noStrike" dirty="0" err="1">
+                <a:solidFill>
+                  <a:srgbClr val="000000"/>
+                </a:solidFill>
+                <a:effectLst/>
+                <a:latin typeface="Arial" panose="020B0604020202020204" pitchFamily="34" charset="0"/>
+              </a:rPr>
+              <a:t>динамични</a:t>
+            </a:r>
+            <a:r>
+              <a:rPr lang="ru-RU" sz="1800" b="0" i="0" u="none" strike="noStrike" dirty="0">
+                <a:solidFill>
+                  <a:srgbClr val="000000"/>
+                </a:solidFill>
+                <a:effectLst/>
+                <a:latin typeface="Arial" panose="020B0604020202020204" pitchFamily="34" charset="0"/>
+              </a:rPr>
+              <a:t> уеб услуги, </a:t>
+            </a:r>
+            <a:r>
+              <a:rPr lang="ru-RU" sz="1800" b="0" i="0" u="none" strike="noStrike" dirty="0" err="1">
+                <a:solidFill>
+                  <a:srgbClr val="000000"/>
+                </a:solidFill>
+                <a:effectLst/>
+                <a:latin typeface="Arial" panose="020B0604020202020204" pitchFamily="34" charset="0"/>
+              </a:rPr>
+              <a:t>като</a:t>
+            </a:r>
+            <a:r>
+              <a:rPr lang="ru-RU" sz="1800" b="0" i="0" u="none" strike="noStrike" dirty="0">
+                <a:solidFill>
+                  <a:srgbClr val="000000"/>
+                </a:solidFill>
+                <a:effectLst/>
+                <a:latin typeface="Arial" panose="020B0604020202020204" pitchFamily="34" charset="0"/>
+              </a:rPr>
+              <a:t> за </a:t>
+            </a:r>
+            <a:r>
+              <a:rPr lang="ru-RU" sz="1800" b="0" i="0" u="none" strike="noStrike" dirty="0" err="1">
+                <a:solidFill>
+                  <a:srgbClr val="000000"/>
+                </a:solidFill>
+                <a:effectLst/>
+                <a:latin typeface="Arial" panose="020B0604020202020204" pitchFamily="34" charset="0"/>
+              </a:rPr>
+              <a:t>връзка</a:t>
+            </a:r>
+            <a:r>
+              <a:rPr lang="ru-RU" sz="1800" b="0" i="0" u="none" strike="noStrike" dirty="0">
+                <a:solidFill>
+                  <a:srgbClr val="000000"/>
+                </a:solidFill>
+                <a:effectLst/>
+                <a:latin typeface="Arial" panose="020B0604020202020204" pitchFamily="34" charset="0"/>
+              </a:rPr>
+              <a:t> </a:t>
+            </a:r>
+            <a:r>
+              <a:rPr lang="ru-RU" sz="1800" b="0" i="0" u="none" strike="noStrike" dirty="0" err="1">
+                <a:solidFill>
+                  <a:srgbClr val="000000"/>
+                </a:solidFill>
+                <a:effectLst/>
+                <a:latin typeface="Arial" panose="020B0604020202020204" pitchFamily="34" charset="0"/>
+              </a:rPr>
+              <a:t>със</a:t>
+            </a:r>
+            <a:r>
+              <a:rPr lang="ru-RU" sz="1800" b="0" i="0" u="none" strike="noStrike" dirty="0">
+                <a:solidFill>
+                  <a:srgbClr val="000000"/>
+                </a:solidFill>
+                <a:effectLst/>
+                <a:latin typeface="Arial" panose="020B0604020202020204" pitchFamily="34" charset="0"/>
+              </a:rPr>
+              <a:t> </a:t>
+            </a:r>
+            <a:r>
+              <a:rPr lang="ru-RU" sz="1800" b="0" i="0" u="none" strike="noStrike" dirty="0" err="1">
+                <a:solidFill>
+                  <a:srgbClr val="000000"/>
+                </a:solidFill>
+                <a:effectLst/>
+                <a:latin typeface="Arial" panose="020B0604020202020204" pitchFamily="34" charset="0"/>
+              </a:rPr>
+              <a:t>сървъра</a:t>
+            </a:r>
+            <a:r>
+              <a:rPr lang="ru-RU" sz="1800" b="0" i="0" u="none" strike="noStrike" dirty="0">
+                <a:solidFill>
+                  <a:srgbClr val="000000"/>
+                </a:solidFill>
+                <a:effectLst/>
+                <a:latin typeface="Arial" panose="020B0604020202020204" pitchFamily="34" charset="0"/>
+              </a:rPr>
+              <a:t> </a:t>
+            </a:r>
+            <a:r>
+              <a:rPr lang="ru-RU" sz="1800" b="0" i="0" u="none" strike="noStrike" dirty="0" err="1">
+                <a:solidFill>
+                  <a:srgbClr val="000000"/>
+                </a:solidFill>
+                <a:effectLst/>
+                <a:latin typeface="Arial" panose="020B0604020202020204" pitchFamily="34" charset="0"/>
+              </a:rPr>
+              <a:t>използваме</a:t>
+            </a:r>
+            <a:r>
+              <a:rPr lang="ru-RU" sz="1800" b="0" i="0" u="none" strike="noStrike" dirty="0">
+                <a:solidFill>
+                  <a:srgbClr val="000000"/>
+                </a:solidFill>
+                <a:effectLst/>
+                <a:latin typeface="Arial" panose="020B0604020202020204" pitchFamily="34" charset="0"/>
+              </a:rPr>
+              <a:t> </a:t>
+            </a:r>
+            <a:r>
+              <a:rPr lang="ru-RU" sz="1800" b="0" i="0" u="none" strike="noStrike" dirty="0" err="1">
+                <a:solidFill>
+                  <a:srgbClr val="000000"/>
+                </a:solidFill>
+                <a:effectLst/>
+                <a:latin typeface="Arial" panose="020B0604020202020204" pitchFamily="34" charset="0"/>
+              </a:rPr>
+              <a:t>Signal</a:t>
+            </a:r>
+            <a:r>
+              <a:rPr lang="ru-RU" sz="1800" b="0" i="0" u="none" strike="noStrike" dirty="0">
+                <a:solidFill>
+                  <a:srgbClr val="000000"/>
+                </a:solidFill>
+                <a:effectLst/>
+                <a:latin typeface="Arial" panose="020B0604020202020204" pitchFamily="34" charset="0"/>
+              </a:rPr>
+              <a:t> R и </a:t>
+            </a:r>
+            <a:r>
+              <a:rPr lang="ru-RU" sz="1800" b="0" i="0" u="none" strike="noStrike" dirty="0" err="1">
+                <a:solidFill>
+                  <a:srgbClr val="000000"/>
+                </a:solidFill>
+                <a:effectLst/>
+                <a:latin typeface="Arial" panose="020B0604020202020204" pitchFamily="34" charset="0"/>
+              </a:rPr>
+              <a:t>Rest</a:t>
+            </a:r>
+            <a:r>
+              <a:rPr lang="ru-RU" sz="1800" b="0" i="0" u="none" strike="noStrike" dirty="0">
+                <a:solidFill>
+                  <a:srgbClr val="000000"/>
+                </a:solidFill>
+                <a:effectLst/>
+                <a:latin typeface="Arial" panose="020B0604020202020204" pitchFamily="34" charset="0"/>
+              </a:rPr>
+              <a:t> API</a:t>
+            </a:r>
+            <a:endParaRPr lang="ru-RU" b="0" dirty="0">
+              <a:effectLst/>
+            </a:endParaRPr>
+          </a:p>
+          <a:p>
+            <a:pPr rtl="0">
+              <a:spcBef>
+                <a:spcPts val="0"/>
+              </a:spcBef>
+              <a:spcAft>
+                <a:spcPts val="0"/>
+              </a:spcAft>
+            </a:pPr>
+            <a:r>
+              <a:rPr lang="ru-RU" sz="1800" b="0" i="0" u="none" strike="noStrike" dirty="0">
+                <a:solidFill>
+                  <a:srgbClr val="000000"/>
+                </a:solidFill>
+                <a:effectLst/>
+                <a:latin typeface="Arial" panose="020B0604020202020204" pitchFamily="34" charset="0"/>
+              </a:rPr>
+              <a:t>За база </a:t>
+            </a:r>
+            <a:r>
+              <a:rPr lang="ru-RU" sz="1800" b="0" i="0" u="none" strike="noStrike" dirty="0" err="1">
+                <a:solidFill>
+                  <a:srgbClr val="000000"/>
+                </a:solidFill>
+                <a:effectLst/>
+                <a:latin typeface="Arial" panose="020B0604020202020204" pitchFamily="34" charset="0"/>
+              </a:rPr>
+              <a:t>данни</a:t>
+            </a:r>
+            <a:r>
+              <a:rPr lang="ru-RU" sz="1800" b="0" i="0" u="none" strike="noStrike" dirty="0">
+                <a:solidFill>
+                  <a:srgbClr val="000000"/>
+                </a:solidFill>
+                <a:effectLst/>
+                <a:latin typeface="Arial" panose="020B0604020202020204" pitchFamily="34" charset="0"/>
+              </a:rPr>
+              <a:t> </a:t>
+            </a:r>
+            <a:r>
+              <a:rPr lang="ru-RU" sz="1800" b="0" i="0" u="none" strike="noStrike" dirty="0" err="1">
+                <a:solidFill>
+                  <a:srgbClr val="000000"/>
+                </a:solidFill>
+                <a:effectLst/>
+                <a:latin typeface="Arial" panose="020B0604020202020204" pitchFamily="34" charset="0"/>
+              </a:rPr>
+              <a:t>използваме</a:t>
+            </a:r>
+            <a:r>
+              <a:rPr lang="ru-RU" sz="1800" b="0" i="0" u="none" strike="noStrike" dirty="0">
+                <a:solidFill>
+                  <a:srgbClr val="000000"/>
+                </a:solidFill>
+                <a:effectLst/>
+                <a:latin typeface="Arial" panose="020B0604020202020204" pitchFamily="34" charset="0"/>
+              </a:rPr>
+              <a:t> MSSQL</a:t>
+            </a:r>
+            <a:endParaRPr lang="ru-RU" b="0" dirty="0">
+              <a:effectLst/>
+            </a:endParaRPr>
+          </a:p>
+          <a:p>
+            <a:pPr rtl="0">
+              <a:spcBef>
+                <a:spcPts val="0"/>
+              </a:spcBef>
+              <a:spcAft>
+                <a:spcPts val="0"/>
+              </a:spcAft>
+            </a:pPr>
+            <a:r>
+              <a:rPr lang="ru-RU" sz="1800" b="0" i="0" u="none" strike="noStrike" dirty="0">
+                <a:solidFill>
+                  <a:srgbClr val="000000"/>
+                </a:solidFill>
+                <a:effectLst/>
+                <a:latin typeface="Arial" panose="020B0604020202020204" pitchFamily="34" charset="0"/>
+              </a:rPr>
+              <a:t>За </a:t>
+            </a:r>
+            <a:r>
+              <a:rPr lang="ru-RU" sz="1800" b="0" i="0" u="none" strike="noStrike" dirty="0" err="1">
+                <a:solidFill>
+                  <a:srgbClr val="000000"/>
+                </a:solidFill>
+                <a:effectLst/>
+                <a:latin typeface="Arial" panose="020B0604020202020204" pitchFamily="34" charset="0"/>
+              </a:rPr>
+              <a:t>клиентските</a:t>
+            </a:r>
+            <a:r>
+              <a:rPr lang="ru-RU" sz="1800" b="0" i="0" u="none" strike="noStrike" dirty="0">
+                <a:solidFill>
+                  <a:srgbClr val="000000"/>
+                </a:solidFill>
+                <a:effectLst/>
+                <a:latin typeface="Arial" panose="020B0604020202020204" pitchFamily="34" charset="0"/>
+              </a:rPr>
+              <a:t> приложения  </a:t>
+            </a:r>
+            <a:r>
+              <a:rPr lang="ru-RU" sz="1800" b="0" i="0" u="none" strike="noStrike" dirty="0" err="1">
+                <a:solidFill>
+                  <a:srgbClr val="000000"/>
+                </a:solidFill>
+                <a:effectLst/>
+                <a:latin typeface="Arial" panose="020B0604020202020204" pitchFamily="34" charset="0"/>
+              </a:rPr>
+              <a:t>използваме</a:t>
+            </a:r>
+            <a:r>
+              <a:rPr lang="ru-RU" sz="1800" b="0" i="0" u="none" strike="noStrike" dirty="0">
+                <a:solidFill>
+                  <a:srgbClr val="000000"/>
+                </a:solidFill>
+                <a:effectLst/>
+                <a:latin typeface="Arial" panose="020B0604020202020204" pitchFamily="34" charset="0"/>
+              </a:rPr>
+              <a:t> </a:t>
+            </a:r>
+            <a:r>
+              <a:rPr lang="ru-RU" sz="1800" b="0" i="0" u="none" strike="noStrike" dirty="0" err="1">
+                <a:solidFill>
+                  <a:srgbClr val="000000"/>
+                </a:solidFill>
+                <a:effectLst/>
+                <a:latin typeface="Arial" panose="020B0604020202020204" pitchFamily="34" charset="0"/>
+              </a:rPr>
+              <a:t>React</a:t>
+            </a:r>
+            <a:r>
+              <a:rPr lang="ru-RU" sz="1800" b="0" i="0" u="none" strike="noStrike" dirty="0">
+                <a:solidFill>
+                  <a:srgbClr val="000000"/>
+                </a:solidFill>
+                <a:effectLst/>
+                <a:latin typeface="Arial" panose="020B0604020202020204" pitchFamily="34" charset="0"/>
+              </a:rPr>
+              <a:t> и </a:t>
+            </a:r>
+            <a:r>
+              <a:rPr lang="ru-RU" sz="1800" b="0" i="0" u="none" strike="noStrike" dirty="0" err="1">
+                <a:solidFill>
+                  <a:srgbClr val="000000"/>
+                </a:solidFill>
+                <a:effectLst/>
+                <a:latin typeface="Arial" panose="020B0604020202020204" pitchFamily="34" charset="0"/>
+              </a:rPr>
+              <a:t>Flutter</a:t>
+            </a:r>
+            <a:r>
+              <a:rPr lang="ru-RU" sz="1800" b="0" i="0" u="none" strike="noStrike" dirty="0">
+                <a:solidFill>
+                  <a:srgbClr val="000000"/>
+                </a:solidFill>
+                <a:effectLst/>
+                <a:latin typeface="Arial" panose="020B0604020202020204" pitchFamily="34" charset="0"/>
+              </a:rPr>
+              <a:t> </a:t>
+            </a:r>
+            <a:endParaRPr lang="ru-RU" b="0" dirty="0">
+              <a:effectLst/>
+            </a:endParaRPr>
+          </a:p>
+          <a:p>
+            <a:pPr rtl="0">
+              <a:spcBef>
+                <a:spcPts val="0"/>
+              </a:spcBef>
+              <a:spcAft>
+                <a:spcPts val="0"/>
+              </a:spcAft>
+            </a:pPr>
+            <a:br>
+              <a:rPr lang="ru-RU" b="0" dirty="0">
+                <a:effectLst/>
+              </a:rPr>
+            </a:br>
+            <a:r>
+              <a:rPr lang="ru-RU" sz="1800" b="0" i="0" u="none" strike="noStrike" dirty="0" err="1">
+                <a:solidFill>
+                  <a:srgbClr val="000000"/>
+                </a:solidFill>
+                <a:effectLst/>
+                <a:latin typeface="Arial" panose="020B0604020202020204" pitchFamily="34" charset="0"/>
+              </a:rPr>
+              <a:t>Използваме</a:t>
+            </a:r>
+            <a:r>
+              <a:rPr lang="ru-RU" sz="1800" b="0" i="0" u="none" strike="noStrike" dirty="0">
+                <a:solidFill>
+                  <a:srgbClr val="000000"/>
+                </a:solidFill>
+                <a:effectLst/>
+                <a:latin typeface="Arial" panose="020B0604020202020204" pitchFamily="34" charset="0"/>
+              </a:rPr>
+              <a:t> докер, за да </a:t>
+            </a:r>
+            <a:r>
+              <a:rPr lang="ru-RU" sz="1800" b="0" i="0" u="none" strike="noStrike" dirty="0" err="1">
+                <a:solidFill>
+                  <a:srgbClr val="000000"/>
+                </a:solidFill>
+                <a:effectLst/>
+                <a:latin typeface="Arial" panose="020B0604020202020204" pitchFamily="34" charset="0"/>
+              </a:rPr>
+              <a:t>улесним</a:t>
+            </a:r>
+            <a:r>
+              <a:rPr lang="ru-RU" sz="1800" b="0" i="0" u="none" strike="noStrike" dirty="0">
+                <a:solidFill>
+                  <a:srgbClr val="000000"/>
+                </a:solidFill>
+                <a:effectLst/>
+                <a:latin typeface="Arial" panose="020B0604020202020204" pitchFamily="34" charset="0"/>
+              </a:rPr>
+              <a:t> </a:t>
+            </a:r>
+            <a:r>
+              <a:rPr lang="ru-RU" sz="1800" b="0" i="0" u="none" strike="noStrike" dirty="0" err="1">
+                <a:solidFill>
+                  <a:srgbClr val="000000"/>
+                </a:solidFill>
+                <a:effectLst/>
+                <a:latin typeface="Arial" panose="020B0604020202020204" pitchFamily="34" charset="0"/>
+              </a:rPr>
+              <a:t>deploy-ването</a:t>
+            </a:r>
+            <a:r>
+              <a:rPr lang="ru-RU" sz="1800" b="0" i="0" u="none" strike="noStrike" dirty="0">
+                <a:solidFill>
+                  <a:srgbClr val="000000"/>
+                </a:solidFill>
+                <a:effectLst/>
+                <a:latin typeface="Arial" panose="020B0604020202020204" pitchFamily="34" charset="0"/>
+              </a:rPr>
+              <a:t> на </a:t>
+            </a:r>
+            <a:r>
+              <a:rPr lang="ru-RU" sz="1800" b="0" i="0" u="none" strike="noStrike" dirty="0" err="1">
+                <a:solidFill>
+                  <a:srgbClr val="000000"/>
+                </a:solidFill>
+                <a:effectLst/>
+                <a:latin typeface="Arial" panose="020B0604020202020204" pitchFamily="34" charset="0"/>
+              </a:rPr>
+              <a:t>Blazor</a:t>
+            </a:r>
+            <a:r>
+              <a:rPr lang="ru-RU" sz="1800" b="0" i="0" u="none" strike="noStrike" dirty="0">
+                <a:solidFill>
+                  <a:srgbClr val="000000"/>
+                </a:solidFill>
+                <a:effectLst/>
+                <a:latin typeface="Arial" panose="020B0604020202020204" pitchFamily="34" charset="0"/>
+              </a:rPr>
+              <a:t> </a:t>
+            </a:r>
+            <a:r>
+              <a:rPr lang="ru-RU" sz="1800" b="0" i="0" u="none" strike="noStrike" dirty="0" err="1">
+                <a:solidFill>
+                  <a:srgbClr val="000000"/>
+                </a:solidFill>
+                <a:effectLst/>
+                <a:latin typeface="Arial" panose="020B0604020202020204" pitchFamily="34" charset="0"/>
+              </a:rPr>
+              <a:t>сървъра</a:t>
+            </a:r>
+            <a:r>
+              <a:rPr lang="ru-RU" sz="1800" b="0" i="0" u="none" strike="noStrike" dirty="0">
+                <a:solidFill>
+                  <a:srgbClr val="000000"/>
+                </a:solidFill>
+                <a:effectLst/>
+                <a:latin typeface="Arial" panose="020B0604020202020204" pitchFamily="34" charset="0"/>
+              </a:rPr>
+              <a:t> и </a:t>
+            </a:r>
+            <a:r>
+              <a:rPr lang="ru-RU" sz="1800" b="0" i="0" u="none" strike="noStrike" dirty="0" err="1">
+                <a:solidFill>
+                  <a:srgbClr val="000000"/>
+                </a:solidFill>
+                <a:effectLst/>
+                <a:latin typeface="Arial" panose="020B0604020202020204" pitchFamily="34" charset="0"/>
+              </a:rPr>
+              <a:t>React</a:t>
+            </a:r>
+            <a:r>
+              <a:rPr lang="ru-RU" sz="1800" b="0" i="0" u="none" strike="noStrike" dirty="0">
+                <a:solidFill>
+                  <a:srgbClr val="000000"/>
+                </a:solidFill>
+                <a:effectLst/>
+                <a:latin typeface="Arial" panose="020B0604020202020204" pitchFamily="34" charset="0"/>
+              </a:rPr>
+              <a:t> клиента, </a:t>
+            </a:r>
+            <a:r>
+              <a:rPr lang="ru-RU" sz="1800" b="0" i="0" u="none" strike="noStrike" dirty="0" err="1">
+                <a:solidFill>
+                  <a:srgbClr val="000000"/>
+                </a:solidFill>
+                <a:effectLst/>
+                <a:latin typeface="Arial" panose="020B0604020202020204" pitchFamily="34" charset="0"/>
+              </a:rPr>
+              <a:t>като</a:t>
+            </a:r>
+            <a:r>
+              <a:rPr lang="ru-RU" sz="1800" b="0" i="0" u="none" strike="noStrike" dirty="0">
+                <a:solidFill>
+                  <a:srgbClr val="000000"/>
+                </a:solidFill>
+                <a:effectLst/>
+                <a:latin typeface="Arial" panose="020B0604020202020204" pitchFamily="34" charset="0"/>
+              </a:rPr>
+              <a:t> </a:t>
+            </a:r>
+            <a:r>
+              <a:rPr lang="ru-RU" sz="1800" b="0" i="0" u="none" strike="noStrike" dirty="0" err="1">
+                <a:solidFill>
+                  <a:srgbClr val="000000"/>
+                </a:solidFill>
+                <a:effectLst/>
+                <a:latin typeface="Arial" panose="020B0604020202020204" pitchFamily="34" charset="0"/>
+              </a:rPr>
+              <a:t>същевременно</a:t>
+            </a:r>
+            <a:r>
+              <a:rPr lang="ru-RU" sz="1800" b="0" i="0" u="none" strike="noStrike" dirty="0">
+                <a:solidFill>
+                  <a:srgbClr val="000000"/>
+                </a:solidFill>
+                <a:effectLst/>
+                <a:latin typeface="Arial" panose="020B0604020202020204" pitchFamily="34" charset="0"/>
+              </a:rPr>
+              <a:t> с </a:t>
+            </a:r>
+            <a:r>
+              <a:rPr lang="ru-RU" sz="1800" b="0" i="0" u="none" strike="noStrike" dirty="0" err="1">
+                <a:solidFill>
+                  <a:srgbClr val="000000"/>
+                </a:solidFill>
+                <a:effectLst/>
+                <a:latin typeface="Arial" panose="020B0604020202020204" pitchFamily="34" charset="0"/>
+              </a:rPr>
+              <a:t>това</a:t>
+            </a:r>
+            <a:r>
+              <a:rPr lang="ru-RU" sz="1800" b="0" i="0" u="none" strike="noStrike" dirty="0">
+                <a:solidFill>
+                  <a:srgbClr val="000000"/>
+                </a:solidFill>
+                <a:effectLst/>
+                <a:latin typeface="Arial" panose="020B0604020202020204" pitchFamily="34" charset="0"/>
+              </a:rPr>
+              <a:t> </a:t>
+            </a:r>
+            <a:r>
+              <a:rPr lang="ru-RU" sz="1800" b="0" i="0" u="none" strike="noStrike" dirty="0" err="1">
+                <a:solidFill>
+                  <a:srgbClr val="000000"/>
+                </a:solidFill>
+                <a:effectLst/>
+                <a:latin typeface="Arial" panose="020B0604020202020204" pitchFamily="34" charset="0"/>
+              </a:rPr>
+              <a:t>осигуряваме</a:t>
+            </a:r>
+            <a:r>
+              <a:rPr lang="ru-RU" sz="1800" b="0" i="0" u="none" strike="noStrike" dirty="0">
+                <a:solidFill>
+                  <a:srgbClr val="000000"/>
+                </a:solidFill>
+                <a:effectLst/>
+                <a:latin typeface="Arial" panose="020B0604020202020204" pitchFamily="34" charset="0"/>
+              </a:rPr>
+              <a:t> и известна степен на </a:t>
+            </a:r>
+            <a:r>
+              <a:rPr lang="ru-RU" sz="1800" b="0" i="0" u="none" strike="noStrike" dirty="0" err="1">
+                <a:solidFill>
+                  <a:srgbClr val="000000"/>
+                </a:solidFill>
+                <a:effectLst/>
+                <a:latin typeface="Arial" panose="020B0604020202020204" pitchFamily="34" charset="0"/>
+              </a:rPr>
+              <a:t>сигурност</a:t>
+            </a:r>
+            <a:r>
+              <a:rPr lang="ru-RU" sz="1800" b="0" i="0" u="none" strike="noStrike" dirty="0">
+                <a:solidFill>
+                  <a:srgbClr val="000000"/>
+                </a:solidFill>
+                <a:effectLst/>
+                <a:latin typeface="Arial" panose="020B0604020202020204" pitchFamily="34" charset="0"/>
+              </a:rPr>
+              <a:t>, </a:t>
+            </a:r>
+            <a:r>
+              <a:rPr lang="ru-RU" sz="1800" b="0" i="0" u="none" strike="noStrike" dirty="0" err="1">
+                <a:solidFill>
+                  <a:srgbClr val="000000"/>
+                </a:solidFill>
+                <a:effectLst/>
+                <a:latin typeface="Arial" panose="020B0604020202020204" pitchFamily="34" charset="0"/>
+              </a:rPr>
+              <a:t>защото</a:t>
+            </a:r>
+            <a:r>
+              <a:rPr lang="ru-RU" sz="1800" b="0" i="0" u="none" strike="noStrike" dirty="0">
+                <a:solidFill>
+                  <a:srgbClr val="000000"/>
+                </a:solidFill>
+                <a:effectLst/>
+                <a:latin typeface="Arial" panose="020B0604020202020204" pitchFamily="34" charset="0"/>
+              </a:rPr>
+              <a:t> те се </a:t>
+            </a:r>
+            <a:r>
+              <a:rPr lang="ru-RU" sz="1800" b="0" i="0" u="none" strike="noStrike" dirty="0" err="1">
+                <a:solidFill>
+                  <a:srgbClr val="000000"/>
+                </a:solidFill>
+                <a:effectLst/>
+                <a:latin typeface="Arial" panose="020B0604020202020204" pitchFamily="34" charset="0"/>
+              </a:rPr>
+              <a:t>изпълняват</a:t>
+            </a:r>
+            <a:r>
+              <a:rPr lang="ru-RU" sz="1800" b="0" i="0" u="none" strike="noStrike" dirty="0">
+                <a:solidFill>
+                  <a:srgbClr val="000000"/>
+                </a:solidFill>
+                <a:effectLst/>
+                <a:latin typeface="Arial" panose="020B0604020202020204" pitchFamily="34" charset="0"/>
+              </a:rPr>
+              <a:t> в </a:t>
+            </a:r>
+            <a:r>
+              <a:rPr lang="ru-RU" sz="1800" b="0" i="0" u="none" strike="noStrike" dirty="0" err="1">
+                <a:solidFill>
+                  <a:srgbClr val="000000"/>
+                </a:solidFill>
+                <a:effectLst/>
+                <a:latin typeface="Arial" panose="020B0604020202020204" pitchFamily="34" charset="0"/>
+              </a:rPr>
+              <a:t>обособена</a:t>
+            </a:r>
+            <a:r>
+              <a:rPr lang="ru-RU" sz="1800" b="0" i="0" u="none" strike="noStrike" dirty="0">
+                <a:solidFill>
+                  <a:srgbClr val="000000"/>
+                </a:solidFill>
+                <a:effectLst/>
+                <a:latin typeface="Arial" panose="020B0604020202020204" pitchFamily="34" charset="0"/>
+              </a:rPr>
+              <a:t> среда.</a:t>
+            </a:r>
+            <a:endParaRPr lang="ru-RU" b="0" dirty="0">
+              <a:effectLst/>
+            </a:endParaRPr>
+          </a:p>
+          <a:p>
+            <a:br>
+              <a:rPr lang="ru-RU" dirty="0"/>
+            </a:br>
+            <a:endParaRPr lang="en-US" dirty="0"/>
+          </a:p>
+        </p:txBody>
+      </p:sp>
+      <p:sp>
+        <p:nvSpPr>
+          <p:cNvPr id="4" name="Slide Number Placeholder 3"/>
+          <p:cNvSpPr>
+            <a:spLocks noGrp="1"/>
+          </p:cNvSpPr>
+          <p:nvPr>
+            <p:ph type="sldNum" sz="quarter" idx="5"/>
+          </p:nvPr>
+        </p:nvSpPr>
+        <p:spPr/>
+        <p:txBody>
+          <a:bodyPr/>
+          <a:lstStyle/>
+          <a:p>
+            <a:fld id="{354FBB31-2E76-4A4B-BA94-9E05B09A2BD0}" type="slidenum">
+              <a:rPr lang="en-US" smtClean="0"/>
+              <a:t>4</a:t>
+            </a:fld>
+            <a:endParaRPr lang="en-US"/>
+          </a:p>
+        </p:txBody>
+      </p:sp>
+    </p:spTree>
+    <p:extLst>
+      <p:ext uri="{BB962C8B-B14F-4D97-AF65-F5344CB8AC3E}">
+        <p14:creationId xmlns:p14="http://schemas.microsoft.com/office/powerpoint/2010/main" val="2597253357"/>
+      </p:ext>
+    </p:extLst>
+  </p:cSld>
+  <p:clrMapOvr>
+    <a:masterClrMapping/>
+  </p:clrMapOvr>
+</p:notes>
+</file>
+
+<file path=ppt/notesSlides/notesSlide5.xml><?xml version="1.0" encoding="utf-8"?>
+<p:notes xmlns:a="http://schemas.openxmlformats.org/drawingml/2006/main" xmlns:r="http://schemas.openxmlformats.org/officeDocument/2006/relationships" xmlns:p="http://schemas.openxmlformats.org/presentationml/2006/main">
+  <p:cSld>
+    <p:spTree>
+      <p:nvGrpSpPr>
+        <p:cNvPr id="1" name=""/>
+        <p:cNvGrpSpPr/>
+        <p:nvPr/>
+      </p:nvGrpSpPr>
+      <p:grpSpPr>
+        <a:xfrm>
+          <a:off x="0" y="0"/>
+          <a:ext cx="0" cy="0"/>
+          <a:chOff x="0" y="0"/>
+          <a:chExt cx="0" cy="0"/>
+        </a:xfrm>
+      </p:grpSpPr>
+      <p:sp>
+        <p:nvSpPr>
+          <p:cNvPr id="2" name="Slide Image Placeholder 1"/>
+          <p:cNvSpPr>
+            <a:spLocks noGrp="1" noRot="1" noChangeAspect="1"/>
+          </p:cNvSpPr>
+          <p:nvPr>
+            <p:ph type="sldImg"/>
+          </p:nvPr>
+        </p:nvSpPr>
+        <p:spPr/>
+      </p:sp>
+      <p:sp>
+        <p:nvSpPr>
+          <p:cNvPr id="3" name="Notes Placeholder 2"/>
+          <p:cNvSpPr>
+            <a:spLocks noGrp="1"/>
+          </p:cNvSpPr>
+          <p:nvPr>
+            <p:ph type="body" idx="1"/>
+          </p:nvPr>
+        </p:nvSpPr>
+        <p:spPr/>
+        <p:txBody>
+          <a:bodyPr/>
+          <a:lstStyle/>
+          <a:p>
+            <a:pPr rtl="0">
+              <a:spcBef>
+                <a:spcPts val="0"/>
+              </a:spcBef>
+              <a:spcAft>
+                <a:spcPts val="0"/>
+              </a:spcAft>
+            </a:pPr>
+            <a:r>
+              <a:rPr lang="ru-RU" sz="1800" b="0" i="0" u="none" strike="noStrike" dirty="0" err="1">
+                <a:solidFill>
+                  <a:srgbClr val="000000"/>
+                </a:solidFill>
+                <a:effectLst/>
+                <a:latin typeface="Arial" panose="020B0604020202020204" pitchFamily="34" charset="0"/>
+              </a:rPr>
+              <a:t>Ивайло</a:t>
+            </a:r>
+            <a:r>
+              <a:rPr lang="ru-RU" sz="1800" b="0" i="0" u="none" strike="noStrike" dirty="0">
+                <a:solidFill>
+                  <a:srgbClr val="000000"/>
+                </a:solidFill>
+                <a:effectLst/>
+                <a:latin typeface="Arial" panose="020B0604020202020204" pitchFamily="34" charset="0"/>
+              </a:rPr>
+              <a:t> Тук </a:t>
+            </a:r>
+            <a:r>
+              <a:rPr lang="ru-RU" sz="1800" b="0" i="0" u="none" strike="noStrike" dirty="0" err="1">
+                <a:solidFill>
+                  <a:srgbClr val="000000"/>
+                </a:solidFill>
+                <a:effectLst/>
+                <a:latin typeface="Arial" panose="020B0604020202020204" pitchFamily="34" charset="0"/>
+              </a:rPr>
+              <a:t>може</a:t>
+            </a:r>
+            <a:r>
+              <a:rPr lang="ru-RU" sz="1800" b="0" i="0" u="none" strike="noStrike" dirty="0">
+                <a:solidFill>
+                  <a:srgbClr val="000000"/>
+                </a:solidFill>
+                <a:effectLst/>
+                <a:latin typeface="Arial" panose="020B0604020202020204" pitchFamily="34" charset="0"/>
+              </a:rPr>
+              <a:t> да видите </a:t>
+            </a:r>
+            <a:r>
+              <a:rPr lang="ru-RU" sz="1800" b="0" i="0" u="none" strike="noStrike" dirty="0" err="1">
+                <a:solidFill>
+                  <a:srgbClr val="000000"/>
+                </a:solidFill>
+                <a:effectLst/>
+                <a:latin typeface="Arial" panose="020B0604020202020204" pitchFamily="34" charset="0"/>
+              </a:rPr>
+              <a:t>архитектурата</a:t>
+            </a:r>
+            <a:r>
+              <a:rPr lang="ru-RU" sz="1800" b="0" i="0" u="none" strike="noStrike" dirty="0">
+                <a:solidFill>
+                  <a:srgbClr val="000000"/>
+                </a:solidFill>
+                <a:effectLst/>
+                <a:latin typeface="Arial" panose="020B0604020202020204" pitchFamily="34" charset="0"/>
+              </a:rPr>
+              <a:t> на </a:t>
+            </a:r>
+            <a:r>
+              <a:rPr lang="ru-RU" sz="1800" b="0" i="0" u="none" strike="noStrike" dirty="0" err="1">
+                <a:solidFill>
+                  <a:srgbClr val="000000"/>
+                </a:solidFill>
+                <a:effectLst/>
+                <a:latin typeface="Arial" panose="020B0604020202020204" pitchFamily="34" charset="0"/>
+              </a:rPr>
+              <a:t>системата</a:t>
+            </a:r>
+            <a:r>
+              <a:rPr lang="ru-RU" sz="1800" b="0" i="0" u="none" strike="noStrike" dirty="0">
+                <a:solidFill>
+                  <a:srgbClr val="000000"/>
+                </a:solidFill>
+                <a:effectLst/>
+                <a:latin typeface="Arial" panose="020B0604020202020204" pitchFamily="34" charset="0"/>
+              </a:rPr>
+              <a:t> &lt;</a:t>
+            </a:r>
+            <a:r>
+              <a:rPr lang="ru-RU" sz="1800" b="0" i="0" u="none" strike="noStrike" dirty="0" err="1">
+                <a:solidFill>
+                  <a:srgbClr val="000000"/>
+                </a:solidFill>
+                <a:effectLst/>
+                <a:latin typeface="Arial" panose="020B0604020202020204" pitchFamily="34" charset="0"/>
+              </a:rPr>
+              <a:t>разкажи</a:t>
+            </a:r>
+            <a:r>
+              <a:rPr lang="ru-RU" sz="1800" b="0" i="0" u="none" strike="noStrike" dirty="0">
+                <a:solidFill>
+                  <a:srgbClr val="000000"/>
+                </a:solidFill>
+                <a:effectLst/>
+                <a:latin typeface="Arial" panose="020B0604020202020204" pitchFamily="34" charset="0"/>
+              </a:rPr>
+              <a:t>&gt;</a:t>
+            </a:r>
+            <a:endParaRPr lang="ru-RU" b="0" dirty="0">
+              <a:effectLst/>
+            </a:endParaRPr>
+          </a:p>
+          <a:p>
+            <a:br>
+              <a:rPr lang="ru-RU" dirty="0"/>
+            </a:br>
+            <a:endParaRPr lang="en-US" dirty="0"/>
+          </a:p>
+        </p:txBody>
+      </p:sp>
+      <p:sp>
+        <p:nvSpPr>
+          <p:cNvPr id="4" name="Slide Number Placeholder 3"/>
+          <p:cNvSpPr>
+            <a:spLocks noGrp="1"/>
+          </p:cNvSpPr>
+          <p:nvPr>
+            <p:ph type="sldNum" sz="quarter" idx="5"/>
+          </p:nvPr>
+        </p:nvSpPr>
+        <p:spPr/>
+        <p:txBody>
+          <a:bodyPr/>
+          <a:lstStyle/>
+          <a:p>
+            <a:fld id="{354FBB31-2E76-4A4B-BA94-9E05B09A2BD0}" type="slidenum">
+              <a:rPr lang="en-US" smtClean="0"/>
+              <a:t>5</a:t>
+            </a:fld>
+            <a:endParaRPr lang="en-US"/>
+          </a:p>
+        </p:txBody>
+      </p:sp>
+    </p:spTree>
+    <p:extLst>
+      <p:ext uri="{BB962C8B-B14F-4D97-AF65-F5344CB8AC3E}">
+        <p14:creationId xmlns:p14="http://schemas.microsoft.com/office/powerpoint/2010/main" val="2421499444"/>
+      </p:ext>
+    </p:extLst>
+  </p:cSld>
+  <p:clrMapOvr>
+    <a:masterClrMapping/>
+  </p:clrMapOvr>
+</p:notes>
+</file>
+
+<file path=ppt/notesSlides/notesSlide6.xml><?xml version="1.0" encoding="utf-8"?>
+<p:notes xmlns:a="http://schemas.openxmlformats.org/drawingml/2006/main" xmlns:r="http://schemas.openxmlformats.org/officeDocument/2006/relationships" xmlns:p="http://schemas.openxmlformats.org/presentationml/2006/main">
+  <p:cSld>
+    <p:spTree>
+      <p:nvGrpSpPr>
+        <p:cNvPr id="1" name=""/>
+        <p:cNvGrpSpPr/>
+        <p:nvPr/>
+      </p:nvGrpSpPr>
+      <p:grpSpPr>
+        <a:xfrm>
+          <a:off x="0" y="0"/>
+          <a:ext cx="0" cy="0"/>
+          <a:chOff x="0" y="0"/>
+          <a:chExt cx="0" cy="0"/>
+        </a:xfrm>
+      </p:grpSpPr>
+      <p:sp>
+        <p:nvSpPr>
+          <p:cNvPr id="2" name="Slide Image Placeholder 1"/>
+          <p:cNvSpPr>
+            <a:spLocks noGrp="1" noRot="1" noChangeAspect="1"/>
+          </p:cNvSpPr>
+          <p:nvPr>
+            <p:ph type="sldImg"/>
+          </p:nvPr>
+        </p:nvSpPr>
+        <p:spPr/>
+      </p:sp>
+      <p:sp>
+        <p:nvSpPr>
+          <p:cNvPr id="3" name="Notes Placeholder 2"/>
+          <p:cNvSpPr>
+            <a:spLocks noGrp="1"/>
+          </p:cNvSpPr>
+          <p:nvPr>
+            <p:ph type="body" idx="1"/>
+          </p:nvPr>
+        </p:nvSpPr>
+        <p:spPr/>
+        <p:txBody>
+          <a:bodyPr/>
+          <a:lstStyle/>
+          <a:p>
+            <a:pPr rtl="0">
+              <a:spcBef>
+                <a:spcPts val="0"/>
+              </a:spcBef>
+              <a:spcAft>
+                <a:spcPts val="0"/>
+              </a:spcAft>
+            </a:pPr>
+            <a:r>
+              <a:rPr lang="ru-RU" sz="1800" b="0" i="0" u="none" strike="noStrike" dirty="0">
+                <a:solidFill>
+                  <a:srgbClr val="000000"/>
+                </a:solidFill>
+                <a:effectLst/>
+                <a:latin typeface="Arial" panose="020B0604020202020204" pitchFamily="34" charset="0"/>
+              </a:rPr>
+              <a:t>Никола </a:t>
+            </a:r>
+            <a:r>
+              <a:rPr lang="ru-RU" sz="1800" b="0" i="0" u="none" strike="noStrike" dirty="0" err="1">
+                <a:solidFill>
+                  <a:srgbClr val="000000"/>
+                </a:solidFill>
+                <a:effectLst/>
+                <a:latin typeface="Arial" panose="020B0604020202020204" pitchFamily="34" charset="0"/>
+              </a:rPr>
+              <a:t>Сега</a:t>
+            </a:r>
+            <a:r>
+              <a:rPr lang="ru-RU" sz="1800" b="0" i="0" u="none" strike="noStrike" dirty="0">
+                <a:solidFill>
+                  <a:srgbClr val="000000"/>
+                </a:solidFill>
+                <a:effectLst/>
+                <a:latin typeface="Arial" panose="020B0604020202020204" pitchFamily="34" charset="0"/>
+              </a:rPr>
+              <a:t> </a:t>
+            </a:r>
+            <a:r>
+              <a:rPr lang="ru-RU" sz="1800" b="0" i="0" u="none" strike="noStrike" dirty="0" err="1">
+                <a:solidFill>
+                  <a:srgbClr val="000000"/>
+                </a:solidFill>
+                <a:effectLst/>
+                <a:latin typeface="Arial" panose="020B0604020202020204" pitchFamily="34" charset="0"/>
+              </a:rPr>
+              <a:t>ще</a:t>
+            </a:r>
+            <a:r>
+              <a:rPr lang="ru-RU" sz="1800" b="0" i="0" u="none" strike="noStrike" dirty="0">
+                <a:solidFill>
+                  <a:srgbClr val="000000"/>
+                </a:solidFill>
+                <a:effectLst/>
+                <a:latin typeface="Arial" panose="020B0604020202020204" pitchFamily="34" charset="0"/>
+              </a:rPr>
+              <a:t> преминем </a:t>
+            </a:r>
+            <a:r>
+              <a:rPr lang="ru-RU" sz="1800" b="0" i="0" u="none" strike="noStrike" dirty="0" err="1">
+                <a:solidFill>
+                  <a:srgbClr val="000000"/>
+                </a:solidFill>
+                <a:effectLst/>
+                <a:latin typeface="Arial" panose="020B0604020202020204" pitchFamily="34" charset="0"/>
+              </a:rPr>
+              <a:t>към</a:t>
+            </a:r>
+            <a:r>
+              <a:rPr lang="ru-RU" sz="1800" b="0" i="0" u="none" strike="noStrike" dirty="0">
+                <a:solidFill>
+                  <a:srgbClr val="000000"/>
+                </a:solidFill>
+                <a:effectLst/>
+                <a:latin typeface="Arial" panose="020B0604020202020204" pitchFamily="34" charset="0"/>
+              </a:rPr>
+              <a:t> </a:t>
+            </a:r>
+            <a:r>
+              <a:rPr lang="ru-RU" sz="1800" b="0" i="0" u="none" strike="noStrike" dirty="0" err="1">
+                <a:solidFill>
+                  <a:srgbClr val="000000"/>
+                </a:solidFill>
+                <a:effectLst/>
+                <a:latin typeface="Arial" panose="020B0604020202020204" pitchFamily="34" charset="0"/>
+              </a:rPr>
+              <a:t>бърз</a:t>
+            </a:r>
+            <a:r>
+              <a:rPr lang="ru-RU" sz="1800" b="0" i="0" u="none" strike="noStrike" dirty="0">
+                <a:solidFill>
+                  <a:srgbClr val="000000"/>
+                </a:solidFill>
+                <a:effectLst/>
+                <a:latin typeface="Arial" panose="020B0604020202020204" pitchFamily="34" charset="0"/>
+              </a:rPr>
+              <a:t> </a:t>
+            </a:r>
+            <a:r>
+              <a:rPr lang="ru-RU" sz="1800" b="0" i="0" u="none" strike="noStrike" dirty="0" err="1">
+                <a:solidFill>
+                  <a:srgbClr val="000000"/>
+                </a:solidFill>
+                <a:effectLst/>
+                <a:latin typeface="Arial" panose="020B0604020202020204" pitchFamily="34" charset="0"/>
+              </a:rPr>
+              <a:t>преглед</a:t>
+            </a:r>
+            <a:r>
+              <a:rPr lang="ru-RU" sz="1800" b="0" i="0" u="none" strike="noStrike" dirty="0">
+                <a:solidFill>
+                  <a:srgbClr val="000000"/>
+                </a:solidFill>
+                <a:effectLst/>
+                <a:latin typeface="Arial" panose="020B0604020202020204" pitchFamily="34" charset="0"/>
+              </a:rPr>
+              <a:t> на </a:t>
+            </a:r>
+            <a:r>
+              <a:rPr lang="ru-RU" sz="1800" b="0" i="0" u="none" strike="noStrike" dirty="0" err="1">
+                <a:solidFill>
+                  <a:srgbClr val="000000"/>
+                </a:solidFill>
+                <a:effectLst/>
+                <a:latin typeface="Arial" panose="020B0604020202020204" pitchFamily="34" charset="0"/>
+              </a:rPr>
+              <a:t>реализацията</a:t>
+            </a:r>
+            <a:r>
+              <a:rPr lang="ru-RU" sz="1800" b="0" i="0" u="none" strike="noStrike" dirty="0">
+                <a:solidFill>
+                  <a:srgbClr val="000000"/>
+                </a:solidFill>
+                <a:effectLst/>
+                <a:latin typeface="Arial" panose="020B0604020202020204" pitchFamily="34" charset="0"/>
+              </a:rPr>
+              <a:t> на </a:t>
+            </a:r>
+            <a:r>
+              <a:rPr lang="ru-RU" sz="1800" b="0" i="0" u="none" strike="noStrike" dirty="0" err="1">
+                <a:solidFill>
+                  <a:srgbClr val="000000"/>
+                </a:solidFill>
+                <a:effectLst/>
+                <a:latin typeface="Arial" panose="020B0604020202020204" pitchFamily="34" charset="0"/>
+              </a:rPr>
+              <a:t>системата</a:t>
+            </a:r>
+            <a:r>
+              <a:rPr lang="ru-RU" sz="1800" b="0" i="0" u="none" strike="noStrike" dirty="0">
+                <a:solidFill>
+                  <a:srgbClr val="000000"/>
+                </a:solidFill>
+                <a:effectLst/>
+                <a:latin typeface="Arial" panose="020B0604020202020204" pitchFamily="34" charset="0"/>
+              </a:rPr>
+              <a:t> </a:t>
+            </a:r>
+            <a:endParaRPr lang="ru-RU" b="0" dirty="0">
+              <a:effectLst/>
+            </a:endParaRPr>
+          </a:p>
+          <a:p>
+            <a:br>
+              <a:rPr lang="ru-RU" dirty="0"/>
+            </a:br>
+            <a:endParaRPr lang="en-US" dirty="0"/>
+          </a:p>
+        </p:txBody>
+      </p:sp>
+      <p:sp>
+        <p:nvSpPr>
+          <p:cNvPr id="4" name="Slide Number Placeholder 3"/>
+          <p:cNvSpPr>
+            <a:spLocks noGrp="1"/>
+          </p:cNvSpPr>
+          <p:nvPr>
+            <p:ph type="sldNum" sz="quarter" idx="5"/>
+          </p:nvPr>
+        </p:nvSpPr>
+        <p:spPr/>
+        <p:txBody>
+          <a:bodyPr/>
+          <a:lstStyle/>
+          <a:p>
+            <a:fld id="{354FBB31-2E76-4A4B-BA94-9E05B09A2BD0}" type="slidenum">
+              <a:rPr lang="en-US" smtClean="0"/>
+              <a:t>6</a:t>
+            </a:fld>
+            <a:endParaRPr lang="en-US"/>
+          </a:p>
+        </p:txBody>
+      </p:sp>
+    </p:spTree>
+    <p:extLst>
+      <p:ext uri="{BB962C8B-B14F-4D97-AF65-F5344CB8AC3E}">
+        <p14:creationId xmlns:p14="http://schemas.microsoft.com/office/powerpoint/2010/main" val="2248517527"/>
+      </p:ext>
+    </p:extLst>
+  </p:cSld>
+  <p:clrMapOvr>
+    <a:masterClrMapping/>
+  </p:clrMapOvr>
+</p:notes>
+</file>
+
+<file path=ppt/notesSlides/notesSlide7.xml><?xml version="1.0" encoding="utf-8"?>
+<p:notes xmlns:a="http://schemas.openxmlformats.org/drawingml/2006/main" xmlns:r="http://schemas.openxmlformats.org/officeDocument/2006/relationships" xmlns:p="http://schemas.openxmlformats.org/presentationml/2006/main">
+  <p:cSld>
+    <p:spTree>
+      <p:nvGrpSpPr>
+        <p:cNvPr id="1" name=""/>
+        <p:cNvGrpSpPr/>
+        <p:nvPr/>
+      </p:nvGrpSpPr>
+      <p:grpSpPr>
+        <a:xfrm>
+          <a:off x="0" y="0"/>
+          <a:ext cx="0" cy="0"/>
+          <a:chOff x="0" y="0"/>
+          <a:chExt cx="0" cy="0"/>
+        </a:xfrm>
+      </p:grpSpPr>
+      <p:sp>
+        <p:nvSpPr>
+          <p:cNvPr id="2" name="Slide Image Placeholder 1"/>
+          <p:cNvSpPr>
+            <a:spLocks noGrp="1" noRot="1" noChangeAspect="1"/>
+          </p:cNvSpPr>
+          <p:nvPr>
+            <p:ph type="sldImg"/>
+          </p:nvPr>
+        </p:nvSpPr>
+        <p:spPr/>
+      </p:sp>
+      <p:sp>
+        <p:nvSpPr>
+          <p:cNvPr id="3" name="Notes Placeholder 2"/>
+          <p:cNvSpPr>
+            <a:spLocks noGrp="1"/>
+          </p:cNvSpPr>
+          <p:nvPr>
+            <p:ph type="body" idx="1"/>
+          </p:nvPr>
+        </p:nvSpPr>
+        <p:spPr/>
+        <p:txBody>
+          <a:bodyPr/>
+          <a:lstStyle/>
+          <a:p>
+            <a:pPr rtl="0">
+              <a:spcBef>
+                <a:spcPts val="0"/>
+              </a:spcBef>
+              <a:spcAft>
+                <a:spcPts val="0"/>
+              </a:spcAft>
+            </a:pPr>
+            <a:r>
+              <a:rPr lang="ru-RU" sz="1800" b="0" i="0" u="none" strike="noStrike" dirty="0">
+                <a:solidFill>
+                  <a:srgbClr val="000000"/>
+                </a:solidFill>
+                <a:effectLst/>
+                <a:latin typeface="Arial" panose="020B0604020202020204" pitchFamily="34" charset="0"/>
+              </a:rPr>
+              <a:t>Никола </a:t>
+            </a:r>
+            <a:r>
+              <a:rPr lang="ru-RU" sz="1800" b="0" i="0" u="none" strike="noStrike" dirty="0" err="1">
+                <a:solidFill>
+                  <a:srgbClr val="000000"/>
+                </a:solidFill>
+                <a:effectLst/>
+                <a:latin typeface="Arial" panose="020B0604020202020204" pitchFamily="34" charset="0"/>
+              </a:rPr>
+              <a:t>Започваме</a:t>
+            </a:r>
+            <a:r>
+              <a:rPr lang="ru-RU" sz="1800" b="0" i="0" u="none" strike="noStrike" dirty="0">
+                <a:solidFill>
+                  <a:srgbClr val="000000"/>
+                </a:solidFill>
+                <a:effectLst/>
+                <a:latin typeface="Arial" panose="020B0604020202020204" pitchFamily="34" charset="0"/>
+              </a:rPr>
+              <a:t> с </a:t>
+            </a:r>
+            <a:r>
+              <a:rPr lang="ru-RU" sz="1800" b="0" i="0" u="none" strike="noStrike" dirty="0" err="1">
+                <a:solidFill>
+                  <a:srgbClr val="000000"/>
+                </a:solidFill>
+                <a:effectLst/>
+                <a:latin typeface="Arial" panose="020B0604020202020204" pitchFamily="34" charset="0"/>
+              </a:rPr>
+              <a:t>базата</a:t>
+            </a:r>
+            <a:r>
+              <a:rPr lang="ru-RU" sz="1800" b="0" i="0" u="none" strike="noStrike" dirty="0">
+                <a:solidFill>
+                  <a:srgbClr val="000000"/>
+                </a:solidFill>
+                <a:effectLst/>
+                <a:latin typeface="Arial" panose="020B0604020202020204" pitchFamily="34" charset="0"/>
+              </a:rPr>
+              <a:t> от </a:t>
+            </a:r>
+            <a:r>
+              <a:rPr lang="ru-RU" sz="1800" b="0" i="0" u="none" strike="noStrike" dirty="0" err="1">
+                <a:solidFill>
+                  <a:srgbClr val="000000"/>
+                </a:solidFill>
+                <a:effectLst/>
+                <a:latin typeface="Arial" panose="020B0604020202020204" pitchFamily="34" charset="0"/>
+              </a:rPr>
+              <a:t>данни</a:t>
+            </a:r>
+            <a:r>
+              <a:rPr lang="ru-RU" sz="1800" b="0" i="0" u="none" strike="noStrike" dirty="0">
+                <a:solidFill>
+                  <a:srgbClr val="000000"/>
+                </a:solidFill>
+                <a:effectLst/>
+                <a:latin typeface="Arial" panose="020B0604020202020204" pitchFamily="34" charset="0"/>
+              </a:rPr>
+              <a:t>. </a:t>
+            </a:r>
+            <a:r>
+              <a:rPr lang="ru-RU" sz="1800" b="0" i="0" u="none" strike="noStrike" dirty="0" err="1">
+                <a:solidFill>
+                  <a:srgbClr val="000000"/>
+                </a:solidFill>
+                <a:effectLst/>
+                <a:latin typeface="Arial" panose="020B0604020202020204" pitchFamily="34" charset="0"/>
+              </a:rPr>
+              <a:t>Както</a:t>
+            </a:r>
+            <a:r>
+              <a:rPr lang="ru-RU" sz="1800" b="0" i="0" u="none" strike="noStrike" dirty="0">
+                <a:solidFill>
+                  <a:srgbClr val="000000"/>
+                </a:solidFill>
+                <a:effectLst/>
+                <a:latin typeface="Arial" panose="020B0604020202020204" pitchFamily="34" charset="0"/>
+              </a:rPr>
+              <a:t> </a:t>
+            </a:r>
+            <a:r>
+              <a:rPr lang="ru-RU" sz="1800" b="0" i="0" u="none" strike="noStrike" dirty="0" err="1">
+                <a:solidFill>
+                  <a:srgbClr val="000000"/>
+                </a:solidFill>
+                <a:effectLst/>
+                <a:latin typeface="Arial" panose="020B0604020202020204" pitchFamily="34" charset="0"/>
+              </a:rPr>
+              <a:t>споменахме</a:t>
+            </a:r>
+            <a:r>
+              <a:rPr lang="ru-RU" sz="1800" b="0" i="0" u="none" strike="noStrike" dirty="0">
+                <a:solidFill>
+                  <a:srgbClr val="000000"/>
+                </a:solidFill>
+                <a:effectLst/>
+                <a:latin typeface="Arial" panose="020B0604020202020204" pitchFamily="34" charset="0"/>
+              </a:rPr>
+              <a:t> </a:t>
+            </a:r>
+            <a:r>
+              <a:rPr lang="ru-RU" sz="1800" b="0" i="0" u="none" strike="noStrike" dirty="0" err="1">
+                <a:solidFill>
+                  <a:srgbClr val="000000"/>
+                </a:solidFill>
+                <a:effectLst/>
+                <a:latin typeface="Arial" panose="020B0604020202020204" pitchFamily="34" charset="0"/>
+              </a:rPr>
+              <a:t>използваме</a:t>
+            </a:r>
+            <a:r>
+              <a:rPr lang="ru-RU" sz="1800" b="0" i="0" u="none" strike="noStrike" dirty="0">
+                <a:solidFill>
+                  <a:srgbClr val="000000"/>
+                </a:solidFill>
+                <a:effectLst/>
+                <a:latin typeface="Arial" panose="020B0604020202020204" pitchFamily="34" charset="0"/>
+              </a:rPr>
+              <a:t> MSSQL и за работа с </a:t>
+            </a:r>
+            <a:r>
+              <a:rPr lang="ru-RU" sz="1800" b="0" i="0" u="none" strike="noStrike" dirty="0" err="1">
+                <a:solidFill>
+                  <a:srgbClr val="000000"/>
+                </a:solidFill>
+                <a:effectLst/>
+                <a:latin typeface="Arial" panose="020B0604020202020204" pitchFamily="34" charset="0"/>
+              </a:rPr>
+              <a:t>базата</a:t>
+            </a:r>
+            <a:r>
+              <a:rPr lang="ru-RU" sz="1800" b="0" i="0" u="none" strike="noStrike" dirty="0">
+                <a:solidFill>
+                  <a:srgbClr val="000000"/>
+                </a:solidFill>
+                <a:effectLst/>
+                <a:latin typeface="Arial" panose="020B0604020202020204" pitchFamily="34" charset="0"/>
+              </a:rPr>
+              <a:t> </a:t>
+            </a:r>
+            <a:r>
+              <a:rPr lang="ru-RU" sz="1800" b="0" i="0" u="none" strike="noStrike" dirty="0" err="1">
+                <a:solidFill>
+                  <a:srgbClr val="000000"/>
+                </a:solidFill>
+                <a:effectLst/>
+                <a:latin typeface="Arial" panose="020B0604020202020204" pitchFamily="34" charset="0"/>
+              </a:rPr>
+              <a:t>използвахме</a:t>
+            </a:r>
+            <a:r>
+              <a:rPr lang="ru-RU" sz="1800" b="0" i="0" u="none" strike="noStrike" dirty="0">
+                <a:solidFill>
+                  <a:srgbClr val="000000"/>
+                </a:solidFill>
+                <a:effectLst/>
+                <a:latin typeface="Arial" panose="020B0604020202020204" pitchFamily="34" charset="0"/>
+              </a:rPr>
+              <a:t> SQL Management </a:t>
+            </a:r>
+            <a:r>
+              <a:rPr lang="ru-RU" sz="1800" b="0" i="0" u="none" strike="noStrike" dirty="0" err="1">
+                <a:solidFill>
+                  <a:srgbClr val="000000"/>
+                </a:solidFill>
+                <a:effectLst/>
+                <a:latin typeface="Arial" panose="020B0604020202020204" pitchFamily="34" charset="0"/>
+              </a:rPr>
+              <a:t>studio</a:t>
+            </a:r>
+            <a:r>
+              <a:rPr lang="ru-RU" sz="1800" b="0" i="0" u="none" strike="noStrike" dirty="0">
+                <a:solidFill>
+                  <a:srgbClr val="000000"/>
+                </a:solidFill>
+                <a:effectLst/>
+                <a:latin typeface="Arial" panose="020B0604020202020204" pitchFamily="34" charset="0"/>
+              </a:rPr>
+              <a:t>. </a:t>
+            </a:r>
+            <a:endParaRPr lang="ru-RU" b="0" dirty="0">
+              <a:effectLst/>
+            </a:endParaRPr>
+          </a:p>
+          <a:p>
+            <a:pPr rtl="0">
+              <a:spcBef>
+                <a:spcPts val="0"/>
+              </a:spcBef>
+              <a:spcAft>
+                <a:spcPts val="0"/>
+              </a:spcAft>
+            </a:pPr>
+            <a:r>
+              <a:rPr lang="ru-RU" sz="1800" b="0" i="0" u="none" strike="noStrike" dirty="0" err="1">
+                <a:solidFill>
+                  <a:srgbClr val="000000"/>
+                </a:solidFill>
+                <a:effectLst/>
+                <a:latin typeface="Arial" panose="020B0604020202020204" pitchFamily="34" charset="0"/>
+              </a:rPr>
+              <a:t>Достъпа</a:t>
+            </a:r>
+            <a:r>
+              <a:rPr lang="ru-RU" sz="1800" b="0" i="0" u="none" strike="noStrike" dirty="0">
+                <a:solidFill>
+                  <a:srgbClr val="000000"/>
+                </a:solidFill>
+                <a:effectLst/>
+                <a:latin typeface="Arial" panose="020B0604020202020204" pitchFamily="34" charset="0"/>
+              </a:rPr>
+              <a:t> до </a:t>
+            </a:r>
+            <a:r>
+              <a:rPr lang="ru-RU" sz="1800" b="0" i="0" u="none" strike="noStrike" dirty="0" err="1">
+                <a:solidFill>
+                  <a:srgbClr val="000000"/>
+                </a:solidFill>
+                <a:effectLst/>
+                <a:latin typeface="Arial" panose="020B0604020202020204" pitchFamily="34" charset="0"/>
+              </a:rPr>
+              <a:t>базата</a:t>
+            </a:r>
+            <a:r>
+              <a:rPr lang="ru-RU" sz="1800" b="0" i="0" u="none" strike="noStrike" dirty="0">
+                <a:solidFill>
+                  <a:srgbClr val="000000"/>
+                </a:solidFill>
+                <a:effectLst/>
+                <a:latin typeface="Arial" panose="020B0604020202020204" pitchFamily="34" charset="0"/>
+              </a:rPr>
+              <a:t> от </a:t>
+            </a:r>
+            <a:r>
+              <a:rPr lang="ru-RU" sz="1800" b="0" i="0" u="none" strike="noStrike" dirty="0" err="1">
+                <a:solidFill>
+                  <a:srgbClr val="000000"/>
+                </a:solidFill>
+                <a:effectLst/>
+                <a:latin typeface="Arial" panose="020B0604020202020204" pitchFamily="34" charset="0"/>
+              </a:rPr>
+              <a:t>приложенията</a:t>
+            </a:r>
+            <a:r>
+              <a:rPr lang="ru-RU" sz="1800" b="0" i="0" u="none" strike="noStrike" dirty="0">
+                <a:solidFill>
+                  <a:srgbClr val="000000"/>
+                </a:solidFill>
+                <a:effectLst/>
+                <a:latin typeface="Arial" panose="020B0604020202020204" pitchFamily="34" charset="0"/>
+              </a:rPr>
+              <a:t> става </a:t>
+            </a:r>
+            <a:r>
+              <a:rPr lang="ru-RU" sz="1800" b="0" i="0" u="none" strike="noStrike" dirty="0" err="1">
+                <a:solidFill>
+                  <a:srgbClr val="000000"/>
+                </a:solidFill>
+                <a:effectLst/>
+                <a:latin typeface="Arial" panose="020B0604020202020204" pitchFamily="34" charset="0"/>
+              </a:rPr>
+              <a:t>единствено</a:t>
+            </a:r>
+            <a:r>
+              <a:rPr lang="ru-RU" sz="1800" b="0" i="0" u="none" strike="noStrike" dirty="0">
+                <a:solidFill>
+                  <a:srgbClr val="000000"/>
+                </a:solidFill>
+                <a:effectLst/>
+                <a:latin typeface="Arial" panose="020B0604020202020204" pitchFamily="34" charset="0"/>
+              </a:rPr>
+              <a:t> чрез </a:t>
+            </a:r>
+            <a:r>
+              <a:rPr lang="ru-RU" sz="1800" b="0" i="0" u="none" strike="noStrike" dirty="0" err="1">
+                <a:solidFill>
+                  <a:srgbClr val="000000"/>
+                </a:solidFill>
+                <a:effectLst/>
+                <a:latin typeface="Arial" panose="020B0604020202020204" pitchFamily="34" charset="0"/>
+              </a:rPr>
+              <a:t>StoreProcedures</a:t>
+            </a:r>
+            <a:r>
+              <a:rPr lang="ru-RU" sz="1800" b="0" i="0" u="none" strike="noStrike" dirty="0">
+                <a:solidFill>
+                  <a:srgbClr val="000000"/>
+                </a:solidFill>
+                <a:effectLst/>
+                <a:latin typeface="Arial" panose="020B0604020202020204" pitchFamily="34" charset="0"/>
+              </a:rPr>
+              <a:t> </a:t>
+            </a:r>
+            <a:r>
+              <a:rPr lang="ru-RU" sz="1800" b="0" i="0" u="none" strike="noStrike" dirty="0" err="1">
+                <a:solidFill>
+                  <a:srgbClr val="000000"/>
+                </a:solidFill>
+                <a:effectLst/>
+                <a:latin typeface="Arial" panose="020B0604020202020204" pitchFamily="34" charset="0"/>
+              </a:rPr>
+              <a:t>като</a:t>
+            </a:r>
+            <a:r>
+              <a:rPr lang="ru-RU" sz="1800" b="0" i="0" u="none" strike="noStrike" dirty="0">
+                <a:solidFill>
+                  <a:srgbClr val="000000"/>
+                </a:solidFill>
+                <a:effectLst/>
+                <a:latin typeface="Arial" panose="020B0604020202020204" pitchFamily="34" charset="0"/>
+              </a:rPr>
+              <a:t> </a:t>
+            </a:r>
+            <a:r>
+              <a:rPr lang="ru-RU" sz="1800" b="0" i="0" u="none" strike="noStrike" dirty="0" err="1">
+                <a:solidFill>
+                  <a:srgbClr val="000000"/>
+                </a:solidFill>
+                <a:effectLst/>
+                <a:latin typeface="Arial" panose="020B0604020202020204" pitchFamily="34" charset="0"/>
+              </a:rPr>
+              <a:t>този</a:t>
+            </a:r>
+            <a:r>
+              <a:rPr lang="ru-RU" sz="1800" b="0" i="0" u="none" strike="noStrike" dirty="0">
+                <a:solidFill>
+                  <a:srgbClr val="000000"/>
+                </a:solidFill>
+                <a:effectLst/>
+                <a:latin typeface="Arial" panose="020B0604020202020204" pitchFamily="34" charset="0"/>
+              </a:rPr>
+              <a:t> начин на </a:t>
+            </a:r>
+            <a:r>
+              <a:rPr lang="ru-RU" sz="1800" b="0" i="0" u="none" strike="noStrike" dirty="0" err="1">
+                <a:solidFill>
+                  <a:srgbClr val="000000"/>
+                </a:solidFill>
+                <a:effectLst/>
+                <a:latin typeface="Arial" panose="020B0604020202020204" pitchFamily="34" charset="0"/>
+              </a:rPr>
+              <a:t>достъп</a:t>
+            </a:r>
+            <a:r>
+              <a:rPr lang="ru-RU" sz="1800" b="0" i="0" u="none" strike="noStrike" dirty="0">
+                <a:solidFill>
+                  <a:srgbClr val="000000"/>
+                </a:solidFill>
+                <a:effectLst/>
+                <a:latin typeface="Arial" panose="020B0604020202020204" pitchFamily="34" charset="0"/>
+              </a:rPr>
+              <a:t> </a:t>
+            </a:r>
+            <a:r>
+              <a:rPr lang="ru-RU" sz="1800" b="0" i="0" u="none" strike="noStrike" dirty="0" err="1">
+                <a:solidFill>
+                  <a:srgbClr val="000000"/>
+                </a:solidFill>
+                <a:effectLst/>
+                <a:latin typeface="Arial" panose="020B0604020202020204" pitchFamily="34" charset="0"/>
+              </a:rPr>
+              <a:t>значително</a:t>
+            </a:r>
+            <a:r>
+              <a:rPr lang="ru-RU" sz="1800" b="0" i="0" u="none" strike="noStrike" dirty="0">
+                <a:solidFill>
+                  <a:srgbClr val="000000"/>
+                </a:solidFill>
+                <a:effectLst/>
+                <a:latin typeface="Arial" panose="020B0604020202020204" pitchFamily="34" charset="0"/>
+              </a:rPr>
+              <a:t> </a:t>
+            </a:r>
+            <a:r>
+              <a:rPr lang="ru-RU" sz="1800" b="0" i="0" u="none" strike="noStrike" dirty="0" err="1">
+                <a:solidFill>
+                  <a:srgbClr val="000000"/>
+                </a:solidFill>
+                <a:effectLst/>
+                <a:latin typeface="Arial" panose="020B0604020202020204" pitchFamily="34" charset="0"/>
+              </a:rPr>
+              <a:t>увеличава</a:t>
+            </a:r>
+            <a:r>
+              <a:rPr lang="ru-RU" sz="1800" b="0" i="0" u="none" strike="noStrike" dirty="0">
+                <a:solidFill>
+                  <a:srgbClr val="000000"/>
+                </a:solidFill>
+                <a:effectLst/>
+                <a:latin typeface="Arial" panose="020B0604020202020204" pitchFamily="34" charset="0"/>
+              </a:rPr>
+              <a:t> </a:t>
+            </a:r>
+            <a:r>
+              <a:rPr lang="ru-RU" sz="1800" b="0" i="0" u="none" strike="noStrike" dirty="0" err="1">
+                <a:solidFill>
+                  <a:srgbClr val="000000"/>
+                </a:solidFill>
+                <a:effectLst/>
+                <a:latin typeface="Arial" panose="020B0604020202020204" pitchFamily="34" charset="0"/>
+              </a:rPr>
+              <a:t>сигурността</a:t>
+            </a:r>
+            <a:r>
+              <a:rPr lang="ru-RU" sz="1800" b="0" i="0" u="none" strike="noStrike" dirty="0">
+                <a:solidFill>
+                  <a:srgbClr val="000000"/>
+                </a:solidFill>
+                <a:effectLst/>
+                <a:latin typeface="Arial" panose="020B0604020202020204" pitchFamily="34" charset="0"/>
+              </a:rPr>
+              <a:t> на </a:t>
+            </a:r>
+            <a:r>
+              <a:rPr lang="ru-RU" sz="1800" b="0" i="0" u="none" strike="noStrike" dirty="0" err="1">
+                <a:solidFill>
+                  <a:srgbClr val="000000"/>
+                </a:solidFill>
+                <a:effectLst/>
+                <a:latin typeface="Arial" panose="020B0604020202020204" pitchFamily="34" charset="0"/>
+              </a:rPr>
+              <a:t>системата</a:t>
+            </a:r>
+            <a:endParaRPr lang="ru-RU" b="0" dirty="0">
+              <a:effectLst/>
+            </a:endParaRPr>
+          </a:p>
+          <a:p>
+            <a:pPr rtl="0">
+              <a:spcBef>
+                <a:spcPts val="0"/>
+              </a:spcBef>
+              <a:spcAft>
+                <a:spcPts val="0"/>
+              </a:spcAft>
+            </a:pPr>
+            <a:r>
+              <a:rPr lang="ru-RU" sz="1800" b="0" i="0" u="none" strike="noStrike" dirty="0">
+                <a:solidFill>
+                  <a:srgbClr val="000000"/>
+                </a:solidFill>
+                <a:effectLst/>
+                <a:latin typeface="Arial" panose="020B0604020202020204" pitchFamily="34" charset="0"/>
+              </a:rPr>
+              <a:t>За момента </a:t>
+            </a:r>
+            <a:r>
+              <a:rPr lang="ru-RU" sz="1800" b="0" i="0" u="none" strike="noStrike" dirty="0" err="1">
+                <a:solidFill>
+                  <a:srgbClr val="000000"/>
+                </a:solidFill>
+                <a:effectLst/>
+                <a:latin typeface="Arial" panose="020B0604020202020204" pitchFamily="34" charset="0"/>
+              </a:rPr>
+              <a:t>оптимизирана</a:t>
+            </a:r>
+            <a:r>
+              <a:rPr lang="ru-RU" sz="1800" b="0" i="0" u="none" strike="noStrike" dirty="0">
+                <a:solidFill>
+                  <a:srgbClr val="000000"/>
+                </a:solidFill>
+                <a:effectLst/>
+                <a:latin typeface="Arial" panose="020B0604020202020204" pitchFamily="34" charset="0"/>
+              </a:rPr>
+              <a:t> за </a:t>
+            </a:r>
+            <a:r>
+              <a:rPr lang="ru-RU" sz="1800" b="0" i="0" u="none" strike="noStrike" dirty="0" err="1">
+                <a:solidFill>
+                  <a:srgbClr val="000000"/>
+                </a:solidFill>
+                <a:effectLst/>
+                <a:latin typeface="Arial" panose="020B0604020202020204" pitchFamily="34" charset="0"/>
+              </a:rPr>
+              <a:t>нашата</a:t>
+            </a:r>
+            <a:r>
+              <a:rPr lang="ru-RU" sz="1800" b="0" i="0" u="none" strike="noStrike" dirty="0">
+                <a:solidFill>
+                  <a:srgbClr val="000000"/>
+                </a:solidFill>
+                <a:effectLst/>
+                <a:latin typeface="Arial" panose="020B0604020202020204" pitchFamily="34" charset="0"/>
+              </a:rPr>
+              <a:t> </a:t>
+            </a:r>
+            <a:r>
+              <a:rPr lang="ru-RU" sz="1800" b="0" i="0" u="none" strike="noStrike" dirty="0" err="1">
+                <a:solidFill>
+                  <a:srgbClr val="000000"/>
+                </a:solidFill>
+                <a:effectLst/>
+                <a:latin typeface="Arial" panose="020B0604020202020204" pitchFamily="34" charset="0"/>
+              </a:rPr>
+              <a:t>Proof</a:t>
+            </a:r>
+            <a:r>
+              <a:rPr lang="ru-RU" sz="1800" b="0" i="0" u="none" strike="noStrike" dirty="0">
+                <a:solidFill>
+                  <a:srgbClr val="000000"/>
+                </a:solidFill>
+                <a:effectLst/>
+                <a:latin typeface="Arial" panose="020B0604020202020204" pitchFamily="34" charset="0"/>
+              </a:rPr>
+              <a:t> </a:t>
+            </a:r>
+            <a:r>
+              <a:rPr lang="ru-RU" sz="1800" b="0" i="0" u="none" strike="noStrike" dirty="0" err="1">
+                <a:solidFill>
+                  <a:srgbClr val="000000"/>
+                </a:solidFill>
+                <a:effectLst/>
+                <a:latin typeface="Arial" panose="020B0604020202020204" pitchFamily="34" charset="0"/>
+              </a:rPr>
+              <a:t>of</a:t>
+            </a:r>
+            <a:r>
+              <a:rPr lang="ru-RU" sz="1800" b="0" i="0" u="none" strike="noStrike" dirty="0">
+                <a:solidFill>
+                  <a:srgbClr val="000000"/>
+                </a:solidFill>
+                <a:effectLst/>
+                <a:latin typeface="Arial" panose="020B0604020202020204" pitchFamily="34" charset="0"/>
+              </a:rPr>
+              <a:t> </a:t>
+            </a:r>
+            <a:r>
+              <a:rPr lang="ru-RU" sz="1800" b="0" i="0" u="none" strike="noStrike" dirty="0" err="1">
+                <a:solidFill>
+                  <a:srgbClr val="000000"/>
+                </a:solidFill>
+                <a:effectLst/>
+                <a:latin typeface="Arial" panose="020B0604020202020204" pitchFamily="34" charset="0"/>
+              </a:rPr>
+              <a:t>concept</a:t>
+            </a:r>
+            <a:r>
+              <a:rPr lang="ru-RU" sz="1800" b="0" i="0" u="none" strike="noStrike" dirty="0">
+                <a:solidFill>
+                  <a:srgbClr val="000000"/>
+                </a:solidFill>
+                <a:effectLst/>
+                <a:latin typeface="Arial" panose="020B0604020202020204" pitchFamily="34" charset="0"/>
+              </a:rPr>
+              <a:t> система, </a:t>
+            </a:r>
+            <a:r>
+              <a:rPr lang="ru-RU" sz="1800" b="0" i="0" u="none" strike="noStrike" dirty="0" err="1">
+                <a:solidFill>
+                  <a:srgbClr val="000000"/>
+                </a:solidFill>
+                <a:effectLst/>
+                <a:latin typeface="Arial" panose="020B0604020202020204" pitchFamily="34" charset="0"/>
+              </a:rPr>
+              <a:t>като</a:t>
+            </a:r>
+            <a:r>
+              <a:rPr lang="ru-RU" sz="1800" b="0" i="0" u="none" strike="noStrike" dirty="0">
+                <a:solidFill>
+                  <a:srgbClr val="000000"/>
+                </a:solidFill>
+                <a:effectLst/>
+                <a:latin typeface="Arial" panose="020B0604020202020204" pitchFamily="34" charset="0"/>
+              </a:rPr>
+              <a:t> </a:t>
+            </a:r>
+            <a:r>
+              <a:rPr lang="ru-RU" sz="1800" b="0" i="0" u="none" strike="noStrike" dirty="0" err="1">
+                <a:solidFill>
+                  <a:srgbClr val="000000"/>
+                </a:solidFill>
+                <a:effectLst/>
+                <a:latin typeface="Arial" panose="020B0604020202020204" pitchFamily="34" charset="0"/>
+              </a:rPr>
+              <a:t>сме</a:t>
+            </a:r>
+            <a:r>
+              <a:rPr lang="ru-RU" sz="1800" b="0" i="0" u="none" strike="noStrike" dirty="0">
+                <a:solidFill>
+                  <a:srgbClr val="000000"/>
+                </a:solidFill>
+                <a:effectLst/>
+                <a:latin typeface="Arial" panose="020B0604020202020204" pitchFamily="34" charset="0"/>
+              </a:rPr>
+              <a:t> </a:t>
+            </a:r>
+            <a:r>
+              <a:rPr lang="ru-RU" sz="1800" b="0" i="0" u="none" strike="noStrike" dirty="0" err="1">
+                <a:solidFill>
+                  <a:srgbClr val="000000"/>
+                </a:solidFill>
+                <a:effectLst/>
+                <a:latin typeface="Arial" panose="020B0604020202020204" pitchFamily="34" charset="0"/>
+              </a:rPr>
+              <a:t>наясно</a:t>
+            </a:r>
+            <a:r>
+              <a:rPr lang="ru-RU" sz="1800" b="0" i="0" u="none" strike="noStrike" dirty="0">
+                <a:solidFill>
+                  <a:srgbClr val="000000"/>
+                </a:solidFill>
+                <a:effectLst/>
+                <a:latin typeface="Arial" panose="020B0604020202020204" pitchFamily="34" charset="0"/>
+              </a:rPr>
+              <a:t>, че за </a:t>
+            </a:r>
+            <a:r>
+              <a:rPr lang="ru-RU" sz="1800" b="0" i="0" u="none" strike="noStrike" dirty="0" err="1">
+                <a:solidFill>
+                  <a:srgbClr val="000000"/>
+                </a:solidFill>
+                <a:effectLst/>
+                <a:latin typeface="Arial" panose="020B0604020202020204" pitchFamily="34" charset="0"/>
+              </a:rPr>
+              <a:t>реална</a:t>
+            </a:r>
+            <a:r>
+              <a:rPr lang="ru-RU" sz="1800" b="0" i="0" u="none" strike="noStrike" dirty="0">
+                <a:solidFill>
+                  <a:srgbClr val="000000"/>
+                </a:solidFill>
+                <a:effectLst/>
+                <a:latin typeface="Arial" panose="020B0604020202020204" pitchFamily="34" charset="0"/>
+              </a:rPr>
+              <a:t> </a:t>
+            </a:r>
+            <a:r>
+              <a:rPr lang="ru-RU" sz="1800" b="0" i="0" u="none" strike="noStrike" dirty="0" err="1">
+                <a:solidFill>
+                  <a:srgbClr val="000000"/>
+                </a:solidFill>
+                <a:effectLst/>
+                <a:latin typeface="Arial" panose="020B0604020202020204" pitchFamily="34" charset="0"/>
+              </a:rPr>
+              <a:t>production</a:t>
+            </a:r>
+            <a:r>
+              <a:rPr lang="ru-RU" sz="1800" b="0" i="0" u="none" strike="noStrike" dirty="0">
+                <a:solidFill>
+                  <a:srgbClr val="000000"/>
+                </a:solidFill>
+                <a:effectLst/>
+                <a:latin typeface="Arial" panose="020B0604020202020204" pitchFamily="34" charset="0"/>
+              </a:rPr>
+              <a:t> система </a:t>
+            </a:r>
+            <a:r>
+              <a:rPr lang="ru-RU" sz="1800" b="0" i="0" u="none" strike="noStrike" dirty="0" err="1">
+                <a:solidFill>
+                  <a:srgbClr val="000000"/>
+                </a:solidFill>
+                <a:effectLst/>
+                <a:latin typeface="Arial" panose="020B0604020202020204" pitchFamily="34" charset="0"/>
+              </a:rPr>
+              <a:t>базата</a:t>
+            </a:r>
+            <a:r>
+              <a:rPr lang="ru-RU" sz="1800" b="0" i="0" u="none" strike="noStrike" dirty="0">
+                <a:solidFill>
+                  <a:srgbClr val="000000"/>
+                </a:solidFill>
+                <a:effectLst/>
+                <a:latin typeface="Arial" panose="020B0604020202020204" pitchFamily="34" charset="0"/>
+              </a:rPr>
+              <a:t> от </a:t>
+            </a:r>
+            <a:r>
+              <a:rPr lang="ru-RU" sz="1800" b="0" i="0" u="none" strike="noStrike" dirty="0" err="1">
+                <a:solidFill>
+                  <a:srgbClr val="000000"/>
+                </a:solidFill>
+                <a:effectLst/>
+                <a:latin typeface="Arial" panose="020B0604020202020204" pitchFamily="34" charset="0"/>
+              </a:rPr>
+              <a:t>данни</a:t>
+            </a:r>
+            <a:r>
+              <a:rPr lang="ru-RU" sz="1800" b="0" i="0" u="none" strike="noStrike" dirty="0">
+                <a:solidFill>
+                  <a:srgbClr val="000000"/>
+                </a:solidFill>
+                <a:effectLst/>
+                <a:latin typeface="Arial" panose="020B0604020202020204" pitchFamily="34" charset="0"/>
+              </a:rPr>
+              <a:t> </a:t>
+            </a:r>
+            <a:r>
+              <a:rPr lang="ru-RU" sz="1800" b="0" i="0" u="none" strike="noStrike" dirty="0" err="1">
+                <a:solidFill>
+                  <a:srgbClr val="000000"/>
+                </a:solidFill>
+                <a:effectLst/>
+                <a:latin typeface="Arial" panose="020B0604020202020204" pitchFamily="34" charset="0"/>
+              </a:rPr>
+              <a:t>може</a:t>
+            </a:r>
+            <a:r>
+              <a:rPr lang="ru-RU" sz="1800" b="0" i="0" u="none" strike="noStrike" dirty="0">
+                <a:solidFill>
+                  <a:srgbClr val="000000"/>
+                </a:solidFill>
+                <a:effectLst/>
+                <a:latin typeface="Arial" panose="020B0604020202020204" pitchFamily="34" charset="0"/>
+              </a:rPr>
+              <a:t> да е </a:t>
+            </a:r>
+            <a:r>
+              <a:rPr lang="ru-RU" sz="1800" b="0" i="0" u="none" strike="noStrike" dirty="0" err="1">
+                <a:solidFill>
+                  <a:srgbClr val="000000"/>
+                </a:solidFill>
+                <a:effectLst/>
+                <a:latin typeface="Arial" panose="020B0604020202020204" pitchFamily="34" charset="0"/>
+              </a:rPr>
+              <a:t>значително</a:t>
+            </a:r>
+            <a:r>
+              <a:rPr lang="ru-RU" sz="1800" b="0" i="0" u="none" strike="noStrike" dirty="0">
+                <a:solidFill>
+                  <a:srgbClr val="000000"/>
+                </a:solidFill>
+                <a:effectLst/>
+                <a:latin typeface="Arial" panose="020B0604020202020204" pitchFamily="34" charset="0"/>
+              </a:rPr>
+              <a:t> </a:t>
+            </a:r>
+            <a:r>
+              <a:rPr lang="ru-RU" sz="1800" b="0" i="0" u="none" strike="noStrike" dirty="0" err="1">
+                <a:solidFill>
+                  <a:srgbClr val="000000"/>
+                </a:solidFill>
+                <a:effectLst/>
+                <a:latin typeface="Arial" panose="020B0604020202020204" pitchFamily="34" charset="0"/>
+              </a:rPr>
+              <a:t>по-сложна</a:t>
+            </a:r>
+            <a:r>
+              <a:rPr lang="ru-RU" sz="1800" b="0" i="0" u="none" strike="noStrike" dirty="0">
+                <a:solidFill>
+                  <a:srgbClr val="000000"/>
+                </a:solidFill>
+                <a:effectLst/>
+                <a:latin typeface="Arial" panose="020B0604020202020204" pitchFamily="34" charset="0"/>
+              </a:rPr>
+              <a:t>.</a:t>
+            </a:r>
+            <a:endParaRPr lang="ru-RU" b="0" dirty="0">
+              <a:effectLst/>
+            </a:endParaRPr>
+          </a:p>
+          <a:p>
+            <a:br>
+              <a:rPr lang="ru-RU" b="0" dirty="0">
+                <a:effectLst/>
+              </a:rPr>
+            </a:br>
+            <a:endParaRPr lang="en-US" dirty="0"/>
+          </a:p>
+        </p:txBody>
+      </p:sp>
+      <p:sp>
+        <p:nvSpPr>
+          <p:cNvPr id="4" name="Slide Number Placeholder 3"/>
+          <p:cNvSpPr>
+            <a:spLocks noGrp="1"/>
+          </p:cNvSpPr>
+          <p:nvPr>
+            <p:ph type="sldNum" sz="quarter" idx="5"/>
+          </p:nvPr>
+        </p:nvSpPr>
+        <p:spPr/>
+        <p:txBody>
+          <a:bodyPr/>
+          <a:lstStyle/>
+          <a:p>
+            <a:fld id="{354FBB31-2E76-4A4B-BA94-9E05B09A2BD0}" type="slidenum">
+              <a:rPr lang="en-US" smtClean="0"/>
+              <a:t>7</a:t>
+            </a:fld>
+            <a:endParaRPr lang="en-US"/>
+          </a:p>
+        </p:txBody>
+      </p:sp>
+    </p:spTree>
+    <p:extLst>
+      <p:ext uri="{BB962C8B-B14F-4D97-AF65-F5344CB8AC3E}">
+        <p14:creationId xmlns:p14="http://schemas.microsoft.com/office/powerpoint/2010/main" val="2453644435"/>
+      </p:ext>
+    </p:extLst>
+  </p:cSld>
+  <p:clrMapOvr>
+    <a:masterClrMapping/>
+  </p:clrMapOvr>
+</p:notes>
+</file>
+
+<file path=ppt/notesSlides/notesSlide8.xml><?xml version="1.0" encoding="utf-8"?>
+<p:notes xmlns:a="http://schemas.openxmlformats.org/drawingml/2006/main" xmlns:r="http://schemas.openxmlformats.org/officeDocument/2006/relationships" xmlns:p="http://schemas.openxmlformats.org/presentationml/2006/main">
+  <p:cSld>
+    <p:spTree>
+      <p:nvGrpSpPr>
+        <p:cNvPr id="1" name=""/>
+        <p:cNvGrpSpPr/>
+        <p:nvPr/>
+      </p:nvGrpSpPr>
+      <p:grpSpPr>
+        <a:xfrm>
+          <a:off x="0" y="0"/>
+          <a:ext cx="0" cy="0"/>
+          <a:chOff x="0" y="0"/>
+          <a:chExt cx="0" cy="0"/>
+        </a:xfrm>
+      </p:grpSpPr>
+      <p:sp>
+        <p:nvSpPr>
+          <p:cNvPr id="2" name="Slide Image Placeholder 1"/>
+          <p:cNvSpPr>
+            <a:spLocks noGrp="1" noRot="1" noChangeAspect="1"/>
+          </p:cNvSpPr>
+          <p:nvPr>
+            <p:ph type="sldImg"/>
+          </p:nvPr>
+        </p:nvSpPr>
+        <p:spPr/>
+      </p:sp>
+      <p:sp>
+        <p:nvSpPr>
+          <p:cNvPr id="3" name="Notes Placeholder 2"/>
+          <p:cNvSpPr>
+            <a:spLocks noGrp="1"/>
+          </p:cNvSpPr>
+          <p:nvPr>
+            <p:ph type="body" idx="1"/>
+          </p:nvPr>
+        </p:nvSpPr>
+        <p:spPr/>
+        <p:txBody>
+          <a:bodyPr/>
+          <a:lstStyle/>
+          <a:p>
+            <a:pPr rtl="0">
+              <a:spcBef>
+                <a:spcPts val="0"/>
+              </a:spcBef>
+              <a:spcAft>
+                <a:spcPts val="0"/>
+              </a:spcAft>
+            </a:pPr>
+            <a:endParaRPr lang="en-US" dirty="0"/>
+          </a:p>
+        </p:txBody>
+      </p:sp>
+      <p:sp>
+        <p:nvSpPr>
+          <p:cNvPr id="4" name="Slide Number Placeholder 3"/>
+          <p:cNvSpPr>
+            <a:spLocks noGrp="1"/>
+          </p:cNvSpPr>
+          <p:nvPr>
+            <p:ph type="sldNum" sz="quarter" idx="5"/>
+          </p:nvPr>
+        </p:nvSpPr>
+        <p:spPr/>
+        <p:txBody>
+          <a:bodyPr/>
+          <a:lstStyle/>
+          <a:p>
+            <a:fld id="{354FBB31-2E76-4A4B-BA94-9E05B09A2BD0}" type="slidenum">
+              <a:rPr lang="en-US" smtClean="0"/>
+              <a:t>8</a:t>
+            </a:fld>
+            <a:endParaRPr lang="en-US"/>
+          </a:p>
+        </p:txBody>
+      </p:sp>
+    </p:spTree>
+    <p:extLst>
+      <p:ext uri="{BB962C8B-B14F-4D97-AF65-F5344CB8AC3E}">
+        <p14:creationId xmlns:p14="http://schemas.microsoft.com/office/powerpoint/2010/main" val="2344902153"/>
+      </p:ext>
+    </p:extLst>
+  </p:cSld>
+  <p:clrMapOvr>
+    <a:masterClrMapping/>
+  </p:clrMapOvr>
+</p:notes>
+</file>
+
+<file path=ppt/notesSlides/notesSlide9.xml><?xml version="1.0" encoding="utf-8"?>
+<p:notes xmlns:a="http://schemas.openxmlformats.org/drawingml/2006/main" xmlns:r="http://schemas.openxmlformats.org/officeDocument/2006/relationships" xmlns:p="http://schemas.openxmlformats.org/presentationml/2006/main">
+  <p:cSld>
+    <p:spTree>
+      <p:nvGrpSpPr>
+        <p:cNvPr id="1" name=""/>
+        <p:cNvGrpSpPr/>
+        <p:nvPr/>
+      </p:nvGrpSpPr>
+      <p:grpSpPr>
+        <a:xfrm>
+          <a:off x="0" y="0"/>
+          <a:ext cx="0" cy="0"/>
+          <a:chOff x="0" y="0"/>
+          <a:chExt cx="0" cy="0"/>
+        </a:xfrm>
+      </p:grpSpPr>
+      <p:sp>
+        <p:nvSpPr>
+          <p:cNvPr id="2" name="Slide Image Placeholder 1"/>
+          <p:cNvSpPr>
+            <a:spLocks noGrp="1" noRot="1" noChangeAspect="1"/>
+          </p:cNvSpPr>
+          <p:nvPr>
+            <p:ph type="sldImg"/>
+          </p:nvPr>
+        </p:nvSpPr>
+        <p:spPr/>
+      </p:sp>
+      <p:sp>
+        <p:nvSpPr>
+          <p:cNvPr id="3" name="Notes Placeholder 2"/>
+          <p:cNvSpPr>
+            <a:spLocks noGrp="1"/>
+          </p:cNvSpPr>
+          <p:nvPr>
+            <p:ph type="body" idx="1"/>
+          </p:nvPr>
+        </p:nvSpPr>
+        <p:spPr/>
+        <p:txBody>
+          <a:bodyPr/>
+          <a:lstStyle/>
+          <a:p>
+            <a:pPr rtl="0">
+              <a:spcBef>
+                <a:spcPts val="0"/>
+              </a:spcBef>
+              <a:spcAft>
+                <a:spcPts val="0"/>
+              </a:spcAft>
+            </a:pPr>
+            <a:r>
+              <a:rPr lang="bg-BG" sz="1800" b="0" i="0" u="none" strike="noStrike" dirty="0">
+                <a:solidFill>
+                  <a:srgbClr val="000000"/>
+                </a:solidFill>
+                <a:effectLst/>
+                <a:latin typeface="Arial" panose="020B0604020202020204" pitchFamily="34" charset="0"/>
+              </a:rPr>
+              <a:t>Ивайло: За сървъра използваме </a:t>
+            </a:r>
+            <a:r>
+              <a:rPr lang="en-US" sz="1800" b="0" i="0" u="none" strike="noStrike" dirty="0">
+                <a:solidFill>
+                  <a:srgbClr val="000000"/>
+                </a:solidFill>
+                <a:effectLst/>
+                <a:latin typeface="Arial" panose="020B0604020202020204" pitchFamily="34" charset="0"/>
+              </a:rPr>
+              <a:t>C# (</a:t>
+            </a:r>
+            <a:r>
+              <a:rPr lang="en-US" sz="1800" b="0" i="0" u="none" strike="noStrike" dirty="0" err="1">
+                <a:solidFill>
+                  <a:srgbClr val="000000"/>
+                </a:solidFill>
+                <a:effectLst/>
+                <a:latin typeface="Arial" panose="020B0604020202020204" pitchFamily="34" charset="0"/>
+              </a:rPr>
+              <a:t>Blazor</a:t>
+            </a:r>
+            <a:r>
+              <a:rPr lang="en-US" sz="1800" b="0" i="0" u="none" strike="noStrike" dirty="0">
+                <a:solidFill>
+                  <a:srgbClr val="000000"/>
+                </a:solidFill>
+                <a:effectLst/>
+                <a:latin typeface="Arial" panose="020B0604020202020204" pitchFamily="34" charset="0"/>
+              </a:rPr>
+              <a:t> Server App)</a:t>
+            </a:r>
+            <a:endParaRPr lang="en-US" b="0" dirty="0">
+              <a:effectLst/>
+            </a:endParaRPr>
+          </a:p>
+          <a:p>
+            <a:pPr rtl="0">
+              <a:spcBef>
+                <a:spcPts val="0"/>
+              </a:spcBef>
+              <a:spcAft>
+                <a:spcPts val="0"/>
+              </a:spcAft>
+            </a:pPr>
+            <a:r>
+              <a:rPr lang="bg-BG" sz="1800" b="0" i="0" u="none" strike="noStrike" dirty="0">
+                <a:solidFill>
+                  <a:srgbClr val="000000"/>
+                </a:solidFill>
+                <a:effectLst/>
+                <a:latin typeface="Arial" panose="020B0604020202020204" pitchFamily="34" charset="0"/>
+              </a:rPr>
+              <a:t>Връзката с </a:t>
+            </a:r>
+            <a:r>
+              <a:rPr lang="en-US" sz="1800" b="0" i="0" u="none" strike="noStrike" dirty="0">
+                <a:solidFill>
+                  <a:srgbClr val="000000"/>
+                </a:solidFill>
+                <a:effectLst/>
+                <a:latin typeface="Arial" panose="020B0604020202020204" pitchFamily="34" charset="0"/>
+              </a:rPr>
+              <a:t>TTN </a:t>
+            </a:r>
+            <a:r>
+              <a:rPr lang="bg-BG" sz="1800" b="0" i="0" u="none" strike="noStrike" dirty="0">
+                <a:solidFill>
+                  <a:srgbClr val="000000"/>
+                </a:solidFill>
+                <a:effectLst/>
+                <a:latin typeface="Arial" panose="020B0604020202020204" pitchFamily="34" charset="0"/>
+              </a:rPr>
+              <a:t>става чрез </a:t>
+            </a:r>
+            <a:r>
+              <a:rPr lang="en-US" sz="1800" b="0" i="0" u="none" strike="noStrike" dirty="0">
+                <a:solidFill>
+                  <a:srgbClr val="000000"/>
+                </a:solidFill>
+                <a:effectLst/>
+                <a:latin typeface="Arial" panose="020B0604020202020204" pitchFamily="34" charset="0"/>
+              </a:rPr>
+              <a:t>webhooks </a:t>
+            </a:r>
+            <a:endParaRPr lang="en-US" b="0" dirty="0">
+              <a:effectLst/>
+            </a:endParaRPr>
+          </a:p>
+          <a:p>
+            <a:pPr rtl="0">
+              <a:spcBef>
+                <a:spcPts val="0"/>
+              </a:spcBef>
+              <a:spcAft>
+                <a:spcPts val="0"/>
+              </a:spcAft>
+            </a:pPr>
+            <a:r>
+              <a:rPr lang="bg-BG" sz="1800" b="0" i="0" u="none" strike="noStrike" dirty="0">
+                <a:solidFill>
+                  <a:srgbClr val="000000"/>
+                </a:solidFill>
+                <a:effectLst/>
+                <a:latin typeface="Arial" panose="020B0604020202020204" pitchFamily="34" charset="0"/>
+              </a:rPr>
+              <a:t>а за връзка с клиентите използваме </a:t>
+            </a:r>
+            <a:r>
+              <a:rPr lang="en-US" sz="1800" b="0" i="0" u="none" strike="noStrike" dirty="0">
+                <a:solidFill>
+                  <a:srgbClr val="000000"/>
+                </a:solidFill>
+                <a:effectLst/>
+                <a:latin typeface="Arial" panose="020B0604020202020204" pitchFamily="34" charset="0"/>
+              </a:rPr>
+              <a:t>REST API   Signal R</a:t>
+            </a:r>
+            <a:endParaRPr lang="en-US" b="0" dirty="0">
+              <a:effectLst/>
+            </a:endParaRPr>
+          </a:p>
+          <a:p>
+            <a:pPr rtl="0">
+              <a:spcBef>
+                <a:spcPts val="0"/>
+              </a:spcBef>
+              <a:spcAft>
+                <a:spcPts val="0"/>
+              </a:spcAft>
+            </a:pPr>
+            <a:r>
+              <a:rPr lang="en-US" sz="1800" b="0" i="0" u="none" strike="noStrike" dirty="0">
+                <a:solidFill>
+                  <a:srgbClr val="000000"/>
+                </a:solidFill>
+                <a:effectLst/>
+                <a:latin typeface="Arial" panose="020B0604020202020204" pitchFamily="34" charset="0"/>
+              </a:rPr>
+              <a:t>Docker</a:t>
+            </a:r>
+            <a:endParaRPr lang="en-US" b="0" dirty="0">
+              <a:effectLst/>
+            </a:endParaRPr>
+          </a:p>
+          <a:p>
+            <a:br>
+              <a:rPr lang="en-US" dirty="0"/>
+            </a:br>
+            <a:endParaRPr lang="en-US" dirty="0"/>
+          </a:p>
+        </p:txBody>
+      </p:sp>
+      <p:sp>
+        <p:nvSpPr>
+          <p:cNvPr id="4" name="Slide Number Placeholder 3"/>
+          <p:cNvSpPr>
+            <a:spLocks noGrp="1"/>
+          </p:cNvSpPr>
+          <p:nvPr>
+            <p:ph type="sldNum" sz="quarter" idx="5"/>
+          </p:nvPr>
+        </p:nvSpPr>
+        <p:spPr/>
+        <p:txBody>
+          <a:bodyPr/>
+          <a:lstStyle/>
+          <a:p>
+            <a:fld id="{354FBB31-2E76-4A4B-BA94-9E05B09A2BD0}" type="slidenum">
+              <a:rPr lang="en-US" smtClean="0"/>
+              <a:t>9</a:t>
+            </a:fld>
+            <a:endParaRPr lang="en-US"/>
+          </a:p>
+        </p:txBody>
+      </p:sp>
+    </p:spTree>
+    <p:extLst>
+      <p:ext uri="{BB962C8B-B14F-4D97-AF65-F5344CB8AC3E}">
+        <p14:creationId xmlns:p14="http://schemas.microsoft.com/office/powerpoint/2010/main" val="2600617028"/>
+      </p:ext>
+    </p:extLst>
+  </p:cSld>
+  <p:clrMapOvr>
+    <a:masterClrMapping/>
+  </p:clrMapOvr>
+</p:notes>
+</file>
+
 <file path=ppt/slideLayouts/slideLayout1.xml><?xml version="1.0" encoding="utf-8"?>
 <p:sldLayout xmlns:a="http://schemas.openxmlformats.org/drawingml/2006/main" xmlns:r="http://schemas.openxmlformats.org/officeDocument/2006/relationships" xmlns:p="http://schemas.openxmlformats.org/presentationml/2006/main" type="title" preserve="1">
   <p:cSld name="Title Slide">
@@ -277,7 +8930,7 @@
           <a:p>
             <a:fld id="{71B84E51-3E16-4F8F-B99D-928B78D2EA60}" type="datetimeFigureOut">
               <a:rPr lang="en-US" smtClean="0"/>
-              <a:t>23-Jan-22</a:t>
+              <a:t>1/28/2022</a:t>
             </a:fld>
             <a:endParaRPr lang="en-US"/>
           </a:p>
@@ -390,7 +9043,7 @@
           <a:p>
             <a:fld id="{71B84E51-3E16-4F8F-B99D-928B78D2EA60}" type="datetimeFigureOut">
               <a:rPr lang="en-US" smtClean="0"/>
-              <a:t>23-Jan-22</a:t>
+              <a:t>1/28/2022</a:t>
             </a:fld>
             <a:endParaRPr lang="en-US"/>
           </a:p>
@@ -701,7 +9354,7 @@
           <a:p>
             <a:fld id="{71B84E51-3E16-4F8F-B99D-928B78D2EA60}" type="datetimeFigureOut">
               <a:rPr lang="en-US" smtClean="0"/>
-              <a:t>23-Jan-22</a:t>
+              <a:t>1/28/2022</a:t>
             </a:fld>
             <a:endParaRPr lang="en-US"/>
           </a:p>
@@ -989,7 +9642,7 @@
           <a:p>
             <a:fld id="{71B84E51-3E16-4F8F-B99D-928B78D2EA60}" type="datetimeFigureOut">
               <a:rPr lang="en-US" smtClean="0"/>
-              <a:t>23-Jan-22</a:t>
+              <a:t>1/28/2022</a:t>
             </a:fld>
             <a:endParaRPr lang="en-US"/>
           </a:p>
@@ -1187,7 +9840,7 @@
           <a:p>
             <a:fld id="{71B84E51-3E16-4F8F-B99D-928B78D2EA60}" type="datetimeFigureOut">
               <a:rPr lang="en-US" smtClean="0"/>
-              <a:t>23-Jan-22</a:t>
+              <a:t>1/28/2022</a:t>
             </a:fld>
             <a:endParaRPr lang="en-US"/>
           </a:p>
@@ -1395,7 +10048,7 @@
           <a:p>
             <a:fld id="{71B84E51-3E16-4F8F-B99D-928B78D2EA60}" type="datetimeFigureOut">
               <a:rPr lang="en-US" smtClean="0"/>
-              <a:t>23-Jan-22</a:t>
+              <a:t>1/28/2022</a:t>
             </a:fld>
             <a:endParaRPr lang="en-US"/>
           </a:p>
@@ -3107,7 +11760,7 @@
           <a:p>
             <a:fld id="{71B84E51-3E16-4F8F-B99D-928B78D2EA60}" type="datetimeFigureOut">
               <a:rPr lang="en-US" smtClean="0"/>
-              <a:t>23-Jan-22</a:t>
+              <a:t>1/28/2022</a:t>
             </a:fld>
             <a:endParaRPr lang="en-US"/>
           </a:p>
@@ -3519,7 +12172,7 @@
           <a:p>
             <a:fld id="{71B84E51-3E16-4F8F-B99D-928B78D2EA60}" type="datetimeFigureOut">
               <a:rPr lang="en-US" smtClean="0"/>
-              <a:t>23-Jan-22</a:t>
+              <a:t>1/28/2022</a:t>
             </a:fld>
             <a:endParaRPr lang="en-US"/>
           </a:p>
@@ -3660,7 +12313,7 @@
           <a:p>
             <a:fld id="{71B84E51-3E16-4F8F-B99D-928B78D2EA60}" type="datetimeFigureOut">
               <a:rPr lang="en-US" smtClean="0"/>
-              <a:t>23-Jan-22</a:t>
+              <a:t>1/28/2022</a:t>
             </a:fld>
             <a:endParaRPr lang="en-US"/>
           </a:p>
@@ -3901,7 +12554,7 @@
           <a:p>
             <a:fld id="{71B84E51-3E16-4F8F-B99D-928B78D2EA60}" type="datetimeFigureOut">
               <a:rPr lang="en-US" smtClean="0"/>
-              <a:t>23-Jan-22</a:t>
+              <a:t>1/28/2022</a:t>
             </a:fld>
             <a:endParaRPr lang="en-US"/>
           </a:p>
@@ -4336,7 +12989,7 @@
           <p:nvPr/>
         </p:nvPicPr>
         <p:blipFill>
-          <a:blip r:embed="rId2"/>
+          <a:blip r:embed="rId3"/>
           <a:stretch>
             <a:fillRect/>
           </a:stretch>
@@ -4366,7 +13019,7 @@
           <p:nvPr/>
         </p:nvPicPr>
         <p:blipFill>
-          <a:blip r:embed="rId3"/>
+          <a:blip r:embed="rId4"/>
           <a:stretch>
             <a:fillRect/>
           </a:stretch>
@@ -4396,7 +13049,7 @@
           <p:nvPr/>
         </p:nvPicPr>
         <p:blipFill>
-          <a:blip r:embed="rId4"/>
+          <a:blip r:embed="rId5"/>
           <a:stretch>
             <a:fillRect/>
           </a:stretch>
@@ -4492,7 +13145,7 @@
           </p:nvPr>
         </p:nvPicPr>
         <p:blipFill>
-          <a:blip r:embed="rId2">
+          <a:blip r:embed="rId3">
             <a:extLst>
               <a:ext uri="{28A0092B-C50C-407E-A947-70E740481C1C}">
                 <a14:useLocalDpi xmlns:a14="http://schemas.microsoft.com/office/drawing/2010/main" val="0"/>
@@ -4547,7 +13200,7 @@
               </a:spcBef>
               <a:buFontTx/>
               <a:buBlip>
-                <a:blip r:embed="rId3"/>
+                <a:blip r:embed="rId4"/>
               </a:buBlip>
               <a:defRPr sz="2800" kern="1200">
                 <a:solidFill>
@@ -4567,7 +13220,7 @@
               </a:spcBef>
               <a:buFontTx/>
               <a:buBlip>
-                <a:blip r:embed="rId4"/>
+                <a:blip r:embed="rId5"/>
               </a:buBlip>
               <a:defRPr sz="2400" kern="1200">
                 <a:solidFill>
@@ -5263,7 +13916,7 @@
           <p:cNvPr id="4" name="Title 3">
             <a:extLst>
               <a:ext uri="{FF2B5EF4-FFF2-40B4-BE49-F238E27FC236}">
-                <a16:creationId xmlns:a16="http://schemas.microsoft.com/office/drawing/2014/main" id="{53D6A8FD-2B1A-4932-BD19-71D12805DD7A}"/>
+                <a16:creationId xmlns:a16="http://schemas.microsoft.com/office/drawing/2014/main" id="{239FC9DE-7529-433D-B05A-58C99976F410}"/>
               </a:ext>
             </a:extLst>
           </p:cNvPr>
@@ -5274,93 +13927,30 @@
             <p:ph type="title"/>
           </p:nvPr>
         </p:nvSpPr>
-        <p:spPr/>
-        <p:txBody>
-          <a:bodyPr/>
-          <a:lstStyle/>
-          <a:p>
-            <a:r>
-              <a:rPr lang="bg-BG" dirty="0"/>
-              <a:t>База от данни</a:t>
-            </a:r>
-            <a:endParaRPr lang="en-US" dirty="0"/>
-          </a:p>
-        </p:txBody>
-      </p:sp>
-      <p:sp>
-        <p:nvSpPr>
-          <p:cNvPr id="5" name="Content Placeholder 4">
-            <a:extLst>
-              <a:ext uri="{FF2B5EF4-FFF2-40B4-BE49-F238E27FC236}">
-                <a16:creationId xmlns:a16="http://schemas.microsoft.com/office/drawing/2014/main" id="{B1AC216E-E199-4FFF-A4EB-8FADEC56E487}"/>
-              </a:ext>
-            </a:extLst>
-          </p:cNvPr>
-          <p:cNvSpPr>
-            <a:spLocks noGrp="1"/>
-          </p:cNvSpPr>
-          <p:nvPr>
-            <p:ph idx="1"/>
-          </p:nvPr>
-        </p:nvSpPr>
-        <p:spPr/>
+        <p:spPr>
+          <a:xfrm>
+            <a:off x="1921329" y="2766218"/>
+            <a:ext cx="8349342" cy="1325563"/>
+          </a:xfrm>
+        </p:spPr>
         <p:txBody>
           <a:bodyPr>
-            <a:normAutofit/>
+            <a:noAutofit/>
           </a:bodyPr>
           <a:lstStyle/>
           <a:p>
-            <a:pPr>
-              <a:lnSpc>
-                <a:spcPct val="200000"/>
-              </a:lnSpc>
-            </a:pPr>
-            <a:r>
-              <a:rPr lang="bg-BG" sz="3200" dirty="0"/>
-              <a:t> </a:t>
-            </a:r>
-            <a:r>
-              <a:rPr lang="bg-BG" sz="3200" dirty="0" err="1"/>
-              <a:t>Хостване</a:t>
-            </a:r>
-            <a:r>
-              <a:rPr lang="bg-BG" sz="3200" dirty="0"/>
-              <a:t> на базата използвайки </a:t>
-            </a:r>
-            <a:r>
-              <a:rPr lang="en-US" sz="3200" dirty="0"/>
-              <a:t>Smarter ASP.NET </a:t>
-            </a:r>
-            <a:endParaRPr lang="bg-BG" sz="3200" dirty="0"/>
-          </a:p>
-          <a:p>
-            <a:pPr>
-              <a:lnSpc>
-                <a:spcPct val="200000"/>
-              </a:lnSpc>
-            </a:pPr>
-            <a:r>
-              <a:rPr lang="en-US" sz="3200" dirty="0"/>
-              <a:t> Production query</a:t>
-            </a:r>
-          </a:p>
-          <a:p>
-            <a:pPr>
-              <a:lnSpc>
-                <a:spcPct val="200000"/>
-              </a:lnSpc>
-            </a:pPr>
-            <a:r>
-              <a:rPr lang="en-US" sz="3200" dirty="0"/>
-              <a:t> Connection String</a:t>
-            </a:r>
+            <a:r>
+              <a:rPr lang="bg-BG" sz="9600" dirty="0"/>
+              <a:t>Демо</a:t>
+            </a:r>
+            <a:endParaRPr lang="en-US" sz="9600" dirty="0"/>
           </a:p>
         </p:txBody>
       </p:sp>
     </p:spTree>
     <p:extLst>
       <p:ext uri="{BB962C8B-B14F-4D97-AF65-F5344CB8AC3E}">
-        <p14:creationId xmlns:p14="http://schemas.microsoft.com/office/powerpoint/2010/main" val="642004158"/>
+        <p14:creationId xmlns:p14="http://schemas.microsoft.com/office/powerpoint/2010/main" val="2523453419"/>
       </p:ext>
     </p:extLst>
   </p:cSld>
@@ -5389,10 +13979,10 @@
       </p:grpSpPr>
       <p:sp>
         <p:nvSpPr>
-          <p:cNvPr id="4" name="Title 3">
+          <p:cNvPr id="2" name="Title 1">
             <a:extLst>
               <a:ext uri="{FF2B5EF4-FFF2-40B4-BE49-F238E27FC236}">
-                <a16:creationId xmlns:a16="http://schemas.microsoft.com/office/drawing/2014/main" id="{53D6A8FD-2B1A-4932-BD19-71D12805DD7A}"/>
+                <a16:creationId xmlns:a16="http://schemas.microsoft.com/office/drawing/2014/main" id="{9EC8785D-20A3-418B-BE33-A76C34C7F58F}"/>
               </a:ext>
             </a:extLst>
           </p:cNvPr>
@@ -5410,7 +14000,7 @@
           <a:p>
             <a:r>
               <a:rPr lang="bg-BG" dirty="0"/>
-              <a:t>Сървър</a:t>
+              <a:t>Бъдещо развитие</a:t>
             </a:r>
             <a:endParaRPr lang="en-US" dirty="0"/>
           </a:p>
@@ -5418,10 +14008,10 @@
       </p:sp>
       <p:sp>
         <p:nvSpPr>
-          <p:cNvPr id="5" name="Content Placeholder 4">
+          <p:cNvPr id="3" name="Content Placeholder 2">
             <a:extLst>
               <a:ext uri="{FF2B5EF4-FFF2-40B4-BE49-F238E27FC236}">
-                <a16:creationId xmlns:a16="http://schemas.microsoft.com/office/drawing/2014/main" id="{B1AC216E-E199-4FFF-A4EB-8FADEC56E487}"/>
+                <a16:creationId xmlns:a16="http://schemas.microsoft.com/office/drawing/2014/main" id="{6CD3246B-3D9D-4EED-B403-D6F2176E1971}"/>
               </a:ext>
             </a:extLst>
           </p:cNvPr>
@@ -5434,12 +14024,14 @@
         </p:nvSpPr>
         <p:spPr>
           <a:xfrm>
-            <a:off x="838200" y="1596119"/>
+            <a:off x="838200" y="1457325"/>
             <a:ext cx="10515600" cy="4351338"/>
           </a:xfrm>
         </p:spPr>
         <p:txBody>
-          <a:bodyPr anchor="ctr"/>
+          <a:bodyPr anchor="ctr">
+            <a:normAutofit/>
+          </a:bodyPr>
           <a:lstStyle/>
           <a:p>
             <a:pPr>
@@ -5453,11 +14045,7 @@
             </a:r>
             <a:r>
               <a:rPr lang="bg-BG" sz="4000" dirty="0"/>
-              <a:t>Публикуване директно от </a:t>
-            </a:r>
-            <a:r>
-              <a:rPr lang="en-US" sz="4000" dirty="0"/>
-              <a:t>Visual Studio</a:t>
+              <a:t>Добавяне на потребители</a:t>
             </a:r>
           </a:p>
           <a:p>
@@ -5467,18 +14055,9 @@
               </a:lnSpc>
             </a:pPr>
             <a:r>
-              <a:rPr lang="en-US" sz="4000" dirty="0"/>
-              <a:t> </a:t>
-            </a:r>
-            <a:r>
               <a:rPr lang="bg-BG" sz="4000" dirty="0"/>
-              <a:t>Тестване със </a:t>
-            </a:r>
-            <a:r>
-              <a:rPr lang="en-US" sz="4000" dirty="0"/>
-              <a:t>SOAP UI</a:t>
-            </a:r>
-            <a:endParaRPr lang="bg-BG" sz="4000" dirty="0"/>
+              <a:t> Анализ на получените данни</a:t>
+            </a:r>
           </a:p>
           <a:p>
             <a:pPr>
@@ -5488,30 +14067,16 @@
             </a:pPr>
             <a:r>
               <a:rPr lang="bg-BG" sz="4000" dirty="0"/>
-              <a:t> Създаване на </a:t>
-            </a:r>
-            <a:r>
-              <a:rPr lang="en-US" sz="4000" dirty="0"/>
-              <a:t>docker </a:t>
-            </a:r>
-            <a:r>
-              <a:rPr lang="bg-BG" sz="4000" dirty="0"/>
-              <a:t>контейнер</a:t>
+              <a:t> Добавяне на нови станции</a:t>
             </a:r>
             <a:endParaRPr lang="en-US" sz="4000" dirty="0"/>
-          </a:p>
-          <a:p>
-            <a:pPr marL="0" indent="0">
-              <a:buNone/>
-            </a:pPr>
-            <a:endParaRPr lang="en-US" dirty="0"/>
           </a:p>
         </p:txBody>
       </p:sp>
     </p:spTree>
     <p:extLst>
       <p:ext uri="{BB962C8B-B14F-4D97-AF65-F5344CB8AC3E}">
-        <p14:creationId xmlns:p14="http://schemas.microsoft.com/office/powerpoint/2010/main" val="998330945"/>
+        <p14:creationId xmlns:p14="http://schemas.microsoft.com/office/powerpoint/2010/main" val="1551893350"/>
       </p:ext>
     </p:extLst>
   </p:cSld>
@@ -5522,369 +14087,6 @@
 </file>
 
 <file path=ppt/slides/slide16.xml><?xml version="1.0" encoding="utf-8"?>
-<p:sld xmlns:a="http://schemas.openxmlformats.org/drawingml/2006/main" xmlns:r="http://schemas.openxmlformats.org/officeDocument/2006/relationships" xmlns:p="http://schemas.openxmlformats.org/presentationml/2006/main">
-  <p:cSld>
-    <p:spTree>
-      <p:nvGrpSpPr>
-        <p:cNvPr id="1" name=""/>
-        <p:cNvGrpSpPr/>
-        <p:nvPr/>
-      </p:nvGrpSpPr>
-      <p:grpSpPr>
-        <a:xfrm>
-          <a:off x="0" y="0"/>
-          <a:ext cx="0" cy="0"/>
-          <a:chOff x="0" y="0"/>
-          <a:chExt cx="0" cy="0"/>
-        </a:xfrm>
-      </p:grpSpPr>
-      <p:sp>
-        <p:nvSpPr>
-          <p:cNvPr id="4" name="Title 3">
-            <a:extLst>
-              <a:ext uri="{FF2B5EF4-FFF2-40B4-BE49-F238E27FC236}">
-                <a16:creationId xmlns:a16="http://schemas.microsoft.com/office/drawing/2014/main" id="{53D6A8FD-2B1A-4932-BD19-71D12805DD7A}"/>
-              </a:ext>
-            </a:extLst>
-          </p:cNvPr>
-          <p:cNvSpPr>
-            <a:spLocks noGrp="1"/>
-          </p:cNvSpPr>
-          <p:nvPr>
-            <p:ph type="title"/>
-          </p:nvPr>
-        </p:nvSpPr>
-        <p:spPr/>
-        <p:txBody>
-          <a:bodyPr/>
-          <a:lstStyle/>
-          <a:p>
-            <a:r>
-              <a:rPr lang="bg-BG" dirty="0" err="1"/>
-              <a:t>Фърмуер</a:t>
-            </a:r>
-            <a:r>
-              <a:rPr lang="bg-BG" dirty="0"/>
-              <a:t> на станциите</a:t>
-            </a:r>
-            <a:endParaRPr lang="en-US" dirty="0"/>
-          </a:p>
-        </p:txBody>
-      </p:sp>
-      <p:sp>
-        <p:nvSpPr>
-          <p:cNvPr id="5" name="Content Placeholder 4">
-            <a:extLst>
-              <a:ext uri="{FF2B5EF4-FFF2-40B4-BE49-F238E27FC236}">
-                <a16:creationId xmlns:a16="http://schemas.microsoft.com/office/drawing/2014/main" id="{B1AC216E-E199-4FFF-A4EB-8FADEC56E487}"/>
-              </a:ext>
-            </a:extLst>
-          </p:cNvPr>
-          <p:cNvSpPr>
-            <a:spLocks noGrp="1"/>
-          </p:cNvSpPr>
-          <p:nvPr>
-            <p:ph idx="1"/>
-          </p:nvPr>
-        </p:nvSpPr>
-        <p:spPr>
-          <a:xfrm>
-            <a:off x="838200" y="2008074"/>
-            <a:ext cx="10515600" cy="4351338"/>
-          </a:xfrm>
-        </p:spPr>
-        <p:txBody>
-          <a:bodyPr anchor="t">
-            <a:normAutofit/>
-          </a:bodyPr>
-          <a:lstStyle/>
-          <a:p>
-            <a:pPr>
-              <a:lnSpc>
-                <a:spcPct val="200000"/>
-              </a:lnSpc>
-            </a:pPr>
-            <a:r>
-              <a:rPr lang="bg-BG" sz="3200" dirty="0"/>
-              <a:t> </a:t>
-            </a:r>
-            <a:r>
-              <a:rPr lang="en-US" sz="3200" dirty="0"/>
-              <a:t>Arduino IDE</a:t>
-            </a:r>
-          </a:p>
-          <a:p>
-            <a:pPr>
-              <a:lnSpc>
-                <a:spcPct val="200000"/>
-              </a:lnSpc>
-            </a:pPr>
-            <a:r>
-              <a:rPr lang="en-US" sz="3200" dirty="0"/>
-              <a:t> </a:t>
-            </a:r>
-            <a:r>
-              <a:rPr lang="bg-BG" sz="3200" dirty="0"/>
-              <a:t>Проверка на статуса чрез вградения </a:t>
-            </a:r>
-            <a:r>
-              <a:rPr lang="en-US" sz="3200" dirty="0"/>
-              <a:t>OLED </a:t>
-            </a:r>
-            <a:r>
-              <a:rPr lang="bg-BG" sz="3200" dirty="0"/>
-              <a:t>екран</a:t>
-            </a:r>
-            <a:endParaRPr lang="en-US" sz="3200" dirty="0"/>
-          </a:p>
-        </p:txBody>
-      </p:sp>
-    </p:spTree>
-    <p:extLst>
-      <p:ext uri="{BB962C8B-B14F-4D97-AF65-F5344CB8AC3E}">
-        <p14:creationId xmlns:p14="http://schemas.microsoft.com/office/powerpoint/2010/main" val="4236204178"/>
-      </p:ext>
-    </p:extLst>
-  </p:cSld>
-  <p:clrMapOvr>
-    <a:masterClrMapping/>
-  </p:clrMapOvr>
-</p:sld>
-</file>
-
-<file path=ppt/slides/slide17.xml><?xml version="1.0" encoding="utf-8"?>
-<p:sld xmlns:a="http://schemas.openxmlformats.org/drawingml/2006/main" xmlns:r="http://schemas.openxmlformats.org/officeDocument/2006/relationships" xmlns:p="http://schemas.openxmlformats.org/presentationml/2006/main">
-  <p:cSld>
-    <p:spTree>
-      <p:nvGrpSpPr>
-        <p:cNvPr id="1" name=""/>
-        <p:cNvGrpSpPr/>
-        <p:nvPr/>
-      </p:nvGrpSpPr>
-      <p:grpSpPr>
-        <a:xfrm>
-          <a:off x="0" y="0"/>
-          <a:ext cx="0" cy="0"/>
-          <a:chOff x="0" y="0"/>
-          <a:chExt cx="0" cy="0"/>
-        </a:xfrm>
-      </p:grpSpPr>
-      <p:sp>
-        <p:nvSpPr>
-          <p:cNvPr id="4" name="Title 3">
-            <a:extLst>
-              <a:ext uri="{FF2B5EF4-FFF2-40B4-BE49-F238E27FC236}">
-                <a16:creationId xmlns:a16="http://schemas.microsoft.com/office/drawing/2014/main" id="{53D6A8FD-2B1A-4932-BD19-71D12805DD7A}"/>
-              </a:ext>
-            </a:extLst>
-          </p:cNvPr>
-          <p:cNvSpPr>
-            <a:spLocks noGrp="1"/>
-          </p:cNvSpPr>
-          <p:nvPr>
-            <p:ph type="title"/>
-          </p:nvPr>
-        </p:nvSpPr>
-        <p:spPr/>
-        <p:txBody>
-          <a:bodyPr/>
-          <a:lstStyle/>
-          <a:p>
-            <a:r>
-              <a:rPr lang="en-US" dirty="0"/>
-              <a:t>Flutter </a:t>
-            </a:r>
-            <a:r>
-              <a:rPr lang="bg-BG" dirty="0"/>
-              <a:t>клиент</a:t>
-            </a:r>
-            <a:endParaRPr lang="en-US" dirty="0"/>
-          </a:p>
-        </p:txBody>
-      </p:sp>
-      <p:sp>
-        <p:nvSpPr>
-          <p:cNvPr id="5" name="Content Placeholder 4">
-            <a:extLst>
-              <a:ext uri="{FF2B5EF4-FFF2-40B4-BE49-F238E27FC236}">
-                <a16:creationId xmlns:a16="http://schemas.microsoft.com/office/drawing/2014/main" id="{B1AC216E-E199-4FFF-A4EB-8FADEC56E487}"/>
-              </a:ext>
-            </a:extLst>
-          </p:cNvPr>
-          <p:cNvSpPr>
-            <a:spLocks noGrp="1"/>
-          </p:cNvSpPr>
-          <p:nvPr>
-            <p:ph idx="1"/>
-          </p:nvPr>
-        </p:nvSpPr>
-        <p:spPr/>
-        <p:txBody>
-          <a:bodyPr>
-            <a:normAutofit/>
-          </a:bodyPr>
-          <a:lstStyle/>
-          <a:p>
-            <a:r>
-              <a:rPr lang="bg-BG" sz="4000" dirty="0"/>
-              <a:t> Използваме </a:t>
-            </a:r>
-            <a:r>
-              <a:rPr lang="en-US" sz="4000" dirty="0"/>
-              <a:t>Google Play </a:t>
-            </a:r>
-            <a:r>
-              <a:rPr lang="bg-BG" sz="4000" dirty="0"/>
-              <a:t>за разпространение на софтуера</a:t>
-            </a:r>
-            <a:endParaRPr lang="en-US" sz="4000" dirty="0"/>
-          </a:p>
-        </p:txBody>
-      </p:sp>
-    </p:spTree>
-    <p:extLst>
-      <p:ext uri="{BB962C8B-B14F-4D97-AF65-F5344CB8AC3E}">
-        <p14:creationId xmlns:p14="http://schemas.microsoft.com/office/powerpoint/2010/main" val="1639127440"/>
-      </p:ext>
-    </p:extLst>
-  </p:cSld>
-  <p:clrMapOvr>
-    <a:masterClrMapping/>
-  </p:clrMapOvr>
-</p:sld>
-</file>
-
-<file path=ppt/slides/slide18.xml><?xml version="1.0" encoding="utf-8"?>
-<p:sld xmlns:a="http://schemas.openxmlformats.org/drawingml/2006/main" xmlns:r="http://schemas.openxmlformats.org/officeDocument/2006/relationships" xmlns:p="http://schemas.openxmlformats.org/presentationml/2006/main">
-  <p:cSld>
-    <p:spTree>
-      <p:nvGrpSpPr>
-        <p:cNvPr id="1" name=""/>
-        <p:cNvGrpSpPr/>
-        <p:nvPr/>
-      </p:nvGrpSpPr>
-      <p:grpSpPr>
-        <a:xfrm>
-          <a:off x="0" y="0"/>
-          <a:ext cx="0" cy="0"/>
-          <a:chOff x="0" y="0"/>
-          <a:chExt cx="0" cy="0"/>
-        </a:xfrm>
-      </p:grpSpPr>
-      <p:sp>
-        <p:nvSpPr>
-          <p:cNvPr id="4" name="Title 3">
-            <a:extLst>
-              <a:ext uri="{FF2B5EF4-FFF2-40B4-BE49-F238E27FC236}">
-                <a16:creationId xmlns:a16="http://schemas.microsoft.com/office/drawing/2014/main" id="{53D6A8FD-2B1A-4932-BD19-71D12805DD7A}"/>
-              </a:ext>
-            </a:extLst>
-          </p:cNvPr>
-          <p:cNvSpPr>
-            <a:spLocks noGrp="1"/>
-          </p:cNvSpPr>
-          <p:nvPr>
-            <p:ph type="title"/>
-          </p:nvPr>
-        </p:nvSpPr>
-        <p:spPr/>
-        <p:txBody>
-          <a:bodyPr/>
-          <a:lstStyle/>
-          <a:p>
-            <a:r>
-              <a:rPr lang="en-US" dirty="0"/>
-              <a:t>React </a:t>
-            </a:r>
-            <a:r>
-              <a:rPr lang="bg-BG" dirty="0"/>
-              <a:t>клиент</a:t>
-            </a:r>
-            <a:endParaRPr lang="en-US" dirty="0"/>
-          </a:p>
-        </p:txBody>
-      </p:sp>
-      <p:sp>
-        <p:nvSpPr>
-          <p:cNvPr id="5" name="Content Placeholder 4">
-            <a:extLst>
-              <a:ext uri="{FF2B5EF4-FFF2-40B4-BE49-F238E27FC236}">
-                <a16:creationId xmlns:a16="http://schemas.microsoft.com/office/drawing/2014/main" id="{B1AC216E-E199-4FFF-A4EB-8FADEC56E487}"/>
-              </a:ext>
-            </a:extLst>
-          </p:cNvPr>
-          <p:cNvSpPr>
-            <a:spLocks noGrp="1"/>
-          </p:cNvSpPr>
-          <p:nvPr>
-            <p:ph idx="1"/>
-          </p:nvPr>
-        </p:nvSpPr>
-        <p:spPr/>
-        <p:txBody>
-          <a:bodyPr>
-            <a:normAutofit/>
-          </a:bodyPr>
-          <a:lstStyle/>
-          <a:p>
-            <a:pPr>
-              <a:lnSpc>
-                <a:spcPct val="250000"/>
-              </a:lnSpc>
-            </a:pPr>
-            <a:r>
-              <a:rPr lang="en-US" sz="3200" dirty="0"/>
-              <a:t> </a:t>
-            </a:r>
-            <a:r>
-              <a:rPr lang="bg-BG" sz="3200" dirty="0"/>
-              <a:t> Публикуване директно на </a:t>
-            </a:r>
-            <a:r>
-              <a:rPr lang="en-US" sz="3200" dirty="0"/>
-              <a:t>build </a:t>
-            </a:r>
-            <a:r>
-              <a:rPr lang="bg-BG" sz="3200" dirty="0"/>
-              <a:t>директорията</a:t>
-            </a:r>
-          </a:p>
-          <a:p>
-            <a:pPr>
-              <a:lnSpc>
-                <a:spcPct val="250000"/>
-              </a:lnSpc>
-            </a:pPr>
-            <a:r>
-              <a:rPr lang="bg-BG" sz="3200" dirty="0"/>
-              <a:t>  Създаване на </a:t>
-            </a:r>
-            <a:r>
-              <a:rPr lang="en-US" sz="3200" dirty="0"/>
-              <a:t>docker </a:t>
-            </a:r>
-            <a:r>
-              <a:rPr lang="bg-BG" sz="3200" dirty="0"/>
-              <a:t>контейнер</a:t>
-            </a:r>
-            <a:endParaRPr lang="en-US" sz="3200" dirty="0"/>
-          </a:p>
-        </p:txBody>
-      </p:sp>
-    </p:spTree>
-    <p:extLst>
-      <p:ext uri="{BB962C8B-B14F-4D97-AF65-F5344CB8AC3E}">
-        <p14:creationId xmlns:p14="http://schemas.microsoft.com/office/powerpoint/2010/main" val="3409335049"/>
-      </p:ext>
-    </p:extLst>
-  </p:cSld>
-  <p:clrMapOvr>
-    <a:masterClrMapping/>
-  </p:clrMapOvr>
-</p:sld>
-</file>
-
-<file path=ppt/slides/slide19.xml><?xml version="1.0" encoding="utf-8"?>
 <p:sld xmlns:a="http://schemas.openxmlformats.org/drawingml/2006/main" xmlns:r="http://schemas.openxmlformats.org/officeDocument/2006/relationships" xmlns:p="http://schemas.openxmlformats.org/presentationml/2006/main">
   <p:cSld>
     <p:spTree>
@@ -5931,7 +14133,7 @@
           <a:p>
             <a:r>
               <a:rPr lang="bg-BG" sz="9600" dirty="0"/>
-              <a:t>Демо</a:t>
+              <a:t>Въпроси</a:t>
             </a:r>
             <a:endParaRPr lang="en-US" sz="9600" dirty="0"/>
           </a:p>
@@ -5940,7 +14142,7 @@
     </p:spTree>
     <p:extLst>
       <p:ext uri="{BB962C8B-B14F-4D97-AF65-F5344CB8AC3E}">
-        <p14:creationId xmlns:p14="http://schemas.microsoft.com/office/powerpoint/2010/main" val="2523453419"/>
+        <p14:creationId xmlns:p14="http://schemas.microsoft.com/office/powerpoint/2010/main" val="1440907700"/>
       </p:ext>
     </p:extLst>
   </p:cSld>
@@ -6451,7 +14653,7 @@
           <p:nvPr/>
         </p:nvPicPr>
         <p:blipFill>
-          <a:blip r:embed="rId2">
+          <a:blip r:embed="rId3">
             <a:extLst>
               <a:ext uri="{28A0092B-C50C-407E-A947-70E740481C1C}">
                 <a14:useLocalDpi xmlns:a14="http://schemas.microsoft.com/office/drawing/2010/main" val="0"/>
@@ -6812,7 +15014,7 @@
           </p:nvPr>
         </p:nvPicPr>
         <p:blipFill>
-          <a:blip r:embed="rId2">
+          <a:blip r:embed="rId3">
             <a:extLst>
               <a:ext uri="{28A0092B-C50C-407E-A947-70E740481C1C}">
                 <a14:useLocalDpi xmlns:a14="http://schemas.microsoft.com/office/drawing/2010/main" val="0"/>
@@ -6845,7 +15047,7 @@
           <p:nvPr/>
         </p:nvPicPr>
         <p:blipFill>
-          <a:blip r:embed="rId3">
+          <a:blip r:embed="rId4">
             <a:extLst>
               <a:ext uri="{28A0092B-C50C-407E-A947-70E740481C1C}">
                 <a14:useLocalDpi xmlns:a14="http://schemas.microsoft.com/office/drawing/2010/main" val="0"/>
@@ -7342,4 +15544,299 @@
     </a:ext>
   </a:extLst>
 </a:theme>
+</file>
+
+<file path=ppt/theme/theme2.xml><?xml version="1.0" encoding="utf-8"?>
+<a:theme xmlns:a="http://schemas.openxmlformats.org/drawingml/2006/main" name="Office Theme">
+  <a:themeElements>
+    <a:clrScheme name="Office">
+      <a:dk1>
+        <a:sysClr val="windowText" lastClr="000000"/>
+      </a:dk1>
+      <a:lt1>
+        <a:sysClr val="window" lastClr="FFFFFF"/>
+      </a:lt1>
+      <a:dk2>
+        <a:srgbClr val="44546A"/>
+      </a:dk2>
+      <a:lt2>
+        <a:srgbClr val="E7E6E6"/>
+      </a:lt2>
+      <a:accent1>
+        <a:srgbClr val="4472C4"/>
+      </a:accent1>
+      <a:accent2>
+        <a:srgbClr val="ED7D31"/>
+      </a:accent2>
+      <a:accent3>
+        <a:srgbClr val="A5A5A5"/>
+      </a:accent3>
+      <a:accent4>
+        <a:srgbClr val="FFC000"/>
+      </a:accent4>
+      <a:accent5>
+        <a:srgbClr val="5B9BD5"/>
+      </a:accent5>
+      <a:accent6>
+        <a:srgbClr val="70AD47"/>
+      </a:accent6>
+      <a:hlink>
+        <a:srgbClr val="0563C1"/>
+      </a:hlink>
+      <a:folHlink>
+        <a:srgbClr val="954F72"/>
+      </a:folHlink>
+    </a:clrScheme>
+    <a:fontScheme name="Office">
+      <a:majorFont>
+        <a:latin typeface="Calibri Light" panose="020F0302020204030204"/>
+        <a:ea typeface=""/>
+        <a:cs typeface=""/>
+        <a:font script="Jpan" typeface="游ゴシック Light"/>
+        <a:font script="Hang" typeface="맑은 고딕"/>
+        <a:font script="Hans" typeface="等线 Light"/>
+        <a:font script="Hant" typeface="新細明體"/>
+        <a:font script="Arab" typeface="Times New Roman"/>
+        <a:font script="Hebr" typeface="Times New Roman"/>
+        <a:font script="Thai" typeface="Angsana New"/>
+        <a:font script="Ethi" typeface="Nyala"/>
+        <a:font script="Beng" typeface="Vrinda"/>
+        <a:font script="Gujr" typeface="Shruti"/>
+        <a:font script="Khmr" typeface="MoolBoran"/>
+        <a:font script="Knda" typeface="Tunga"/>
+        <a:font script="Guru" typeface="Raavi"/>
+        <a:font script="Cans" typeface="Euphemia"/>
+        <a:font script="Cher" typeface="Plantagenet Cherokee"/>
+        <a:font script="Yiii" typeface="Microsoft Yi Baiti"/>
+        <a:font script="Tibt" typeface="Microsoft Himalaya"/>
+        <a:font script="Thaa" typeface="MV Boli"/>
+        <a:font script="Deva" typeface="Mangal"/>
+        <a:font script="Telu" typeface="Gautami"/>
+        <a:font script="Taml" typeface="Latha"/>
+        <a:font script="Syrc" typeface="Estrangelo Edessa"/>
+        <a:font script="Orya" typeface="Kalinga"/>
+        <a:font script="Mlym" typeface="Kartika"/>
+        <a:font script="Laoo" typeface="DokChampa"/>
+        <a:font script="Sinh" typeface="Iskoola Pota"/>
+        <a:font script="Mong" typeface="Mongolian Baiti"/>
+        <a:font script="Viet" typeface="Times New Roman"/>
+        <a:font script="Uigh" typeface="Microsoft Uighur"/>
+        <a:font script="Geor" typeface="Sylfaen"/>
+        <a:font script="Armn" typeface="Arial"/>
+        <a:font script="Bugi" typeface="Leelawadee UI"/>
+        <a:font script="Bopo" typeface="Microsoft JhengHei"/>
+        <a:font script="Java" typeface="Javanese Text"/>
+        <a:font script="Lisu" typeface="Segoe UI"/>
+        <a:font script="Mymr" typeface="Myanmar Text"/>
+        <a:font script="Nkoo" typeface="Ebrima"/>
+        <a:font script="Olck" typeface="Nirmala UI"/>
+        <a:font script="Osma" typeface="Ebrima"/>
+        <a:font script="Phag" typeface="Phagspa"/>
+        <a:font script="Syrn" typeface="Estrangelo Edessa"/>
+        <a:font script="Syrj" typeface="Estrangelo Edessa"/>
+        <a:font script="Syre" typeface="Estrangelo Edessa"/>
+        <a:font script="Sora" typeface="Nirmala UI"/>
+        <a:font script="Tale" typeface="Microsoft Tai Le"/>
+        <a:font script="Talu" typeface="Microsoft New Tai Lue"/>
+        <a:font script="Tfng" typeface="Ebrima"/>
+      </a:majorFont>
+      <a:minorFont>
+        <a:latin typeface="Calibri" panose="020F0502020204030204"/>
+        <a:ea typeface=""/>
+        <a:cs typeface=""/>
+        <a:font script="Jpan" typeface="游ゴシック"/>
+        <a:font script="Hang" typeface="맑은 고딕"/>
+        <a:font script="Hans" typeface="等线"/>
+        <a:font script="Hant" typeface="新細明體"/>
+        <a:font script="Arab" typeface="Arial"/>
+        <a:font script="Hebr" typeface="Arial"/>
+        <a:font script="Thai" typeface="Cordia New"/>
+        <a:font script="Ethi" typeface="Nyala"/>
+        <a:font script="Beng" typeface="Vrinda"/>
+        <a:font script="Gujr" typeface="Shruti"/>
+        <a:font script="Khmr" typeface="DaunPenh"/>
+        <a:font script="Knda" typeface="Tunga"/>
+        <a:font script="Guru" typeface="Raavi"/>
+        <a:font script="Cans" typeface="Euphemia"/>
+        <a:font script="Cher" typeface="Plantagenet Cherokee"/>
+        <a:font script="Yiii" typeface="Microsoft Yi Baiti"/>
+        <a:font script="Tibt" typeface="Microsoft Himalaya"/>
+        <a:font script="Thaa" typeface="MV Boli"/>
+        <a:font script="Deva" typeface="Mangal"/>
+        <a:font script="Telu" typeface="Gautami"/>
+        <a:font script="Taml" typeface="Latha"/>
+        <a:font script="Syrc" typeface="Estrangelo Edessa"/>
+        <a:font script="Orya" typeface="Kalinga"/>
+        <a:font script="Mlym" typeface="Kartika"/>
+        <a:font script="Laoo" typeface="DokChampa"/>
+        <a:font script="Sinh" typeface="Iskoola Pota"/>
+        <a:font script="Mong" typeface="Mongolian Baiti"/>
+        <a:font script="Viet" typeface="Arial"/>
+        <a:font script="Uigh" typeface="Microsoft Uighur"/>
+        <a:font script="Geor" typeface="Sylfaen"/>
+        <a:font script="Armn" typeface="Arial"/>
+        <a:font script="Bugi" typeface="Leelawadee UI"/>
+        <a:font script="Bopo" typeface="Microsoft JhengHei"/>
+        <a:font script="Java" typeface="Javanese Text"/>
+        <a:font script="Lisu" typeface="Segoe UI"/>
+        <a:font script="Mymr" typeface="Myanmar Text"/>
+        <a:font script="Nkoo" typeface="Ebrima"/>
+        <a:font script="Olck" typeface="Nirmala UI"/>
+        <a:font script="Osma" typeface="Ebrima"/>
+        <a:font script="Phag" typeface="Phagspa"/>
+        <a:font script="Syrn" typeface="Estrangelo Edessa"/>
+        <a:font script="Syrj" typeface="Estrangelo Edessa"/>
+        <a:font script="Syre" typeface="Estrangelo Edessa"/>
+        <a:font script="Sora" typeface="Nirmala UI"/>
+        <a:font script="Tale" typeface="Microsoft Tai Le"/>
+        <a:font script="Talu" typeface="Microsoft New Tai Lue"/>
+        <a:font script="Tfng" typeface="Ebrima"/>
+      </a:minorFont>
+    </a:fontScheme>
+    <a:fmtScheme name="Office">
+      <a:fillStyleLst>
+        <a:solidFill>
+          <a:schemeClr val="phClr"/>
+        </a:solidFill>
+        <a:gradFill rotWithShape="1">
+          <a:gsLst>
+            <a:gs pos="0">
+              <a:schemeClr val="phClr">
+                <a:lumMod val="110000"/>
+                <a:satMod val="105000"/>
+                <a:tint val="67000"/>
+              </a:schemeClr>
+            </a:gs>
+            <a:gs pos="50000">
+              <a:schemeClr val="phClr">
+                <a:lumMod val="105000"/>
+                <a:satMod val="103000"/>
+                <a:tint val="73000"/>
+              </a:schemeClr>
+            </a:gs>
+            <a:gs pos="100000">
+              <a:schemeClr val="phClr">
+                <a:lumMod val="105000"/>
+                <a:satMod val="109000"/>
+                <a:tint val="81000"/>
+              </a:schemeClr>
+            </a:gs>
+          </a:gsLst>
+          <a:lin ang="5400000" scaled="0"/>
+        </a:gradFill>
+        <a:gradFill rotWithShape="1">
+          <a:gsLst>
+            <a:gs pos="0">
+              <a:schemeClr val="phClr">
+                <a:satMod val="103000"/>
+                <a:lumMod val="102000"/>
+                <a:tint val="94000"/>
+              </a:schemeClr>
+            </a:gs>
+            <a:gs pos="50000">
+              <a:schemeClr val="phClr">
+                <a:satMod val="110000"/>
+                <a:lumMod val="100000"/>
+                <a:shade val="100000"/>
+              </a:schemeClr>
+            </a:gs>
+            <a:gs pos="100000">
+              <a:schemeClr val="phClr">
+                <a:lumMod val="99000"/>
+                <a:satMod val="120000"/>
+                <a:shade val="78000"/>
+              </a:schemeClr>
+            </a:gs>
+          </a:gsLst>
+          <a:lin ang="5400000" scaled="0"/>
+        </a:gradFill>
+      </a:fillStyleLst>
+      <a:lnStyleLst>
+        <a:ln w="6350" cap="flat" cmpd="sng" algn="ctr">
+          <a:solidFill>
+            <a:schemeClr val="phClr"/>
+          </a:solidFill>
+          <a:prstDash val="solid"/>
+          <a:miter lim="800000"/>
+        </a:ln>
+        <a:ln w="12700" cap="flat" cmpd="sng" algn="ctr">
+          <a:solidFill>
+            <a:schemeClr val="phClr"/>
+          </a:solidFill>
+          <a:prstDash val="solid"/>
+          <a:miter lim="800000"/>
+        </a:ln>
+        <a:ln w="19050" cap="flat" cmpd="sng" algn="ctr">
+          <a:solidFill>
+            <a:schemeClr val="phClr"/>
+          </a:solidFill>
+          <a:prstDash val="solid"/>
+          <a:miter lim="800000"/>
+        </a:ln>
+      </a:lnStyleLst>
+      <a:effectStyleLst>
+        <a:effectStyle>
+          <a:effectLst/>
+        </a:effectStyle>
+        <a:effectStyle>
+          <a:effectLst/>
+        </a:effectStyle>
+        <a:effectStyle>
+          <a:effectLst>
+            <a:outerShdw blurRad="57150" dist="19050" dir="5400000" algn="ctr" rotWithShape="0">
+              <a:srgbClr val="000000">
+                <a:alpha val="63000"/>
+              </a:srgbClr>
+            </a:outerShdw>
+          </a:effectLst>
+        </a:effectStyle>
+      </a:effectStyleLst>
+      <a:bgFillStyleLst>
+        <a:solidFill>
+          <a:schemeClr val="phClr"/>
+        </a:solidFill>
+        <a:solidFill>
+          <a:schemeClr val="phClr">
+            <a:tint val="95000"/>
+            <a:satMod val="170000"/>
+          </a:schemeClr>
+        </a:solidFill>
+        <a:gradFill rotWithShape="1">
+          <a:gsLst>
+            <a:gs pos="0">
+              <a:schemeClr val="phClr">
+                <a:tint val="93000"/>
+                <a:satMod val="150000"/>
+                <a:shade val="98000"/>
+                <a:lumMod val="102000"/>
+              </a:schemeClr>
+            </a:gs>
+            <a:gs pos="50000">
+              <a:schemeClr val="phClr">
+                <a:tint val="98000"/>
+                <a:satMod val="130000"/>
+                <a:shade val="90000"/>
+                <a:lumMod val="103000"/>
+              </a:schemeClr>
+            </a:gs>
+            <a:gs pos="100000">
+              <a:schemeClr val="phClr">
+                <a:shade val="63000"/>
+                <a:satMod val="120000"/>
+              </a:schemeClr>
+            </a:gs>
+          </a:gsLst>
+          <a:lin ang="5400000" scaled="0"/>
+        </a:gradFill>
+      </a:bgFillStyleLst>
+    </a:fmtScheme>
+  </a:themeElements>
+  <a:objectDefaults/>
+  <a:extraClrSchemeLst/>
+  <a:extLst>
+    <a:ext uri="{05A4C25C-085E-4340-85A3-A5531E510DB2}">
+      <thm15:themeFamily xmlns:thm15="http://schemas.microsoft.com/office/thememl/2012/main" name="Office Theme" id="{62F939B6-93AF-4DB8-9C6B-D6C7DFDC589F}" vid="{4A3C46E8-61CC-4603-A589-7422A47A8E4A}"/>
+    </a:ext>
+  </a:extLst>
+</a:theme>
 </file>